--- a/Beleg/UML-IR_Remote.pptx
+++ b/Beleg/UML-IR_Remote.pptx
@@ -6,6 +6,9 @@
   </p:sldMasterIdLst>
   <p:sldIdLst>
     <p:sldId id="256" r:id="rId2"/>
+    <p:sldId id="257" r:id="rId3"/>
+    <p:sldId id="266" r:id="rId4"/>
+    <p:sldId id="263" r:id="rId5"/>
   </p:sldIdLst>
   <p:sldSz cx="12192000" cy="6858000"/>
   <p:notesSz cx="6858000" cy="9144000"/>
@@ -104,6 +107,11 @@
       </a:defRPr>
     </a:lvl9pPr>
   </p:defaultTextStyle>
+  <p:extLst>
+    <p:ext uri="{EFAFB233-063F-42B5-8137-9DF3F51BA10A}">
+      <p15:sldGuideLst xmlns:p15="http://schemas.microsoft.com/office/powerpoint/2012/main"/>
+    </p:ext>
+  </p:extLst>
 </p:presentation>
 </file>
 
@@ -3403,6 +3411,9011 @@
 </p:sld>
 </file>
 
+<file path=ppt/slides/slide2.xml><?xml version="1.0" encoding="utf-8"?>
+<p:sld xmlns:a="http://schemas.openxmlformats.org/drawingml/2006/main" xmlns:r="http://schemas.openxmlformats.org/officeDocument/2006/relationships" xmlns:p="http://schemas.openxmlformats.org/presentationml/2006/main">
+  <p:cSld>
+    <p:spTree>
+      <p:nvGrpSpPr>
+        <p:cNvPr id="1" name=""/>
+        <p:cNvGrpSpPr/>
+        <p:nvPr/>
+      </p:nvGrpSpPr>
+      <p:grpSpPr>
+        <a:xfrm>
+          <a:off x="0" y="0"/>
+          <a:ext cx="0" cy="0"/>
+          <a:chOff x="0" y="0"/>
+          <a:chExt cx="0" cy="0"/>
+        </a:xfrm>
+      </p:grpSpPr>
+      <p:sp>
+        <p:nvSpPr>
+          <p:cNvPr id="2" name="Titel 1">
+            <a:extLst>
+              <a:ext uri="{FF2B5EF4-FFF2-40B4-BE49-F238E27FC236}">
+                <a16:creationId xmlns:a16="http://schemas.microsoft.com/office/drawing/2014/main" id="{D17E7253-BDB1-E4F0-E8C7-8181E93F8C7F}"/>
+              </a:ext>
+            </a:extLst>
+          </p:cNvPr>
+          <p:cNvSpPr>
+            <a:spLocks noGrp="1"/>
+          </p:cNvSpPr>
+          <p:nvPr>
+            <p:ph type="title"/>
+          </p:nvPr>
+        </p:nvSpPr>
+        <p:spPr/>
+        <p:txBody>
+          <a:bodyPr/>
+          <a:lstStyle/>
+          <a:p>
+            <a:r>
+              <a:rPr lang="de-DE" dirty="0"/>
+              <a:t>Inhalt</a:t>
+            </a:r>
+          </a:p>
+        </p:txBody>
+      </p:sp>
+      <p:sp>
+        <p:nvSpPr>
+          <p:cNvPr id="3" name="Inhaltsplatzhalter 2">
+            <a:extLst>
+              <a:ext uri="{FF2B5EF4-FFF2-40B4-BE49-F238E27FC236}">
+                <a16:creationId xmlns:a16="http://schemas.microsoft.com/office/drawing/2014/main" id="{255224FD-388E-D8B4-C245-DD6687B81A24}"/>
+              </a:ext>
+            </a:extLst>
+          </p:cNvPr>
+          <p:cNvSpPr>
+            <a:spLocks noGrp="1"/>
+          </p:cNvSpPr>
+          <p:nvPr>
+            <p:ph idx="1"/>
+          </p:nvPr>
+        </p:nvSpPr>
+        <p:spPr/>
+        <p:txBody>
+          <a:bodyPr/>
+          <a:lstStyle/>
+          <a:p>
+            <a:r>
+              <a:rPr lang="de-DE" dirty="0"/>
+              <a:t>Klassendiagramm, wie die einzelnen Module eingebunden sind und zusammen wirken. Welche Klassen überhaupt existieren.</a:t>
+            </a:r>
+          </a:p>
+          <a:p>
+            <a:r>
+              <a:rPr lang="de-DE" dirty="0" err="1"/>
+              <a:t>Ablaufiagramm</a:t>
+            </a:r>
+            <a:r>
+              <a:rPr lang="de-DE" dirty="0"/>
+              <a:t> von </a:t>
+            </a:r>
+            <a:r>
+              <a:rPr lang="de-DE" dirty="0" err="1"/>
+              <a:t>base_system.ino</a:t>
+            </a:r>
+            <a:r>
+              <a:rPr lang="de-DE" dirty="0"/>
+              <a:t>, Klassenmethoden für Module nicht explizit beschreiben. Die Funktionalität hinter diesen Funktionen sollte vorher anhand der Beispiele beschrieben werden.</a:t>
+            </a:r>
+          </a:p>
+        </p:txBody>
+      </p:sp>
+    </p:spTree>
+    <p:extLst>
+      <p:ext uri="{BB962C8B-B14F-4D97-AF65-F5344CB8AC3E}">
+        <p14:creationId xmlns:p14="http://schemas.microsoft.com/office/powerpoint/2010/main" val="960920428"/>
+      </p:ext>
+    </p:extLst>
+  </p:cSld>
+  <p:clrMapOvr>
+    <a:masterClrMapping/>
+  </p:clrMapOvr>
+</p:sld>
+</file>
+
+<file path=ppt/slides/slide3.xml><?xml version="1.0" encoding="utf-8"?>
+<p:sld xmlns:a="http://schemas.openxmlformats.org/drawingml/2006/main" xmlns:r="http://schemas.openxmlformats.org/officeDocument/2006/relationships" xmlns:p="http://schemas.openxmlformats.org/presentationml/2006/main">
+  <p:cSld>
+    <p:spTree>
+      <p:nvGrpSpPr>
+        <p:cNvPr id="1" name=""/>
+        <p:cNvGrpSpPr/>
+        <p:nvPr/>
+      </p:nvGrpSpPr>
+      <p:grpSpPr>
+        <a:xfrm>
+          <a:off x="0" y="0"/>
+          <a:ext cx="0" cy="0"/>
+          <a:chOff x="0" y="0"/>
+          <a:chExt cx="0" cy="0"/>
+        </a:xfrm>
+      </p:grpSpPr>
+      <p:grpSp>
+        <p:nvGrpSpPr>
+          <p:cNvPr id="20" name="Gruppieren 19">
+            <a:extLst>
+              <a:ext uri="{FF2B5EF4-FFF2-40B4-BE49-F238E27FC236}">
+                <a16:creationId xmlns:a16="http://schemas.microsoft.com/office/drawing/2014/main" id="{882E103F-ADF7-11DE-8ADA-FEEB0E4EFE1E}"/>
+              </a:ext>
+            </a:extLst>
+          </p:cNvPr>
+          <p:cNvGrpSpPr/>
+          <p:nvPr/>
+        </p:nvGrpSpPr>
+        <p:grpSpPr>
+          <a:xfrm>
+            <a:off x="2857112" y="299527"/>
+            <a:ext cx="2386062" cy="817510"/>
+            <a:chOff x="4712295" y="2548166"/>
+            <a:chExt cx="2386062" cy="817510"/>
+          </a:xfrm>
+        </p:grpSpPr>
+        <p:sp>
+          <p:nvSpPr>
+            <p:cNvPr id="4" name="Rechteck 3">
+              <a:extLst>
+                <a:ext uri="{FF2B5EF4-FFF2-40B4-BE49-F238E27FC236}">
+                  <a16:creationId xmlns:a16="http://schemas.microsoft.com/office/drawing/2014/main" id="{89910846-AA31-7E9F-C67D-8B0FEA741B60}"/>
+                </a:ext>
+              </a:extLst>
+            </p:cNvPr>
+            <p:cNvSpPr/>
+            <p:nvPr/>
+          </p:nvSpPr>
+          <p:spPr>
+            <a:xfrm>
+              <a:off x="4712295" y="2548166"/>
+              <a:ext cx="2386062" cy="301555"/>
+            </a:xfrm>
+            <a:prstGeom prst="rect">
+              <a:avLst/>
+            </a:prstGeom>
+            <a:noFill/>
+            <a:ln>
+              <a:solidFill>
+                <a:schemeClr val="tx1"/>
+              </a:solidFill>
+            </a:ln>
+          </p:spPr>
+          <p:style>
+            <a:lnRef idx="2">
+              <a:schemeClr val="accent1">
+                <a:shade val="15000"/>
+              </a:schemeClr>
+            </a:lnRef>
+            <a:fillRef idx="1">
+              <a:schemeClr val="accent1"/>
+            </a:fillRef>
+            <a:effectRef idx="0">
+              <a:schemeClr val="accent1"/>
+            </a:effectRef>
+            <a:fontRef idx="minor">
+              <a:schemeClr val="lt1"/>
+            </a:fontRef>
+          </p:style>
+          <p:txBody>
+            <a:bodyPr lIns="68580" tIns="34292" rIns="68580" bIns="34292" rtlCol="0" anchor="ctr"/>
+            <a:lstStyle/>
+            <a:p>
+              <a:pPr algn="ctr"/>
+              <a:r>
+                <a:rPr lang="de-DE" sz="2000" b="1" dirty="0">
+                  <a:solidFill>
+                    <a:schemeClr val="tx1"/>
+                  </a:solidFill>
+                  <a:latin typeface="Arial" panose="020B0604020202020204" pitchFamily="34" charset="0"/>
+                  <a:cs typeface="Arial" panose="020B0604020202020204" pitchFamily="34" charset="0"/>
+                </a:rPr>
+                <a:t>Display</a:t>
+              </a:r>
+            </a:p>
+          </p:txBody>
+        </p:sp>
+        <p:sp>
+          <p:nvSpPr>
+            <p:cNvPr id="8" name="Rechteck 7">
+              <a:extLst>
+                <a:ext uri="{FF2B5EF4-FFF2-40B4-BE49-F238E27FC236}">
+                  <a16:creationId xmlns:a16="http://schemas.microsoft.com/office/drawing/2014/main" id="{DD7E55C1-9776-6841-FA4D-E0474509A70F}"/>
+                </a:ext>
+              </a:extLst>
+            </p:cNvPr>
+            <p:cNvSpPr/>
+            <p:nvPr/>
+          </p:nvSpPr>
+          <p:spPr>
+            <a:xfrm>
+              <a:off x="4712295" y="2849723"/>
+              <a:ext cx="2386062" cy="151664"/>
+            </a:xfrm>
+            <a:prstGeom prst="rect">
+              <a:avLst/>
+            </a:prstGeom>
+            <a:noFill/>
+            <a:ln>
+              <a:solidFill>
+                <a:schemeClr val="tx1"/>
+              </a:solidFill>
+            </a:ln>
+          </p:spPr>
+          <p:style>
+            <a:lnRef idx="2">
+              <a:schemeClr val="accent1">
+                <a:shade val="15000"/>
+              </a:schemeClr>
+            </a:lnRef>
+            <a:fillRef idx="1">
+              <a:schemeClr val="accent1"/>
+            </a:fillRef>
+            <a:effectRef idx="0">
+              <a:schemeClr val="accent1"/>
+            </a:effectRef>
+            <a:fontRef idx="minor">
+              <a:schemeClr val="lt1"/>
+            </a:fontRef>
+          </p:style>
+          <p:txBody>
+            <a:bodyPr lIns="68580" tIns="34292" rIns="68580" bIns="34292" rtlCol="0" anchor="ctr"/>
+            <a:lstStyle/>
+            <a:p>
+              <a:pPr algn="ctr"/>
+              <a:endParaRPr lang="de-DE" sz="2000" dirty="0">
+                <a:solidFill>
+                  <a:schemeClr val="tx1"/>
+                </a:solidFill>
+                <a:latin typeface="Arial" panose="020B0604020202020204" pitchFamily="34" charset="0"/>
+                <a:cs typeface="Arial" panose="020B0604020202020204" pitchFamily="34" charset="0"/>
+              </a:endParaRPr>
+            </a:p>
+          </p:txBody>
+        </p:sp>
+        <p:sp>
+          <p:nvSpPr>
+            <p:cNvPr id="9" name="Rechteck 8">
+              <a:extLst>
+                <a:ext uri="{FF2B5EF4-FFF2-40B4-BE49-F238E27FC236}">
+                  <a16:creationId xmlns:a16="http://schemas.microsoft.com/office/drawing/2014/main" id="{12DB5920-3ACC-2600-8C3D-63FE11007E7D}"/>
+                </a:ext>
+              </a:extLst>
+            </p:cNvPr>
+            <p:cNvSpPr/>
+            <p:nvPr/>
+          </p:nvSpPr>
+          <p:spPr>
+            <a:xfrm>
+              <a:off x="4712295" y="3001387"/>
+              <a:ext cx="2386062" cy="364289"/>
+            </a:xfrm>
+            <a:prstGeom prst="rect">
+              <a:avLst/>
+            </a:prstGeom>
+            <a:noFill/>
+            <a:ln>
+              <a:solidFill>
+                <a:schemeClr val="tx1"/>
+              </a:solidFill>
+            </a:ln>
+          </p:spPr>
+          <p:style>
+            <a:lnRef idx="2">
+              <a:schemeClr val="accent1">
+                <a:shade val="15000"/>
+              </a:schemeClr>
+            </a:lnRef>
+            <a:fillRef idx="1">
+              <a:schemeClr val="accent1"/>
+            </a:fillRef>
+            <a:effectRef idx="0">
+              <a:schemeClr val="accent1"/>
+            </a:effectRef>
+            <a:fontRef idx="minor">
+              <a:schemeClr val="lt1"/>
+            </a:fontRef>
+          </p:style>
+          <p:txBody>
+            <a:bodyPr lIns="68580" tIns="34292" rIns="68580" bIns="34292" rtlCol="0" anchor="ctr"/>
+            <a:lstStyle/>
+            <a:p>
+              <a:r>
+                <a:rPr lang="de-DE" sz="2000" dirty="0" err="1">
+                  <a:solidFill>
+                    <a:schemeClr val="tx1"/>
+                  </a:solidFill>
+                  <a:latin typeface="Arial" panose="020B0604020202020204" pitchFamily="34" charset="0"/>
+                  <a:cs typeface="Arial" panose="020B0604020202020204" pitchFamily="34" charset="0"/>
+                </a:rPr>
+                <a:t>Text_aktualisieren</a:t>
+              </a:r>
+              <a:r>
+                <a:rPr lang="de-DE" sz="2000" dirty="0">
+                  <a:solidFill>
+                    <a:schemeClr val="tx1"/>
+                  </a:solidFill>
+                  <a:latin typeface="Arial" panose="020B0604020202020204" pitchFamily="34" charset="0"/>
+                  <a:cs typeface="Arial" panose="020B0604020202020204" pitchFamily="34" charset="0"/>
+                </a:rPr>
+                <a:t>()</a:t>
+              </a:r>
+            </a:p>
+          </p:txBody>
+        </p:sp>
+      </p:grpSp>
+      <p:grpSp>
+        <p:nvGrpSpPr>
+          <p:cNvPr id="23" name="Gruppieren 22">
+            <a:extLst>
+              <a:ext uri="{FF2B5EF4-FFF2-40B4-BE49-F238E27FC236}">
+                <a16:creationId xmlns:a16="http://schemas.microsoft.com/office/drawing/2014/main" id="{961D4C2E-86E1-A1BC-EB48-AC31D476781D}"/>
+              </a:ext>
+            </a:extLst>
+          </p:cNvPr>
+          <p:cNvGrpSpPr/>
+          <p:nvPr/>
+        </p:nvGrpSpPr>
+        <p:grpSpPr>
+          <a:xfrm>
+            <a:off x="9371347" y="557492"/>
+            <a:ext cx="2542747" cy="2543630"/>
+            <a:chOff x="3079582" y="173924"/>
+            <a:chExt cx="1324415" cy="2442070"/>
+          </a:xfrm>
+        </p:grpSpPr>
+        <p:sp>
+          <p:nvSpPr>
+            <p:cNvPr id="2" name="Rechteck 1">
+              <a:extLst>
+                <a:ext uri="{FF2B5EF4-FFF2-40B4-BE49-F238E27FC236}">
+                  <a16:creationId xmlns:a16="http://schemas.microsoft.com/office/drawing/2014/main" id="{BB6C8528-58F1-7906-771F-275F33D02B44}"/>
+                </a:ext>
+              </a:extLst>
+            </p:cNvPr>
+            <p:cNvSpPr/>
+            <p:nvPr/>
+          </p:nvSpPr>
+          <p:spPr>
+            <a:xfrm>
+              <a:off x="3079582" y="173924"/>
+              <a:ext cx="1324415" cy="353978"/>
+            </a:xfrm>
+            <a:prstGeom prst="rect">
+              <a:avLst/>
+            </a:prstGeom>
+            <a:noFill/>
+            <a:ln>
+              <a:solidFill>
+                <a:schemeClr val="tx1"/>
+              </a:solidFill>
+            </a:ln>
+          </p:spPr>
+          <p:style>
+            <a:lnRef idx="2">
+              <a:schemeClr val="accent1">
+                <a:shade val="15000"/>
+              </a:schemeClr>
+            </a:lnRef>
+            <a:fillRef idx="1">
+              <a:schemeClr val="accent1"/>
+            </a:fillRef>
+            <a:effectRef idx="0">
+              <a:schemeClr val="accent1"/>
+            </a:effectRef>
+            <a:fontRef idx="minor">
+              <a:schemeClr val="lt1"/>
+            </a:fontRef>
+          </p:style>
+          <p:txBody>
+            <a:bodyPr lIns="68580" tIns="34292" rIns="68580" bIns="34292" rtlCol="0" anchor="ctr"/>
+            <a:lstStyle/>
+            <a:p>
+              <a:pPr algn="ctr"/>
+              <a:r>
+                <a:rPr lang="de-DE" sz="2000" b="1" dirty="0">
+                  <a:solidFill>
+                    <a:schemeClr val="tx1"/>
+                  </a:solidFill>
+                  <a:latin typeface="Arial" panose="020B0604020202020204" pitchFamily="34" charset="0"/>
+                  <a:cs typeface="Arial" panose="020B0604020202020204" pitchFamily="34" charset="0"/>
+                </a:rPr>
+                <a:t>Definitionen</a:t>
+              </a:r>
+            </a:p>
+          </p:txBody>
+        </p:sp>
+        <p:sp>
+          <p:nvSpPr>
+            <p:cNvPr id="10" name="Rechteck 9">
+              <a:extLst>
+                <a:ext uri="{FF2B5EF4-FFF2-40B4-BE49-F238E27FC236}">
+                  <a16:creationId xmlns:a16="http://schemas.microsoft.com/office/drawing/2014/main" id="{F7BD69BF-A1A2-D905-FF8C-6B34B4C29C33}"/>
+                </a:ext>
+              </a:extLst>
+            </p:cNvPr>
+            <p:cNvSpPr/>
+            <p:nvPr/>
+          </p:nvSpPr>
+          <p:spPr>
+            <a:xfrm>
+              <a:off x="3079582" y="527901"/>
+              <a:ext cx="1324415" cy="1873786"/>
+            </a:xfrm>
+            <a:prstGeom prst="rect">
+              <a:avLst/>
+            </a:prstGeom>
+            <a:noFill/>
+            <a:ln>
+              <a:solidFill>
+                <a:schemeClr val="tx1"/>
+              </a:solidFill>
+            </a:ln>
+          </p:spPr>
+          <p:style>
+            <a:lnRef idx="2">
+              <a:schemeClr val="accent1">
+                <a:shade val="15000"/>
+              </a:schemeClr>
+            </a:lnRef>
+            <a:fillRef idx="1">
+              <a:schemeClr val="accent1"/>
+            </a:fillRef>
+            <a:effectRef idx="0">
+              <a:schemeClr val="accent1"/>
+            </a:effectRef>
+            <a:fontRef idx="minor">
+              <a:schemeClr val="lt1"/>
+            </a:fontRef>
+          </p:style>
+          <p:txBody>
+            <a:bodyPr lIns="68580" tIns="34292" rIns="68580" bIns="34292" rtlCol="0" anchor="ctr"/>
+            <a:lstStyle/>
+            <a:p>
+              <a:r>
+                <a:rPr lang="de-DE" sz="2000" dirty="0">
+                  <a:solidFill>
+                    <a:schemeClr val="tx1"/>
+                  </a:solidFill>
+                  <a:latin typeface="Arial" panose="020B0604020202020204" pitchFamily="34" charset="0"/>
+                  <a:cs typeface="Arial" panose="020B0604020202020204" pitchFamily="34" charset="0"/>
+                </a:rPr>
+                <a:t>Pins … :</a:t>
+              </a:r>
+              <a:r>
+                <a:rPr lang="de-DE" sz="2000" dirty="0" err="1">
+                  <a:solidFill>
+                    <a:schemeClr val="tx1"/>
+                  </a:solidFill>
+                  <a:latin typeface="Arial" panose="020B0604020202020204" pitchFamily="34" charset="0"/>
+                  <a:cs typeface="Arial" panose="020B0604020202020204" pitchFamily="34" charset="0"/>
+                </a:rPr>
+                <a:t>makro</a:t>
+              </a:r>
+              <a:endParaRPr lang="de-DE" sz="2000" dirty="0">
+                <a:solidFill>
+                  <a:schemeClr val="tx1"/>
+                </a:solidFill>
+                <a:latin typeface="Arial" panose="020B0604020202020204" pitchFamily="34" charset="0"/>
+                <a:cs typeface="Arial" panose="020B0604020202020204" pitchFamily="34" charset="0"/>
+              </a:endParaRPr>
+            </a:p>
+            <a:p>
+              <a:r>
+                <a:rPr lang="de-DE" sz="2000" dirty="0" err="1">
+                  <a:solidFill>
+                    <a:schemeClr val="tx1"/>
+                  </a:solidFill>
+                  <a:latin typeface="Arial" panose="020B0604020202020204" pitchFamily="34" charset="0"/>
+                  <a:cs typeface="Arial" panose="020B0604020202020204" pitchFamily="34" charset="0"/>
+                </a:rPr>
+                <a:t>Display_Cmd:enum</a:t>
+              </a:r>
+              <a:endParaRPr lang="de-DE" sz="2000" dirty="0">
+                <a:solidFill>
+                  <a:schemeClr val="tx1"/>
+                </a:solidFill>
+                <a:latin typeface="Arial" panose="020B0604020202020204" pitchFamily="34" charset="0"/>
+                <a:cs typeface="Arial" panose="020B0604020202020204" pitchFamily="34" charset="0"/>
+              </a:endParaRPr>
+            </a:p>
+            <a:p>
+              <a:r>
+                <a:rPr lang="de-DE" sz="2000" dirty="0" err="1">
+                  <a:solidFill>
+                    <a:schemeClr val="tx1"/>
+                  </a:solidFill>
+                  <a:latin typeface="Arial" panose="020B0604020202020204" pitchFamily="34" charset="0"/>
+                  <a:cs typeface="Arial" panose="020B0604020202020204" pitchFamily="34" charset="0"/>
+                </a:rPr>
+                <a:t>Menü_Titel:enum</a:t>
+              </a:r>
+              <a:endParaRPr lang="de-DE" sz="2000" dirty="0">
+                <a:solidFill>
+                  <a:schemeClr val="tx1"/>
+                </a:solidFill>
+                <a:latin typeface="Arial" panose="020B0604020202020204" pitchFamily="34" charset="0"/>
+                <a:cs typeface="Arial" panose="020B0604020202020204" pitchFamily="34" charset="0"/>
+              </a:endParaRPr>
+            </a:p>
+            <a:p>
+              <a:r>
+                <a:rPr lang="de-DE" sz="2000" dirty="0" err="1">
+                  <a:solidFill>
+                    <a:schemeClr val="tx1"/>
+                  </a:solidFill>
+                  <a:latin typeface="Arial" panose="020B0604020202020204" pitchFamily="34" charset="0"/>
+                  <a:cs typeface="Arial" panose="020B0604020202020204" pitchFamily="34" charset="0"/>
+                </a:rPr>
+                <a:t>Protokol_Typ:enum</a:t>
+              </a:r>
+              <a:endParaRPr lang="de-DE" sz="2000" dirty="0">
+                <a:solidFill>
+                  <a:schemeClr val="tx1"/>
+                </a:solidFill>
+                <a:latin typeface="Arial" panose="020B0604020202020204" pitchFamily="34" charset="0"/>
+                <a:cs typeface="Arial" panose="020B0604020202020204" pitchFamily="34" charset="0"/>
+              </a:endParaRPr>
+            </a:p>
+            <a:p>
+              <a:r>
+                <a:rPr lang="de-DE" sz="2000" dirty="0" err="1">
+                  <a:solidFill>
+                    <a:schemeClr val="tx1"/>
+                  </a:solidFill>
+                  <a:latin typeface="Arial" panose="020B0604020202020204" pitchFamily="34" charset="0"/>
+                  <a:cs typeface="Arial" panose="020B0604020202020204" pitchFamily="34" charset="0"/>
+                </a:rPr>
+                <a:t>IR_Data:struct</a:t>
+              </a:r>
+              <a:endParaRPr lang="de-DE" sz="2000" dirty="0">
+                <a:solidFill>
+                  <a:schemeClr val="tx1"/>
+                </a:solidFill>
+                <a:latin typeface="Arial" panose="020B0604020202020204" pitchFamily="34" charset="0"/>
+                <a:cs typeface="Arial" panose="020B0604020202020204" pitchFamily="34" charset="0"/>
+              </a:endParaRPr>
+            </a:p>
+            <a:p>
+              <a:r>
+                <a:rPr lang="de-DE" sz="2000" dirty="0" err="1">
+                  <a:solidFill>
+                    <a:schemeClr val="tx1"/>
+                  </a:solidFill>
+                  <a:latin typeface="Arial" panose="020B0604020202020204" pitchFamily="34" charset="0"/>
+                  <a:cs typeface="Arial" panose="020B0604020202020204" pitchFamily="34" charset="0"/>
+                </a:rPr>
+                <a:t>Menü_Eintrag:struct</a:t>
+              </a:r>
+              <a:endParaRPr lang="de-DE" sz="2000" dirty="0">
+                <a:solidFill>
+                  <a:schemeClr val="tx1"/>
+                </a:solidFill>
+                <a:latin typeface="Arial" panose="020B0604020202020204" pitchFamily="34" charset="0"/>
+                <a:cs typeface="Arial" panose="020B0604020202020204" pitchFamily="34" charset="0"/>
+              </a:endParaRPr>
+            </a:p>
+          </p:txBody>
+        </p:sp>
+        <p:sp>
+          <p:nvSpPr>
+            <p:cNvPr id="11" name="Rechteck 10">
+              <a:extLst>
+                <a:ext uri="{FF2B5EF4-FFF2-40B4-BE49-F238E27FC236}">
+                  <a16:creationId xmlns:a16="http://schemas.microsoft.com/office/drawing/2014/main" id="{C265000F-B782-F210-84C0-223C17A40FB4}"/>
+                </a:ext>
+              </a:extLst>
+            </p:cNvPr>
+            <p:cNvSpPr/>
+            <p:nvPr/>
+          </p:nvSpPr>
+          <p:spPr>
+            <a:xfrm>
+              <a:off x="3079582" y="2401687"/>
+              <a:ext cx="1324415" cy="214307"/>
+            </a:xfrm>
+            <a:prstGeom prst="rect">
+              <a:avLst/>
+            </a:prstGeom>
+            <a:noFill/>
+            <a:ln>
+              <a:solidFill>
+                <a:schemeClr val="tx1"/>
+              </a:solidFill>
+            </a:ln>
+          </p:spPr>
+          <p:style>
+            <a:lnRef idx="2">
+              <a:schemeClr val="accent1">
+                <a:shade val="15000"/>
+              </a:schemeClr>
+            </a:lnRef>
+            <a:fillRef idx="1">
+              <a:schemeClr val="accent1"/>
+            </a:fillRef>
+            <a:effectRef idx="0">
+              <a:schemeClr val="accent1"/>
+            </a:effectRef>
+            <a:fontRef idx="minor">
+              <a:schemeClr val="lt1"/>
+            </a:fontRef>
+          </p:style>
+          <p:txBody>
+            <a:bodyPr lIns="68580" tIns="34292" rIns="68580" bIns="34292" rtlCol="0" anchor="ctr"/>
+            <a:lstStyle/>
+            <a:p>
+              <a:endParaRPr lang="de-DE" sz="2000" dirty="0">
+                <a:solidFill>
+                  <a:schemeClr val="tx1"/>
+                </a:solidFill>
+                <a:latin typeface="Arial" panose="020B0604020202020204" pitchFamily="34" charset="0"/>
+                <a:cs typeface="Arial" panose="020B0604020202020204" pitchFamily="34" charset="0"/>
+              </a:endParaRPr>
+            </a:p>
+          </p:txBody>
+        </p:sp>
+      </p:grpSp>
+      <p:grpSp>
+        <p:nvGrpSpPr>
+          <p:cNvPr id="24" name="Gruppieren 23">
+            <a:extLst>
+              <a:ext uri="{FF2B5EF4-FFF2-40B4-BE49-F238E27FC236}">
+                <a16:creationId xmlns:a16="http://schemas.microsoft.com/office/drawing/2014/main" id="{4273294D-9455-8677-36AC-CBD832F99AEA}"/>
+              </a:ext>
+            </a:extLst>
+          </p:cNvPr>
+          <p:cNvGrpSpPr/>
+          <p:nvPr/>
+        </p:nvGrpSpPr>
+        <p:grpSpPr>
+          <a:xfrm>
+            <a:off x="371467" y="2008188"/>
+            <a:ext cx="1915152" cy="1502186"/>
+            <a:chOff x="537536" y="2626521"/>
+            <a:chExt cx="1915152" cy="1502186"/>
+          </a:xfrm>
+        </p:grpSpPr>
+        <p:sp>
+          <p:nvSpPr>
+            <p:cNvPr id="5" name="Rechteck 4">
+              <a:extLst>
+                <a:ext uri="{FF2B5EF4-FFF2-40B4-BE49-F238E27FC236}">
+                  <a16:creationId xmlns:a16="http://schemas.microsoft.com/office/drawing/2014/main" id="{A4728C4E-BEAE-9F50-C4E0-7EE7055096F0}"/>
+                </a:ext>
+              </a:extLst>
+            </p:cNvPr>
+            <p:cNvSpPr/>
+            <p:nvPr/>
+          </p:nvSpPr>
+          <p:spPr>
+            <a:xfrm>
+              <a:off x="537538" y="2626521"/>
+              <a:ext cx="1915150" cy="302418"/>
+            </a:xfrm>
+            <a:prstGeom prst="rect">
+              <a:avLst/>
+            </a:prstGeom>
+            <a:noFill/>
+            <a:ln>
+              <a:solidFill>
+                <a:schemeClr val="tx1"/>
+              </a:solidFill>
+            </a:ln>
+          </p:spPr>
+          <p:style>
+            <a:lnRef idx="2">
+              <a:schemeClr val="accent1">
+                <a:shade val="15000"/>
+              </a:schemeClr>
+            </a:lnRef>
+            <a:fillRef idx="1">
+              <a:schemeClr val="accent1"/>
+            </a:fillRef>
+            <a:effectRef idx="0">
+              <a:schemeClr val="accent1"/>
+            </a:effectRef>
+            <a:fontRef idx="minor">
+              <a:schemeClr val="lt1"/>
+            </a:fontRef>
+          </p:style>
+          <p:txBody>
+            <a:bodyPr lIns="68580" tIns="34292" rIns="68580" bIns="34292" rtlCol="0" anchor="ctr"/>
+            <a:lstStyle/>
+            <a:p>
+              <a:pPr algn="ctr"/>
+              <a:r>
+                <a:rPr lang="de-DE" sz="2000" b="1" dirty="0">
+                  <a:solidFill>
+                    <a:schemeClr val="tx1"/>
+                  </a:solidFill>
+                  <a:latin typeface="Arial" panose="020B0604020202020204" pitchFamily="34" charset="0"/>
+                  <a:cs typeface="Arial" panose="020B0604020202020204" pitchFamily="34" charset="0"/>
+                </a:rPr>
+                <a:t>Sensor-Aktor</a:t>
+              </a:r>
+            </a:p>
+          </p:txBody>
+        </p:sp>
+        <p:sp>
+          <p:nvSpPr>
+            <p:cNvPr id="12" name="Rechteck 11">
+              <a:extLst>
+                <a:ext uri="{FF2B5EF4-FFF2-40B4-BE49-F238E27FC236}">
+                  <a16:creationId xmlns:a16="http://schemas.microsoft.com/office/drawing/2014/main" id="{B199570B-3628-055E-F407-06124F1114F6}"/>
+                </a:ext>
+              </a:extLst>
+            </p:cNvPr>
+            <p:cNvSpPr/>
+            <p:nvPr/>
+          </p:nvSpPr>
+          <p:spPr>
+            <a:xfrm>
+              <a:off x="537537" y="2928939"/>
+              <a:ext cx="1915151" cy="567296"/>
+            </a:xfrm>
+            <a:prstGeom prst="rect">
+              <a:avLst/>
+            </a:prstGeom>
+            <a:noFill/>
+            <a:ln>
+              <a:solidFill>
+                <a:schemeClr val="tx1"/>
+              </a:solidFill>
+            </a:ln>
+          </p:spPr>
+          <p:style>
+            <a:lnRef idx="2">
+              <a:schemeClr val="accent1">
+                <a:shade val="15000"/>
+              </a:schemeClr>
+            </a:lnRef>
+            <a:fillRef idx="1">
+              <a:schemeClr val="accent1"/>
+            </a:fillRef>
+            <a:effectRef idx="0">
+              <a:schemeClr val="accent1"/>
+            </a:effectRef>
+            <a:fontRef idx="minor">
+              <a:schemeClr val="lt1"/>
+            </a:fontRef>
+          </p:style>
+          <p:txBody>
+            <a:bodyPr lIns="68580" tIns="34292" rIns="68580" bIns="34292" rtlCol="0" anchor="ctr"/>
+            <a:lstStyle/>
+            <a:p>
+              <a:r>
+                <a:rPr lang="de-DE" sz="2000" dirty="0" err="1">
+                  <a:solidFill>
+                    <a:schemeClr val="tx1"/>
+                  </a:solidFill>
+                  <a:latin typeface="Arial" panose="020B0604020202020204" pitchFamily="34" charset="0"/>
+                  <a:cs typeface="Arial" panose="020B0604020202020204" pitchFamily="34" charset="0"/>
+                </a:rPr>
+                <a:t>IRrecv</a:t>
+              </a:r>
+              <a:endParaRPr lang="de-DE" sz="2000" dirty="0">
+                <a:solidFill>
+                  <a:schemeClr val="tx1"/>
+                </a:solidFill>
+                <a:latin typeface="Arial" panose="020B0604020202020204" pitchFamily="34" charset="0"/>
+                <a:cs typeface="Arial" panose="020B0604020202020204" pitchFamily="34" charset="0"/>
+              </a:endParaRPr>
+            </a:p>
+            <a:p>
+              <a:r>
+                <a:rPr lang="de-DE" sz="2000" dirty="0" err="1">
+                  <a:solidFill>
+                    <a:schemeClr val="tx1"/>
+                  </a:solidFill>
+                  <a:latin typeface="Arial" panose="020B0604020202020204" pitchFamily="34" charset="0"/>
+                  <a:cs typeface="Arial" panose="020B0604020202020204" pitchFamily="34" charset="0"/>
+                </a:rPr>
+                <a:t>IRsend</a:t>
+              </a:r>
+              <a:endParaRPr lang="de-DE" sz="2000" dirty="0">
+                <a:solidFill>
+                  <a:schemeClr val="tx1"/>
+                </a:solidFill>
+                <a:latin typeface="Arial" panose="020B0604020202020204" pitchFamily="34" charset="0"/>
+                <a:cs typeface="Arial" panose="020B0604020202020204" pitchFamily="34" charset="0"/>
+              </a:endParaRPr>
+            </a:p>
+          </p:txBody>
+        </p:sp>
+        <p:sp>
+          <p:nvSpPr>
+            <p:cNvPr id="13" name="Rechteck 12">
+              <a:extLst>
+                <a:ext uri="{FF2B5EF4-FFF2-40B4-BE49-F238E27FC236}">
+                  <a16:creationId xmlns:a16="http://schemas.microsoft.com/office/drawing/2014/main" id="{D58F965C-ADA3-C5FE-92A3-91E99F853C4C}"/>
+                </a:ext>
+              </a:extLst>
+            </p:cNvPr>
+            <p:cNvSpPr/>
+            <p:nvPr/>
+          </p:nvSpPr>
+          <p:spPr>
+            <a:xfrm>
+              <a:off x="537536" y="3496769"/>
+              <a:ext cx="1915152" cy="631938"/>
+            </a:xfrm>
+            <a:prstGeom prst="rect">
+              <a:avLst/>
+            </a:prstGeom>
+            <a:noFill/>
+            <a:ln>
+              <a:solidFill>
+                <a:schemeClr val="tx1"/>
+              </a:solidFill>
+            </a:ln>
+          </p:spPr>
+          <p:style>
+            <a:lnRef idx="2">
+              <a:schemeClr val="accent1">
+                <a:shade val="15000"/>
+              </a:schemeClr>
+            </a:lnRef>
+            <a:fillRef idx="1">
+              <a:schemeClr val="accent1"/>
+            </a:fillRef>
+            <a:effectRef idx="0">
+              <a:schemeClr val="accent1"/>
+            </a:effectRef>
+            <a:fontRef idx="minor">
+              <a:schemeClr val="lt1"/>
+            </a:fontRef>
+          </p:style>
+          <p:txBody>
+            <a:bodyPr lIns="68580" tIns="34292" rIns="68580" bIns="34292" rtlCol="0" anchor="ctr"/>
+            <a:lstStyle/>
+            <a:p>
+              <a:r>
+                <a:rPr lang="de-DE" sz="2000" dirty="0">
+                  <a:solidFill>
+                    <a:schemeClr val="tx1"/>
+                  </a:solidFill>
+                  <a:latin typeface="Arial" panose="020B0604020202020204" pitchFamily="34" charset="0"/>
+                  <a:cs typeface="Arial" panose="020B0604020202020204" pitchFamily="34" charset="0"/>
+                </a:rPr>
+                <a:t>Send()</a:t>
+              </a:r>
+            </a:p>
+            <a:p>
+              <a:r>
+                <a:rPr lang="de-DE" sz="2000" dirty="0" err="1">
+                  <a:solidFill>
+                    <a:schemeClr val="tx1"/>
+                  </a:solidFill>
+                  <a:latin typeface="Arial" panose="020B0604020202020204" pitchFamily="34" charset="0"/>
+                  <a:cs typeface="Arial" panose="020B0604020202020204" pitchFamily="34" charset="0"/>
+                </a:rPr>
+                <a:t>Receive</a:t>
+              </a:r>
+              <a:r>
+                <a:rPr lang="de-DE" sz="2000" dirty="0">
+                  <a:solidFill>
+                    <a:schemeClr val="tx1"/>
+                  </a:solidFill>
+                  <a:latin typeface="Arial" panose="020B0604020202020204" pitchFamily="34" charset="0"/>
+                  <a:cs typeface="Arial" panose="020B0604020202020204" pitchFamily="34" charset="0"/>
+                </a:rPr>
+                <a:t>()</a:t>
+              </a:r>
+            </a:p>
+          </p:txBody>
+        </p:sp>
+      </p:grpSp>
+      <p:grpSp>
+        <p:nvGrpSpPr>
+          <p:cNvPr id="25" name="Gruppieren 24">
+            <a:extLst>
+              <a:ext uri="{FF2B5EF4-FFF2-40B4-BE49-F238E27FC236}">
+                <a16:creationId xmlns:a16="http://schemas.microsoft.com/office/drawing/2014/main" id="{6E415339-ACC3-C9FF-B161-970C1861E7B3}"/>
+              </a:ext>
+            </a:extLst>
+          </p:cNvPr>
+          <p:cNvGrpSpPr/>
+          <p:nvPr/>
+        </p:nvGrpSpPr>
+        <p:grpSpPr>
+          <a:xfrm>
+            <a:off x="2938084" y="2220113"/>
+            <a:ext cx="2611545" cy="3711697"/>
+            <a:chOff x="4993370" y="5174572"/>
+            <a:chExt cx="2611545" cy="3134694"/>
+          </a:xfrm>
+        </p:grpSpPr>
+        <p:sp>
+          <p:nvSpPr>
+            <p:cNvPr id="7" name="Rechteck 6">
+              <a:extLst>
+                <a:ext uri="{FF2B5EF4-FFF2-40B4-BE49-F238E27FC236}">
+                  <a16:creationId xmlns:a16="http://schemas.microsoft.com/office/drawing/2014/main" id="{D8823E23-9414-251D-8B3B-E3D53A200115}"/>
+                </a:ext>
+              </a:extLst>
+            </p:cNvPr>
+            <p:cNvSpPr/>
+            <p:nvPr/>
+          </p:nvSpPr>
+          <p:spPr>
+            <a:xfrm>
+              <a:off x="4993370" y="5174572"/>
+              <a:ext cx="2611545" cy="254678"/>
+            </a:xfrm>
+            <a:prstGeom prst="rect">
+              <a:avLst/>
+            </a:prstGeom>
+            <a:noFill/>
+            <a:ln>
+              <a:solidFill>
+                <a:schemeClr val="tx1"/>
+              </a:solidFill>
+            </a:ln>
+          </p:spPr>
+          <p:style>
+            <a:lnRef idx="2">
+              <a:schemeClr val="accent1">
+                <a:shade val="15000"/>
+              </a:schemeClr>
+            </a:lnRef>
+            <a:fillRef idx="1">
+              <a:schemeClr val="accent1"/>
+            </a:fillRef>
+            <a:effectRef idx="0">
+              <a:schemeClr val="accent1"/>
+            </a:effectRef>
+            <a:fontRef idx="minor">
+              <a:schemeClr val="lt1"/>
+            </a:fontRef>
+          </p:style>
+          <p:txBody>
+            <a:bodyPr lIns="68580" tIns="34292" rIns="68580" bIns="34292" rtlCol="0" anchor="ctr"/>
+            <a:lstStyle/>
+            <a:p>
+              <a:pPr algn="ctr"/>
+              <a:r>
+                <a:rPr lang="de-DE" sz="2000" b="1" dirty="0" err="1">
+                  <a:solidFill>
+                    <a:schemeClr val="tx1"/>
+                  </a:solidFill>
+                  <a:latin typeface="Arial" panose="020B0604020202020204" pitchFamily="34" charset="0"/>
+                  <a:cs typeface="Arial" panose="020B0604020202020204" pitchFamily="34" charset="0"/>
+                </a:rPr>
+                <a:t>Base_system</a:t>
+              </a:r>
+              <a:endParaRPr lang="de-DE" sz="2000" b="1" dirty="0">
+                <a:solidFill>
+                  <a:schemeClr val="tx1"/>
+                </a:solidFill>
+                <a:latin typeface="Arial" panose="020B0604020202020204" pitchFamily="34" charset="0"/>
+                <a:cs typeface="Arial" panose="020B0604020202020204" pitchFamily="34" charset="0"/>
+              </a:endParaRPr>
+            </a:p>
+          </p:txBody>
+        </p:sp>
+        <p:sp>
+          <p:nvSpPr>
+            <p:cNvPr id="14" name="Rechteck 13">
+              <a:extLst>
+                <a:ext uri="{FF2B5EF4-FFF2-40B4-BE49-F238E27FC236}">
+                  <a16:creationId xmlns:a16="http://schemas.microsoft.com/office/drawing/2014/main" id="{FC863827-E5EC-BDAC-3655-940C2A874741}"/>
+                </a:ext>
+              </a:extLst>
+            </p:cNvPr>
+            <p:cNvSpPr/>
+            <p:nvPr/>
+          </p:nvSpPr>
+          <p:spPr>
+            <a:xfrm>
+              <a:off x="4993370" y="6480154"/>
+              <a:ext cx="2611544" cy="1829112"/>
+            </a:xfrm>
+            <a:prstGeom prst="rect">
+              <a:avLst/>
+            </a:prstGeom>
+            <a:noFill/>
+            <a:ln>
+              <a:solidFill>
+                <a:schemeClr val="tx1"/>
+              </a:solidFill>
+            </a:ln>
+          </p:spPr>
+          <p:style>
+            <a:lnRef idx="2">
+              <a:schemeClr val="accent1">
+                <a:shade val="15000"/>
+              </a:schemeClr>
+            </a:lnRef>
+            <a:fillRef idx="1">
+              <a:schemeClr val="accent1"/>
+            </a:fillRef>
+            <a:effectRef idx="0">
+              <a:schemeClr val="accent1"/>
+            </a:effectRef>
+            <a:fontRef idx="minor">
+              <a:schemeClr val="lt1"/>
+            </a:fontRef>
+          </p:style>
+          <p:txBody>
+            <a:bodyPr lIns="68580" tIns="34292" rIns="68580" bIns="34292" rtlCol="0" anchor="ctr"/>
+            <a:lstStyle/>
+            <a:p>
+              <a:r>
+                <a:rPr lang="de-DE" sz="2000" dirty="0">
+                  <a:solidFill>
+                    <a:schemeClr val="tx1"/>
+                  </a:solidFill>
+                  <a:latin typeface="Arial" panose="020B0604020202020204" pitchFamily="34" charset="0"/>
+                  <a:cs typeface="Arial" panose="020B0604020202020204" pitchFamily="34" charset="0"/>
+                </a:rPr>
+                <a:t>loop()</a:t>
+              </a:r>
+            </a:p>
+            <a:p>
+              <a:r>
+                <a:rPr lang="de-DE" sz="2000" dirty="0" err="1">
+                  <a:solidFill>
+                    <a:schemeClr val="tx1"/>
+                  </a:solidFill>
+                  <a:latin typeface="Arial" panose="020B0604020202020204" pitchFamily="34" charset="0"/>
+                  <a:cs typeface="Arial" panose="020B0604020202020204" pitchFamily="34" charset="0"/>
+                </a:rPr>
+                <a:t>Eingabe_überprüfen</a:t>
+              </a:r>
+              <a:r>
+                <a:rPr lang="de-DE" sz="2000" dirty="0">
+                  <a:solidFill>
+                    <a:schemeClr val="tx1"/>
+                  </a:solidFill>
+                  <a:latin typeface="Arial" panose="020B0604020202020204" pitchFamily="34" charset="0"/>
+                  <a:cs typeface="Arial" panose="020B0604020202020204" pitchFamily="34" charset="0"/>
+                </a:rPr>
+                <a:t>()</a:t>
+              </a:r>
+            </a:p>
+            <a:p>
+              <a:r>
+                <a:rPr lang="de-DE" sz="2000" dirty="0" err="1">
+                  <a:solidFill>
+                    <a:schemeClr val="tx1"/>
+                  </a:solidFill>
+                  <a:latin typeface="Arial" panose="020B0604020202020204" pitchFamily="34" charset="0"/>
+                  <a:cs typeface="Arial" panose="020B0604020202020204" pitchFamily="34" charset="0"/>
+                </a:rPr>
+                <a:t>Eintrag_überprüfen</a:t>
+              </a:r>
+              <a:r>
+                <a:rPr lang="de-DE" sz="2000" dirty="0">
+                  <a:solidFill>
+                    <a:schemeClr val="tx1"/>
+                  </a:solidFill>
+                  <a:latin typeface="Arial" panose="020B0604020202020204" pitchFamily="34" charset="0"/>
+                  <a:cs typeface="Arial" panose="020B0604020202020204" pitchFamily="34" charset="0"/>
+                </a:rPr>
+                <a:t>()</a:t>
+              </a:r>
+            </a:p>
+            <a:p>
+              <a:r>
+                <a:rPr lang="de-DE" sz="2000" dirty="0">
+                  <a:solidFill>
+                    <a:schemeClr val="tx1"/>
+                  </a:solidFill>
+                  <a:latin typeface="Arial" panose="020B0604020202020204" pitchFamily="34" charset="0"/>
+                  <a:cs typeface="Arial" panose="020B0604020202020204" pitchFamily="34" charset="0"/>
+                </a:rPr>
+                <a:t>Empfangen()</a:t>
+              </a:r>
+            </a:p>
+            <a:p>
+              <a:r>
+                <a:rPr lang="de-DE" sz="2000" dirty="0">
+                  <a:solidFill>
+                    <a:schemeClr val="tx1"/>
+                  </a:solidFill>
+                  <a:latin typeface="Arial" panose="020B0604020202020204" pitchFamily="34" charset="0"/>
+                  <a:cs typeface="Arial" panose="020B0604020202020204" pitchFamily="34" charset="0"/>
+                </a:rPr>
+                <a:t>Senden()</a:t>
+              </a:r>
+            </a:p>
+            <a:p>
+              <a:r>
+                <a:rPr lang="de-DE" sz="2000" dirty="0">
+                  <a:solidFill>
+                    <a:schemeClr val="tx1"/>
+                  </a:solidFill>
+                  <a:latin typeface="Arial" panose="020B0604020202020204" pitchFamily="34" charset="0"/>
+                  <a:cs typeface="Arial" panose="020B0604020202020204" pitchFamily="34" charset="0"/>
+                </a:rPr>
+                <a:t>Display()</a:t>
+              </a:r>
+            </a:p>
+            <a:p>
+              <a:r>
+                <a:rPr lang="de-DE" sz="2000" dirty="0">
+                  <a:solidFill>
+                    <a:schemeClr val="tx1"/>
+                  </a:solidFill>
+                  <a:latin typeface="Arial" panose="020B0604020202020204" pitchFamily="34" charset="0"/>
+                  <a:cs typeface="Arial" panose="020B0604020202020204" pitchFamily="34" charset="0"/>
+                </a:rPr>
+                <a:t>Setup()</a:t>
+              </a:r>
+            </a:p>
+          </p:txBody>
+        </p:sp>
+        <p:sp>
+          <p:nvSpPr>
+            <p:cNvPr id="15" name="Rechteck 14">
+              <a:extLst>
+                <a:ext uri="{FF2B5EF4-FFF2-40B4-BE49-F238E27FC236}">
+                  <a16:creationId xmlns:a16="http://schemas.microsoft.com/office/drawing/2014/main" id="{AE17719A-C1C6-83A4-F2FD-B0055A7D4520}"/>
+                </a:ext>
+              </a:extLst>
+            </p:cNvPr>
+            <p:cNvSpPr/>
+            <p:nvPr/>
+          </p:nvSpPr>
+          <p:spPr>
+            <a:xfrm>
+              <a:off x="4993370" y="5429250"/>
+              <a:ext cx="2611545" cy="1051140"/>
+            </a:xfrm>
+            <a:prstGeom prst="rect">
+              <a:avLst/>
+            </a:prstGeom>
+            <a:noFill/>
+            <a:ln>
+              <a:solidFill>
+                <a:schemeClr val="tx1"/>
+              </a:solidFill>
+            </a:ln>
+          </p:spPr>
+          <p:style>
+            <a:lnRef idx="2">
+              <a:schemeClr val="accent1">
+                <a:shade val="15000"/>
+              </a:schemeClr>
+            </a:lnRef>
+            <a:fillRef idx="1">
+              <a:schemeClr val="accent1"/>
+            </a:fillRef>
+            <a:effectRef idx="0">
+              <a:schemeClr val="accent1"/>
+            </a:effectRef>
+            <a:fontRef idx="minor">
+              <a:schemeClr val="lt1"/>
+            </a:fontRef>
+          </p:style>
+          <p:txBody>
+            <a:bodyPr lIns="68580" tIns="34292" rIns="68580" bIns="34292" rtlCol="0" anchor="ctr"/>
+            <a:lstStyle/>
+            <a:p>
+              <a:r>
+                <a:rPr lang="de-DE" sz="2000" dirty="0" err="1">
+                  <a:solidFill>
+                    <a:schemeClr val="tx1"/>
+                  </a:solidFill>
+                  <a:latin typeface="Arial" panose="020B0604020202020204" pitchFamily="34" charset="0"/>
+                  <a:cs typeface="Arial" panose="020B0604020202020204" pitchFamily="34" charset="0"/>
+                </a:rPr>
+                <a:t>Index:integer</a:t>
+              </a:r>
+              <a:endParaRPr lang="de-DE" sz="2000" dirty="0">
+                <a:solidFill>
+                  <a:schemeClr val="tx1"/>
+                </a:solidFill>
+                <a:latin typeface="Arial" panose="020B0604020202020204" pitchFamily="34" charset="0"/>
+                <a:cs typeface="Arial" panose="020B0604020202020204" pitchFamily="34" charset="0"/>
+              </a:endParaRPr>
+            </a:p>
+            <a:p>
+              <a:r>
+                <a:rPr lang="de-DE" sz="2000" dirty="0" err="1">
+                  <a:solidFill>
+                    <a:schemeClr val="tx1"/>
+                  </a:solidFill>
+                  <a:latin typeface="Arial" panose="020B0604020202020204" pitchFamily="34" charset="0"/>
+                  <a:cs typeface="Arial" panose="020B0604020202020204" pitchFamily="34" charset="0"/>
+                </a:rPr>
+                <a:t>Titel:Menü_Titel</a:t>
+              </a:r>
+              <a:endParaRPr lang="de-DE" sz="2000" dirty="0">
+                <a:solidFill>
+                  <a:schemeClr val="tx1"/>
+                </a:solidFill>
+                <a:latin typeface="Arial" panose="020B0604020202020204" pitchFamily="34" charset="0"/>
+                <a:cs typeface="Arial" panose="020B0604020202020204" pitchFamily="34" charset="0"/>
+              </a:endParaRPr>
+            </a:p>
+            <a:p>
+              <a:r>
+                <a:rPr lang="de-DE" sz="2000" dirty="0" err="1">
+                  <a:solidFill>
+                    <a:schemeClr val="tx1"/>
+                  </a:solidFill>
+                  <a:latin typeface="Arial" panose="020B0604020202020204" pitchFamily="34" charset="0"/>
+                  <a:cs typeface="Arial" panose="020B0604020202020204" pitchFamily="34" charset="0"/>
+                </a:rPr>
+                <a:t>Eintrag:Menü_Eintrag</a:t>
+              </a:r>
+              <a:endParaRPr lang="de-DE" sz="2000" dirty="0">
+                <a:solidFill>
+                  <a:schemeClr val="tx1"/>
+                </a:solidFill>
+                <a:latin typeface="Arial" panose="020B0604020202020204" pitchFamily="34" charset="0"/>
+                <a:cs typeface="Arial" panose="020B0604020202020204" pitchFamily="34" charset="0"/>
+              </a:endParaRPr>
+            </a:p>
+            <a:p>
+              <a:r>
+                <a:rPr lang="de-DE" sz="2000" dirty="0" err="1">
+                  <a:solidFill>
+                    <a:schemeClr val="tx1"/>
+                  </a:solidFill>
+                  <a:latin typeface="Arial" panose="020B0604020202020204" pitchFamily="34" charset="0"/>
+                  <a:cs typeface="Arial" panose="020B0604020202020204" pitchFamily="34" charset="0"/>
+                </a:rPr>
+                <a:t>Daten_empf:IRDate</a:t>
+              </a:r>
+              <a:endParaRPr lang="de-DE" sz="2000" dirty="0">
+                <a:solidFill>
+                  <a:schemeClr val="tx1"/>
+                </a:solidFill>
+                <a:latin typeface="Arial" panose="020B0604020202020204" pitchFamily="34" charset="0"/>
+                <a:cs typeface="Arial" panose="020B0604020202020204" pitchFamily="34" charset="0"/>
+              </a:endParaRPr>
+            </a:p>
+          </p:txBody>
+        </p:sp>
+      </p:grpSp>
+      <p:grpSp>
+        <p:nvGrpSpPr>
+          <p:cNvPr id="21" name="Gruppieren 20">
+            <a:extLst>
+              <a:ext uri="{FF2B5EF4-FFF2-40B4-BE49-F238E27FC236}">
+                <a16:creationId xmlns:a16="http://schemas.microsoft.com/office/drawing/2014/main" id="{4D3BE0A9-8385-2CEE-E715-499BD5BB9727}"/>
+              </a:ext>
+            </a:extLst>
+          </p:cNvPr>
+          <p:cNvGrpSpPr/>
+          <p:nvPr/>
+        </p:nvGrpSpPr>
+        <p:grpSpPr>
+          <a:xfrm>
+            <a:off x="5886968" y="306092"/>
+            <a:ext cx="2485062" cy="2581383"/>
+            <a:chOff x="9169401" y="2754394"/>
+            <a:chExt cx="2485062" cy="2581383"/>
+          </a:xfrm>
+        </p:grpSpPr>
+        <p:sp>
+          <p:nvSpPr>
+            <p:cNvPr id="6" name="Rechteck 5">
+              <a:extLst>
+                <a:ext uri="{FF2B5EF4-FFF2-40B4-BE49-F238E27FC236}">
+                  <a16:creationId xmlns:a16="http://schemas.microsoft.com/office/drawing/2014/main" id="{AD6CEEA8-3DC7-9BCD-C6CE-BDB4A0CFB6FE}"/>
+                </a:ext>
+              </a:extLst>
+            </p:cNvPr>
+            <p:cNvSpPr/>
+            <p:nvPr/>
+          </p:nvSpPr>
+          <p:spPr>
+            <a:xfrm>
+              <a:off x="9169401" y="2754394"/>
+              <a:ext cx="2485062" cy="312498"/>
+            </a:xfrm>
+            <a:prstGeom prst="rect">
+              <a:avLst/>
+            </a:prstGeom>
+            <a:noFill/>
+            <a:ln>
+              <a:solidFill>
+                <a:schemeClr val="tx1"/>
+              </a:solidFill>
+            </a:ln>
+          </p:spPr>
+          <p:style>
+            <a:lnRef idx="2">
+              <a:schemeClr val="accent1">
+                <a:shade val="15000"/>
+              </a:schemeClr>
+            </a:lnRef>
+            <a:fillRef idx="1">
+              <a:schemeClr val="accent1"/>
+            </a:fillRef>
+            <a:effectRef idx="0">
+              <a:schemeClr val="accent1"/>
+            </a:effectRef>
+            <a:fontRef idx="minor">
+              <a:schemeClr val="lt1"/>
+            </a:fontRef>
+          </p:style>
+          <p:txBody>
+            <a:bodyPr lIns="68580" tIns="34292" rIns="68580" bIns="34292" rtlCol="0" anchor="ctr"/>
+            <a:lstStyle/>
+            <a:p>
+              <a:pPr algn="ctr"/>
+              <a:r>
+                <a:rPr lang="de-DE" sz="2000" b="1" dirty="0">
+                  <a:solidFill>
+                    <a:schemeClr val="tx1"/>
+                  </a:solidFill>
+                  <a:latin typeface="Arial" panose="020B0604020202020204" pitchFamily="34" charset="0"/>
+                  <a:cs typeface="Arial" panose="020B0604020202020204" pitchFamily="34" charset="0"/>
+                </a:rPr>
+                <a:t>Menü</a:t>
+              </a:r>
+            </a:p>
+          </p:txBody>
+        </p:sp>
+        <p:sp>
+          <p:nvSpPr>
+            <p:cNvPr id="16" name="Rechteck 15">
+              <a:extLst>
+                <a:ext uri="{FF2B5EF4-FFF2-40B4-BE49-F238E27FC236}">
+                  <a16:creationId xmlns:a16="http://schemas.microsoft.com/office/drawing/2014/main" id="{9FE31806-743A-93F8-31B3-1B493758BB81}"/>
+                </a:ext>
+              </a:extLst>
+            </p:cNvPr>
+            <p:cNvSpPr/>
+            <p:nvPr/>
+          </p:nvSpPr>
+          <p:spPr>
+            <a:xfrm>
+              <a:off x="9169401" y="4349384"/>
+              <a:ext cx="2485062" cy="986393"/>
+            </a:xfrm>
+            <a:prstGeom prst="rect">
+              <a:avLst/>
+            </a:prstGeom>
+            <a:noFill/>
+            <a:ln>
+              <a:solidFill>
+                <a:schemeClr val="tx1"/>
+              </a:solidFill>
+            </a:ln>
+          </p:spPr>
+          <p:style>
+            <a:lnRef idx="2">
+              <a:schemeClr val="accent1">
+                <a:shade val="15000"/>
+              </a:schemeClr>
+            </a:lnRef>
+            <a:fillRef idx="1">
+              <a:schemeClr val="accent1"/>
+            </a:fillRef>
+            <a:effectRef idx="0">
+              <a:schemeClr val="accent1"/>
+            </a:effectRef>
+            <a:fontRef idx="minor">
+              <a:schemeClr val="lt1"/>
+            </a:fontRef>
+          </p:style>
+          <p:txBody>
+            <a:bodyPr lIns="68580" tIns="34292" rIns="68580" bIns="34292" rtlCol="0" anchor="ctr"/>
+            <a:lstStyle/>
+            <a:p>
+              <a:r>
+                <a:rPr lang="de-DE" sz="2000" dirty="0" err="1">
+                  <a:solidFill>
+                    <a:schemeClr val="tx1"/>
+                  </a:solidFill>
+                  <a:latin typeface="Arial" panose="020B0604020202020204" pitchFamily="34" charset="0"/>
+                  <a:cs typeface="Arial" panose="020B0604020202020204" pitchFamily="34" charset="0"/>
+                </a:rPr>
+                <a:t>Get_Entry</a:t>
+              </a:r>
+              <a:endParaRPr lang="de-DE" sz="2000" dirty="0">
+                <a:solidFill>
+                  <a:schemeClr val="tx1"/>
+                </a:solidFill>
+                <a:latin typeface="Arial" panose="020B0604020202020204" pitchFamily="34" charset="0"/>
+                <a:cs typeface="Arial" panose="020B0604020202020204" pitchFamily="34" charset="0"/>
+              </a:endParaRPr>
+            </a:p>
+            <a:p>
+              <a:r>
+                <a:rPr lang="de-DE" sz="2000" dirty="0" err="1">
+                  <a:solidFill>
+                    <a:schemeClr val="tx1"/>
+                  </a:solidFill>
+                  <a:latin typeface="Arial" panose="020B0604020202020204" pitchFamily="34" charset="0"/>
+                  <a:cs typeface="Arial" panose="020B0604020202020204" pitchFamily="34" charset="0"/>
+                </a:rPr>
+                <a:t>Manipulate_Entry</a:t>
+              </a:r>
+              <a:endParaRPr lang="de-DE" sz="2000" dirty="0">
+                <a:solidFill>
+                  <a:schemeClr val="tx1"/>
+                </a:solidFill>
+                <a:latin typeface="Arial" panose="020B0604020202020204" pitchFamily="34" charset="0"/>
+                <a:cs typeface="Arial" panose="020B0604020202020204" pitchFamily="34" charset="0"/>
+              </a:endParaRPr>
+            </a:p>
+            <a:p>
+              <a:r>
+                <a:rPr lang="de-DE" sz="2000" dirty="0" err="1">
+                  <a:solidFill>
+                    <a:schemeClr val="tx1"/>
+                  </a:solidFill>
+                  <a:latin typeface="Arial" panose="020B0604020202020204" pitchFamily="34" charset="0"/>
+                  <a:cs typeface="Arial" panose="020B0604020202020204" pitchFamily="34" charset="0"/>
+                </a:rPr>
+                <a:t>Check_Index</a:t>
+              </a:r>
+              <a:endParaRPr lang="de-DE" sz="2000" dirty="0">
+                <a:solidFill>
+                  <a:schemeClr val="tx1"/>
+                </a:solidFill>
+                <a:latin typeface="Arial" panose="020B0604020202020204" pitchFamily="34" charset="0"/>
+                <a:cs typeface="Arial" panose="020B0604020202020204" pitchFamily="34" charset="0"/>
+              </a:endParaRPr>
+            </a:p>
+          </p:txBody>
+        </p:sp>
+        <p:sp>
+          <p:nvSpPr>
+            <p:cNvPr id="17" name="Rechteck 16">
+              <a:extLst>
+                <a:ext uri="{FF2B5EF4-FFF2-40B4-BE49-F238E27FC236}">
+                  <a16:creationId xmlns:a16="http://schemas.microsoft.com/office/drawing/2014/main" id="{5AD073D5-7EC6-1D69-9A75-C30C744FD3C7}"/>
+                </a:ext>
+              </a:extLst>
+            </p:cNvPr>
+            <p:cNvSpPr/>
+            <p:nvPr/>
+          </p:nvSpPr>
+          <p:spPr>
+            <a:xfrm>
+              <a:off x="9169401" y="3069950"/>
+              <a:ext cx="2485062" cy="1278562"/>
+            </a:xfrm>
+            <a:prstGeom prst="rect">
+              <a:avLst/>
+            </a:prstGeom>
+            <a:noFill/>
+            <a:ln>
+              <a:solidFill>
+                <a:schemeClr val="tx1"/>
+              </a:solidFill>
+            </a:ln>
+          </p:spPr>
+          <p:style>
+            <a:lnRef idx="2">
+              <a:schemeClr val="accent1">
+                <a:shade val="15000"/>
+              </a:schemeClr>
+            </a:lnRef>
+            <a:fillRef idx="1">
+              <a:schemeClr val="accent1"/>
+            </a:fillRef>
+            <a:effectRef idx="0">
+              <a:schemeClr val="accent1"/>
+            </a:effectRef>
+            <a:fontRef idx="minor">
+              <a:schemeClr val="lt1"/>
+            </a:fontRef>
+          </p:style>
+          <p:txBody>
+            <a:bodyPr lIns="68580" tIns="34292" rIns="68580" bIns="34292" rtlCol="0" anchor="ctr"/>
+            <a:lstStyle/>
+            <a:p>
+              <a:r>
+                <a:rPr lang="de-DE" sz="2000" dirty="0" err="1">
+                  <a:solidFill>
+                    <a:schemeClr val="tx1"/>
+                  </a:solidFill>
+                  <a:latin typeface="Arial" panose="020B0604020202020204" pitchFamily="34" charset="0"/>
+                  <a:cs typeface="Arial" panose="020B0604020202020204" pitchFamily="34" charset="0"/>
+                </a:rPr>
+                <a:t>Start_Menü</a:t>
+              </a:r>
+              <a:endParaRPr lang="de-DE" sz="2000" dirty="0">
+                <a:solidFill>
+                  <a:schemeClr val="tx1"/>
+                </a:solidFill>
+                <a:latin typeface="Arial" panose="020B0604020202020204" pitchFamily="34" charset="0"/>
+                <a:cs typeface="Arial" panose="020B0604020202020204" pitchFamily="34" charset="0"/>
+              </a:endParaRPr>
+            </a:p>
+            <a:p>
+              <a:r>
+                <a:rPr lang="de-DE" sz="2000" dirty="0" err="1">
+                  <a:solidFill>
+                    <a:schemeClr val="tx1"/>
+                  </a:solidFill>
+                  <a:latin typeface="Arial" panose="020B0604020202020204" pitchFamily="34" charset="0"/>
+                  <a:cs typeface="Arial" panose="020B0604020202020204" pitchFamily="34" charset="0"/>
+                </a:rPr>
+                <a:t>Send_Menü</a:t>
+              </a:r>
+              <a:endParaRPr lang="de-DE" sz="2000" dirty="0">
+                <a:solidFill>
+                  <a:schemeClr val="tx1"/>
+                </a:solidFill>
+                <a:latin typeface="Arial" panose="020B0604020202020204" pitchFamily="34" charset="0"/>
+                <a:cs typeface="Arial" panose="020B0604020202020204" pitchFamily="34" charset="0"/>
+              </a:endParaRPr>
+            </a:p>
+            <a:p>
+              <a:r>
+                <a:rPr lang="de-DE" sz="2000" dirty="0" err="1">
+                  <a:solidFill>
+                    <a:schemeClr val="tx1"/>
+                  </a:solidFill>
+                  <a:latin typeface="Arial" panose="020B0604020202020204" pitchFamily="34" charset="0"/>
+                  <a:cs typeface="Arial" panose="020B0604020202020204" pitchFamily="34" charset="0"/>
+                </a:rPr>
+                <a:t>Receive_Menü</a:t>
+              </a:r>
+              <a:endParaRPr lang="de-DE" sz="2000" dirty="0">
+                <a:solidFill>
+                  <a:schemeClr val="tx1"/>
+                </a:solidFill>
+                <a:latin typeface="Arial" panose="020B0604020202020204" pitchFamily="34" charset="0"/>
+                <a:cs typeface="Arial" panose="020B0604020202020204" pitchFamily="34" charset="0"/>
+              </a:endParaRPr>
+            </a:p>
+            <a:p>
+              <a:r>
+                <a:rPr lang="de-DE" sz="2000" dirty="0" err="1">
+                  <a:solidFill>
+                    <a:schemeClr val="tx1"/>
+                  </a:solidFill>
+                  <a:latin typeface="Arial" panose="020B0604020202020204" pitchFamily="34" charset="0"/>
+                  <a:cs typeface="Arial" panose="020B0604020202020204" pitchFamily="34" charset="0"/>
+                </a:rPr>
+                <a:t>Greetings_Menü</a:t>
+              </a:r>
+              <a:endParaRPr lang="de-DE" sz="2000" dirty="0">
+                <a:solidFill>
+                  <a:schemeClr val="tx1"/>
+                </a:solidFill>
+                <a:latin typeface="Arial" panose="020B0604020202020204" pitchFamily="34" charset="0"/>
+                <a:cs typeface="Arial" panose="020B0604020202020204" pitchFamily="34" charset="0"/>
+              </a:endParaRPr>
+            </a:p>
+          </p:txBody>
+        </p:sp>
+      </p:grpSp>
+      <p:grpSp>
+        <p:nvGrpSpPr>
+          <p:cNvPr id="22" name="Gruppieren 21">
+            <a:extLst>
+              <a:ext uri="{FF2B5EF4-FFF2-40B4-BE49-F238E27FC236}">
+                <a16:creationId xmlns:a16="http://schemas.microsoft.com/office/drawing/2014/main" id="{0FE51E81-9B49-22A8-2549-43DD4B3636E6}"/>
+              </a:ext>
+            </a:extLst>
+          </p:cNvPr>
+          <p:cNvGrpSpPr/>
+          <p:nvPr/>
+        </p:nvGrpSpPr>
+        <p:grpSpPr>
+          <a:xfrm>
+            <a:off x="371467" y="302727"/>
+            <a:ext cx="1800327" cy="895381"/>
+            <a:chOff x="7788005" y="215404"/>
+            <a:chExt cx="1381395" cy="895381"/>
+          </a:xfrm>
+        </p:grpSpPr>
+        <p:sp>
+          <p:nvSpPr>
+            <p:cNvPr id="3" name="Rechteck 2">
+              <a:extLst>
+                <a:ext uri="{FF2B5EF4-FFF2-40B4-BE49-F238E27FC236}">
+                  <a16:creationId xmlns:a16="http://schemas.microsoft.com/office/drawing/2014/main" id="{0EB10211-E489-600D-D87C-0BCB27033760}"/>
+                </a:ext>
+              </a:extLst>
+            </p:cNvPr>
+            <p:cNvSpPr/>
+            <p:nvPr/>
+          </p:nvSpPr>
+          <p:spPr>
+            <a:xfrm>
+              <a:off x="7788005" y="215404"/>
+              <a:ext cx="1381395" cy="312498"/>
+            </a:xfrm>
+            <a:prstGeom prst="rect">
+              <a:avLst/>
+            </a:prstGeom>
+            <a:noFill/>
+            <a:ln w="19050">
+              <a:solidFill>
+                <a:schemeClr val="tx1"/>
+              </a:solidFill>
+            </a:ln>
+          </p:spPr>
+          <p:style>
+            <a:lnRef idx="2">
+              <a:schemeClr val="accent1">
+                <a:shade val="15000"/>
+              </a:schemeClr>
+            </a:lnRef>
+            <a:fillRef idx="1">
+              <a:schemeClr val="accent1"/>
+            </a:fillRef>
+            <a:effectRef idx="0">
+              <a:schemeClr val="accent1"/>
+            </a:effectRef>
+            <a:fontRef idx="minor">
+              <a:schemeClr val="lt1"/>
+            </a:fontRef>
+          </p:style>
+          <p:txBody>
+            <a:bodyPr lIns="68580" tIns="34292" rIns="68580" bIns="34292" rtlCol="0" anchor="ctr"/>
+            <a:lstStyle/>
+            <a:p>
+              <a:pPr algn="ctr"/>
+              <a:r>
+                <a:rPr lang="de-DE" sz="2000" b="1" dirty="0">
+                  <a:solidFill>
+                    <a:schemeClr val="tx1"/>
+                  </a:solidFill>
+                  <a:latin typeface="Arial" panose="020B0604020202020204" pitchFamily="34" charset="0"/>
+                  <a:cs typeface="Arial" panose="020B0604020202020204" pitchFamily="34" charset="0"/>
+                </a:rPr>
+                <a:t>Drehschalter</a:t>
+              </a:r>
+            </a:p>
+          </p:txBody>
+        </p:sp>
+        <p:sp>
+          <p:nvSpPr>
+            <p:cNvPr id="18" name="Rechteck 17">
+              <a:extLst>
+                <a:ext uri="{FF2B5EF4-FFF2-40B4-BE49-F238E27FC236}">
+                  <a16:creationId xmlns:a16="http://schemas.microsoft.com/office/drawing/2014/main" id="{EBC4CB28-1F44-CDC2-450B-A387CCAE3545}"/>
+                </a:ext>
+              </a:extLst>
+            </p:cNvPr>
+            <p:cNvSpPr/>
+            <p:nvPr/>
+          </p:nvSpPr>
+          <p:spPr>
+            <a:xfrm>
+              <a:off x="7788005" y="527902"/>
+              <a:ext cx="1381395" cy="151664"/>
+            </a:xfrm>
+            <a:prstGeom prst="rect">
+              <a:avLst/>
+            </a:prstGeom>
+            <a:noFill/>
+            <a:ln w="19050">
+              <a:solidFill>
+                <a:schemeClr val="tx1"/>
+              </a:solidFill>
+            </a:ln>
+          </p:spPr>
+          <p:style>
+            <a:lnRef idx="2">
+              <a:schemeClr val="accent1">
+                <a:shade val="15000"/>
+              </a:schemeClr>
+            </a:lnRef>
+            <a:fillRef idx="1">
+              <a:schemeClr val="accent1"/>
+            </a:fillRef>
+            <a:effectRef idx="0">
+              <a:schemeClr val="accent1"/>
+            </a:effectRef>
+            <a:fontRef idx="minor">
+              <a:schemeClr val="lt1"/>
+            </a:fontRef>
+          </p:style>
+          <p:txBody>
+            <a:bodyPr lIns="68580" tIns="34292" rIns="68580" bIns="34292" rtlCol="0" anchor="ctr"/>
+            <a:lstStyle/>
+            <a:p>
+              <a:endParaRPr lang="de-DE" sz="2000" dirty="0">
+                <a:solidFill>
+                  <a:schemeClr val="tx1"/>
+                </a:solidFill>
+                <a:latin typeface="Arial" panose="020B0604020202020204" pitchFamily="34" charset="0"/>
+                <a:cs typeface="Arial" panose="020B0604020202020204" pitchFamily="34" charset="0"/>
+              </a:endParaRPr>
+            </a:p>
+          </p:txBody>
+        </p:sp>
+        <p:sp>
+          <p:nvSpPr>
+            <p:cNvPr id="19" name="Rechteck 18">
+              <a:extLst>
+                <a:ext uri="{FF2B5EF4-FFF2-40B4-BE49-F238E27FC236}">
+                  <a16:creationId xmlns:a16="http://schemas.microsoft.com/office/drawing/2014/main" id="{276E4A2D-EF62-CBF9-3A57-A11860800E5B}"/>
+                </a:ext>
+              </a:extLst>
+            </p:cNvPr>
+            <p:cNvSpPr/>
+            <p:nvPr/>
+          </p:nvSpPr>
+          <p:spPr>
+            <a:xfrm>
+              <a:off x="7788005" y="685845"/>
+              <a:ext cx="1381395" cy="424940"/>
+            </a:xfrm>
+            <a:prstGeom prst="rect">
+              <a:avLst/>
+            </a:prstGeom>
+            <a:noFill/>
+            <a:ln w="19050">
+              <a:solidFill>
+                <a:schemeClr val="tx1"/>
+              </a:solidFill>
+            </a:ln>
+          </p:spPr>
+          <p:style>
+            <a:lnRef idx="2">
+              <a:schemeClr val="accent1">
+                <a:shade val="15000"/>
+              </a:schemeClr>
+            </a:lnRef>
+            <a:fillRef idx="1">
+              <a:schemeClr val="accent1"/>
+            </a:fillRef>
+            <a:effectRef idx="0">
+              <a:schemeClr val="accent1"/>
+            </a:effectRef>
+            <a:fontRef idx="minor">
+              <a:schemeClr val="lt1"/>
+            </a:fontRef>
+          </p:style>
+          <p:txBody>
+            <a:bodyPr lIns="68580" tIns="34292" rIns="68580" bIns="34292" rtlCol="0" anchor="ctr"/>
+            <a:lstStyle/>
+            <a:p>
+              <a:r>
+                <a:rPr lang="de-DE" sz="2000" dirty="0">
+                  <a:solidFill>
+                    <a:schemeClr val="tx1"/>
+                  </a:solidFill>
+                  <a:latin typeface="Arial" panose="020B0604020202020204" pitchFamily="34" charset="0"/>
+                  <a:cs typeface="Arial" panose="020B0604020202020204" pitchFamily="34" charset="0"/>
+                </a:rPr>
+                <a:t>Checkup()</a:t>
+              </a:r>
+            </a:p>
+          </p:txBody>
+        </p:sp>
+      </p:grpSp>
+      <p:cxnSp>
+        <p:nvCxnSpPr>
+          <p:cNvPr id="40" name="Gerade Verbindung mit Pfeil 39">
+            <a:extLst>
+              <a:ext uri="{FF2B5EF4-FFF2-40B4-BE49-F238E27FC236}">
+                <a16:creationId xmlns:a16="http://schemas.microsoft.com/office/drawing/2014/main" id="{15C2988C-0A79-A84B-5F96-5510224D3DF9}"/>
+              </a:ext>
+            </a:extLst>
+          </p:cNvPr>
+          <p:cNvCxnSpPr>
+            <a:cxnSpLocks/>
+          </p:cNvCxnSpPr>
+          <p:nvPr/>
+        </p:nvCxnSpPr>
+        <p:spPr>
+          <a:xfrm>
+            <a:off x="10957948" y="5931810"/>
+            <a:ext cx="854847" cy="0"/>
+          </a:xfrm>
+          <a:prstGeom prst="straightConnector1">
+            <a:avLst/>
+          </a:prstGeom>
+          <a:ln w="19050" cap="flat" cmpd="sng" algn="ctr">
+            <a:solidFill>
+              <a:schemeClr val="dk1"/>
+            </a:solidFill>
+            <a:prstDash val="solid"/>
+            <a:round/>
+            <a:headEnd type="none" w="med" len="med"/>
+            <a:tailEnd type="arrow" w="med" len="lg"/>
+          </a:ln>
+        </p:spPr>
+        <p:style>
+          <a:lnRef idx="0">
+            <a:scrgbClr r="0" g="0" b="0"/>
+          </a:lnRef>
+          <a:fillRef idx="0">
+            <a:scrgbClr r="0" g="0" b="0"/>
+          </a:fillRef>
+          <a:effectRef idx="0">
+            <a:scrgbClr r="0" g="0" b="0"/>
+          </a:effectRef>
+          <a:fontRef idx="minor">
+            <a:schemeClr val="tx1"/>
+          </a:fontRef>
+        </p:style>
+      </p:cxnSp>
+      <p:sp>
+        <p:nvSpPr>
+          <p:cNvPr id="47" name="Gleichschenkliges Dreieck 46">
+            <a:extLst>
+              <a:ext uri="{FF2B5EF4-FFF2-40B4-BE49-F238E27FC236}">
+                <a16:creationId xmlns:a16="http://schemas.microsoft.com/office/drawing/2014/main" id="{CA56E7E8-A894-375C-CBE6-60B5A150D5CB}"/>
+              </a:ext>
+            </a:extLst>
+          </p:cNvPr>
+          <p:cNvSpPr/>
+          <p:nvPr/>
+        </p:nvSpPr>
+        <p:spPr>
+          <a:xfrm>
+            <a:off x="3872382" y="2372920"/>
+            <a:ext cx="371475" cy="312498"/>
+          </a:xfrm>
+          <a:prstGeom prst="triangle">
+            <a:avLst/>
+          </a:prstGeom>
+          <a:noFill/>
+          <a:ln>
+            <a:noFill/>
+          </a:ln>
+        </p:spPr>
+        <p:style>
+          <a:lnRef idx="2">
+            <a:schemeClr val="accent1">
+              <a:shade val="15000"/>
+            </a:schemeClr>
+          </a:lnRef>
+          <a:fillRef idx="1">
+            <a:schemeClr val="accent1"/>
+          </a:fillRef>
+          <a:effectRef idx="0">
+            <a:schemeClr val="accent1"/>
+          </a:effectRef>
+          <a:fontRef idx="minor">
+            <a:schemeClr val="lt1"/>
+          </a:fontRef>
+        </p:style>
+        <p:txBody>
+          <a:bodyPr rtlCol="0" anchor="ctr"/>
+          <a:lstStyle/>
+          <a:p>
+            <a:pPr algn="ctr"/>
+            <a:endParaRPr lang="de-DE"/>
+          </a:p>
+        </p:txBody>
+      </p:sp>
+      <p:sp>
+        <p:nvSpPr>
+          <p:cNvPr id="48" name="Gleichschenkliges Dreieck 47">
+            <a:extLst>
+              <a:ext uri="{FF2B5EF4-FFF2-40B4-BE49-F238E27FC236}">
+                <a16:creationId xmlns:a16="http://schemas.microsoft.com/office/drawing/2014/main" id="{D199B4D6-5712-4E16-B61B-EF0E6569AE75}"/>
+              </a:ext>
+            </a:extLst>
+          </p:cNvPr>
+          <p:cNvSpPr/>
+          <p:nvPr/>
+        </p:nvSpPr>
+        <p:spPr>
+          <a:xfrm>
+            <a:off x="11085191" y="5150591"/>
+            <a:ext cx="371475" cy="312498"/>
+          </a:xfrm>
+          <a:prstGeom prst="triangle">
+            <a:avLst/>
+          </a:prstGeom>
+          <a:solidFill>
+            <a:schemeClr val="tx2">
+              <a:lumMod val="75000"/>
+              <a:lumOff val="25000"/>
+            </a:schemeClr>
+          </a:solidFill>
+          <a:ln>
+            <a:noFill/>
+          </a:ln>
+        </p:spPr>
+        <p:style>
+          <a:lnRef idx="2">
+            <a:schemeClr val="accent1">
+              <a:shade val="15000"/>
+            </a:schemeClr>
+          </a:lnRef>
+          <a:fillRef idx="1">
+            <a:schemeClr val="accent1"/>
+          </a:fillRef>
+          <a:effectRef idx="0">
+            <a:schemeClr val="accent1"/>
+          </a:effectRef>
+          <a:fontRef idx="minor">
+            <a:schemeClr val="lt1"/>
+          </a:fontRef>
+        </p:style>
+        <p:txBody>
+          <a:bodyPr rtlCol="0" anchor="ctr"/>
+          <a:lstStyle/>
+          <a:p>
+            <a:pPr algn="ctr"/>
+            <a:endParaRPr lang="de-DE">
+              <a:solidFill>
+                <a:srgbClr val="FF0000"/>
+              </a:solidFill>
+            </a:endParaRPr>
+          </a:p>
+        </p:txBody>
+      </p:sp>
+      <p:sp>
+        <p:nvSpPr>
+          <p:cNvPr id="49" name="Gleichschenkliges Dreieck 48">
+            <a:extLst>
+              <a:ext uri="{FF2B5EF4-FFF2-40B4-BE49-F238E27FC236}">
+                <a16:creationId xmlns:a16="http://schemas.microsoft.com/office/drawing/2014/main" id="{F12D36A1-6800-9EBC-001A-907BBFE943C5}"/>
+              </a:ext>
+            </a:extLst>
+          </p:cNvPr>
+          <p:cNvSpPr/>
+          <p:nvPr/>
+        </p:nvSpPr>
+        <p:spPr>
+          <a:xfrm>
+            <a:off x="7943079" y="2446783"/>
+            <a:ext cx="371475" cy="312498"/>
+          </a:xfrm>
+          <a:prstGeom prst="triangle">
+            <a:avLst/>
+          </a:prstGeom>
+          <a:noFill/>
+          <a:ln>
+            <a:noFill/>
+          </a:ln>
+        </p:spPr>
+        <p:style>
+          <a:lnRef idx="2">
+            <a:schemeClr val="accent1">
+              <a:shade val="15000"/>
+            </a:schemeClr>
+          </a:lnRef>
+          <a:fillRef idx="1">
+            <a:schemeClr val="accent1"/>
+          </a:fillRef>
+          <a:effectRef idx="0">
+            <a:schemeClr val="accent1"/>
+          </a:effectRef>
+          <a:fontRef idx="minor">
+            <a:schemeClr val="lt1"/>
+          </a:fontRef>
+        </p:style>
+        <p:txBody>
+          <a:bodyPr rtlCol="0" anchor="ctr"/>
+          <a:lstStyle/>
+          <a:p>
+            <a:pPr algn="ctr"/>
+            <a:endParaRPr lang="de-DE"/>
+          </a:p>
+        </p:txBody>
+      </p:sp>
+      <p:sp>
+        <p:nvSpPr>
+          <p:cNvPr id="50" name="Gleichschenkliges Dreieck 49">
+            <a:extLst>
+              <a:ext uri="{FF2B5EF4-FFF2-40B4-BE49-F238E27FC236}">
+                <a16:creationId xmlns:a16="http://schemas.microsoft.com/office/drawing/2014/main" id="{BE1F054C-3B4E-393E-EDBE-BE6F7302D59D}"/>
+              </a:ext>
+            </a:extLst>
+          </p:cNvPr>
+          <p:cNvSpPr/>
+          <p:nvPr/>
+        </p:nvSpPr>
+        <p:spPr>
+          <a:xfrm>
+            <a:off x="8314554" y="557492"/>
+            <a:ext cx="371475" cy="312498"/>
+          </a:xfrm>
+          <a:prstGeom prst="triangle">
+            <a:avLst/>
+          </a:prstGeom>
+          <a:noFill/>
+          <a:ln>
+            <a:noFill/>
+          </a:ln>
+        </p:spPr>
+        <p:style>
+          <a:lnRef idx="2">
+            <a:schemeClr val="accent1">
+              <a:shade val="15000"/>
+            </a:schemeClr>
+          </a:lnRef>
+          <a:fillRef idx="1">
+            <a:schemeClr val="accent1"/>
+          </a:fillRef>
+          <a:effectRef idx="0">
+            <a:schemeClr val="accent1"/>
+          </a:effectRef>
+          <a:fontRef idx="minor">
+            <a:schemeClr val="lt1"/>
+          </a:fontRef>
+        </p:style>
+        <p:txBody>
+          <a:bodyPr rtlCol="0" anchor="ctr"/>
+          <a:lstStyle/>
+          <a:p>
+            <a:pPr algn="ctr"/>
+            <a:endParaRPr lang="de-DE"/>
+          </a:p>
+        </p:txBody>
+      </p:sp>
+      <p:cxnSp>
+        <p:nvCxnSpPr>
+          <p:cNvPr id="55" name="Gerade Verbindung mit Pfeil 54">
+            <a:extLst>
+              <a:ext uri="{FF2B5EF4-FFF2-40B4-BE49-F238E27FC236}">
+                <a16:creationId xmlns:a16="http://schemas.microsoft.com/office/drawing/2014/main" id="{BFBF4CCD-BEDD-6285-AC5D-D1582235E09F}"/>
+              </a:ext>
+            </a:extLst>
+          </p:cNvPr>
+          <p:cNvCxnSpPr>
+            <a:cxnSpLocks/>
+          </p:cNvCxnSpPr>
+          <p:nvPr/>
+        </p:nvCxnSpPr>
+        <p:spPr>
+          <a:xfrm flipV="1">
+            <a:off x="10957948" y="6177311"/>
+            <a:ext cx="854847" cy="4886"/>
+          </a:xfrm>
+          <a:prstGeom prst="straightConnector1">
+            <a:avLst/>
+          </a:prstGeom>
+          <a:ln w="19050" cap="flat" cmpd="sng" algn="ctr">
+            <a:solidFill>
+              <a:schemeClr val="dk1"/>
+            </a:solidFill>
+            <a:prstDash val="dash"/>
+            <a:round/>
+            <a:headEnd type="none" w="med" len="med"/>
+            <a:tailEnd type="none" w="med" len="lg"/>
+          </a:ln>
+        </p:spPr>
+        <p:style>
+          <a:lnRef idx="0">
+            <a:scrgbClr r="0" g="0" b="0"/>
+          </a:lnRef>
+          <a:fillRef idx="0">
+            <a:scrgbClr r="0" g="0" b="0"/>
+          </a:fillRef>
+          <a:effectRef idx="0">
+            <a:scrgbClr r="0" g="0" b="0"/>
+          </a:effectRef>
+          <a:fontRef idx="minor">
+            <a:schemeClr val="tx1"/>
+          </a:fontRef>
+        </p:style>
+      </p:cxnSp>
+      <p:cxnSp>
+        <p:nvCxnSpPr>
+          <p:cNvPr id="62" name="Gerade Verbindung mit Pfeil 61">
+            <a:extLst>
+              <a:ext uri="{FF2B5EF4-FFF2-40B4-BE49-F238E27FC236}">
+                <a16:creationId xmlns:a16="http://schemas.microsoft.com/office/drawing/2014/main" id="{753E9498-F000-8BC7-81FF-6E15368A1DE7}"/>
+              </a:ext>
+            </a:extLst>
+          </p:cNvPr>
+          <p:cNvCxnSpPr>
+            <a:cxnSpLocks/>
+          </p:cNvCxnSpPr>
+          <p:nvPr/>
+        </p:nvCxnSpPr>
+        <p:spPr>
+          <a:xfrm>
+            <a:off x="10957948" y="6427697"/>
+            <a:ext cx="956146" cy="0"/>
+          </a:xfrm>
+          <a:prstGeom prst="straightConnector1">
+            <a:avLst/>
+          </a:prstGeom>
+          <a:ln w="19050" cap="flat" cmpd="sng" algn="ctr">
+            <a:solidFill>
+              <a:schemeClr val="dk1"/>
+            </a:solidFill>
+            <a:prstDash val="dash"/>
+            <a:round/>
+            <a:headEnd type="none" w="med" len="med"/>
+            <a:tailEnd type="arrow" w="med" len="lg"/>
+          </a:ln>
+        </p:spPr>
+        <p:style>
+          <a:lnRef idx="0">
+            <a:scrgbClr r="0" g="0" b="0"/>
+          </a:lnRef>
+          <a:fillRef idx="0">
+            <a:scrgbClr r="0" g="0" b="0"/>
+          </a:fillRef>
+          <a:effectRef idx="0">
+            <a:scrgbClr r="0" g="0" b="0"/>
+          </a:effectRef>
+          <a:fontRef idx="minor">
+            <a:schemeClr val="tx1"/>
+          </a:fontRef>
+        </p:style>
+      </p:cxnSp>
+      <p:cxnSp>
+        <p:nvCxnSpPr>
+          <p:cNvPr id="32" name="Gerade Verbindung mit Pfeil 31">
+            <a:extLst>
+              <a:ext uri="{FF2B5EF4-FFF2-40B4-BE49-F238E27FC236}">
+                <a16:creationId xmlns:a16="http://schemas.microsoft.com/office/drawing/2014/main" id="{E2EC257F-D783-562D-EAF9-172B3982A0DD}"/>
+              </a:ext>
+            </a:extLst>
+          </p:cNvPr>
+          <p:cNvCxnSpPr>
+            <a:cxnSpLocks/>
+          </p:cNvCxnSpPr>
+          <p:nvPr/>
+        </p:nvCxnSpPr>
+        <p:spPr>
+          <a:xfrm>
+            <a:off x="10957948" y="5708589"/>
+            <a:ext cx="854847" cy="0"/>
+          </a:xfrm>
+          <a:prstGeom prst="straightConnector1">
+            <a:avLst/>
+          </a:prstGeom>
+          <a:ln w="19050" cap="flat" cmpd="sng" algn="ctr">
+            <a:solidFill>
+              <a:schemeClr val="dk1"/>
+            </a:solidFill>
+            <a:prstDash val="solid"/>
+            <a:round/>
+            <a:headEnd type="none" w="med" len="med"/>
+            <a:tailEnd type="none" w="med" len="lg"/>
+          </a:ln>
+        </p:spPr>
+        <p:style>
+          <a:lnRef idx="0">
+            <a:scrgbClr r="0" g="0" b="0"/>
+          </a:lnRef>
+          <a:fillRef idx="0">
+            <a:scrgbClr r="0" g="0" b="0"/>
+          </a:fillRef>
+          <a:effectRef idx="0">
+            <a:scrgbClr r="0" g="0" b="0"/>
+          </a:effectRef>
+          <a:fontRef idx="minor">
+            <a:schemeClr val="tx1"/>
+          </a:fontRef>
+        </p:style>
+      </p:cxnSp>
+      <p:sp>
+        <p:nvSpPr>
+          <p:cNvPr id="37" name="Gleichschenkliges Dreieck 36">
+            <a:extLst>
+              <a:ext uri="{FF2B5EF4-FFF2-40B4-BE49-F238E27FC236}">
+                <a16:creationId xmlns:a16="http://schemas.microsoft.com/office/drawing/2014/main" id="{2DD60FC1-CC86-E205-44D9-E6EEE0B6B1F3}"/>
+              </a:ext>
+            </a:extLst>
+          </p:cNvPr>
+          <p:cNvSpPr/>
+          <p:nvPr/>
+        </p:nvSpPr>
+        <p:spPr>
+          <a:xfrm>
+            <a:off x="10411932" y="69022"/>
+            <a:ext cx="371475" cy="312498"/>
+          </a:xfrm>
+          <a:prstGeom prst="triangle">
+            <a:avLst/>
+          </a:prstGeom>
+          <a:noFill/>
+          <a:ln>
+            <a:noFill/>
+          </a:ln>
+        </p:spPr>
+        <p:style>
+          <a:lnRef idx="2">
+            <a:schemeClr val="accent1">
+              <a:shade val="15000"/>
+            </a:schemeClr>
+          </a:lnRef>
+          <a:fillRef idx="1">
+            <a:schemeClr val="accent1"/>
+          </a:fillRef>
+          <a:effectRef idx="0">
+            <a:schemeClr val="accent1"/>
+          </a:effectRef>
+          <a:fontRef idx="minor">
+            <a:schemeClr val="lt1"/>
+          </a:fontRef>
+        </p:style>
+        <p:txBody>
+          <a:bodyPr rtlCol="0" anchor="ctr"/>
+          <a:lstStyle/>
+          <a:p>
+            <a:pPr algn="ctr"/>
+            <a:endParaRPr lang="de-DE"/>
+          </a:p>
+        </p:txBody>
+      </p:sp>
+      <p:sp>
+        <p:nvSpPr>
+          <p:cNvPr id="63" name="Textfeld 62">
+            <a:extLst>
+              <a:ext uri="{FF2B5EF4-FFF2-40B4-BE49-F238E27FC236}">
+                <a16:creationId xmlns:a16="http://schemas.microsoft.com/office/drawing/2014/main" id="{CABD2C3C-16FC-FF1F-F36D-45F28F95D89F}"/>
+              </a:ext>
+            </a:extLst>
+          </p:cNvPr>
+          <p:cNvSpPr txBox="1"/>
+          <p:nvPr/>
+        </p:nvSpPr>
+        <p:spPr>
+          <a:xfrm>
+            <a:off x="9046404" y="6115842"/>
+            <a:ext cx="1737003" cy="369332"/>
+          </a:xfrm>
+          <a:prstGeom prst="rect">
+            <a:avLst/>
+          </a:prstGeom>
+          <a:noFill/>
+          <a:ln>
+            <a:solidFill>
+              <a:schemeClr val="tx1"/>
+            </a:solidFill>
+          </a:ln>
+        </p:spPr>
+        <p:txBody>
+          <a:bodyPr wrap="square" rtlCol="0">
+            <a:spAutoFit/>
+          </a:bodyPr>
+          <a:lstStyle/>
+          <a:p>
+            <a:r>
+              <a:rPr lang="de-DE" dirty="0"/>
+              <a:t>Legende:</a:t>
+            </a:r>
+          </a:p>
+        </p:txBody>
+      </p:sp>
+    </p:spTree>
+    <p:extLst>
+      <p:ext uri="{BB962C8B-B14F-4D97-AF65-F5344CB8AC3E}">
+        <p14:creationId xmlns:p14="http://schemas.microsoft.com/office/powerpoint/2010/main" val="1484037538"/>
+      </p:ext>
+    </p:extLst>
+  </p:cSld>
+  <p:clrMapOvr>
+    <a:masterClrMapping/>
+  </p:clrMapOvr>
+</p:sld>
+</file>
+
+<file path=ppt/slides/slide4.xml><?xml version="1.0" encoding="utf-8"?>
+<p:sld xmlns:a="http://schemas.openxmlformats.org/drawingml/2006/main" xmlns:r="http://schemas.openxmlformats.org/officeDocument/2006/relationships" xmlns:p="http://schemas.openxmlformats.org/presentationml/2006/main">
+  <p:cSld>
+    <p:spTree>
+      <p:nvGrpSpPr>
+        <p:cNvPr id="1" name=""/>
+        <p:cNvGrpSpPr/>
+        <p:nvPr/>
+      </p:nvGrpSpPr>
+      <p:grpSpPr>
+        <a:xfrm>
+          <a:off x="0" y="0"/>
+          <a:ext cx="0" cy="0"/>
+          <a:chOff x="0" y="0"/>
+          <a:chExt cx="0" cy="0"/>
+        </a:xfrm>
+      </p:grpSpPr>
+      <p:sp>
+        <p:nvSpPr>
+          <p:cNvPr id="89" name="Rechteck: abgerundete Ecken 88">
+            <a:extLst>
+              <a:ext uri="{FF2B5EF4-FFF2-40B4-BE49-F238E27FC236}">
+                <a16:creationId xmlns:a16="http://schemas.microsoft.com/office/drawing/2014/main" id="{06ADA361-78B1-C12F-637A-BDB14C510C41}"/>
+              </a:ext>
+            </a:extLst>
+          </p:cNvPr>
+          <p:cNvSpPr/>
+          <p:nvPr/>
+        </p:nvSpPr>
+        <p:spPr>
+          <a:xfrm>
+            <a:off x="1273744" y="318361"/>
+            <a:ext cx="4187251" cy="413201"/>
+          </a:xfrm>
+          <a:prstGeom prst="roundRect">
+            <a:avLst>
+              <a:gd name="adj" fmla="val 50000"/>
+            </a:avLst>
+          </a:prstGeom>
+          <a:noFill/>
+          <a:ln w="22225" cap="flat" cmpd="sng">
+            <a:solidFill>
+              <a:schemeClr val="tx1"/>
+            </a:solidFill>
+            <a:round/>
+            <a:extLst>
+              <a:ext uri="{C807C97D-BFC1-408E-A445-0C87EB9F89A2}">
+                <ask:lineSketchStyleProps xmlns:ask="http://schemas.microsoft.com/office/drawing/2018/sketchyshapes" sd="1219033472">
+                  <a:custGeom>
+                    <a:avLst/>
+                    <a:gdLst>
+                      <a:gd name="connsiteX0" fmla="*/ 0 w 1355075"/>
+                      <a:gd name="connsiteY0" fmla="*/ 248149 h 583894"/>
+                      <a:gd name="connsiteX1" fmla="*/ 248149 w 1355075"/>
+                      <a:gd name="connsiteY1" fmla="*/ 0 h 583894"/>
+                      <a:gd name="connsiteX2" fmla="*/ 694713 w 1355075"/>
+                      <a:gd name="connsiteY2" fmla="*/ 0 h 583894"/>
+                      <a:gd name="connsiteX3" fmla="*/ 1106926 w 1355075"/>
+                      <a:gd name="connsiteY3" fmla="*/ 0 h 583894"/>
+                      <a:gd name="connsiteX4" fmla="*/ 1355075 w 1355075"/>
+                      <a:gd name="connsiteY4" fmla="*/ 248149 h 583894"/>
+                      <a:gd name="connsiteX5" fmla="*/ 1355075 w 1355075"/>
+                      <a:gd name="connsiteY5" fmla="*/ 335745 h 583894"/>
+                      <a:gd name="connsiteX6" fmla="*/ 1106926 w 1355075"/>
+                      <a:gd name="connsiteY6" fmla="*/ 583894 h 583894"/>
+                      <a:gd name="connsiteX7" fmla="*/ 677538 w 1355075"/>
+                      <a:gd name="connsiteY7" fmla="*/ 583894 h 583894"/>
+                      <a:gd name="connsiteX8" fmla="*/ 248149 w 1355075"/>
+                      <a:gd name="connsiteY8" fmla="*/ 583894 h 583894"/>
+                      <a:gd name="connsiteX9" fmla="*/ 0 w 1355075"/>
+                      <a:gd name="connsiteY9" fmla="*/ 335745 h 583894"/>
+                      <a:gd name="connsiteX10" fmla="*/ 0 w 1355075"/>
+                      <a:gd name="connsiteY10" fmla="*/ 248149 h 583894"/>
+                    </a:gdLst>
+                    <a:ahLst/>
+                    <a:cxnLst>
+                      <a:cxn ang="0">
+                        <a:pos x="connsiteX0" y="connsiteY0"/>
+                      </a:cxn>
+                      <a:cxn ang="0">
+                        <a:pos x="connsiteX1" y="connsiteY1"/>
+                      </a:cxn>
+                      <a:cxn ang="0">
+                        <a:pos x="connsiteX2" y="connsiteY2"/>
+                      </a:cxn>
+                      <a:cxn ang="0">
+                        <a:pos x="connsiteX3" y="connsiteY3"/>
+                      </a:cxn>
+                      <a:cxn ang="0">
+                        <a:pos x="connsiteX4" y="connsiteY4"/>
+                      </a:cxn>
+                      <a:cxn ang="0">
+                        <a:pos x="connsiteX5" y="connsiteY5"/>
+                      </a:cxn>
+                      <a:cxn ang="0">
+                        <a:pos x="connsiteX6" y="connsiteY6"/>
+                      </a:cxn>
+                      <a:cxn ang="0">
+                        <a:pos x="connsiteX7" y="connsiteY7"/>
+                      </a:cxn>
+                      <a:cxn ang="0">
+                        <a:pos x="connsiteX8" y="connsiteY8"/>
+                      </a:cxn>
+                      <a:cxn ang="0">
+                        <a:pos x="connsiteX9" y="connsiteY9"/>
+                      </a:cxn>
+                      <a:cxn ang="0">
+                        <a:pos x="connsiteX10" y="connsiteY10"/>
+                      </a:cxn>
+                    </a:cxnLst>
+                    <a:rect l="l" t="t" r="r" b="b"/>
+                    <a:pathLst>
+                      <a:path w="1355075" h="583894" extrusionOk="0">
+                        <a:moveTo>
+                          <a:pt x="0" y="248149"/>
+                        </a:moveTo>
+                        <a:cubicBezTo>
+                          <a:pt x="-23929" y="96340"/>
+                          <a:pt x="86890" y="9086"/>
+                          <a:pt x="248149" y="0"/>
+                        </a:cubicBezTo>
+                        <a:cubicBezTo>
+                          <a:pt x="458709" y="4432"/>
+                          <a:pt x="588872" y="-13626"/>
+                          <a:pt x="694713" y="0"/>
+                        </a:cubicBezTo>
+                        <a:cubicBezTo>
+                          <a:pt x="800554" y="13626"/>
+                          <a:pt x="1012406" y="-17131"/>
+                          <a:pt x="1106926" y="0"/>
+                        </a:cubicBezTo>
+                        <a:cubicBezTo>
+                          <a:pt x="1223482" y="-11212"/>
+                          <a:pt x="1377162" y="121653"/>
+                          <a:pt x="1355075" y="248149"/>
+                        </a:cubicBezTo>
+                        <a:cubicBezTo>
+                          <a:pt x="1359100" y="282641"/>
+                          <a:pt x="1357292" y="303698"/>
+                          <a:pt x="1355075" y="335745"/>
+                        </a:cubicBezTo>
+                        <a:cubicBezTo>
+                          <a:pt x="1367325" y="452858"/>
+                          <a:pt x="1221152" y="603950"/>
+                          <a:pt x="1106926" y="583894"/>
+                        </a:cubicBezTo>
+                        <a:cubicBezTo>
+                          <a:pt x="934961" y="575834"/>
+                          <a:pt x="846022" y="576307"/>
+                          <a:pt x="677538" y="583894"/>
+                        </a:cubicBezTo>
+                        <a:cubicBezTo>
+                          <a:pt x="509054" y="591481"/>
+                          <a:pt x="412892" y="594666"/>
+                          <a:pt x="248149" y="583894"/>
+                        </a:cubicBezTo>
+                        <a:cubicBezTo>
+                          <a:pt x="93931" y="582912"/>
+                          <a:pt x="8571" y="449291"/>
+                          <a:pt x="0" y="335745"/>
+                        </a:cubicBezTo>
+                        <a:cubicBezTo>
+                          <a:pt x="-2535" y="314002"/>
+                          <a:pt x="2015" y="286057"/>
+                          <a:pt x="0" y="248149"/>
+                        </a:cubicBezTo>
+                        <a:close/>
+                      </a:path>
+                    </a:pathLst>
+                  </a:custGeom>
+                  <ask:type>
+                    <ask:lineSketchNone/>
+                  </ask:type>
+                </ask:lineSketchStyleProps>
+              </a:ext>
+            </a:extLst>
+          </a:ln>
+        </p:spPr>
+        <p:style>
+          <a:lnRef idx="2">
+            <a:schemeClr val="accent1">
+              <a:shade val="15000"/>
+            </a:schemeClr>
+          </a:lnRef>
+          <a:fillRef idx="1">
+            <a:schemeClr val="accent1"/>
+          </a:fillRef>
+          <a:effectRef idx="0">
+            <a:schemeClr val="accent1"/>
+          </a:effectRef>
+          <a:fontRef idx="minor">
+            <a:schemeClr val="lt1"/>
+          </a:fontRef>
+        </p:style>
+        <p:txBody>
+          <a:bodyPr rtlCol="0" anchor="ctr"/>
+          <a:lstStyle/>
+          <a:p>
+            <a:pPr algn="ctr"/>
+            <a:r>
+              <a:rPr lang="de-DE" sz="2000" dirty="0">
+                <a:solidFill>
+                  <a:schemeClr val="tx1"/>
+                </a:solidFill>
+                <a:latin typeface="Arial" panose="020B0604020202020204" pitchFamily="34" charset="0"/>
+                <a:cs typeface="Arial" panose="020B0604020202020204" pitchFamily="34" charset="0"/>
+              </a:rPr>
+              <a:t>Register schreiben (Konfiguration)</a:t>
+            </a:r>
+          </a:p>
+        </p:txBody>
+      </p:sp>
+      <p:sp>
+        <p:nvSpPr>
+          <p:cNvPr id="90" name="Rechteck: abgerundete Ecken 89">
+            <a:extLst>
+              <a:ext uri="{FF2B5EF4-FFF2-40B4-BE49-F238E27FC236}">
+                <a16:creationId xmlns:a16="http://schemas.microsoft.com/office/drawing/2014/main" id="{7249A165-D594-61D9-0527-10D937D5A6BE}"/>
+              </a:ext>
+            </a:extLst>
+          </p:cNvPr>
+          <p:cNvSpPr/>
+          <p:nvPr/>
+        </p:nvSpPr>
+        <p:spPr>
+          <a:xfrm>
+            <a:off x="982133" y="2160665"/>
+            <a:ext cx="1123244" cy="413201"/>
+          </a:xfrm>
+          <a:prstGeom prst="roundRect">
+            <a:avLst>
+              <a:gd name="adj" fmla="val 50000"/>
+            </a:avLst>
+          </a:prstGeom>
+          <a:noFill/>
+          <a:ln w="22225" cap="flat" cmpd="sng">
+            <a:solidFill>
+              <a:schemeClr val="tx1"/>
+            </a:solidFill>
+            <a:round/>
+            <a:extLst>
+              <a:ext uri="{C807C97D-BFC1-408E-A445-0C87EB9F89A2}">
+                <ask:lineSketchStyleProps xmlns:ask="http://schemas.microsoft.com/office/drawing/2018/sketchyshapes" sd="1219033472">
+                  <a:custGeom>
+                    <a:avLst/>
+                    <a:gdLst>
+                      <a:gd name="connsiteX0" fmla="*/ 0 w 1355075"/>
+                      <a:gd name="connsiteY0" fmla="*/ 248149 h 583894"/>
+                      <a:gd name="connsiteX1" fmla="*/ 248149 w 1355075"/>
+                      <a:gd name="connsiteY1" fmla="*/ 0 h 583894"/>
+                      <a:gd name="connsiteX2" fmla="*/ 694713 w 1355075"/>
+                      <a:gd name="connsiteY2" fmla="*/ 0 h 583894"/>
+                      <a:gd name="connsiteX3" fmla="*/ 1106926 w 1355075"/>
+                      <a:gd name="connsiteY3" fmla="*/ 0 h 583894"/>
+                      <a:gd name="connsiteX4" fmla="*/ 1355075 w 1355075"/>
+                      <a:gd name="connsiteY4" fmla="*/ 248149 h 583894"/>
+                      <a:gd name="connsiteX5" fmla="*/ 1355075 w 1355075"/>
+                      <a:gd name="connsiteY5" fmla="*/ 335745 h 583894"/>
+                      <a:gd name="connsiteX6" fmla="*/ 1106926 w 1355075"/>
+                      <a:gd name="connsiteY6" fmla="*/ 583894 h 583894"/>
+                      <a:gd name="connsiteX7" fmla="*/ 677538 w 1355075"/>
+                      <a:gd name="connsiteY7" fmla="*/ 583894 h 583894"/>
+                      <a:gd name="connsiteX8" fmla="*/ 248149 w 1355075"/>
+                      <a:gd name="connsiteY8" fmla="*/ 583894 h 583894"/>
+                      <a:gd name="connsiteX9" fmla="*/ 0 w 1355075"/>
+                      <a:gd name="connsiteY9" fmla="*/ 335745 h 583894"/>
+                      <a:gd name="connsiteX10" fmla="*/ 0 w 1355075"/>
+                      <a:gd name="connsiteY10" fmla="*/ 248149 h 583894"/>
+                    </a:gdLst>
+                    <a:ahLst/>
+                    <a:cxnLst>
+                      <a:cxn ang="0">
+                        <a:pos x="connsiteX0" y="connsiteY0"/>
+                      </a:cxn>
+                      <a:cxn ang="0">
+                        <a:pos x="connsiteX1" y="connsiteY1"/>
+                      </a:cxn>
+                      <a:cxn ang="0">
+                        <a:pos x="connsiteX2" y="connsiteY2"/>
+                      </a:cxn>
+                      <a:cxn ang="0">
+                        <a:pos x="connsiteX3" y="connsiteY3"/>
+                      </a:cxn>
+                      <a:cxn ang="0">
+                        <a:pos x="connsiteX4" y="connsiteY4"/>
+                      </a:cxn>
+                      <a:cxn ang="0">
+                        <a:pos x="connsiteX5" y="connsiteY5"/>
+                      </a:cxn>
+                      <a:cxn ang="0">
+                        <a:pos x="connsiteX6" y="connsiteY6"/>
+                      </a:cxn>
+                      <a:cxn ang="0">
+                        <a:pos x="connsiteX7" y="connsiteY7"/>
+                      </a:cxn>
+                      <a:cxn ang="0">
+                        <a:pos x="connsiteX8" y="connsiteY8"/>
+                      </a:cxn>
+                      <a:cxn ang="0">
+                        <a:pos x="connsiteX9" y="connsiteY9"/>
+                      </a:cxn>
+                      <a:cxn ang="0">
+                        <a:pos x="connsiteX10" y="connsiteY10"/>
+                      </a:cxn>
+                    </a:cxnLst>
+                    <a:rect l="l" t="t" r="r" b="b"/>
+                    <a:pathLst>
+                      <a:path w="1355075" h="583894" extrusionOk="0">
+                        <a:moveTo>
+                          <a:pt x="0" y="248149"/>
+                        </a:moveTo>
+                        <a:cubicBezTo>
+                          <a:pt x="-23929" y="96340"/>
+                          <a:pt x="86890" y="9086"/>
+                          <a:pt x="248149" y="0"/>
+                        </a:cubicBezTo>
+                        <a:cubicBezTo>
+                          <a:pt x="458709" y="4432"/>
+                          <a:pt x="588872" y="-13626"/>
+                          <a:pt x="694713" y="0"/>
+                        </a:cubicBezTo>
+                        <a:cubicBezTo>
+                          <a:pt x="800554" y="13626"/>
+                          <a:pt x="1012406" y="-17131"/>
+                          <a:pt x="1106926" y="0"/>
+                        </a:cubicBezTo>
+                        <a:cubicBezTo>
+                          <a:pt x="1223482" y="-11212"/>
+                          <a:pt x="1377162" y="121653"/>
+                          <a:pt x="1355075" y="248149"/>
+                        </a:cubicBezTo>
+                        <a:cubicBezTo>
+                          <a:pt x="1359100" y="282641"/>
+                          <a:pt x="1357292" y="303698"/>
+                          <a:pt x="1355075" y="335745"/>
+                        </a:cubicBezTo>
+                        <a:cubicBezTo>
+                          <a:pt x="1367325" y="452858"/>
+                          <a:pt x="1221152" y="603950"/>
+                          <a:pt x="1106926" y="583894"/>
+                        </a:cubicBezTo>
+                        <a:cubicBezTo>
+                          <a:pt x="934961" y="575834"/>
+                          <a:pt x="846022" y="576307"/>
+                          <a:pt x="677538" y="583894"/>
+                        </a:cubicBezTo>
+                        <a:cubicBezTo>
+                          <a:pt x="509054" y="591481"/>
+                          <a:pt x="412892" y="594666"/>
+                          <a:pt x="248149" y="583894"/>
+                        </a:cubicBezTo>
+                        <a:cubicBezTo>
+                          <a:pt x="93931" y="582912"/>
+                          <a:pt x="8571" y="449291"/>
+                          <a:pt x="0" y="335745"/>
+                        </a:cubicBezTo>
+                        <a:cubicBezTo>
+                          <a:pt x="-2535" y="314002"/>
+                          <a:pt x="2015" y="286057"/>
+                          <a:pt x="0" y="248149"/>
+                        </a:cubicBezTo>
+                        <a:close/>
+                      </a:path>
+                    </a:pathLst>
+                  </a:custGeom>
+                  <ask:type>
+                    <ask:lineSketchNone/>
+                  </ask:type>
+                </ask:lineSketchStyleProps>
+              </a:ext>
+            </a:extLst>
+          </a:ln>
+        </p:spPr>
+        <p:style>
+          <a:lnRef idx="2">
+            <a:schemeClr val="accent1">
+              <a:shade val="15000"/>
+            </a:schemeClr>
+          </a:lnRef>
+          <a:fillRef idx="1">
+            <a:schemeClr val="accent1"/>
+          </a:fillRef>
+          <a:effectRef idx="0">
+            <a:schemeClr val="accent1"/>
+          </a:effectRef>
+          <a:fontRef idx="minor">
+            <a:schemeClr val="lt1"/>
+          </a:fontRef>
+        </p:style>
+        <p:txBody>
+          <a:bodyPr rtlCol="0" anchor="ctr"/>
+          <a:lstStyle/>
+          <a:p>
+            <a:pPr algn="ctr"/>
+            <a:r>
+              <a:rPr lang="de-DE" sz="2000" dirty="0">
+                <a:solidFill>
+                  <a:schemeClr val="tx1"/>
+                </a:solidFill>
+                <a:latin typeface="Arial" panose="020B0604020202020204" pitchFamily="34" charset="0"/>
+                <a:cs typeface="Arial" panose="020B0604020202020204" pitchFamily="34" charset="0"/>
+              </a:rPr>
+              <a:t>„</a:t>
+            </a:r>
+            <a:r>
+              <a:rPr lang="de-DE" sz="2000" dirty="0" err="1">
+                <a:solidFill>
+                  <a:schemeClr val="tx1"/>
+                </a:solidFill>
+                <a:latin typeface="Arial" panose="020B0604020202020204" pitchFamily="34" charset="0"/>
+                <a:cs typeface="Arial" panose="020B0604020202020204" pitchFamily="34" charset="0"/>
+              </a:rPr>
+              <a:t>sleep</a:t>
+            </a:r>
+            <a:r>
+              <a:rPr lang="de-DE" sz="2000" dirty="0">
+                <a:solidFill>
+                  <a:schemeClr val="tx1"/>
+                </a:solidFill>
+                <a:latin typeface="Arial" panose="020B0604020202020204" pitchFamily="34" charset="0"/>
+                <a:cs typeface="Arial" panose="020B0604020202020204" pitchFamily="34" charset="0"/>
+              </a:rPr>
+              <a:t>“</a:t>
+            </a:r>
+          </a:p>
+        </p:txBody>
+      </p:sp>
+      <p:sp>
+        <p:nvSpPr>
+          <p:cNvPr id="91" name="Rechteck: abgerundete Ecken 90">
+            <a:extLst>
+              <a:ext uri="{FF2B5EF4-FFF2-40B4-BE49-F238E27FC236}">
+                <a16:creationId xmlns:a16="http://schemas.microsoft.com/office/drawing/2014/main" id="{CFDF302B-AA0B-FA32-1121-064487AC2106}"/>
+              </a:ext>
+            </a:extLst>
+          </p:cNvPr>
+          <p:cNvSpPr/>
+          <p:nvPr/>
+        </p:nvSpPr>
+        <p:spPr>
+          <a:xfrm>
+            <a:off x="510812" y="5894102"/>
+            <a:ext cx="2065866" cy="413201"/>
+          </a:xfrm>
+          <a:prstGeom prst="roundRect">
+            <a:avLst>
+              <a:gd name="adj" fmla="val 50000"/>
+            </a:avLst>
+          </a:prstGeom>
+          <a:noFill/>
+          <a:ln w="22225" cap="flat" cmpd="sng">
+            <a:solidFill>
+              <a:schemeClr val="tx1"/>
+            </a:solidFill>
+            <a:round/>
+            <a:extLst>
+              <a:ext uri="{C807C97D-BFC1-408E-A445-0C87EB9F89A2}">
+                <ask:lineSketchStyleProps xmlns:ask="http://schemas.microsoft.com/office/drawing/2018/sketchyshapes" sd="1219033472">
+                  <a:custGeom>
+                    <a:avLst/>
+                    <a:gdLst>
+                      <a:gd name="connsiteX0" fmla="*/ 0 w 1355075"/>
+                      <a:gd name="connsiteY0" fmla="*/ 248149 h 583894"/>
+                      <a:gd name="connsiteX1" fmla="*/ 248149 w 1355075"/>
+                      <a:gd name="connsiteY1" fmla="*/ 0 h 583894"/>
+                      <a:gd name="connsiteX2" fmla="*/ 694713 w 1355075"/>
+                      <a:gd name="connsiteY2" fmla="*/ 0 h 583894"/>
+                      <a:gd name="connsiteX3" fmla="*/ 1106926 w 1355075"/>
+                      <a:gd name="connsiteY3" fmla="*/ 0 h 583894"/>
+                      <a:gd name="connsiteX4" fmla="*/ 1355075 w 1355075"/>
+                      <a:gd name="connsiteY4" fmla="*/ 248149 h 583894"/>
+                      <a:gd name="connsiteX5" fmla="*/ 1355075 w 1355075"/>
+                      <a:gd name="connsiteY5" fmla="*/ 335745 h 583894"/>
+                      <a:gd name="connsiteX6" fmla="*/ 1106926 w 1355075"/>
+                      <a:gd name="connsiteY6" fmla="*/ 583894 h 583894"/>
+                      <a:gd name="connsiteX7" fmla="*/ 677538 w 1355075"/>
+                      <a:gd name="connsiteY7" fmla="*/ 583894 h 583894"/>
+                      <a:gd name="connsiteX8" fmla="*/ 248149 w 1355075"/>
+                      <a:gd name="connsiteY8" fmla="*/ 583894 h 583894"/>
+                      <a:gd name="connsiteX9" fmla="*/ 0 w 1355075"/>
+                      <a:gd name="connsiteY9" fmla="*/ 335745 h 583894"/>
+                      <a:gd name="connsiteX10" fmla="*/ 0 w 1355075"/>
+                      <a:gd name="connsiteY10" fmla="*/ 248149 h 583894"/>
+                    </a:gdLst>
+                    <a:ahLst/>
+                    <a:cxnLst>
+                      <a:cxn ang="0">
+                        <a:pos x="connsiteX0" y="connsiteY0"/>
+                      </a:cxn>
+                      <a:cxn ang="0">
+                        <a:pos x="connsiteX1" y="connsiteY1"/>
+                      </a:cxn>
+                      <a:cxn ang="0">
+                        <a:pos x="connsiteX2" y="connsiteY2"/>
+                      </a:cxn>
+                      <a:cxn ang="0">
+                        <a:pos x="connsiteX3" y="connsiteY3"/>
+                      </a:cxn>
+                      <a:cxn ang="0">
+                        <a:pos x="connsiteX4" y="connsiteY4"/>
+                      </a:cxn>
+                      <a:cxn ang="0">
+                        <a:pos x="connsiteX5" y="connsiteY5"/>
+                      </a:cxn>
+                      <a:cxn ang="0">
+                        <a:pos x="connsiteX6" y="connsiteY6"/>
+                      </a:cxn>
+                      <a:cxn ang="0">
+                        <a:pos x="connsiteX7" y="connsiteY7"/>
+                      </a:cxn>
+                      <a:cxn ang="0">
+                        <a:pos x="connsiteX8" y="connsiteY8"/>
+                      </a:cxn>
+                      <a:cxn ang="0">
+                        <a:pos x="connsiteX9" y="connsiteY9"/>
+                      </a:cxn>
+                      <a:cxn ang="0">
+                        <a:pos x="connsiteX10" y="connsiteY10"/>
+                      </a:cxn>
+                    </a:cxnLst>
+                    <a:rect l="l" t="t" r="r" b="b"/>
+                    <a:pathLst>
+                      <a:path w="1355075" h="583894" extrusionOk="0">
+                        <a:moveTo>
+                          <a:pt x="0" y="248149"/>
+                        </a:moveTo>
+                        <a:cubicBezTo>
+                          <a:pt x="-23929" y="96340"/>
+                          <a:pt x="86890" y="9086"/>
+                          <a:pt x="248149" y="0"/>
+                        </a:cubicBezTo>
+                        <a:cubicBezTo>
+                          <a:pt x="458709" y="4432"/>
+                          <a:pt x="588872" y="-13626"/>
+                          <a:pt x="694713" y="0"/>
+                        </a:cubicBezTo>
+                        <a:cubicBezTo>
+                          <a:pt x="800554" y="13626"/>
+                          <a:pt x="1012406" y="-17131"/>
+                          <a:pt x="1106926" y="0"/>
+                        </a:cubicBezTo>
+                        <a:cubicBezTo>
+                          <a:pt x="1223482" y="-11212"/>
+                          <a:pt x="1377162" y="121653"/>
+                          <a:pt x="1355075" y="248149"/>
+                        </a:cubicBezTo>
+                        <a:cubicBezTo>
+                          <a:pt x="1359100" y="282641"/>
+                          <a:pt x="1357292" y="303698"/>
+                          <a:pt x="1355075" y="335745"/>
+                        </a:cubicBezTo>
+                        <a:cubicBezTo>
+                          <a:pt x="1367325" y="452858"/>
+                          <a:pt x="1221152" y="603950"/>
+                          <a:pt x="1106926" y="583894"/>
+                        </a:cubicBezTo>
+                        <a:cubicBezTo>
+                          <a:pt x="934961" y="575834"/>
+                          <a:pt x="846022" y="576307"/>
+                          <a:pt x="677538" y="583894"/>
+                        </a:cubicBezTo>
+                        <a:cubicBezTo>
+                          <a:pt x="509054" y="591481"/>
+                          <a:pt x="412892" y="594666"/>
+                          <a:pt x="248149" y="583894"/>
+                        </a:cubicBezTo>
+                        <a:cubicBezTo>
+                          <a:pt x="93931" y="582912"/>
+                          <a:pt x="8571" y="449291"/>
+                          <a:pt x="0" y="335745"/>
+                        </a:cubicBezTo>
+                        <a:cubicBezTo>
+                          <a:pt x="-2535" y="314002"/>
+                          <a:pt x="2015" y="286057"/>
+                          <a:pt x="0" y="248149"/>
+                        </a:cubicBezTo>
+                        <a:close/>
+                      </a:path>
+                    </a:pathLst>
+                  </a:custGeom>
+                  <ask:type>
+                    <ask:lineSketchNone/>
+                  </ask:type>
+                </ask:lineSketchStyleProps>
+              </a:ext>
+            </a:extLst>
+          </a:ln>
+        </p:spPr>
+        <p:style>
+          <a:lnRef idx="2">
+            <a:schemeClr val="accent1">
+              <a:shade val="15000"/>
+            </a:schemeClr>
+          </a:lnRef>
+          <a:fillRef idx="1">
+            <a:schemeClr val="accent1"/>
+          </a:fillRef>
+          <a:effectRef idx="0">
+            <a:schemeClr val="accent1"/>
+          </a:effectRef>
+          <a:fontRef idx="minor">
+            <a:schemeClr val="lt1"/>
+          </a:fontRef>
+        </p:style>
+        <p:txBody>
+          <a:bodyPr rtlCol="0" anchor="ctr"/>
+          <a:lstStyle/>
+          <a:p>
+            <a:pPr algn="ctr"/>
+            <a:r>
+              <a:rPr lang="de-DE" sz="2000" dirty="0">
+                <a:solidFill>
+                  <a:schemeClr val="tx1"/>
+                </a:solidFill>
+                <a:latin typeface="Arial" panose="020B0604020202020204" pitchFamily="34" charset="0"/>
+                <a:cs typeface="Arial" panose="020B0604020202020204" pitchFamily="34" charset="0"/>
+              </a:rPr>
+              <a:t>„</a:t>
+            </a:r>
+            <a:r>
+              <a:rPr lang="de-DE" sz="2000" dirty="0" err="1">
+                <a:solidFill>
+                  <a:schemeClr val="tx1"/>
+                </a:solidFill>
+                <a:latin typeface="Arial" panose="020B0604020202020204" pitchFamily="34" charset="0"/>
+                <a:cs typeface="Arial" panose="020B0604020202020204" pitchFamily="34" charset="0"/>
+              </a:rPr>
+              <a:t>measurement</a:t>
+            </a:r>
+            <a:r>
+              <a:rPr lang="de-DE" sz="2000" dirty="0">
+                <a:solidFill>
+                  <a:schemeClr val="tx1"/>
+                </a:solidFill>
+                <a:latin typeface="Arial" panose="020B0604020202020204" pitchFamily="34" charset="0"/>
+                <a:cs typeface="Arial" panose="020B0604020202020204" pitchFamily="34" charset="0"/>
+              </a:rPr>
+              <a:t>“</a:t>
+            </a:r>
+          </a:p>
+        </p:txBody>
+      </p:sp>
+      <p:sp>
+        <p:nvSpPr>
+          <p:cNvPr id="92" name="Rechteck: abgerundete Ecken 91">
+            <a:extLst>
+              <a:ext uri="{FF2B5EF4-FFF2-40B4-BE49-F238E27FC236}">
+                <a16:creationId xmlns:a16="http://schemas.microsoft.com/office/drawing/2014/main" id="{B82653FE-3B60-8FD9-43D6-213931B56EA2}"/>
+              </a:ext>
+            </a:extLst>
+          </p:cNvPr>
+          <p:cNvSpPr/>
+          <p:nvPr/>
+        </p:nvSpPr>
+        <p:spPr>
+          <a:xfrm>
+            <a:off x="4039891" y="4500259"/>
+            <a:ext cx="1298222" cy="413201"/>
+          </a:xfrm>
+          <a:prstGeom prst="roundRect">
+            <a:avLst>
+              <a:gd name="adj" fmla="val 50000"/>
+            </a:avLst>
+          </a:prstGeom>
+          <a:noFill/>
+          <a:ln w="22225" cap="flat" cmpd="sng">
+            <a:solidFill>
+              <a:schemeClr val="tx1"/>
+            </a:solidFill>
+            <a:round/>
+            <a:extLst>
+              <a:ext uri="{C807C97D-BFC1-408E-A445-0C87EB9F89A2}">
+                <ask:lineSketchStyleProps xmlns:ask="http://schemas.microsoft.com/office/drawing/2018/sketchyshapes" sd="1219033472">
+                  <a:custGeom>
+                    <a:avLst/>
+                    <a:gdLst>
+                      <a:gd name="connsiteX0" fmla="*/ 0 w 1355075"/>
+                      <a:gd name="connsiteY0" fmla="*/ 248149 h 583894"/>
+                      <a:gd name="connsiteX1" fmla="*/ 248149 w 1355075"/>
+                      <a:gd name="connsiteY1" fmla="*/ 0 h 583894"/>
+                      <a:gd name="connsiteX2" fmla="*/ 694713 w 1355075"/>
+                      <a:gd name="connsiteY2" fmla="*/ 0 h 583894"/>
+                      <a:gd name="connsiteX3" fmla="*/ 1106926 w 1355075"/>
+                      <a:gd name="connsiteY3" fmla="*/ 0 h 583894"/>
+                      <a:gd name="connsiteX4" fmla="*/ 1355075 w 1355075"/>
+                      <a:gd name="connsiteY4" fmla="*/ 248149 h 583894"/>
+                      <a:gd name="connsiteX5" fmla="*/ 1355075 w 1355075"/>
+                      <a:gd name="connsiteY5" fmla="*/ 335745 h 583894"/>
+                      <a:gd name="connsiteX6" fmla="*/ 1106926 w 1355075"/>
+                      <a:gd name="connsiteY6" fmla="*/ 583894 h 583894"/>
+                      <a:gd name="connsiteX7" fmla="*/ 677538 w 1355075"/>
+                      <a:gd name="connsiteY7" fmla="*/ 583894 h 583894"/>
+                      <a:gd name="connsiteX8" fmla="*/ 248149 w 1355075"/>
+                      <a:gd name="connsiteY8" fmla="*/ 583894 h 583894"/>
+                      <a:gd name="connsiteX9" fmla="*/ 0 w 1355075"/>
+                      <a:gd name="connsiteY9" fmla="*/ 335745 h 583894"/>
+                      <a:gd name="connsiteX10" fmla="*/ 0 w 1355075"/>
+                      <a:gd name="connsiteY10" fmla="*/ 248149 h 583894"/>
+                    </a:gdLst>
+                    <a:ahLst/>
+                    <a:cxnLst>
+                      <a:cxn ang="0">
+                        <a:pos x="connsiteX0" y="connsiteY0"/>
+                      </a:cxn>
+                      <a:cxn ang="0">
+                        <a:pos x="connsiteX1" y="connsiteY1"/>
+                      </a:cxn>
+                      <a:cxn ang="0">
+                        <a:pos x="connsiteX2" y="connsiteY2"/>
+                      </a:cxn>
+                      <a:cxn ang="0">
+                        <a:pos x="connsiteX3" y="connsiteY3"/>
+                      </a:cxn>
+                      <a:cxn ang="0">
+                        <a:pos x="connsiteX4" y="connsiteY4"/>
+                      </a:cxn>
+                      <a:cxn ang="0">
+                        <a:pos x="connsiteX5" y="connsiteY5"/>
+                      </a:cxn>
+                      <a:cxn ang="0">
+                        <a:pos x="connsiteX6" y="connsiteY6"/>
+                      </a:cxn>
+                      <a:cxn ang="0">
+                        <a:pos x="connsiteX7" y="connsiteY7"/>
+                      </a:cxn>
+                      <a:cxn ang="0">
+                        <a:pos x="connsiteX8" y="connsiteY8"/>
+                      </a:cxn>
+                      <a:cxn ang="0">
+                        <a:pos x="connsiteX9" y="connsiteY9"/>
+                      </a:cxn>
+                      <a:cxn ang="0">
+                        <a:pos x="connsiteX10" y="connsiteY10"/>
+                      </a:cxn>
+                    </a:cxnLst>
+                    <a:rect l="l" t="t" r="r" b="b"/>
+                    <a:pathLst>
+                      <a:path w="1355075" h="583894" extrusionOk="0">
+                        <a:moveTo>
+                          <a:pt x="0" y="248149"/>
+                        </a:moveTo>
+                        <a:cubicBezTo>
+                          <a:pt x="-23929" y="96340"/>
+                          <a:pt x="86890" y="9086"/>
+                          <a:pt x="248149" y="0"/>
+                        </a:cubicBezTo>
+                        <a:cubicBezTo>
+                          <a:pt x="458709" y="4432"/>
+                          <a:pt x="588872" y="-13626"/>
+                          <a:pt x="694713" y="0"/>
+                        </a:cubicBezTo>
+                        <a:cubicBezTo>
+                          <a:pt x="800554" y="13626"/>
+                          <a:pt x="1012406" y="-17131"/>
+                          <a:pt x="1106926" y="0"/>
+                        </a:cubicBezTo>
+                        <a:cubicBezTo>
+                          <a:pt x="1223482" y="-11212"/>
+                          <a:pt x="1377162" y="121653"/>
+                          <a:pt x="1355075" y="248149"/>
+                        </a:cubicBezTo>
+                        <a:cubicBezTo>
+                          <a:pt x="1359100" y="282641"/>
+                          <a:pt x="1357292" y="303698"/>
+                          <a:pt x="1355075" y="335745"/>
+                        </a:cubicBezTo>
+                        <a:cubicBezTo>
+                          <a:pt x="1367325" y="452858"/>
+                          <a:pt x="1221152" y="603950"/>
+                          <a:pt x="1106926" y="583894"/>
+                        </a:cubicBezTo>
+                        <a:cubicBezTo>
+                          <a:pt x="934961" y="575834"/>
+                          <a:pt x="846022" y="576307"/>
+                          <a:pt x="677538" y="583894"/>
+                        </a:cubicBezTo>
+                        <a:cubicBezTo>
+                          <a:pt x="509054" y="591481"/>
+                          <a:pt x="412892" y="594666"/>
+                          <a:pt x="248149" y="583894"/>
+                        </a:cubicBezTo>
+                        <a:cubicBezTo>
+                          <a:pt x="93931" y="582912"/>
+                          <a:pt x="8571" y="449291"/>
+                          <a:pt x="0" y="335745"/>
+                        </a:cubicBezTo>
+                        <a:cubicBezTo>
+                          <a:pt x="-2535" y="314002"/>
+                          <a:pt x="2015" y="286057"/>
+                          <a:pt x="0" y="248149"/>
+                        </a:cubicBezTo>
+                        <a:close/>
+                      </a:path>
+                    </a:pathLst>
+                  </a:custGeom>
+                  <ask:type>
+                    <ask:lineSketchNone/>
+                  </ask:type>
+                </ask:lineSketchStyleProps>
+              </a:ext>
+            </a:extLst>
+          </a:ln>
+        </p:spPr>
+        <p:style>
+          <a:lnRef idx="2">
+            <a:schemeClr val="accent1">
+              <a:shade val="15000"/>
+            </a:schemeClr>
+          </a:lnRef>
+          <a:fillRef idx="1">
+            <a:schemeClr val="accent1"/>
+          </a:fillRef>
+          <a:effectRef idx="0">
+            <a:schemeClr val="accent1"/>
+          </a:effectRef>
+          <a:fontRef idx="minor">
+            <a:schemeClr val="lt1"/>
+          </a:fontRef>
+        </p:style>
+        <p:txBody>
+          <a:bodyPr rtlCol="0" anchor="ctr"/>
+          <a:lstStyle/>
+          <a:p>
+            <a:pPr algn="ctr"/>
+            <a:r>
+              <a:rPr lang="de-DE" sz="2000" dirty="0">
+                <a:solidFill>
+                  <a:schemeClr val="tx1"/>
+                </a:solidFill>
+                <a:latin typeface="Arial" panose="020B0604020202020204" pitchFamily="34" charset="0"/>
+                <a:cs typeface="Arial" panose="020B0604020202020204" pitchFamily="34" charset="0"/>
+              </a:rPr>
+              <a:t>Interrupt</a:t>
+            </a:r>
+          </a:p>
+        </p:txBody>
+      </p:sp>
+      <p:sp>
+        <p:nvSpPr>
+          <p:cNvPr id="93" name="Rechteck: abgerundete Ecken 92">
+            <a:extLst>
+              <a:ext uri="{FF2B5EF4-FFF2-40B4-BE49-F238E27FC236}">
+                <a16:creationId xmlns:a16="http://schemas.microsoft.com/office/drawing/2014/main" id="{7F8D36D3-97F4-93AA-0DDE-4A4F0EFBC4E9}"/>
+              </a:ext>
+            </a:extLst>
+          </p:cNvPr>
+          <p:cNvSpPr/>
+          <p:nvPr/>
+        </p:nvSpPr>
+        <p:spPr>
+          <a:xfrm>
+            <a:off x="6469946" y="3589095"/>
+            <a:ext cx="1315155" cy="413201"/>
+          </a:xfrm>
+          <a:prstGeom prst="roundRect">
+            <a:avLst>
+              <a:gd name="adj" fmla="val 50000"/>
+            </a:avLst>
+          </a:prstGeom>
+          <a:noFill/>
+          <a:ln w="22225" cap="flat" cmpd="sng">
+            <a:solidFill>
+              <a:schemeClr val="tx1"/>
+            </a:solidFill>
+            <a:round/>
+            <a:extLst>
+              <a:ext uri="{C807C97D-BFC1-408E-A445-0C87EB9F89A2}">
+                <ask:lineSketchStyleProps xmlns:ask="http://schemas.microsoft.com/office/drawing/2018/sketchyshapes" sd="1219033472">
+                  <a:custGeom>
+                    <a:avLst/>
+                    <a:gdLst>
+                      <a:gd name="connsiteX0" fmla="*/ 0 w 1355075"/>
+                      <a:gd name="connsiteY0" fmla="*/ 248149 h 583894"/>
+                      <a:gd name="connsiteX1" fmla="*/ 248149 w 1355075"/>
+                      <a:gd name="connsiteY1" fmla="*/ 0 h 583894"/>
+                      <a:gd name="connsiteX2" fmla="*/ 694713 w 1355075"/>
+                      <a:gd name="connsiteY2" fmla="*/ 0 h 583894"/>
+                      <a:gd name="connsiteX3" fmla="*/ 1106926 w 1355075"/>
+                      <a:gd name="connsiteY3" fmla="*/ 0 h 583894"/>
+                      <a:gd name="connsiteX4" fmla="*/ 1355075 w 1355075"/>
+                      <a:gd name="connsiteY4" fmla="*/ 248149 h 583894"/>
+                      <a:gd name="connsiteX5" fmla="*/ 1355075 w 1355075"/>
+                      <a:gd name="connsiteY5" fmla="*/ 335745 h 583894"/>
+                      <a:gd name="connsiteX6" fmla="*/ 1106926 w 1355075"/>
+                      <a:gd name="connsiteY6" fmla="*/ 583894 h 583894"/>
+                      <a:gd name="connsiteX7" fmla="*/ 677538 w 1355075"/>
+                      <a:gd name="connsiteY7" fmla="*/ 583894 h 583894"/>
+                      <a:gd name="connsiteX8" fmla="*/ 248149 w 1355075"/>
+                      <a:gd name="connsiteY8" fmla="*/ 583894 h 583894"/>
+                      <a:gd name="connsiteX9" fmla="*/ 0 w 1355075"/>
+                      <a:gd name="connsiteY9" fmla="*/ 335745 h 583894"/>
+                      <a:gd name="connsiteX10" fmla="*/ 0 w 1355075"/>
+                      <a:gd name="connsiteY10" fmla="*/ 248149 h 583894"/>
+                    </a:gdLst>
+                    <a:ahLst/>
+                    <a:cxnLst>
+                      <a:cxn ang="0">
+                        <a:pos x="connsiteX0" y="connsiteY0"/>
+                      </a:cxn>
+                      <a:cxn ang="0">
+                        <a:pos x="connsiteX1" y="connsiteY1"/>
+                      </a:cxn>
+                      <a:cxn ang="0">
+                        <a:pos x="connsiteX2" y="connsiteY2"/>
+                      </a:cxn>
+                      <a:cxn ang="0">
+                        <a:pos x="connsiteX3" y="connsiteY3"/>
+                      </a:cxn>
+                      <a:cxn ang="0">
+                        <a:pos x="connsiteX4" y="connsiteY4"/>
+                      </a:cxn>
+                      <a:cxn ang="0">
+                        <a:pos x="connsiteX5" y="connsiteY5"/>
+                      </a:cxn>
+                      <a:cxn ang="0">
+                        <a:pos x="connsiteX6" y="connsiteY6"/>
+                      </a:cxn>
+                      <a:cxn ang="0">
+                        <a:pos x="connsiteX7" y="connsiteY7"/>
+                      </a:cxn>
+                      <a:cxn ang="0">
+                        <a:pos x="connsiteX8" y="connsiteY8"/>
+                      </a:cxn>
+                      <a:cxn ang="0">
+                        <a:pos x="connsiteX9" y="connsiteY9"/>
+                      </a:cxn>
+                      <a:cxn ang="0">
+                        <a:pos x="connsiteX10" y="connsiteY10"/>
+                      </a:cxn>
+                    </a:cxnLst>
+                    <a:rect l="l" t="t" r="r" b="b"/>
+                    <a:pathLst>
+                      <a:path w="1355075" h="583894" extrusionOk="0">
+                        <a:moveTo>
+                          <a:pt x="0" y="248149"/>
+                        </a:moveTo>
+                        <a:cubicBezTo>
+                          <a:pt x="-23929" y="96340"/>
+                          <a:pt x="86890" y="9086"/>
+                          <a:pt x="248149" y="0"/>
+                        </a:cubicBezTo>
+                        <a:cubicBezTo>
+                          <a:pt x="458709" y="4432"/>
+                          <a:pt x="588872" y="-13626"/>
+                          <a:pt x="694713" y="0"/>
+                        </a:cubicBezTo>
+                        <a:cubicBezTo>
+                          <a:pt x="800554" y="13626"/>
+                          <a:pt x="1012406" y="-17131"/>
+                          <a:pt x="1106926" y="0"/>
+                        </a:cubicBezTo>
+                        <a:cubicBezTo>
+                          <a:pt x="1223482" y="-11212"/>
+                          <a:pt x="1377162" y="121653"/>
+                          <a:pt x="1355075" y="248149"/>
+                        </a:cubicBezTo>
+                        <a:cubicBezTo>
+                          <a:pt x="1359100" y="282641"/>
+                          <a:pt x="1357292" y="303698"/>
+                          <a:pt x="1355075" y="335745"/>
+                        </a:cubicBezTo>
+                        <a:cubicBezTo>
+                          <a:pt x="1367325" y="452858"/>
+                          <a:pt x="1221152" y="603950"/>
+                          <a:pt x="1106926" y="583894"/>
+                        </a:cubicBezTo>
+                        <a:cubicBezTo>
+                          <a:pt x="934961" y="575834"/>
+                          <a:pt x="846022" y="576307"/>
+                          <a:pt x="677538" y="583894"/>
+                        </a:cubicBezTo>
+                        <a:cubicBezTo>
+                          <a:pt x="509054" y="591481"/>
+                          <a:pt x="412892" y="594666"/>
+                          <a:pt x="248149" y="583894"/>
+                        </a:cubicBezTo>
+                        <a:cubicBezTo>
+                          <a:pt x="93931" y="582912"/>
+                          <a:pt x="8571" y="449291"/>
+                          <a:pt x="0" y="335745"/>
+                        </a:cubicBezTo>
+                        <a:cubicBezTo>
+                          <a:pt x="-2535" y="314002"/>
+                          <a:pt x="2015" y="286057"/>
+                          <a:pt x="0" y="248149"/>
+                        </a:cubicBezTo>
+                        <a:close/>
+                      </a:path>
+                    </a:pathLst>
+                  </a:custGeom>
+                  <ask:type>
+                    <ask:lineSketchNone/>
+                  </ask:type>
+                </ask:lineSketchStyleProps>
+              </a:ext>
+            </a:extLst>
+          </a:ln>
+        </p:spPr>
+        <p:style>
+          <a:lnRef idx="2">
+            <a:schemeClr val="accent1">
+              <a:shade val="15000"/>
+            </a:schemeClr>
+          </a:lnRef>
+          <a:fillRef idx="1">
+            <a:schemeClr val="accent1"/>
+          </a:fillRef>
+          <a:effectRef idx="0">
+            <a:schemeClr val="accent1"/>
+          </a:effectRef>
+          <a:fontRef idx="minor">
+            <a:schemeClr val="lt1"/>
+          </a:fontRef>
+        </p:style>
+        <p:txBody>
+          <a:bodyPr rtlCol="0" anchor="ctr"/>
+          <a:lstStyle/>
+          <a:p>
+            <a:pPr algn="ctr"/>
+            <a:r>
+              <a:rPr lang="de-DE" sz="2000" dirty="0">
+                <a:solidFill>
+                  <a:schemeClr val="tx1"/>
+                </a:solidFill>
+                <a:latin typeface="Arial" panose="020B0604020202020204" pitchFamily="34" charset="0"/>
+                <a:cs typeface="Arial" panose="020B0604020202020204" pitchFamily="34" charset="0"/>
+              </a:rPr>
+              <a:t>Interrupt</a:t>
+            </a:r>
+          </a:p>
+        </p:txBody>
+      </p:sp>
+      <p:sp>
+        <p:nvSpPr>
+          <p:cNvPr id="94" name="Rechteck: abgerundete Ecken 93">
+            <a:extLst>
+              <a:ext uri="{FF2B5EF4-FFF2-40B4-BE49-F238E27FC236}">
+                <a16:creationId xmlns:a16="http://schemas.microsoft.com/office/drawing/2014/main" id="{AD6CFD25-9AC7-D35C-2FA6-C4C0731BECAB}"/>
+              </a:ext>
+            </a:extLst>
+          </p:cNvPr>
+          <p:cNvSpPr/>
+          <p:nvPr/>
+        </p:nvSpPr>
+        <p:spPr>
+          <a:xfrm>
+            <a:off x="8747479" y="2160664"/>
+            <a:ext cx="1213555" cy="413201"/>
+          </a:xfrm>
+          <a:prstGeom prst="roundRect">
+            <a:avLst>
+              <a:gd name="adj" fmla="val 50000"/>
+            </a:avLst>
+          </a:prstGeom>
+          <a:noFill/>
+          <a:ln w="22225" cap="flat" cmpd="sng">
+            <a:solidFill>
+              <a:schemeClr val="tx1"/>
+            </a:solidFill>
+            <a:round/>
+            <a:extLst>
+              <a:ext uri="{C807C97D-BFC1-408E-A445-0C87EB9F89A2}">
+                <ask:lineSketchStyleProps xmlns:ask="http://schemas.microsoft.com/office/drawing/2018/sketchyshapes" sd="1219033472">
+                  <a:custGeom>
+                    <a:avLst/>
+                    <a:gdLst>
+                      <a:gd name="connsiteX0" fmla="*/ 0 w 1355075"/>
+                      <a:gd name="connsiteY0" fmla="*/ 248149 h 583894"/>
+                      <a:gd name="connsiteX1" fmla="*/ 248149 w 1355075"/>
+                      <a:gd name="connsiteY1" fmla="*/ 0 h 583894"/>
+                      <a:gd name="connsiteX2" fmla="*/ 694713 w 1355075"/>
+                      <a:gd name="connsiteY2" fmla="*/ 0 h 583894"/>
+                      <a:gd name="connsiteX3" fmla="*/ 1106926 w 1355075"/>
+                      <a:gd name="connsiteY3" fmla="*/ 0 h 583894"/>
+                      <a:gd name="connsiteX4" fmla="*/ 1355075 w 1355075"/>
+                      <a:gd name="connsiteY4" fmla="*/ 248149 h 583894"/>
+                      <a:gd name="connsiteX5" fmla="*/ 1355075 w 1355075"/>
+                      <a:gd name="connsiteY5" fmla="*/ 335745 h 583894"/>
+                      <a:gd name="connsiteX6" fmla="*/ 1106926 w 1355075"/>
+                      <a:gd name="connsiteY6" fmla="*/ 583894 h 583894"/>
+                      <a:gd name="connsiteX7" fmla="*/ 677538 w 1355075"/>
+                      <a:gd name="connsiteY7" fmla="*/ 583894 h 583894"/>
+                      <a:gd name="connsiteX8" fmla="*/ 248149 w 1355075"/>
+                      <a:gd name="connsiteY8" fmla="*/ 583894 h 583894"/>
+                      <a:gd name="connsiteX9" fmla="*/ 0 w 1355075"/>
+                      <a:gd name="connsiteY9" fmla="*/ 335745 h 583894"/>
+                      <a:gd name="connsiteX10" fmla="*/ 0 w 1355075"/>
+                      <a:gd name="connsiteY10" fmla="*/ 248149 h 583894"/>
+                    </a:gdLst>
+                    <a:ahLst/>
+                    <a:cxnLst>
+                      <a:cxn ang="0">
+                        <a:pos x="connsiteX0" y="connsiteY0"/>
+                      </a:cxn>
+                      <a:cxn ang="0">
+                        <a:pos x="connsiteX1" y="connsiteY1"/>
+                      </a:cxn>
+                      <a:cxn ang="0">
+                        <a:pos x="connsiteX2" y="connsiteY2"/>
+                      </a:cxn>
+                      <a:cxn ang="0">
+                        <a:pos x="connsiteX3" y="connsiteY3"/>
+                      </a:cxn>
+                      <a:cxn ang="0">
+                        <a:pos x="connsiteX4" y="connsiteY4"/>
+                      </a:cxn>
+                      <a:cxn ang="0">
+                        <a:pos x="connsiteX5" y="connsiteY5"/>
+                      </a:cxn>
+                      <a:cxn ang="0">
+                        <a:pos x="connsiteX6" y="connsiteY6"/>
+                      </a:cxn>
+                      <a:cxn ang="0">
+                        <a:pos x="connsiteX7" y="connsiteY7"/>
+                      </a:cxn>
+                      <a:cxn ang="0">
+                        <a:pos x="connsiteX8" y="connsiteY8"/>
+                      </a:cxn>
+                      <a:cxn ang="0">
+                        <a:pos x="connsiteX9" y="connsiteY9"/>
+                      </a:cxn>
+                      <a:cxn ang="0">
+                        <a:pos x="connsiteX10" y="connsiteY10"/>
+                      </a:cxn>
+                    </a:cxnLst>
+                    <a:rect l="l" t="t" r="r" b="b"/>
+                    <a:pathLst>
+                      <a:path w="1355075" h="583894" extrusionOk="0">
+                        <a:moveTo>
+                          <a:pt x="0" y="248149"/>
+                        </a:moveTo>
+                        <a:cubicBezTo>
+                          <a:pt x="-23929" y="96340"/>
+                          <a:pt x="86890" y="9086"/>
+                          <a:pt x="248149" y="0"/>
+                        </a:cubicBezTo>
+                        <a:cubicBezTo>
+                          <a:pt x="458709" y="4432"/>
+                          <a:pt x="588872" y="-13626"/>
+                          <a:pt x="694713" y="0"/>
+                        </a:cubicBezTo>
+                        <a:cubicBezTo>
+                          <a:pt x="800554" y="13626"/>
+                          <a:pt x="1012406" y="-17131"/>
+                          <a:pt x="1106926" y="0"/>
+                        </a:cubicBezTo>
+                        <a:cubicBezTo>
+                          <a:pt x="1223482" y="-11212"/>
+                          <a:pt x="1377162" y="121653"/>
+                          <a:pt x="1355075" y="248149"/>
+                        </a:cubicBezTo>
+                        <a:cubicBezTo>
+                          <a:pt x="1359100" y="282641"/>
+                          <a:pt x="1357292" y="303698"/>
+                          <a:pt x="1355075" y="335745"/>
+                        </a:cubicBezTo>
+                        <a:cubicBezTo>
+                          <a:pt x="1367325" y="452858"/>
+                          <a:pt x="1221152" y="603950"/>
+                          <a:pt x="1106926" y="583894"/>
+                        </a:cubicBezTo>
+                        <a:cubicBezTo>
+                          <a:pt x="934961" y="575834"/>
+                          <a:pt x="846022" y="576307"/>
+                          <a:pt x="677538" y="583894"/>
+                        </a:cubicBezTo>
+                        <a:cubicBezTo>
+                          <a:pt x="509054" y="591481"/>
+                          <a:pt x="412892" y="594666"/>
+                          <a:pt x="248149" y="583894"/>
+                        </a:cubicBezTo>
+                        <a:cubicBezTo>
+                          <a:pt x="93931" y="582912"/>
+                          <a:pt x="8571" y="449291"/>
+                          <a:pt x="0" y="335745"/>
+                        </a:cubicBezTo>
+                        <a:cubicBezTo>
+                          <a:pt x="-2535" y="314002"/>
+                          <a:pt x="2015" y="286057"/>
+                          <a:pt x="0" y="248149"/>
+                        </a:cubicBezTo>
+                        <a:close/>
+                      </a:path>
+                    </a:pathLst>
+                  </a:custGeom>
+                  <ask:type>
+                    <ask:lineSketchNone/>
+                  </ask:type>
+                </ask:lineSketchStyleProps>
+              </a:ext>
+            </a:extLst>
+          </a:ln>
+        </p:spPr>
+        <p:style>
+          <a:lnRef idx="2">
+            <a:schemeClr val="accent1">
+              <a:shade val="15000"/>
+            </a:schemeClr>
+          </a:lnRef>
+          <a:fillRef idx="1">
+            <a:schemeClr val="accent1"/>
+          </a:fillRef>
+          <a:effectRef idx="0">
+            <a:schemeClr val="accent1"/>
+          </a:effectRef>
+          <a:fontRef idx="minor">
+            <a:schemeClr val="lt1"/>
+          </a:fontRef>
+        </p:style>
+        <p:txBody>
+          <a:bodyPr rtlCol="0" anchor="ctr"/>
+          <a:lstStyle/>
+          <a:p>
+            <a:pPr algn="ctr"/>
+            <a:r>
+              <a:rPr lang="de-DE" sz="2000" dirty="0">
+                <a:solidFill>
+                  <a:schemeClr val="tx1"/>
+                </a:solidFill>
+                <a:latin typeface="Arial" panose="020B0604020202020204" pitchFamily="34" charset="0"/>
+                <a:cs typeface="Arial" panose="020B0604020202020204" pitchFamily="34" charset="0"/>
+              </a:rPr>
+              <a:t>„</a:t>
+            </a:r>
+            <a:r>
+              <a:rPr lang="de-DE" sz="2000" dirty="0" err="1">
+                <a:solidFill>
+                  <a:schemeClr val="tx1"/>
+                </a:solidFill>
+                <a:latin typeface="Arial" panose="020B0604020202020204" pitchFamily="34" charset="0"/>
+                <a:cs typeface="Arial" panose="020B0604020202020204" pitchFamily="34" charset="0"/>
+              </a:rPr>
+              <a:t>awake</a:t>
+            </a:r>
+            <a:r>
+              <a:rPr lang="de-DE" sz="2000" dirty="0">
+                <a:solidFill>
+                  <a:schemeClr val="tx1"/>
+                </a:solidFill>
+                <a:latin typeface="Arial" panose="020B0604020202020204" pitchFamily="34" charset="0"/>
+                <a:cs typeface="Arial" panose="020B0604020202020204" pitchFamily="34" charset="0"/>
+              </a:rPr>
+              <a:t>“</a:t>
+            </a:r>
+          </a:p>
+        </p:txBody>
+      </p:sp>
+      <p:sp>
+        <p:nvSpPr>
+          <p:cNvPr id="95" name="Rechteck: abgerundete Ecken 94">
+            <a:extLst>
+              <a:ext uri="{FF2B5EF4-FFF2-40B4-BE49-F238E27FC236}">
+                <a16:creationId xmlns:a16="http://schemas.microsoft.com/office/drawing/2014/main" id="{8AB18AEA-6F77-437F-F3B4-0902F8ECCFBC}"/>
+              </a:ext>
+            </a:extLst>
+          </p:cNvPr>
+          <p:cNvSpPr/>
+          <p:nvPr/>
+        </p:nvSpPr>
+        <p:spPr>
+          <a:xfrm>
+            <a:off x="7785101" y="4502923"/>
+            <a:ext cx="1924755" cy="413201"/>
+          </a:xfrm>
+          <a:prstGeom prst="roundRect">
+            <a:avLst>
+              <a:gd name="adj" fmla="val 50000"/>
+            </a:avLst>
+          </a:prstGeom>
+          <a:noFill/>
+          <a:ln w="22225" cap="flat" cmpd="sng">
+            <a:solidFill>
+              <a:schemeClr val="tx1"/>
+            </a:solidFill>
+            <a:round/>
+            <a:extLst>
+              <a:ext uri="{C807C97D-BFC1-408E-A445-0C87EB9F89A2}">
+                <ask:lineSketchStyleProps xmlns:ask="http://schemas.microsoft.com/office/drawing/2018/sketchyshapes" sd="1219033472">
+                  <a:custGeom>
+                    <a:avLst/>
+                    <a:gdLst>
+                      <a:gd name="connsiteX0" fmla="*/ 0 w 1355075"/>
+                      <a:gd name="connsiteY0" fmla="*/ 248149 h 583894"/>
+                      <a:gd name="connsiteX1" fmla="*/ 248149 w 1355075"/>
+                      <a:gd name="connsiteY1" fmla="*/ 0 h 583894"/>
+                      <a:gd name="connsiteX2" fmla="*/ 694713 w 1355075"/>
+                      <a:gd name="connsiteY2" fmla="*/ 0 h 583894"/>
+                      <a:gd name="connsiteX3" fmla="*/ 1106926 w 1355075"/>
+                      <a:gd name="connsiteY3" fmla="*/ 0 h 583894"/>
+                      <a:gd name="connsiteX4" fmla="*/ 1355075 w 1355075"/>
+                      <a:gd name="connsiteY4" fmla="*/ 248149 h 583894"/>
+                      <a:gd name="connsiteX5" fmla="*/ 1355075 w 1355075"/>
+                      <a:gd name="connsiteY5" fmla="*/ 335745 h 583894"/>
+                      <a:gd name="connsiteX6" fmla="*/ 1106926 w 1355075"/>
+                      <a:gd name="connsiteY6" fmla="*/ 583894 h 583894"/>
+                      <a:gd name="connsiteX7" fmla="*/ 677538 w 1355075"/>
+                      <a:gd name="connsiteY7" fmla="*/ 583894 h 583894"/>
+                      <a:gd name="connsiteX8" fmla="*/ 248149 w 1355075"/>
+                      <a:gd name="connsiteY8" fmla="*/ 583894 h 583894"/>
+                      <a:gd name="connsiteX9" fmla="*/ 0 w 1355075"/>
+                      <a:gd name="connsiteY9" fmla="*/ 335745 h 583894"/>
+                      <a:gd name="connsiteX10" fmla="*/ 0 w 1355075"/>
+                      <a:gd name="connsiteY10" fmla="*/ 248149 h 583894"/>
+                    </a:gdLst>
+                    <a:ahLst/>
+                    <a:cxnLst>
+                      <a:cxn ang="0">
+                        <a:pos x="connsiteX0" y="connsiteY0"/>
+                      </a:cxn>
+                      <a:cxn ang="0">
+                        <a:pos x="connsiteX1" y="connsiteY1"/>
+                      </a:cxn>
+                      <a:cxn ang="0">
+                        <a:pos x="connsiteX2" y="connsiteY2"/>
+                      </a:cxn>
+                      <a:cxn ang="0">
+                        <a:pos x="connsiteX3" y="connsiteY3"/>
+                      </a:cxn>
+                      <a:cxn ang="0">
+                        <a:pos x="connsiteX4" y="connsiteY4"/>
+                      </a:cxn>
+                      <a:cxn ang="0">
+                        <a:pos x="connsiteX5" y="connsiteY5"/>
+                      </a:cxn>
+                      <a:cxn ang="0">
+                        <a:pos x="connsiteX6" y="connsiteY6"/>
+                      </a:cxn>
+                      <a:cxn ang="0">
+                        <a:pos x="connsiteX7" y="connsiteY7"/>
+                      </a:cxn>
+                      <a:cxn ang="0">
+                        <a:pos x="connsiteX8" y="connsiteY8"/>
+                      </a:cxn>
+                      <a:cxn ang="0">
+                        <a:pos x="connsiteX9" y="connsiteY9"/>
+                      </a:cxn>
+                      <a:cxn ang="0">
+                        <a:pos x="connsiteX10" y="connsiteY10"/>
+                      </a:cxn>
+                    </a:cxnLst>
+                    <a:rect l="l" t="t" r="r" b="b"/>
+                    <a:pathLst>
+                      <a:path w="1355075" h="583894" extrusionOk="0">
+                        <a:moveTo>
+                          <a:pt x="0" y="248149"/>
+                        </a:moveTo>
+                        <a:cubicBezTo>
+                          <a:pt x="-23929" y="96340"/>
+                          <a:pt x="86890" y="9086"/>
+                          <a:pt x="248149" y="0"/>
+                        </a:cubicBezTo>
+                        <a:cubicBezTo>
+                          <a:pt x="458709" y="4432"/>
+                          <a:pt x="588872" y="-13626"/>
+                          <a:pt x="694713" y="0"/>
+                        </a:cubicBezTo>
+                        <a:cubicBezTo>
+                          <a:pt x="800554" y="13626"/>
+                          <a:pt x="1012406" y="-17131"/>
+                          <a:pt x="1106926" y="0"/>
+                        </a:cubicBezTo>
+                        <a:cubicBezTo>
+                          <a:pt x="1223482" y="-11212"/>
+                          <a:pt x="1377162" y="121653"/>
+                          <a:pt x="1355075" y="248149"/>
+                        </a:cubicBezTo>
+                        <a:cubicBezTo>
+                          <a:pt x="1359100" y="282641"/>
+                          <a:pt x="1357292" y="303698"/>
+                          <a:pt x="1355075" y="335745"/>
+                        </a:cubicBezTo>
+                        <a:cubicBezTo>
+                          <a:pt x="1367325" y="452858"/>
+                          <a:pt x="1221152" y="603950"/>
+                          <a:pt x="1106926" y="583894"/>
+                        </a:cubicBezTo>
+                        <a:cubicBezTo>
+                          <a:pt x="934961" y="575834"/>
+                          <a:pt x="846022" y="576307"/>
+                          <a:pt x="677538" y="583894"/>
+                        </a:cubicBezTo>
+                        <a:cubicBezTo>
+                          <a:pt x="509054" y="591481"/>
+                          <a:pt x="412892" y="594666"/>
+                          <a:pt x="248149" y="583894"/>
+                        </a:cubicBezTo>
+                        <a:cubicBezTo>
+                          <a:pt x="93931" y="582912"/>
+                          <a:pt x="8571" y="449291"/>
+                          <a:pt x="0" y="335745"/>
+                        </a:cubicBezTo>
+                        <a:cubicBezTo>
+                          <a:pt x="-2535" y="314002"/>
+                          <a:pt x="2015" y="286057"/>
+                          <a:pt x="0" y="248149"/>
+                        </a:cubicBezTo>
+                        <a:close/>
+                      </a:path>
+                    </a:pathLst>
+                  </a:custGeom>
+                  <ask:type>
+                    <ask:lineSketchNone/>
+                  </ask:type>
+                </ask:lineSketchStyleProps>
+              </a:ext>
+            </a:extLst>
+          </a:ln>
+        </p:spPr>
+        <p:style>
+          <a:lnRef idx="2">
+            <a:schemeClr val="accent1">
+              <a:shade val="15000"/>
+            </a:schemeClr>
+          </a:lnRef>
+          <a:fillRef idx="1">
+            <a:schemeClr val="accent1"/>
+          </a:fillRef>
+          <a:effectRef idx="0">
+            <a:schemeClr val="accent1"/>
+          </a:effectRef>
+          <a:fontRef idx="minor">
+            <a:schemeClr val="lt1"/>
+          </a:fontRef>
+        </p:style>
+        <p:txBody>
+          <a:bodyPr rtlCol="0" anchor="ctr"/>
+          <a:lstStyle/>
+          <a:p>
+            <a:pPr algn="ctr"/>
+            <a:r>
+              <a:rPr lang="de-DE" sz="2000" dirty="0">
+                <a:solidFill>
+                  <a:schemeClr val="tx1"/>
+                </a:solidFill>
+                <a:latin typeface="Arial" panose="020B0604020202020204" pitchFamily="34" charset="0"/>
+                <a:cs typeface="Arial" panose="020B0604020202020204" pitchFamily="34" charset="0"/>
+              </a:rPr>
+              <a:t>Status = Aktiv</a:t>
+            </a:r>
+          </a:p>
+        </p:txBody>
+      </p:sp>
+      <p:sp>
+        <p:nvSpPr>
+          <p:cNvPr id="96" name="Rechteck: abgerundete Ecken 95">
+            <a:extLst>
+              <a:ext uri="{FF2B5EF4-FFF2-40B4-BE49-F238E27FC236}">
+                <a16:creationId xmlns:a16="http://schemas.microsoft.com/office/drawing/2014/main" id="{DD073FE4-5375-FE14-4BB6-19D86BA4A380}"/>
+              </a:ext>
+            </a:extLst>
+          </p:cNvPr>
+          <p:cNvSpPr/>
+          <p:nvPr/>
+        </p:nvSpPr>
+        <p:spPr>
+          <a:xfrm>
+            <a:off x="3657481" y="5288119"/>
+            <a:ext cx="2063043" cy="413201"/>
+          </a:xfrm>
+          <a:prstGeom prst="roundRect">
+            <a:avLst>
+              <a:gd name="adj" fmla="val 50000"/>
+            </a:avLst>
+          </a:prstGeom>
+          <a:noFill/>
+          <a:ln w="22225" cap="flat" cmpd="sng">
+            <a:solidFill>
+              <a:schemeClr val="tx1"/>
+            </a:solidFill>
+            <a:round/>
+            <a:extLst>
+              <a:ext uri="{C807C97D-BFC1-408E-A445-0C87EB9F89A2}">
+                <ask:lineSketchStyleProps xmlns:ask="http://schemas.microsoft.com/office/drawing/2018/sketchyshapes" sd="1219033472">
+                  <a:custGeom>
+                    <a:avLst/>
+                    <a:gdLst>
+                      <a:gd name="connsiteX0" fmla="*/ 0 w 1355075"/>
+                      <a:gd name="connsiteY0" fmla="*/ 248149 h 583894"/>
+                      <a:gd name="connsiteX1" fmla="*/ 248149 w 1355075"/>
+                      <a:gd name="connsiteY1" fmla="*/ 0 h 583894"/>
+                      <a:gd name="connsiteX2" fmla="*/ 694713 w 1355075"/>
+                      <a:gd name="connsiteY2" fmla="*/ 0 h 583894"/>
+                      <a:gd name="connsiteX3" fmla="*/ 1106926 w 1355075"/>
+                      <a:gd name="connsiteY3" fmla="*/ 0 h 583894"/>
+                      <a:gd name="connsiteX4" fmla="*/ 1355075 w 1355075"/>
+                      <a:gd name="connsiteY4" fmla="*/ 248149 h 583894"/>
+                      <a:gd name="connsiteX5" fmla="*/ 1355075 w 1355075"/>
+                      <a:gd name="connsiteY5" fmla="*/ 335745 h 583894"/>
+                      <a:gd name="connsiteX6" fmla="*/ 1106926 w 1355075"/>
+                      <a:gd name="connsiteY6" fmla="*/ 583894 h 583894"/>
+                      <a:gd name="connsiteX7" fmla="*/ 677538 w 1355075"/>
+                      <a:gd name="connsiteY7" fmla="*/ 583894 h 583894"/>
+                      <a:gd name="connsiteX8" fmla="*/ 248149 w 1355075"/>
+                      <a:gd name="connsiteY8" fmla="*/ 583894 h 583894"/>
+                      <a:gd name="connsiteX9" fmla="*/ 0 w 1355075"/>
+                      <a:gd name="connsiteY9" fmla="*/ 335745 h 583894"/>
+                      <a:gd name="connsiteX10" fmla="*/ 0 w 1355075"/>
+                      <a:gd name="connsiteY10" fmla="*/ 248149 h 583894"/>
+                    </a:gdLst>
+                    <a:ahLst/>
+                    <a:cxnLst>
+                      <a:cxn ang="0">
+                        <a:pos x="connsiteX0" y="connsiteY0"/>
+                      </a:cxn>
+                      <a:cxn ang="0">
+                        <a:pos x="connsiteX1" y="connsiteY1"/>
+                      </a:cxn>
+                      <a:cxn ang="0">
+                        <a:pos x="connsiteX2" y="connsiteY2"/>
+                      </a:cxn>
+                      <a:cxn ang="0">
+                        <a:pos x="connsiteX3" y="connsiteY3"/>
+                      </a:cxn>
+                      <a:cxn ang="0">
+                        <a:pos x="connsiteX4" y="connsiteY4"/>
+                      </a:cxn>
+                      <a:cxn ang="0">
+                        <a:pos x="connsiteX5" y="connsiteY5"/>
+                      </a:cxn>
+                      <a:cxn ang="0">
+                        <a:pos x="connsiteX6" y="connsiteY6"/>
+                      </a:cxn>
+                      <a:cxn ang="0">
+                        <a:pos x="connsiteX7" y="connsiteY7"/>
+                      </a:cxn>
+                      <a:cxn ang="0">
+                        <a:pos x="connsiteX8" y="connsiteY8"/>
+                      </a:cxn>
+                      <a:cxn ang="0">
+                        <a:pos x="connsiteX9" y="connsiteY9"/>
+                      </a:cxn>
+                      <a:cxn ang="0">
+                        <a:pos x="connsiteX10" y="connsiteY10"/>
+                      </a:cxn>
+                    </a:cxnLst>
+                    <a:rect l="l" t="t" r="r" b="b"/>
+                    <a:pathLst>
+                      <a:path w="1355075" h="583894" extrusionOk="0">
+                        <a:moveTo>
+                          <a:pt x="0" y="248149"/>
+                        </a:moveTo>
+                        <a:cubicBezTo>
+                          <a:pt x="-23929" y="96340"/>
+                          <a:pt x="86890" y="9086"/>
+                          <a:pt x="248149" y="0"/>
+                        </a:cubicBezTo>
+                        <a:cubicBezTo>
+                          <a:pt x="458709" y="4432"/>
+                          <a:pt x="588872" y="-13626"/>
+                          <a:pt x="694713" y="0"/>
+                        </a:cubicBezTo>
+                        <a:cubicBezTo>
+                          <a:pt x="800554" y="13626"/>
+                          <a:pt x="1012406" y="-17131"/>
+                          <a:pt x="1106926" y="0"/>
+                        </a:cubicBezTo>
+                        <a:cubicBezTo>
+                          <a:pt x="1223482" y="-11212"/>
+                          <a:pt x="1377162" y="121653"/>
+                          <a:pt x="1355075" y="248149"/>
+                        </a:cubicBezTo>
+                        <a:cubicBezTo>
+                          <a:pt x="1359100" y="282641"/>
+                          <a:pt x="1357292" y="303698"/>
+                          <a:pt x="1355075" y="335745"/>
+                        </a:cubicBezTo>
+                        <a:cubicBezTo>
+                          <a:pt x="1367325" y="452858"/>
+                          <a:pt x="1221152" y="603950"/>
+                          <a:pt x="1106926" y="583894"/>
+                        </a:cubicBezTo>
+                        <a:cubicBezTo>
+                          <a:pt x="934961" y="575834"/>
+                          <a:pt x="846022" y="576307"/>
+                          <a:pt x="677538" y="583894"/>
+                        </a:cubicBezTo>
+                        <a:cubicBezTo>
+                          <a:pt x="509054" y="591481"/>
+                          <a:pt x="412892" y="594666"/>
+                          <a:pt x="248149" y="583894"/>
+                        </a:cubicBezTo>
+                        <a:cubicBezTo>
+                          <a:pt x="93931" y="582912"/>
+                          <a:pt x="8571" y="449291"/>
+                          <a:pt x="0" y="335745"/>
+                        </a:cubicBezTo>
+                        <a:cubicBezTo>
+                          <a:pt x="-2535" y="314002"/>
+                          <a:pt x="2015" y="286057"/>
+                          <a:pt x="0" y="248149"/>
+                        </a:cubicBezTo>
+                        <a:close/>
+                      </a:path>
+                    </a:pathLst>
+                  </a:custGeom>
+                  <ask:type>
+                    <ask:lineSketchNone/>
+                  </ask:type>
+                </ask:lineSketchStyleProps>
+              </a:ext>
+            </a:extLst>
+          </a:ln>
+        </p:spPr>
+        <p:style>
+          <a:lnRef idx="2">
+            <a:schemeClr val="accent1">
+              <a:shade val="15000"/>
+            </a:schemeClr>
+          </a:lnRef>
+          <a:fillRef idx="1">
+            <a:schemeClr val="accent1"/>
+          </a:fillRef>
+          <a:effectRef idx="0">
+            <a:schemeClr val="accent1"/>
+          </a:effectRef>
+          <a:fontRef idx="minor">
+            <a:schemeClr val="lt1"/>
+          </a:fontRef>
+        </p:style>
+        <p:txBody>
+          <a:bodyPr rtlCol="0" anchor="ctr"/>
+          <a:lstStyle/>
+          <a:p>
+            <a:pPr algn="ctr"/>
+            <a:r>
+              <a:rPr lang="de-DE" sz="2000" dirty="0">
+                <a:solidFill>
+                  <a:schemeClr val="tx1"/>
+                </a:solidFill>
+                <a:latin typeface="Arial" panose="020B0604020202020204" pitchFamily="34" charset="0"/>
+                <a:cs typeface="Arial" panose="020B0604020202020204" pitchFamily="34" charset="0"/>
+              </a:rPr>
+              <a:t>Status = Inaktiv</a:t>
+            </a:r>
+          </a:p>
+        </p:txBody>
+      </p:sp>
+      <p:sp>
+        <p:nvSpPr>
+          <p:cNvPr id="97" name="Rechteck: abgerundete Ecken 96">
+            <a:extLst>
+              <a:ext uri="{FF2B5EF4-FFF2-40B4-BE49-F238E27FC236}">
+                <a16:creationId xmlns:a16="http://schemas.microsoft.com/office/drawing/2014/main" id="{04FAF502-7C70-07D7-D06D-303996E3A995}"/>
+              </a:ext>
+            </a:extLst>
+          </p:cNvPr>
+          <p:cNvSpPr/>
+          <p:nvPr/>
+        </p:nvSpPr>
+        <p:spPr>
+          <a:xfrm>
+            <a:off x="6291194" y="6087562"/>
+            <a:ext cx="3289306" cy="413201"/>
+          </a:xfrm>
+          <a:prstGeom prst="roundRect">
+            <a:avLst>
+              <a:gd name="adj" fmla="val 50000"/>
+            </a:avLst>
+          </a:prstGeom>
+          <a:noFill/>
+          <a:ln w="22225" cap="flat" cmpd="sng">
+            <a:solidFill>
+              <a:schemeClr val="tx1"/>
+            </a:solidFill>
+            <a:round/>
+            <a:extLst>
+              <a:ext uri="{C807C97D-BFC1-408E-A445-0C87EB9F89A2}">
+                <ask:lineSketchStyleProps xmlns:ask="http://schemas.microsoft.com/office/drawing/2018/sketchyshapes" sd="1219033472">
+                  <a:custGeom>
+                    <a:avLst/>
+                    <a:gdLst>
+                      <a:gd name="connsiteX0" fmla="*/ 0 w 1355075"/>
+                      <a:gd name="connsiteY0" fmla="*/ 248149 h 583894"/>
+                      <a:gd name="connsiteX1" fmla="*/ 248149 w 1355075"/>
+                      <a:gd name="connsiteY1" fmla="*/ 0 h 583894"/>
+                      <a:gd name="connsiteX2" fmla="*/ 694713 w 1355075"/>
+                      <a:gd name="connsiteY2" fmla="*/ 0 h 583894"/>
+                      <a:gd name="connsiteX3" fmla="*/ 1106926 w 1355075"/>
+                      <a:gd name="connsiteY3" fmla="*/ 0 h 583894"/>
+                      <a:gd name="connsiteX4" fmla="*/ 1355075 w 1355075"/>
+                      <a:gd name="connsiteY4" fmla="*/ 248149 h 583894"/>
+                      <a:gd name="connsiteX5" fmla="*/ 1355075 w 1355075"/>
+                      <a:gd name="connsiteY5" fmla="*/ 335745 h 583894"/>
+                      <a:gd name="connsiteX6" fmla="*/ 1106926 w 1355075"/>
+                      <a:gd name="connsiteY6" fmla="*/ 583894 h 583894"/>
+                      <a:gd name="connsiteX7" fmla="*/ 677538 w 1355075"/>
+                      <a:gd name="connsiteY7" fmla="*/ 583894 h 583894"/>
+                      <a:gd name="connsiteX8" fmla="*/ 248149 w 1355075"/>
+                      <a:gd name="connsiteY8" fmla="*/ 583894 h 583894"/>
+                      <a:gd name="connsiteX9" fmla="*/ 0 w 1355075"/>
+                      <a:gd name="connsiteY9" fmla="*/ 335745 h 583894"/>
+                      <a:gd name="connsiteX10" fmla="*/ 0 w 1355075"/>
+                      <a:gd name="connsiteY10" fmla="*/ 248149 h 583894"/>
+                    </a:gdLst>
+                    <a:ahLst/>
+                    <a:cxnLst>
+                      <a:cxn ang="0">
+                        <a:pos x="connsiteX0" y="connsiteY0"/>
+                      </a:cxn>
+                      <a:cxn ang="0">
+                        <a:pos x="connsiteX1" y="connsiteY1"/>
+                      </a:cxn>
+                      <a:cxn ang="0">
+                        <a:pos x="connsiteX2" y="connsiteY2"/>
+                      </a:cxn>
+                      <a:cxn ang="0">
+                        <a:pos x="connsiteX3" y="connsiteY3"/>
+                      </a:cxn>
+                      <a:cxn ang="0">
+                        <a:pos x="connsiteX4" y="connsiteY4"/>
+                      </a:cxn>
+                      <a:cxn ang="0">
+                        <a:pos x="connsiteX5" y="connsiteY5"/>
+                      </a:cxn>
+                      <a:cxn ang="0">
+                        <a:pos x="connsiteX6" y="connsiteY6"/>
+                      </a:cxn>
+                      <a:cxn ang="0">
+                        <a:pos x="connsiteX7" y="connsiteY7"/>
+                      </a:cxn>
+                      <a:cxn ang="0">
+                        <a:pos x="connsiteX8" y="connsiteY8"/>
+                      </a:cxn>
+                      <a:cxn ang="0">
+                        <a:pos x="connsiteX9" y="connsiteY9"/>
+                      </a:cxn>
+                      <a:cxn ang="0">
+                        <a:pos x="connsiteX10" y="connsiteY10"/>
+                      </a:cxn>
+                    </a:cxnLst>
+                    <a:rect l="l" t="t" r="r" b="b"/>
+                    <a:pathLst>
+                      <a:path w="1355075" h="583894" extrusionOk="0">
+                        <a:moveTo>
+                          <a:pt x="0" y="248149"/>
+                        </a:moveTo>
+                        <a:cubicBezTo>
+                          <a:pt x="-23929" y="96340"/>
+                          <a:pt x="86890" y="9086"/>
+                          <a:pt x="248149" y="0"/>
+                        </a:cubicBezTo>
+                        <a:cubicBezTo>
+                          <a:pt x="458709" y="4432"/>
+                          <a:pt x="588872" y="-13626"/>
+                          <a:pt x="694713" y="0"/>
+                        </a:cubicBezTo>
+                        <a:cubicBezTo>
+                          <a:pt x="800554" y="13626"/>
+                          <a:pt x="1012406" y="-17131"/>
+                          <a:pt x="1106926" y="0"/>
+                        </a:cubicBezTo>
+                        <a:cubicBezTo>
+                          <a:pt x="1223482" y="-11212"/>
+                          <a:pt x="1377162" y="121653"/>
+                          <a:pt x="1355075" y="248149"/>
+                        </a:cubicBezTo>
+                        <a:cubicBezTo>
+                          <a:pt x="1359100" y="282641"/>
+                          <a:pt x="1357292" y="303698"/>
+                          <a:pt x="1355075" y="335745"/>
+                        </a:cubicBezTo>
+                        <a:cubicBezTo>
+                          <a:pt x="1367325" y="452858"/>
+                          <a:pt x="1221152" y="603950"/>
+                          <a:pt x="1106926" y="583894"/>
+                        </a:cubicBezTo>
+                        <a:cubicBezTo>
+                          <a:pt x="934961" y="575834"/>
+                          <a:pt x="846022" y="576307"/>
+                          <a:pt x="677538" y="583894"/>
+                        </a:cubicBezTo>
+                        <a:cubicBezTo>
+                          <a:pt x="509054" y="591481"/>
+                          <a:pt x="412892" y="594666"/>
+                          <a:pt x="248149" y="583894"/>
+                        </a:cubicBezTo>
+                        <a:cubicBezTo>
+                          <a:pt x="93931" y="582912"/>
+                          <a:pt x="8571" y="449291"/>
+                          <a:pt x="0" y="335745"/>
+                        </a:cubicBezTo>
+                        <a:cubicBezTo>
+                          <a:pt x="-2535" y="314002"/>
+                          <a:pt x="2015" y="286057"/>
+                          <a:pt x="0" y="248149"/>
+                        </a:cubicBezTo>
+                        <a:close/>
+                      </a:path>
+                    </a:pathLst>
+                  </a:custGeom>
+                  <ask:type>
+                    <ask:lineSketchNone/>
+                  </ask:type>
+                </ask:lineSketchStyleProps>
+              </a:ext>
+            </a:extLst>
+          </a:ln>
+        </p:spPr>
+        <p:style>
+          <a:lnRef idx="2">
+            <a:schemeClr val="accent1">
+              <a:shade val="15000"/>
+            </a:schemeClr>
+          </a:lnRef>
+          <a:fillRef idx="1">
+            <a:schemeClr val="accent1"/>
+          </a:fillRef>
+          <a:effectRef idx="0">
+            <a:schemeClr val="accent1"/>
+          </a:effectRef>
+          <a:fontRef idx="minor">
+            <a:schemeClr val="lt1"/>
+          </a:fontRef>
+        </p:style>
+        <p:txBody>
+          <a:bodyPr rtlCol="0" anchor="ctr"/>
+          <a:lstStyle/>
+          <a:p>
+            <a:pPr algn="ctr"/>
+            <a:r>
+              <a:rPr lang="de-DE" sz="2000" dirty="0">
+                <a:solidFill>
+                  <a:schemeClr val="tx1"/>
+                </a:solidFill>
+                <a:latin typeface="Arial" panose="020B0604020202020204" pitchFamily="34" charset="0"/>
+                <a:cs typeface="Arial" panose="020B0604020202020204" pitchFamily="34" charset="0"/>
+              </a:rPr>
+              <a:t>Datenregister übertragen</a:t>
+            </a:r>
+          </a:p>
+        </p:txBody>
+      </p:sp>
+      <p:sp>
+        <p:nvSpPr>
+          <p:cNvPr id="98" name="Rechteck: abgerundete Ecken 97">
+            <a:extLst>
+              <a:ext uri="{FF2B5EF4-FFF2-40B4-BE49-F238E27FC236}">
+                <a16:creationId xmlns:a16="http://schemas.microsoft.com/office/drawing/2014/main" id="{9ADD2EDF-AEC6-C363-B404-48A611D2BDB8}"/>
+              </a:ext>
+            </a:extLst>
+          </p:cNvPr>
+          <p:cNvSpPr/>
+          <p:nvPr/>
+        </p:nvSpPr>
+        <p:spPr>
+          <a:xfrm>
+            <a:off x="10199169" y="4457933"/>
+            <a:ext cx="1399822" cy="413201"/>
+          </a:xfrm>
+          <a:prstGeom prst="roundRect">
+            <a:avLst>
+              <a:gd name="adj" fmla="val 50000"/>
+            </a:avLst>
+          </a:prstGeom>
+          <a:noFill/>
+          <a:ln w="22225" cap="flat" cmpd="sng">
+            <a:solidFill>
+              <a:schemeClr val="tx1"/>
+            </a:solidFill>
+            <a:round/>
+            <a:extLst>
+              <a:ext uri="{C807C97D-BFC1-408E-A445-0C87EB9F89A2}">
+                <ask:lineSketchStyleProps xmlns:ask="http://schemas.microsoft.com/office/drawing/2018/sketchyshapes" sd="1219033472">
+                  <a:custGeom>
+                    <a:avLst/>
+                    <a:gdLst>
+                      <a:gd name="connsiteX0" fmla="*/ 0 w 1355075"/>
+                      <a:gd name="connsiteY0" fmla="*/ 248149 h 583894"/>
+                      <a:gd name="connsiteX1" fmla="*/ 248149 w 1355075"/>
+                      <a:gd name="connsiteY1" fmla="*/ 0 h 583894"/>
+                      <a:gd name="connsiteX2" fmla="*/ 694713 w 1355075"/>
+                      <a:gd name="connsiteY2" fmla="*/ 0 h 583894"/>
+                      <a:gd name="connsiteX3" fmla="*/ 1106926 w 1355075"/>
+                      <a:gd name="connsiteY3" fmla="*/ 0 h 583894"/>
+                      <a:gd name="connsiteX4" fmla="*/ 1355075 w 1355075"/>
+                      <a:gd name="connsiteY4" fmla="*/ 248149 h 583894"/>
+                      <a:gd name="connsiteX5" fmla="*/ 1355075 w 1355075"/>
+                      <a:gd name="connsiteY5" fmla="*/ 335745 h 583894"/>
+                      <a:gd name="connsiteX6" fmla="*/ 1106926 w 1355075"/>
+                      <a:gd name="connsiteY6" fmla="*/ 583894 h 583894"/>
+                      <a:gd name="connsiteX7" fmla="*/ 677538 w 1355075"/>
+                      <a:gd name="connsiteY7" fmla="*/ 583894 h 583894"/>
+                      <a:gd name="connsiteX8" fmla="*/ 248149 w 1355075"/>
+                      <a:gd name="connsiteY8" fmla="*/ 583894 h 583894"/>
+                      <a:gd name="connsiteX9" fmla="*/ 0 w 1355075"/>
+                      <a:gd name="connsiteY9" fmla="*/ 335745 h 583894"/>
+                      <a:gd name="connsiteX10" fmla="*/ 0 w 1355075"/>
+                      <a:gd name="connsiteY10" fmla="*/ 248149 h 583894"/>
+                    </a:gdLst>
+                    <a:ahLst/>
+                    <a:cxnLst>
+                      <a:cxn ang="0">
+                        <a:pos x="connsiteX0" y="connsiteY0"/>
+                      </a:cxn>
+                      <a:cxn ang="0">
+                        <a:pos x="connsiteX1" y="connsiteY1"/>
+                      </a:cxn>
+                      <a:cxn ang="0">
+                        <a:pos x="connsiteX2" y="connsiteY2"/>
+                      </a:cxn>
+                      <a:cxn ang="0">
+                        <a:pos x="connsiteX3" y="connsiteY3"/>
+                      </a:cxn>
+                      <a:cxn ang="0">
+                        <a:pos x="connsiteX4" y="connsiteY4"/>
+                      </a:cxn>
+                      <a:cxn ang="0">
+                        <a:pos x="connsiteX5" y="connsiteY5"/>
+                      </a:cxn>
+                      <a:cxn ang="0">
+                        <a:pos x="connsiteX6" y="connsiteY6"/>
+                      </a:cxn>
+                      <a:cxn ang="0">
+                        <a:pos x="connsiteX7" y="connsiteY7"/>
+                      </a:cxn>
+                      <a:cxn ang="0">
+                        <a:pos x="connsiteX8" y="connsiteY8"/>
+                      </a:cxn>
+                      <a:cxn ang="0">
+                        <a:pos x="connsiteX9" y="connsiteY9"/>
+                      </a:cxn>
+                      <a:cxn ang="0">
+                        <a:pos x="connsiteX10" y="connsiteY10"/>
+                      </a:cxn>
+                    </a:cxnLst>
+                    <a:rect l="l" t="t" r="r" b="b"/>
+                    <a:pathLst>
+                      <a:path w="1355075" h="583894" extrusionOk="0">
+                        <a:moveTo>
+                          <a:pt x="0" y="248149"/>
+                        </a:moveTo>
+                        <a:cubicBezTo>
+                          <a:pt x="-23929" y="96340"/>
+                          <a:pt x="86890" y="9086"/>
+                          <a:pt x="248149" y="0"/>
+                        </a:cubicBezTo>
+                        <a:cubicBezTo>
+                          <a:pt x="458709" y="4432"/>
+                          <a:pt x="588872" y="-13626"/>
+                          <a:pt x="694713" y="0"/>
+                        </a:cubicBezTo>
+                        <a:cubicBezTo>
+                          <a:pt x="800554" y="13626"/>
+                          <a:pt x="1012406" y="-17131"/>
+                          <a:pt x="1106926" y="0"/>
+                        </a:cubicBezTo>
+                        <a:cubicBezTo>
+                          <a:pt x="1223482" y="-11212"/>
+                          <a:pt x="1377162" y="121653"/>
+                          <a:pt x="1355075" y="248149"/>
+                        </a:cubicBezTo>
+                        <a:cubicBezTo>
+                          <a:pt x="1359100" y="282641"/>
+                          <a:pt x="1357292" y="303698"/>
+                          <a:pt x="1355075" y="335745"/>
+                        </a:cubicBezTo>
+                        <a:cubicBezTo>
+                          <a:pt x="1367325" y="452858"/>
+                          <a:pt x="1221152" y="603950"/>
+                          <a:pt x="1106926" y="583894"/>
+                        </a:cubicBezTo>
+                        <a:cubicBezTo>
+                          <a:pt x="934961" y="575834"/>
+                          <a:pt x="846022" y="576307"/>
+                          <a:pt x="677538" y="583894"/>
+                        </a:cubicBezTo>
+                        <a:cubicBezTo>
+                          <a:pt x="509054" y="591481"/>
+                          <a:pt x="412892" y="594666"/>
+                          <a:pt x="248149" y="583894"/>
+                        </a:cubicBezTo>
+                        <a:cubicBezTo>
+                          <a:pt x="93931" y="582912"/>
+                          <a:pt x="8571" y="449291"/>
+                          <a:pt x="0" y="335745"/>
+                        </a:cubicBezTo>
+                        <a:cubicBezTo>
+                          <a:pt x="-2535" y="314002"/>
+                          <a:pt x="2015" y="286057"/>
+                          <a:pt x="0" y="248149"/>
+                        </a:cubicBezTo>
+                        <a:close/>
+                      </a:path>
+                    </a:pathLst>
+                  </a:custGeom>
+                  <ask:type>
+                    <ask:lineSketchNone/>
+                  </ask:type>
+                </ask:lineSketchStyleProps>
+              </a:ext>
+            </a:extLst>
+          </a:ln>
+        </p:spPr>
+        <p:style>
+          <a:lnRef idx="2">
+            <a:schemeClr val="accent1">
+              <a:shade val="15000"/>
+            </a:schemeClr>
+          </a:lnRef>
+          <a:fillRef idx="1">
+            <a:schemeClr val="accent1"/>
+          </a:fillRef>
+          <a:effectRef idx="0">
+            <a:schemeClr val="accent1"/>
+          </a:effectRef>
+          <a:fontRef idx="minor">
+            <a:schemeClr val="lt1"/>
+          </a:fontRef>
+        </p:style>
+        <p:txBody>
+          <a:bodyPr rtlCol="0" anchor="ctr"/>
+          <a:lstStyle/>
+          <a:p>
+            <a:pPr algn="ctr"/>
+            <a:r>
+              <a:rPr lang="de-DE" sz="2000" dirty="0">
+                <a:solidFill>
+                  <a:schemeClr val="tx1"/>
+                </a:solidFill>
+                <a:latin typeface="Arial" panose="020B0604020202020204" pitchFamily="34" charset="0"/>
+                <a:cs typeface="Arial" panose="020B0604020202020204" pitchFamily="34" charset="0"/>
+              </a:rPr>
+              <a:t>„</a:t>
+            </a:r>
+            <a:r>
+              <a:rPr lang="de-DE" sz="2000" dirty="0" err="1">
+                <a:solidFill>
+                  <a:schemeClr val="tx1"/>
+                </a:solidFill>
+                <a:latin typeface="Arial" panose="020B0604020202020204" pitchFamily="34" charset="0"/>
+                <a:cs typeface="Arial" panose="020B0604020202020204" pitchFamily="34" charset="0"/>
+              </a:rPr>
+              <a:t>wakeup</a:t>
+            </a:r>
+            <a:r>
+              <a:rPr lang="de-DE" sz="2000" dirty="0">
+                <a:solidFill>
+                  <a:schemeClr val="tx1"/>
+                </a:solidFill>
+                <a:latin typeface="Arial" panose="020B0604020202020204" pitchFamily="34" charset="0"/>
+                <a:cs typeface="Arial" panose="020B0604020202020204" pitchFamily="34" charset="0"/>
+              </a:rPr>
+              <a:t>“</a:t>
+            </a:r>
+          </a:p>
+        </p:txBody>
+      </p:sp>
+      <p:sp>
+        <p:nvSpPr>
+          <p:cNvPr id="99" name="Raute 98">
+            <a:extLst>
+              <a:ext uri="{FF2B5EF4-FFF2-40B4-BE49-F238E27FC236}">
+                <a16:creationId xmlns:a16="http://schemas.microsoft.com/office/drawing/2014/main" id="{1B6A6C03-B0D8-9A25-72B5-A584AAA7B594}"/>
+              </a:ext>
+            </a:extLst>
+          </p:cNvPr>
+          <p:cNvSpPr/>
+          <p:nvPr/>
+        </p:nvSpPr>
+        <p:spPr>
+          <a:xfrm>
+            <a:off x="5826000" y="1620664"/>
+            <a:ext cx="540000" cy="540000"/>
+          </a:xfrm>
+          <a:prstGeom prst="diamond">
+            <a:avLst/>
+          </a:prstGeom>
+          <a:noFill/>
+          <a:ln w="22225">
+            <a:solidFill>
+              <a:schemeClr val="tx1"/>
+            </a:solidFill>
+          </a:ln>
+        </p:spPr>
+        <p:style>
+          <a:lnRef idx="2">
+            <a:schemeClr val="accent1">
+              <a:shade val="15000"/>
+            </a:schemeClr>
+          </a:lnRef>
+          <a:fillRef idx="1">
+            <a:schemeClr val="accent1"/>
+          </a:fillRef>
+          <a:effectRef idx="0">
+            <a:schemeClr val="accent1"/>
+          </a:effectRef>
+          <a:fontRef idx="minor">
+            <a:schemeClr val="lt1"/>
+          </a:fontRef>
+        </p:style>
+        <p:txBody>
+          <a:bodyPr rtlCol="0" anchor="ctr"/>
+          <a:lstStyle/>
+          <a:p>
+            <a:pPr algn="ctr"/>
+            <a:endParaRPr lang="de-DE">
+              <a:latin typeface="Arial" panose="020B0604020202020204" pitchFamily="34" charset="0"/>
+              <a:cs typeface="Arial" panose="020B0604020202020204" pitchFamily="34" charset="0"/>
+            </a:endParaRPr>
+          </a:p>
+        </p:txBody>
+      </p:sp>
+      <p:sp>
+        <p:nvSpPr>
+          <p:cNvPr id="100" name="Gleichschenkliges Dreieck 99">
+            <a:extLst>
+              <a:ext uri="{FF2B5EF4-FFF2-40B4-BE49-F238E27FC236}">
+                <a16:creationId xmlns:a16="http://schemas.microsoft.com/office/drawing/2014/main" id="{B8428A5A-7AFE-412B-5F10-D3849394B5D6}"/>
+              </a:ext>
+            </a:extLst>
+          </p:cNvPr>
+          <p:cNvSpPr/>
+          <p:nvPr/>
+        </p:nvSpPr>
+        <p:spPr>
+          <a:xfrm>
+            <a:off x="6096000" y="111760"/>
+            <a:ext cx="386648" cy="413201"/>
+          </a:xfrm>
+          <a:prstGeom prst="triangle">
+            <a:avLst/>
+          </a:prstGeom>
+          <a:noFill/>
+          <a:ln>
+            <a:noFill/>
+          </a:ln>
+        </p:spPr>
+        <p:style>
+          <a:lnRef idx="2">
+            <a:schemeClr val="accent1">
+              <a:shade val="15000"/>
+            </a:schemeClr>
+          </a:lnRef>
+          <a:fillRef idx="1">
+            <a:schemeClr val="accent1"/>
+          </a:fillRef>
+          <a:effectRef idx="0">
+            <a:schemeClr val="accent1"/>
+          </a:effectRef>
+          <a:fontRef idx="minor">
+            <a:schemeClr val="lt1"/>
+          </a:fontRef>
+        </p:style>
+        <p:txBody>
+          <a:bodyPr rtlCol="0" anchor="ctr"/>
+          <a:lstStyle/>
+          <a:p>
+            <a:pPr algn="ctr"/>
+            <a:endParaRPr lang="de-DE">
+              <a:latin typeface="Arial" panose="020B0604020202020204" pitchFamily="34" charset="0"/>
+              <a:cs typeface="Arial" panose="020B0604020202020204" pitchFamily="34" charset="0"/>
+            </a:endParaRPr>
+          </a:p>
+        </p:txBody>
+      </p:sp>
+      <p:cxnSp>
+        <p:nvCxnSpPr>
+          <p:cNvPr id="102" name="Gerader Verbinder 101">
+            <a:extLst>
+              <a:ext uri="{FF2B5EF4-FFF2-40B4-BE49-F238E27FC236}">
+                <a16:creationId xmlns:a16="http://schemas.microsoft.com/office/drawing/2014/main" id="{E39CDA20-5E7E-A95B-A435-A9090B474F4F}"/>
+              </a:ext>
+            </a:extLst>
+          </p:cNvPr>
+          <p:cNvCxnSpPr>
+            <a:cxnSpLocks/>
+            <a:stCxn id="89" idx="3"/>
+            <a:endCxn id="100" idx="2"/>
+          </p:cNvCxnSpPr>
+          <p:nvPr/>
+        </p:nvCxnSpPr>
+        <p:spPr>
+          <a:xfrm flipV="1">
+            <a:off x="5460995" y="524961"/>
+            <a:ext cx="635005" cy="1"/>
+          </a:xfrm>
+          <a:prstGeom prst="line">
+            <a:avLst/>
+          </a:prstGeom>
+          <a:ln w="19050">
+            <a:solidFill>
+              <a:schemeClr val="tx1"/>
+            </a:solidFill>
+          </a:ln>
+        </p:spPr>
+        <p:style>
+          <a:lnRef idx="1">
+            <a:schemeClr val="accent1"/>
+          </a:lnRef>
+          <a:fillRef idx="0">
+            <a:schemeClr val="accent1"/>
+          </a:fillRef>
+          <a:effectRef idx="0">
+            <a:schemeClr val="accent1"/>
+          </a:effectRef>
+          <a:fontRef idx="minor">
+            <a:schemeClr val="tx1"/>
+          </a:fontRef>
+        </p:style>
+      </p:cxnSp>
+      <p:cxnSp>
+        <p:nvCxnSpPr>
+          <p:cNvPr id="104" name="Gerader Verbinder 103">
+            <a:extLst>
+              <a:ext uri="{FF2B5EF4-FFF2-40B4-BE49-F238E27FC236}">
+                <a16:creationId xmlns:a16="http://schemas.microsoft.com/office/drawing/2014/main" id="{EA7E2C4B-AFE0-01F0-AC97-696E96DEEFB0}"/>
+              </a:ext>
+            </a:extLst>
+          </p:cNvPr>
+          <p:cNvCxnSpPr>
+            <a:cxnSpLocks/>
+            <a:stCxn id="2" idx="0"/>
+            <a:endCxn id="100" idx="2"/>
+          </p:cNvCxnSpPr>
+          <p:nvPr/>
+        </p:nvCxnSpPr>
+        <p:spPr>
+          <a:xfrm flipV="1">
+            <a:off x="6096000" y="524961"/>
+            <a:ext cx="0" cy="179655"/>
+          </a:xfrm>
+          <a:prstGeom prst="line">
+            <a:avLst/>
+          </a:prstGeom>
+          <a:ln w="19050">
+            <a:solidFill>
+              <a:schemeClr val="tx1"/>
+            </a:solidFill>
+            <a:headEnd type="triangle" w="lg" len="lg"/>
+            <a:tailEnd type="none"/>
+          </a:ln>
+        </p:spPr>
+        <p:style>
+          <a:lnRef idx="1">
+            <a:schemeClr val="accent1"/>
+          </a:lnRef>
+          <a:fillRef idx="0">
+            <a:schemeClr val="accent1"/>
+          </a:fillRef>
+          <a:effectRef idx="0">
+            <a:schemeClr val="accent1"/>
+          </a:effectRef>
+          <a:fontRef idx="minor">
+            <a:schemeClr val="tx1"/>
+          </a:fontRef>
+        </p:style>
+      </p:cxnSp>
+      <p:sp>
+        <p:nvSpPr>
+          <p:cNvPr id="107" name="Gleichschenkliges Dreieck 106">
+            <a:extLst>
+              <a:ext uri="{FF2B5EF4-FFF2-40B4-BE49-F238E27FC236}">
+                <a16:creationId xmlns:a16="http://schemas.microsoft.com/office/drawing/2014/main" id="{BEF054C8-5C67-7E26-4510-087AA17C897A}"/>
+              </a:ext>
+            </a:extLst>
+          </p:cNvPr>
+          <p:cNvSpPr/>
+          <p:nvPr/>
+        </p:nvSpPr>
+        <p:spPr>
+          <a:xfrm>
+            <a:off x="1157107" y="1477463"/>
+            <a:ext cx="386648" cy="413201"/>
+          </a:xfrm>
+          <a:prstGeom prst="triangle">
+            <a:avLst/>
+          </a:prstGeom>
+          <a:noFill/>
+          <a:ln>
+            <a:noFill/>
+          </a:ln>
+        </p:spPr>
+        <p:style>
+          <a:lnRef idx="2">
+            <a:schemeClr val="accent1">
+              <a:shade val="15000"/>
+            </a:schemeClr>
+          </a:lnRef>
+          <a:fillRef idx="1">
+            <a:schemeClr val="accent1"/>
+          </a:fillRef>
+          <a:effectRef idx="0">
+            <a:schemeClr val="accent1"/>
+          </a:effectRef>
+          <a:fontRef idx="minor">
+            <a:schemeClr val="lt1"/>
+          </a:fontRef>
+        </p:style>
+        <p:txBody>
+          <a:bodyPr rtlCol="0" anchor="ctr"/>
+          <a:lstStyle/>
+          <a:p>
+            <a:pPr algn="ctr"/>
+            <a:endParaRPr lang="de-DE">
+              <a:latin typeface="Arial" panose="020B0604020202020204" pitchFamily="34" charset="0"/>
+              <a:cs typeface="Arial" panose="020B0604020202020204" pitchFamily="34" charset="0"/>
+            </a:endParaRPr>
+          </a:p>
+        </p:txBody>
+      </p:sp>
+      <p:cxnSp>
+        <p:nvCxnSpPr>
+          <p:cNvPr id="109" name="Gerader Verbinder 108">
+            <a:extLst>
+              <a:ext uri="{FF2B5EF4-FFF2-40B4-BE49-F238E27FC236}">
+                <a16:creationId xmlns:a16="http://schemas.microsoft.com/office/drawing/2014/main" id="{9B7A93F9-E851-8884-7567-62290C6175D7}"/>
+              </a:ext>
+            </a:extLst>
+          </p:cNvPr>
+          <p:cNvCxnSpPr>
+            <a:cxnSpLocks/>
+            <a:stCxn id="107" idx="4"/>
+            <a:endCxn id="99" idx="1"/>
+          </p:cNvCxnSpPr>
+          <p:nvPr/>
+        </p:nvCxnSpPr>
+        <p:spPr>
+          <a:xfrm>
+            <a:off x="1543755" y="1890664"/>
+            <a:ext cx="4282245" cy="0"/>
+          </a:xfrm>
+          <a:prstGeom prst="line">
+            <a:avLst/>
+          </a:prstGeom>
+          <a:ln w="19050">
+            <a:solidFill>
+              <a:schemeClr val="tx1"/>
+            </a:solidFill>
+          </a:ln>
+        </p:spPr>
+        <p:style>
+          <a:lnRef idx="1">
+            <a:schemeClr val="accent1"/>
+          </a:lnRef>
+          <a:fillRef idx="0">
+            <a:schemeClr val="accent1"/>
+          </a:fillRef>
+          <a:effectRef idx="0">
+            <a:schemeClr val="accent1"/>
+          </a:effectRef>
+          <a:fontRef idx="minor">
+            <a:schemeClr val="tx1"/>
+          </a:fontRef>
+        </p:style>
+      </p:cxnSp>
+      <p:cxnSp>
+        <p:nvCxnSpPr>
+          <p:cNvPr id="113" name="Gerader Verbinder 112">
+            <a:extLst>
+              <a:ext uri="{FF2B5EF4-FFF2-40B4-BE49-F238E27FC236}">
+                <a16:creationId xmlns:a16="http://schemas.microsoft.com/office/drawing/2014/main" id="{3F3B0348-19E9-BC88-6B7F-A142E449A7CB}"/>
+              </a:ext>
+            </a:extLst>
+          </p:cNvPr>
+          <p:cNvCxnSpPr>
+            <a:cxnSpLocks/>
+            <a:stCxn id="90" idx="0"/>
+            <a:endCxn id="107" idx="4"/>
+          </p:cNvCxnSpPr>
+          <p:nvPr/>
+        </p:nvCxnSpPr>
+        <p:spPr>
+          <a:xfrm flipV="1">
+            <a:off x="1543755" y="1890664"/>
+            <a:ext cx="0" cy="270001"/>
+          </a:xfrm>
+          <a:prstGeom prst="line">
+            <a:avLst/>
+          </a:prstGeom>
+          <a:ln w="19050">
+            <a:solidFill>
+              <a:schemeClr val="tx1"/>
+            </a:solidFill>
+            <a:headEnd type="triangle" w="lg" len="lg"/>
+            <a:tailEnd type="none"/>
+          </a:ln>
+        </p:spPr>
+        <p:style>
+          <a:lnRef idx="1">
+            <a:schemeClr val="accent1"/>
+          </a:lnRef>
+          <a:fillRef idx="0">
+            <a:schemeClr val="accent1"/>
+          </a:fillRef>
+          <a:effectRef idx="0">
+            <a:schemeClr val="accent1"/>
+          </a:effectRef>
+          <a:fontRef idx="minor">
+            <a:schemeClr val="tx1"/>
+          </a:fontRef>
+        </p:style>
+      </p:cxnSp>
+      <p:sp>
+        <p:nvSpPr>
+          <p:cNvPr id="116" name="Gleichschenkliges Dreieck 115">
+            <a:extLst>
+              <a:ext uri="{FF2B5EF4-FFF2-40B4-BE49-F238E27FC236}">
+                <a16:creationId xmlns:a16="http://schemas.microsoft.com/office/drawing/2014/main" id="{0A1ACBBB-602E-B579-421B-DA4F504DA066}"/>
+              </a:ext>
+            </a:extLst>
+          </p:cNvPr>
+          <p:cNvSpPr/>
+          <p:nvPr/>
+        </p:nvSpPr>
+        <p:spPr>
+          <a:xfrm>
+            <a:off x="9354255" y="1477462"/>
+            <a:ext cx="386648" cy="413201"/>
+          </a:xfrm>
+          <a:prstGeom prst="triangle">
+            <a:avLst/>
+          </a:prstGeom>
+          <a:noFill/>
+          <a:ln>
+            <a:noFill/>
+          </a:ln>
+        </p:spPr>
+        <p:style>
+          <a:lnRef idx="2">
+            <a:schemeClr val="accent1">
+              <a:shade val="15000"/>
+            </a:schemeClr>
+          </a:lnRef>
+          <a:fillRef idx="1">
+            <a:schemeClr val="accent1"/>
+          </a:fillRef>
+          <a:effectRef idx="0">
+            <a:schemeClr val="accent1"/>
+          </a:effectRef>
+          <a:fontRef idx="minor">
+            <a:schemeClr val="lt1"/>
+          </a:fontRef>
+        </p:style>
+        <p:txBody>
+          <a:bodyPr rtlCol="0" anchor="ctr"/>
+          <a:lstStyle/>
+          <a:p>
+            <a:pPr algn="ctr"/>
+            <a:endParaRPr lang="de-DE">
+              <a:latin typeface="Arial" panose="020B0604020202020204" pitchFamily="34" charset="0"/>
+              <a:cs typeface="Arial" panose="020B0604020202020204" pitchFamily="34" charset="0"/>
+            </a:endParaRPr>
+          </a:p>
+        </p:txBody>
+      </p:sp>
+      <p:cxnSp>
+        <p:nvCxnSpPr>
+          <p:cNvPr id="117" name="Gerader Verbinder 116">
+            <a:extLst>
+              <a:ext uri="{FF2B5EF4-FFF2-40B4-BE49-F238E27FC236}">
+                <a16:creationId xmlns:a16="http://schemas.microsoft.com/office/drawing/2014/main" id="{86080CF8-B144-96DC-6C86-75DB4CE01270}"/>
+              </a:ext>
+            </a:extLst>
+          </p:cNvPr>
+          <p:cNvCxnSpPr>
+            <a:cxnSpLocks/>
+            <a:stCxn id="116" idx="2"/>
+            <a:endCxn id="99" idx="3"/>
+          </p:cNvCxnSpPr>
+          <p:nvPr/>
+        </p:nvCxnSpPr>
+        <p:spPr>
+          <a:xfrm flipH="1">
+            <a:off x="6366000" y="1890663"/>
+            <a:ext cx="2988255" cy="1"/>
+          </a:xfrm>
+          <a:prstGeom prst="line">
+            <a:avLst/>
+          </a:prstGeom>
+          <a:ln w="19050">
+            <a:solidFill>
+              <a:schemeClr val="tx1"/>
+            </a:solidFill>
+          </a:ln>
+        </p:spPr>
+        <p:style>
+          <a:lnRef idx="1">
+            <a:schemeClr val="accent1"/>
+          </a:lnRef>
+          <a:fillRef idx="0">
+            <a:schemeClr val="accent1"/>
+          </a:fillRef>
+          <a:effectRef idx="0">
+            <a:schemeClr val="accent1"/>
+          </a:effectRef>
+          <a:fontRef idx="minor">
+            <a:schemeClr val="tx1"/>
+          </a:fontRef>
+        </p:style>
+      </p:cxnSp>
+      <p:cxnSp>
+        <p:nvCxnSpPr>
+          <p:cNvPr id="120" name="Gerader Verbinder 119">
+            <a:extLst>
+              <a:ext uri="{FF2B5EF4-FFF2-40B4-BE49-F238E27FC236}">
+                <a16:creationId xmlns:a16="http://schemas.microsoft.com/office/drawing/2014/main" id="{271AD649-8B53-5805-313E-0A843995526E}"/>
+              </a:ext>
+            </a:extLst>
+          </p:cNvPr>
+          <p:cNvCxnSpPr>
+            <a:cxnSpLocks/>
+            <a:stCxn id="94" idx="0"/>
+            <a:endCxn id="116" idx="2"/>
+          </p:cNvCxnSpPr>
+          <p:nvPr/>
+        </p:nvCxnSpPr>
+        <p:spPr>
+          <a:xfrm flipH="1" flipV="1">
+            <a:off x="9354255" y="1890663"/>
+            <a:ext cx="2" cy="270001"/>
+          </a:xfrm>
+          <a:prstGeom prst="line">
+            <a:avLst/>
+          </a:prstGeom>
+          <a:ln w="19050">
+            <a:solidFill>
+              <a:schemeClr val="tx1"/>
+            </a:solidFill>
+            <a:headEnd type="triangle" w="lg" len="lg"/>
+            <a:tailEnd type="none"/>
+          </a:ln>
+        </p:spPr>
+        <p:style>
+          <a:lnRef idx="1">
+            <a:schemeClr val="accent1"/>
+          </a:lnRef>
+          <a:fillRef idx="0">
+            <a:schemeClr val="accent1"/>
+          </a:fillRef>
+          <a:effectRef idx="0">
+            <a:schemeClr val="accent1"/>
+          </a:effectRef>
+          <a:fontRef idx="minor">
+            <a:schemeClr val="tx1"/>
+          </a:fontRef>
+        </p:style>
+      </p:cxnSp>
+      <p:sp>
+        <p:nvSpPr>
+          <p:cNvPr id="123" name="Raute 122">
+            <a:extLst>
+              <a:ext uri="{FF2B5EF4-FFF2-40B4-BE49-F238E27FC236}">
+                <a16:creationId xmlns:a16="http://schemas.microsoft.com/office/drawing/2014/main" id="{BCFAC66F-8BE8-9E09-F916-9F891A951FCD}"/>
+              </a:ext>
+            </a:extLst>
+          </p:cNvPr>
+          <p:cNvSpPr/>
+          <p:nvPr/>
+        </p:nvSpPr>
+        <p:spPr>
+          <a:xfrm>
+            <a:off x="9084255" y="3531027"/>
+            <a:ext cx="540000" cy="540000"/>
+          </a:xfrm>
+          <a:prstGeom prst="diamond">
+            <a:avLst/>
+          </a:prstGeom>
+          <a:noFill/>
+          <a:ln w="22225">
+            <a:solidFill>
+              <a:schemeClr val="tx1"/>
+            </a:solidFill>
+          </a:ln>
+        </p:spPr>
+        <p:style>
+          <a:lnRef idx="2">
+            <a:schemeClr val="accent1">
+              <a:shade val="15000"/>
+            </a:schemeClr>
+          </a:lnRef>
+          <a:fillRef idx="1">
+            <a:schemeClr val="accent1"/>
+          </a:fillRef>
+          <a:effectRef idx="0">
+            <a:schemeClr val="accent1"/>
+          </a:effectRef>
+          <a:fontRef idx="minor">
+            <a:schemeClr val="lt1"/>
+          </a:fontRef>
+        </p:style>
+        <p:txBody>
+          <a:bodyPr rtlCol="0" anchor="ctr"/>
+          <a:lstStyle/>
+          <a:p>
+            <a:pPr algn="ctr"/>
+            <a:endParaRPr lang="de-DE">
+              <a:latin typeface="Arial" panose="020B0604020202020204" pitchFamily="34" charset="0"/>
+              <a:cs typeface="Arial" panose="020B0604020202020204" pitchFamily="34" charset="0"/>
+            </a:endParaRPr>
+          </a:p>
+        </p:txBody>
+      </p:sp>
+      <p:cxnSp>
+        <p:nvCxnSpPr>
+          <p:cNvPr id="124" name="Gerader Verbinder 123">
+            <a:extLst>
+              <a:ext uri="{FF2B5EF4-FFF2-40B4-BE49-F238E27FC236}">
+                <a16:creationId xmlns:a16="http://schemas.microsoft.com/office/drawing/2014/main" id="{D5BBA819-A1E6-A73F-A4D5-153143602539}"/>
+              </a:ext>
+            </a:extLst>
+          </p:cNvPr>
+          <p:cNvCxnSpPr>
+            <a:cxnSpLocks/>
+            <a:stCxn id="123" idx="0"/>
+            <a:endCxn id="306" idx="2"/>
+          </p:cNvCxnSpPr>
+          <p:nvPr/>
+        </p:nvCxnSpPr>
+        <p:spPr>
+          <a:xfrm flipV="1">
+            <a:off x="9354255" y="3337490"/>
+            <a:ext cx="0" cy="193537"/>
+          </a:xfrm>
+          <a:prstGeom prst="line">
+            <a:avLst/>
+          </a:prstGeom>
+          <a:ln w="19050">
+            <a:solidFill>
+              <a:schemeClr val="tx1"/>
+            </a:solidFill>
+            <a:headEnd type="triangle" w="lg" len="lg"/>
+            <a:tailEnd type="none"/>
+          </a:ln>
+        </p:spPr>
+        <p:style>
+          <a:lnRef idx="1">
+            <a:schemeClr val="accent1"/>
+          </a:lnRef>
+          <a:fillRef idx="0">
+            <a:schemeClr val="accent1"/>
+          </a:fillRef>
+          <a:effectRef idx="0">
+            <a:schemeClr val="accent1"/>
+          </a:effectRef>
+          <a:fontRef idx="minor">
+            <a:schemeClr val="tx1"/>
+          </a:fontRef>
+        </p:style>
+      </p:cxnSp>
+      <p:cxnSp>
+        <p:nvCxnSpPr>
+          <p:cNvPr id="127" name="Gerader Verbinder 126">
+            <a:extLst>
+              <a:ext uri="{FF2B5EF4-FFF2-40B4-BE49-F238E27FC236}">
+                <a16:creationId xmlns:a16="http://schemas.microsoft.com/office/drawing/2014/main" id="{2C18C474-9FA7-D64D-D045-5BEF4BC9AC07}"/>
+              </a:ext>
+            </a:extLst>
+          </p:cNvPr>
+          <p:cNvCxnSpPr>
+            <a:cxnSpLocks/>
+            <a:stCxn id="129" idx="0"/>
+            <a:endCxn id="297" idx="2"/>
+          </p:cNvCxnSpPr>
+          <p:nvPr/>
+        </p:nvCxnSpPr>
+        <p:spPr>
+          <a:xfrm flipH="1" flipV="1">
+            <a:off x="1541361" y="3384229"/>
+            <a:ext cx="2384" cy="204746"/>
+          </a:xfrm>
+          <a:prstGeom prst="line">
+            <a:avLst/>
+          </a:prstGeom>
+          <a:ln w="19050">
+            <a:solidFill>
+              <a:schemeClr val="tx1"/>
+            </a:solidFill>
+            <a:headEnd type="triangle" w="lg" len="lg"/>
+            <a:tailEnd type="none"/>
+          </a:ln>
+        </p:spPr>
+        <p:style>
+          <a:lnRef idx="1">
+            <a:schemeClr val="accent1"/>
+          </a:lnRef>
+          <a:fillRef idx="0">
+            <a:schemeClr val="accent1"/>
+          </a:fillRef>
+          <a:effectRef idx="0">
+            <a:schemeClr val="accent1"/>
+          </a:effectRef>
+          <a:fontRef idx="minor">
+            <a:schemeClr val="tx1"/>
+          </a:fontRef>
+        </p:style>
+      </p:cxnSp>
+      <p:sp>
+        <p:nvSpPr>
+          <p:cNvPr id="129" name="Raute 128">
+            <a:extLst>
+              <a:ext uri="{FF2B5EF4-FFF2-40B4-BE49-F238E27FC236}">
+                <a16:creationId xmlns:a16="http://schemas.microsoft.com/office/drawing/2014/main" id="{7E75B0DE-B1BC-4E21-F4F9-5E2D8963E3CA}"/>
+              </a:ext>
+            </a:extLst>
+          </p:cNvPr>
+          <p:cNvSpPr/>
+          <p:nvPr/>
+        </p:nvSpPr>
+        <p:spPr>
+          <a:xfrm>
+            <a:off x="1273745" y="3588975"/>
+            <a:ext cx="540000" cy="540000"/>
+          </a:xfrm>
+          <a:prstGeom prst="diamond">
+            <a:avLst/>
+          </a:prstGeom>
+          <a:noFill/>
+          <a:ln w="22225">
+            <a:solidFill>
+              <a:schemeClr val="tx1"/>
+            </a:solidFill>
+          </a:ln>
+        </p:spPr>
+        <p:style>
+          <a:lnRef idx="2">
+            <a:schemeClr val="accent1">
+              <a:shade val="15000"/>
+            </a:schemeClr>
+          </a:lnRef>
+          <a:fillRef idx="1">
+            <a:schemeClr val="accent1"/>
+          </a:fillRef>
+          <a:effectRef idx="0">
+            <a:schemeClr val="accent1"/>
+          </a:effectRef>
+          <a:fontRef idx="minor">
+            <a:schemeClr val="lt1"/>
+          </a:fontRef>
+        </p:style>
+        <p:txBody>
+          <a:bodyPr rtlCol="0" anchor="ctr"/>
+          <a:lstStyle/>
+          <a:p>
+            <a:pPr algn="ctr"/>
+            <a:endParaRPr lang="de-DE">
+              <a:latin typeface="Arial" panose="020B0604020202020204" pitchFamily="34" charset="0"/>
+              <a:cs typeface="Arial" panose="020B0604020202020204" pitchFamily="34" charset="0"/>
+            </a:endParaRPr>
+          </a:p>
+        </p:txBody>
+      </p:sp>
+      <p:sp>
+        <p:nvSpPr>
+          <p:cNvPr id="133" name="Textfeld 132">
+            <a:extLst>
+              <a:ext uri="{FF2B5EF4-FFF2-40B4-BE49-F238E27FC236}">
+                <a16:creationId xmlns:a16="http://schemas.microsoft.com/office/drawing/2014/main" id="{8BA22213-2667-FB13-5C33-969BA6D41C32}"/>
+              </a:ext>
+            </a:extLst>
+          </p:cNvPr>
+          <p:cNvSpPr txBox="1"/>
+          <p:nvPr/>
+        </p:nvSpPr>
+        <p:spPr>
+          <a:xfrm>
+            <a:off x="6365998" y="1542597"/>
+            <a:ext cx="1920719" cy="400110"/>
+          </a:xfrm>
+          <a:prstGeom prst="rect">
+            <a:avLst/>
+          </a:prstGeom>
+          <a:noFill/>
+        </p:spPr>
+        <p:txBody>
+          <a:bodyPr wrap="none" rtlCol="0">
+            <a:spAutoFit/>
+          </a:bodyPr>
+          <a:lstStyle/>
+          <a:p>
+            <a:r>
+              <a:rPr lang="de-DE" sz="2000" dirty="0">
+                <a:latin typeface="Arial" panose="020B0604020202020204" pitchFamily="34" charset="0"/>
+                <a:cs typeface="Arial" panose="020B0604020202020204" pitchFamily="34" charset="0"/>
+              </a:rPr>
+              <a:t>„</a:t>
+            </a:r>
+            <a:r>
+              <a:rPr lang="de-DE" sz="2000" dirty="0" err="1">
+                <a:latin typeface="Arial" panose="020B0604020202020204" pitchFamily="34" charset="0"/>
+                <a:cs typeface="Arial" panose="020B0604020202020204" pitchFamily="34" charset="0"/>
+              </a:rPr>
+              <a:t>measurement</a:t>
+            </a:r>
+            <a:r>
+              <a:rPr lang="de-DE" sz="2000" dirty="0">
+                <a:latin typeface="Arial" panose="020B0604020202020204" pitchFamily="34" charset="0"/>
+                <a:cs typeface="Arial" panose="020B0604020202020204" pitchFamily="34" charset="0"/>
+              </a:rPr>
+              <a:t>“</a:t>
+            </a:r>
+            <a:endParaRPr lang="de-DE" dirty="0">
+              <a:latin typeface="Arial" panose="020B0604020202020204" pitchFamily="34" charset="0"/>
+              <a:cs typeface="Arial" panose="020B0604020202020204" pitchFamily="34" charset="0"/>
+            </a:endParaRPr>
+          </a:p>
+        </p:txBody>
+      </p:sp>
+      <p:sp>
+        <p:nvSpPr>
+          <p:cNvPr id="134" name="Textfeld 133">
+            <a:extLst>
+              <a:ext uri="{FF2B5EF4-FFF2-40B4-BE49-F238E27FC236}">
+                <a16:creationId xmlns:a16="http://schemas.microsoft.com/office/drawing/2014/main" id="{7976890A-41C6-4DB8-D214-3B388BF45867}"/>
+              </a:ext>
+            </a:extLst>
+          </p:cNvPr>
+          <p:cNvSpPr txBox="1"/>
+          <p:nvPr/>
+        </p:nvSpPr>
+        <p:spPr>
+          <a:xfrm>
+            <a:off x="4485711" y="1542597"/>
+            <a:ext cx="1239442" cy="400110"/>
+          </a:xfrm>
+          <a:prstGeom prst="rect">
+            <a:avLst/>
+          </a:prstGeom>
+          <a:noFill/>
+        </p:spPr>
+        <p:txBody>
+          <a:bodyPr wrap="none" rtlCol="0">
+            <a:spAutoFit/>
+          </a:bodyPr>
+          <a:lstStyle/>
+          <a:p>
+            <a:r>
+              <a:rPr lang="de-DE" sz="2000" dirty="0">
+                <a:latin typeface="Arial" panose="020B0604020202020204" pitchFamily="34" charset="0"/>
+                <a:cs typeface="Arial" panose="020B0604020202020204" pitchFamily="34" charset="0"/>
+              </a:rPr>
+              <a:t>„</a:t>
+            </a:r>
+            <a:r>
+              <a:rPr lang="de-DE" sz="2000" dirty="0" err="1">
+                <a:latin typeface="Arial" panose="020B0604020202020204" pitchFamily="34" charset="0"/>
+                <a:cs typeface="Arial" panose="020B0604020202020204" pitchFamily="34" charset="0"/>
+              </a:rPr>
+              <a:t>wakeup</a:t>
+            </a:r>
+            <a:r>
+              <a:rPr lang="de-DE" sz="2000" dirty="0">
+                <a:latin typeface="Arial" panose="020B0604020202020204" pitchFamily="34" charset="0"/>
+                <a:cs typeface="Arial" panose="020B0604020202020204" pitchFamily="34" charset="0"/>
+              </a:rPr>
+              <a:t>“</a:t>
+            </a:r>
+            <a:endParaRPr lang="de-DE" dirty="0">
+              <a:latin typeface="Arial" panose="020B0604020202020204" pitchFamily="34" charset="0"/>
+              <a:cs typeface="Arial" panose="020B0604020202020204" pitchFamily="34" charset="0"/>
+            </a:endParaRPr>
+          </a:p>
+        </p:txBody>
+      </p:sp>
+      <p:sp>
+        <p:nvSpPr>
+          <p:cNvPr id="135" name="Textfeld 134">
+            <a:extLst>
+              <a:ext uri="{FF2B5EF4-FFF2-40B4-BE49-F238E27FC236}">
+                <a16:creationId xmlns:a16="http://schemas.microsoft.com/office/drawing/2014/main" id="{26D43110-2BE9-796A-6638-5B187524F217}"/>
+              </a:ext>
+            </a:extLst>
+          </p:cNvPr>
+          <p:cNvSpPr txBox="1"/>
+          <p:nvPr/>
+        </p:nvSpPr>
+        <p:spPr>
+          <a:xfrm>
+            <a:off x="7922389" y="3462594"/>
+            <a:ext cx="1252266" cy="400110"/>
+          </a:xfrm>
+          <a:prstGeom prst="rect">
+            <a:avLst/>
+          </a:prstGeom>
+          <a:noFill/>
+        </p:spPr>
+        <p:txBody>
+          <a:bodyPr wrap="none" rtlCol="0">
+            <a:spAutoFit/>
+          </a:bodyPr>
+          <a:lstStyle/>
+          <a:p>
+            <a:r>
+              <a:rPr lang="de-DE" sz="2000" dirty="0">
+                <a:latin typeface="Arial" panose="020B0604020202020204" pitchFamily="34" charset="0"/>
+                <a:cs typeface="Arial" panose="020B0604020202020204" pitchFamily="34" charset="0"/>
+              </a:rPr>
+              <a:t>„Aktivität“</a:t>
+            </a:r>
+            <a:endParaRPr lang="de-DE" dirty="0">
+              <a:latin typeface="Arial" panose="020B0604020202020204" pitchFamily="34" charset="0"/>
+              <a:cs typeface="Arial" panose="020B0604020202020204" pitchFamily="34" charset="0"/>
+            </a:endParaRPr>
+          </a:p>
+        </p:txBody>
+      </p:sp>
+      <p:sp>
+        <p:nvSpPr>
+          <p:cNvPr id="136" name="Textfeld 135">
+            <a:extLst>
+              <a:ext uri="{FF2B5EF4-FFF2-40B4-BE49-F238E27FC236}">
+                <a16:creationId xmlns:a16="http://schemas.microsoft.com/office/drawing/2014/main" id="{B2AD8339-8EE6-3FD1-4B8B-4287B8809DC4}"/>
+              </a:ext>
+            </a:extLst>
+          </p:cNvPr>
+          <p:cNvSpPr txBox="1"/>
+          <p:nvPr/>
+        </p:nvSpPr>
+        <p:spPr>
+          <a:xfrm>
+            <a:off x="9575111" y="3468662"/>
+            <a:ext cx="1436612" cy="400110"/>
+          </a:xfrm>
+          <a:prstGeom prst="rect">
+            <a:avLst/>
+          </a:prstGeom>
+          <a:noFill/>
+        </p:spPr>
+        <p:txBody>
+          <a:bodyPr wrap="none" rtlCol="0">
+            <a:spAutoFit/>
+          </a:bodyPr>
+          <a:lstStyle/>
+          <a:p>
+            <a:r>
+              <a:rPr lang="de-DE" sz="2000" dirty="0">
+                <a:latin typeface="Arial" panose="020B0604020202020204" pitchFamily="34" charset="0"/>
+                <a:cs typeface="Arial" panose="020B0604020202020204" pitchFamily="34" charset="0"/>
+              </a:rPr>
+              <a:t>„Inaktivität“</a:t>
+            </a:r>
+            <a:endParaRPr lang="de-DE" dirty="0">
+              <a:latin typeface="Arial" panose="020B0604020202020204" pitchFamily="34" charset="0"/>
+              <a:cs typeface="Arial" panose="020B0604020202020204" pitchFamily="34" charset="0"/>
+            </a:endParaRPr>
+          </a:p>
+        </p:txBody>
+      </p:sp>
+      <p:sp>
+        <p:nvSpPr>
+          <p:cNvPr id="137" name="Textfeld 136">
+            <a:extLst>
+              <a:ext uri="{FF2B5EF4-FFF2-40B4-BE49-F238E27FC236}">
+                <a16:creationId xmlns:a16="http://schemas.microsoft.com/office/drawing/2014/main" id="{34E739C3-78C8-AAA4-59F5-8FEFDA91C9AA}"/>
+              </a:ext>
+            </a:extLst>
+          </p:cNvPr>
+          <p:cNvSpPr txBox="1"/>
+          <p:nvPr/>
+        </p:nvSpPr>
+        <p:spPr>
+          <a:xfrm>
+            <a:off x="1466273" y="4168844"/>
+            <a:ext cx="1252266" cy="400110"/>
+          </a:xfrm>
+          <a:prstGeom prst="rect">
+            <a:avLst/>
+          </a:prstGeom>
+          <a:noFill/>
+        </p:spPr>
+        <p:txBody>
+          <a:bodyPr wrap="none" rtlCol="0">
+            <a:spAutoFit/>
+          </a:bodyPr>
+          <a:lstStyle/>
+          <a:p>
+            <a:r>
+              <a:rPr lang="de-DE" sz="2000" dirty="0">
+                <a:latin typeface="Arial" panose="020B0604020202020204" pitchFamily="34" charset="0"/>
+                <a:cs typeface="Arial" panose="020B0604020202020204" pitchFamily="34" charset="0"/>
+              </a:rPr>
+              <a:t>„Aktivität“</a:t>
+            </a:r>
+            <a:endParaRPr lang="de-DE" dirty="0">
+              <a:latin typeface="Arial" panose="020B0604020202020204" pitchFamily="34" charset="0"/>
+              <a:cs typeface="Arial" panose="020B0604020202020204" pitchFamily="34" charset="0"/>
+            </a:endParaRPr>
+          </a:p>
+        </p:txBody>
+      </p:sp>
+      <p:sp>
+        <p:nvSpPr>
+          <p:cNvPr id="138" name="Raute 137">
+            <a:extLst>
+              <a:ext uri="{FF2B5EF4-FFF2-40B4-BE49-F238E27FC236}">
+                <a16:creationId xmlns:a16="http://schemas.microsoft.com/office/drawing/2014/main" id="{8B457FF0-7834-3A19-818D-D9386A208B6E}"/>
+              </a:ext>
+            </a:extLst>
+          </p:cNvPr>
+          <p:cNvSpPr/>
+          <p:nvPr/>
+        </p:nvSpPr>
+        <p:spPr>
+          <a:xfrm>
+            <a:off x="3190278" y="3589484"/>
+            <a:ext cx="540000" cy="540000"/>
+          </a:xfrm>
+          <a:prstGeom prst="diamond">
+            <a:avLst/>
+          </a:prstGeom>
+          <a:noFill/>
+          <a:ln w="22225">
+            <a:solidFill>
+              <a:schemeClr val="tx1"/>
+            </a:solidFill>
+          </a:ln>
+        </p:spPr>
+        <p:style>
+          <a:lnRef idx="2">
+            <a:schemeClr val="accent1">
+              <a:shade val="15000"/>
+            </a:schemeClr>
+          </a:lnRef>
+          <a:fillRef idx="1">
+            <a:schemeClr val="accent1"/>
+          </a:fillRef>
+          <a:effectRef idx="0">
+            <a:schemeClr val="accent1"/>
+          </a:effectRef>
+          <a:fontRef idx="minor">
+            <a:schemeClr val="lt1"/>
+          </a:fontRef>
+        </p:style>
+        <p:txBody>
+          <a:bodyPr rtlCol="0" anchor="ctr"/>
+          <a:lstStyle/>
+          <a:p>
+            <a:pPr algn="ctr"/>
+            <a:endParaRPr lang="de-DE">
+              <a:latin typeface="Arial" panose="020B0604020202020204" pitchFamily="34" charset="0"/>
+              <a:cs typeface="Arial" panose="020B0604020202020204" pitchFamily="34" charset="0"/>
+            </a:endParaRPr>
+          </a:p>
+        </p:txBody>
+      </p:sp>
+      <p:cxnSp>
+        <p:nvCxnSpPr>
+          <p:cNvPr id="139" name="Gerader Verbinder 138">
+            <a:extLst>
+              <a:ext uri="{FF2B5EF4-FFF2-40B4-BE49-F238E27FC236}">
+                <a16:creationId xmlns:a16="http://schemas.microsoft.com/office/drawing/2014/main" id="{707E996C-E2F7-7764-CA3C-1942AD18026C}"/>
+              </a:ext>
+            </a:extLst>
+          </p:cNvPr>
+          <p:cNvCxnSpPr>
+            <a:cxnSpLocks/>
+            <a:stCxn id="138" idx="1"/>
+            <a:endCxn id="129" idx="3"/>
+          </p:cNvCxnSpPr>
+          <p:nvPr/>
+        </p:nvCxnSpPr>
+        <p:spPr>
+          <a:xfrm flipH="1" flipV="1">
+            <a:off x="1813745" y="3858975"/>
+            <a:ext cx="1376533" cy="509"/>
+          </a:xfrm>
+          <a:prstGeom prst="line">
+            <a:avLst/>
+          </a:prstGeom>
+          <a:ln w="19050">
+            <a:solidFill>
+              <a:schemeClr val="tx1"/>
+            </a:solidFill>
+            <a:headEnd type="triangle" w="lg" len="lg"/>
+            <a:tailEnd type="none"/>
+          </a:ln>
+        </p:spPr>
+        <p:style>
+          <a:lnRef idx="1">
+            <a:schemeClr val="accent1"/>
+          </a:lnRef>
+          <a:fillRef idx="0">
+            <a:schemeClr val="accent1"/>
+          </a:fillRef>
+          <a:effectRef idx="0">
+            <a:schemeClr val="accent1"/>
+          </a:effectRef>
+          <a:fontRef idx="minor">
+            <a:schemeClr val="tx1"/>
+          </a:fontRef>
+        </p:style>
+      </p:cxnSp>
+      <p:sp>
+        <p:nvSpPr>
+          <p:cNvPr id="143" name="Textfeld 142">
+            <a:extLst>
+              <a:ext uri="{FF2B5EF4-FFF2-40B4-BE49-F238E27FC236}">
+                <a16:creationId xmlns:a16="http://schemas.microsoft.com/office/drawing/2014/main" id="{8C171DD8-1231-DADD-4517-D531B57CF3E3}"/>
+              </a:ext>
+            </a:extLst>
+          </p:cNvPr>
+          <p:cNvSpPr txBox="1"/>
+          <p:nvPr/>
+        </p:nvSpPr>
+        <p:spPr>
+          <a:xfrm>
+            <a:off x="1764385" y="3518608"/>
+            <a:ext cx="1436612" cy="400110"/>
+          </a:xfrm>
+          <a:prstGeom prst="rect">
+            <a:avLst/>
+          </a:prstGeom>
+          <a:noFill/>
+        </p:spPr>
+        <p:txBody>
+          <a:bodyPr wrap="none" rtlCol="0">
+            <a:spAutoFit/>
+          </a:bodyPr>
+          <a:lstStyle/>
+          <a:p>
+            <a:r>
+              <a:rPr lang="de-DE" sz="2000" dirty="0">
+                <a:latin typeface="Arial" panose="020B0604020202020204" pitchFamily="34" charset="0"/>
+                <a:cs typeface="Arial" panose="020B0604020202020204" pitchFamily="34" charset="0"/>
+              </a:rPr>
+              <a:t>„Inaktivität“</a:t>
+            </a:r>
+            <a:endParaRPr lang="de-DE" dirty="0">
+              <a:latin typeface="Arial" panose="020B0604020202020204" pitchFamily="34" charset="0"/>
+              <a:cs typeface="Arial" panose="020B0604020202020204" pitchFamily="34" charset="0"/>
+            </a:endParaRPr>
+          </a:p>
+        </p:txBody>
+      </p:sp>
+      <p:cxnSp>
+        <p:nvCxnSpPr>
+          <p:cNvPr id="144" name="Gerader Verbinder 143">
+            <a:extLst>
+              <a:ext uri="{FF2B5EF4-FFF2-40B4-BE49-F238E27FC236}">
+                <a16:creationId xmlns:a16="http://schemas.microsoft.com/office/drawing/2014/main" id="{07515372-3547-7E13-D65E-2618F41ACCA8}"/>
+              </a:ext>
+            </a:extLst>
+          </p:cNvPr>
+          <p:cNvCxnSpPr>
+            <a:cxnSpLocks/>
+          </p:cNvCxnSpPr>
+          <p:nvPr/>
+        </p:nvCxnSpPr>
+        <p:spPr>
+          <a:xfrm>
+            <a:off x="3156300" y="6053547"/>
+            <a:ext cx="1949450" cy="0"/>
+          </a:xfrm>
+          <a:prstGeom prst="line">
+            <a:avLst/>
+          </a:prstGeom>
+          <a:ln w="38100" cmpd="sng">
+            <a:solidFill>
+              <a:schemeClr val="tx1"/>
+            </a:solidFill>
+          </a:ln>
+        </p:spPr>
+        <p:style>
+          <a:lnRef idx="1">
+            <a:schemeClr val="accent1"/>
+          </a:lnRef>
+          <a:fillRef idx="0">
+            <a:schemeClr val="accent1"/>
+          </a:fillRef>
+          <a:effectRef idx="0">
+            <a:schemeClr val="accent1"/>
+          </a:effectRef>
+          <a:fontRef idx="minor">
+            <a:schemeClr val="tx1"/>
+          </a:fontRef>
+        </p:style>
+      </p:cxnSp>
+      <p:cxnSp>
+        <p:nvCxnSpPr>
+          <p:cNvPr id="146" name="Gerader Verbinder 145">
+            <a:extLst>
+              <a:ext uri="{FF2B5EF4-FFF2-40B4-BE49-F238E27FC236}">
+                <a16:creationId xmlns:a16="http://schemas.microsoft.com/office/drawing/2014/main" id="{86469E92-AFD3-254B-6193-3A49745AD93D}"/>
+              </a:ext>
+            </a:extLst>
+          </p:cNvPr>
+          <p:cNvCxnSpPr>
+            <a:cxnSpLocks/>
+            <a:endCxn id="96" idx="2"/>
+          </p:cNvCxnSpPr>
+          <p:nvPr/>
+        </p:nvCxnSpPr>
+        <p:spPr>
+          <a:xfrm flipV="1">
+            <a:off x="4689003" y="5701320"/>
+            <a:ext cx="0" cy="352227"/>
+          </a:xfrm>
+          <a:prstGeom prst="line">
+            <a:avLst/>
+          </a:prstGeom>
+          <a:ln w="19050">
+            <a:solidFill>
+              <a:schemeClr val="tx1"/>
+            </a:solidFill>
+            <a:headEnd type="triangle" w="lg" len="lg"/>
+            <a:tailEnd type="none"/>
+          </a:ln>
+        </p:spPr>
+        <p:style>
+          <a:lnRef idx="1">
+            <a:schemeClr val="accent1"/>
+          </a:lnRef>
+          <a:fillRef idx="0">
+            <a:schemeClr val="accent1"/>
+          </a:fillRef>
+          <a:effectRef idx="0">
+            <a:schemeClr val="accent1"/>
+          </a:effectRef>
+          <a:fontRef idx="minor">
+            <a:schemeClr val="tx1"/>
+          </a:fontRef>
+        </p:style>
+      </p:cxnSp>
+      <p:cxnSp>
+        <p:nvCxnSpPr>
+          <p:cNvPr id="149" name="Gerader Verbinder 148">
+            <a:extLst>
+              <a:ext uri="{FF2B5EF4-FFF2-40B4-BE49-F238E27FC236}">
+                <a16:creationId xmlns:a16="http://schemas.microsoft.com/office/drawing/2014/main" id="{DC96D4B2-B46F-AAE4-5252-42F18A3EF8DB}"/>
+              </a:ext>
+            </a:extLst>
+          </p:cNvPr>
+          <p:cNvCxnSpPr>
+            <a:cxnSpLocks/>
+            <a:stCxn id="96" idx="0"/>
+            <a:endCxn id="92" idx="2"/>
+          </p:cNvCxnSpPr>
+          <p:nvPr/>
+        </p:nvCxnSpPr>
+        <p:spPr>
+          <a:xfrm flipH="1" flipV="1">
+            <a:off x="4689002" y="4913460"/>
+            <a:ext cx="1" cy="374659"/>
+          </a:xfrm>
+          <a:prstGeom prst="line">
+            <a:avLst/>
+          </a:prstGeom>
+          <a:ln w="19050">
+            <a:solidFill>
+              <a:schemeClr val="tx1"/>
+            </a:solidFill>
+            <a:headEnd type="triangle" w="lg" len="lg"/>
+            <a:tailEnd type="none"/>
+          </a:ln>
+        </p:spPr>
+        <p:style>
+          <a:lnRef idx="1">
+            <a:schemeClr val="accent1"/>
+          </a:lnRef>
+          <a:fillRef idx="0">
+            <a:schemeClr val="accent1"/>
+          </a:fillRef>
+          <a:effectRef idx="0">
+            <a:schemeClr val="accent1"/>
+          </a:effectRef>
+          <a:fontRef idx="minor">
+            <a:schemeClr val="tx1"/>
+          </a:fontRef>
+        </p:style>
+      </p:cxnSp>
+      <p:cxnSp>
+        <p:nvCxnSpPr>
+          <p:cNvPr id="152" name="Gerader Verbinder 151">
+            <a:extLst>
+              <a:ext uri="{FF2B5EF4-FFF2-40B4-BE49-F238E27FC236}">
+                <a16:creationId xmlns:a16="http://schemas.microsoft.com/office/drawing/2014/main" id="{783A8811-3076-4724-D29B-155C821A1FEB}"/>
+              </a:ext>
+            </a:extLst>
+          </p:cNvPr>
+          <p:cNvCxnSpPr>
+            <a:cxnSpLocks/>
+            <a:stCxn id="92" idx="0"/>
+            <a:endCxn id="156" idx="2"/>
+          </p:cNvCxnSpPr>
+          <p:nvPr/>
+        </p:nvCxnSpPr>
+        <p:spPr>
+          <a:xfrm flipV="1">
+            <a:off x="4689002" y="3854163"/>
+            <a:ext cx="4108" cy="646096"/>
+          </a:xfrm>
+          <a:prstGeom prst="line">
+            <a:avLst/>
+          </a:prstGeom>
+          <a:ln w="19050">
+            <a:solidFill>
+              <a:schemeClr val="tx1"/>
+            </a:solidFill>
+            <a:headEnd type="triangle" w="lg" len="lg"/>
+            <a:tailEnd type="none"/>
+          </a:ln>
+        </p:spPr>
+        <p:style>
+          <a:lnRef idx="1">
+            <a:schemeClr val="accent1"/>
+          </a:lnRef>
+          <a:fillRef idx="0">
+            <a:schemeClr val="accent1"/>
+          </a:fillRef>
+          <a:effectRef idx="0">
+            <a:schemeClr val="accent1"/>
+          </a:effectRef>
+          <a:fontRef idx="minor">
+            <a:schemeClr val="tx1"/>
+          </a:fontRef>
+        </p:style>
+      </p:cxnSp>
+      <p:sp>
+        <p:nvSpPr>
+          <p:cNvPr id="156" name="Gleichschenkliges Dreieck 155">
+            <a:extLst>
+              <a:ext uri="{FF2B5EF4-FFF2-40B4-BE49-F238E27FC236}">
+                <a16:creationId xmlns:a16="http://schemas.microsoft.com/office/drawing/2014/main" id="{77735B85-8FD5-31E7-1C14-EA4F8707705D}"/>
+              </a:ext>
+            </a:extLst>
+          </p:cNvPr>
+          <p:cNvSpPr/>
+          <p:nvPr/>
+        </p:nvSpPr>
+        <p:spPr>
+          <a:xfrm>
+            <a:off x="4693110" y="3440962"/>
+            <a:ext cx="386648" cy="413201"/>
+          </a:xfrm>
+          <a:prstGeom prst="triangle">
+            <a:avLst/>
+          </a:prstGeom>
+          <a:noFill/>
+          <a:ln>
+            <a:noFill/>
+          </a:ln>
+        </p:spPr>
+        <p:style>
+          <a:lnRef idx="2">
+            <a:schemeClr val="accent1">
+              <a:shade val="15000"/>
+            </a:schemeClr>
+          </a:lnRef>
+          <a:fillRef idx="1">
+            <a:schemeClr val="accent1"/>
+          </a:fillRef>
+          <a:effectRef idx="0">
+            <a:schemeClr val="accent1"/>
+          </a:effectRef>
+          <a:fontRef idx="minor">
+            <a:schemeClr val="lt1"/>
+          </a:fontRef>
+        </p:style>
+        <p:txBody>
+          <a:bodyPr rtlCol="0" anchor="ctr"/>
+          <a:lstStyle/>
+          <a:p>
+            <a:pPr algn="ctr"/>
+            <a:endParaRPr lang="de-DE">
+              <a:latin typeface="Arial" panose="020B0604020202020204" pitchFamily="34" charset="0"/>
+              <a:cs typeface="Arial" panose="020B0604020202020204" pitchFamily="34" charset="0"/>
+            </a:endParaRPr>
+          </a:p>
+        </p:txBody>
+      </p:sp>
+      <p:cxnSp>
+        <p:nvCxnSpPr>
+          <p:cNvPr id="158" name="Gerader Verbinder 157">
+            <a:extLst>
+              <a:ext uri="{FF2B5EF4-FFF2-40B4-BE49-F238E27FC236}">
+                <a16:creationId xmlns:a16="http://schemas.microsoft.com/office/drawing/2014/main" id="{EA06DA89-9E3C-C6A4-8F32-46DE9260ECCB}"/>
+              </a:ext>
+            </a:extLst>
+          </p:cNvPr>
+          <p:cNvCxnSpPr>
+            <a:cxnSpLocks/>
+            <a:stCxn id="138" idx="3"/>
+            <a:endCxn id="156" idx="2"/>
+          </p:cNvCxnSpPr>
+          <p:nvPr/>
+        </p:nvCxnSpPr>
+        <p:spPr>
+          <a:xfrm flipV="1">
+            <a:off x="3730278" y="3854163"/>
+            <a:ext cx="962832" cy="5321"/>
+          </a:xfrm>
+          <a:prstGeom prst="line">
+            <a:avLst/>
+          </a:prstGeom>
+          <a:ln w="19050">
+            <a:solidFill>
+              <a:schemeClr val="tx1"/>
+            </a:solidFill>
+          </a:ln>
+        </p:spPr>
+        <p:style>
+          <a:lnRef idx="1">
+            <a:schemeClr val="accent1"/>
+          </a:lnRef>
+          <a:fillRef idx="0">
+            <a:schemeClr val="accent1"/>
+          </a:fillRef>
+          <a:effectRef idx="0">
+            <a:schemeClr val="accent1"/>
+          </a:effectRef>
+          <a:fontRef idx="minor">
+            <a:schemeClr val="tx1"/>
+          </a:fontRef>
+        </p:style>
+      </p:cxnSp>
+      <p:cxnSp>
+        <p:nvCxnSpPr>
+          <p:cNvPr id="161" name="Gerader Verbinder 160">
+            <a:extLst>
+              <a:ext uri="{FF2B5EF4-FFF2-40B4-BE49-F238E27FC236}">
+                <a16:creationId xmlns:a16="http://schemas.microsoft.com/office/drawing/2014/main" id="{48B2989F-51D1-2BD5-7ED3-FB746D1CB9FB}"/>
+              </a:ext>
+            </a:extLst>
+          </p:cNvPr>
+          <p:cNvCxnSpPr>
+            <a:cxnSpLocks/>
+            <a:endCxn id="138" idx="2"/>
+          </p:cNvCxnSpPr>
+          <p:nvPr/>
+        </p:nvCxnSpPr>
+        <p:spPr>
+          <a:xfrm flipV="1">
+            <a:off x="3460278" y="4129484"/>
+            <a:ext cx="0" cy="1924063"/>
+          </a:xfrm>
+          <a:prstGeom prst="line">
+            <a:avLst/>
+          </a:prstGeom>
+          <a:ln w="19050">
+            <a:solidFill>
+              <a:schemeClr val="tx1"/>
+            </a:solidFill>
+            <a:headEnd type="triangle" w="lg" len="lg"/>
+            <a:tailEnd type="none"/>
+          </a:ln>
+        </p:spPr>
+        <p:style>
+          <a:lnRef idx="1">
+            <a:schemeClr val="accent1"/>
+          </a:lnRef>
+          <a:fillRef idx="0">
+            <a:schemeClr val="accent1"/>
+          </a:fillRef>
+          <a:effectRef idx="0">
+            <a:schemeClr val="accent1"/>
+          </a:effectRef>
+          <a:fontRef idx="minor">
+            <a:schemeClr val="tx1"/>
+          </a:fontRef>
+        </p:style>
+      </p:cxnSp>
+      <p:sp>
+        <p:nvSpPr>
+          <p:cNvPr id="166" name="Gleichschenkliges Dreieck 165">
+            <a:extLst>
+              <a:ext uri="{FF2B5EF4-FFF2-40B4-BE49-F238E27FC236}">
+                <a16:creationId xmlns:a16="http://schemas.microsoft.com/office/drawing/2014/main" id="{FFE1FA07-2FD0-3A45-8831-B072045CE3D6}"/>
+              </a:ext>
+            </a:extLst>
+          </p:cNvPr>
+          <p:cNvSpPr/>
+          <p:nvPr/>
+        </p:nvSpPr>
+        <p:spPr>
+          <a:xfrm>
+            <a:off x="5902676" y="5630320"/>
+            <a:ext cx="386648" cy="413201"/>
+          </a:xfrm>
+          <a:prstGeom prst="triangle">
+            <a:avLst/>
+          </a:prstGeom>
+          <a:noFill/>
+          <a:ln>
+            <a:noFill/>
+          </a:ln>
+        </p:spPr>
+        <p:style>
+          <a:lnRef idx="2">
+            <a:schemeClr val="accent1">
+              <a:shade val="15000"/>
+            </a:schemeClr>
+          </a:lnRef>
+          <a:fillRef idx="1">
+            <a:schemeClr val="accent1"/>
+          </a:fillRef>
+          <a:effectRef idx="0">
+            <a:schemeClr val="accent1"/>
+          </a:effectRef>
+          <a:fontRef idx="minor">
+            <a:schemeClr val="lt1"/>
+          </a:fontRef>
+        </p:style>
+        <p:txBody>
+          <a:bodyPr rtlCol="0" anchor="ctr"/>
+          <a:lstStyle/>
+          <a:p>
+            <a:pPr algn="ctr"/>
+            <a:endParaRPr lang="de-DE">
+              <a:latin typeface="Arial" panose="020B0604020202020204" pitchFamily="34" charset="0"/>
+              <a:cs typeface="Arial" panose="020B0604020202020204" pitchFamily="34" charset="0"/>
+            </a:endParaRPr>
+          </a:p>
+        </p:txBody>
+      </p:sp>
+      <p:cxnSp>
+        <p:nvCxnSpPr>
+          <p:cNvPr id="168" name="Gerader Verbinder 167">
+            <a:extLst>
+              <a:ext uri="{FF2B5EF4-FFF2-40B4-BE49-F238E27FC236}">
+                <a16:creationId xmlns:a16="http://schemas.microsoft.com/office/drawing/2014/main" id="{BD823A65-1054-8732-BC24-837B5397D096}"/>
+              </a:ext>
+            </a:extLst>
+          </p:cNvPr>
+          <p:cNvCxnSpPr>
+            <a:cxnSpLocks/>
+          </p:cNvCxnSpPr>
+          <p:nvPr/>
+        </p:nvCxnSpPr>
+        <p:spPr>
+          <a:xfrm>
+            <a:off x="4131025" y="6058309"/>
+            <a:ext cx="0" cy="222199"/>
+          </a:xfrm>
+          <a:prstGeom prst="line">
+            <a:avLst/>
+          </a:prstGeom>
+          <a:ln w="19050">
+            <a:solidFill>
+              <a:schemeClr val="tx1"/>
+            </a:solidFill>
+          </a:ln>
+        </p:spPr>
+        <p:style>
+          <a:lnRef idx="1">
+            <a:schemeClr val="accent1"/>
+          </a:lnRef>
+          <a:fillRef idx="0">
+            <a:schemeClr val="accent1"/>
+          </a:fillRef>
+          <a:effectRef idx="0">
+            <a:schemeClr val="accent1"/>
+          </a:effectRef>
+          <a:fontRef idx="minor">
+            <a:schemeClr val="tx1"/>
+          </a:fontRef>
+        </p:style>
+      </p:cxnSp>
+      <p:sp>
+        <p:nvSpPr>
+          <p:cNvPr id="171" name="Gleichschenkliges Dreieck 170">
+            <a:extLst>
+              <a:ext uri="{FF2B5EF4-FFF2-40B4-BE49-F238E27FC236}">
+                <a16:creationId xmlns:a16="http://schemas.microsoft.com/office/drawing/2014/main" id="{21E8F49C-610C-8DFE-182D-2FC246AB12EE}"/>
+              </a:ext>
+            </a:extLst>
+          </p:cNvPr>
+          <p:cNvSpPr/>
+          <p:nvPr/>
+        </p:nvSpPr>
+        <p:spPr>
+          <a:xfrm>
+            <a:off x="4131025" y="5862545"/>
+            <a:ext cx="386648" cy="413201"/>
+          </a:xfrm>
+          <a:prstGeom prst="triangle">
+            <a:avLst/>
+          </a:prstGeom>
+          <a:noFill/>
+          <a:ln>
+            <a:noFill/>
+          </a:ln>
+        </p:spPr>
+        <p:style>
+          <a:lnRef idx="2">
+            <a:schemeClr val="accent1">
+              <a:shade val="15000"/>
+            </a:schemeClr>
+          </a:lnRef>
+          <a:fillRef idx="1">
+            <a:schemeClr val="accent1"/>
+          </a:fillRef>
+          <a:effectRef idx="0">
+            <a:schemeClr val="accent1"/>
+          </a:effectRef>
+          <a:fontRef idx="minor">
+            <a:schemeClr val="lt1"/>
+          </a:fontRef>
+        </p:style>
+        <p:txBody>
+          <a:bodyPr rtlCol="0" anchor="ctr"/>
+          <a:lstStyle/>
+          <a:p>
+            <a:pPr algn="ctr"/>
+            <a:endParaRPr lang="de-DE">
+              <a:latin typeface="Arial" panose="020B0604020202020204" pitchFamily="34" charset="0"/>
+              <a:cs typeface="Arial" panose="020B0604020202020204" pitchFamily="34" charset="0"/>
+            </a:endParaRPr>
+          </a:p>
+        </p:txBody>
+      </p:sp>
+      <p:cxnSp>
+        <p:nvCxnSpPr>
+          <p:cNvPr id="173" name="Gerader Verbinder 172">
+            <a:extLst>
+              <a:ext uri="{FF2B5EF4-FFF2-40B4-BE49-F238E27FC236}">
+                <a16:creationId xmlns:a16="http://schemas.microsoft.com/office/drawing/2014/main" id="{D03061D0-39E8-C4D9-5A6C-784E31A57C40}"/>
+              </a:ext>
+            </a:extLst>
+          </p:cNvPr>
+          <p:cNvCxnSpPr>
+            <a:cxnSpLocks/>
+            <a:stCxn id="171" idx="2"/>
+          </p:cNvCxnSpPr>
+          <p:nvPr/>
+        </p:nvCxnSpPr>
+        <p:spPr>
+          <a:xfrm flipV="1">
+            <a:off x="4131025" y="6275745"/>
+            <a:ext cx="1771651" cy="1"/>
+          </a:xfrm>
+          <a:prstGeom prst="line">
+            <a:avLst/>
+          </a:prstGeom>
+          <a:ln w="19050">
+            <a:solidFill>
+              <a:schemeClr val="tx1"/>
+            </a:solidFill>
+          </a:ln>
+        </p:spPr>
+        <p:style>
+          <a:lnRef idx="1">
+            <a:schemeClr val="accent1"/>
+          </a:lnRef>
+          <a:fillRef idx="0">
+            <a:schemeClr val="accent1"/>
+          </a:fillRef>
+          <a:effectRef idx="0">
+            <a:schemeClr val="accent1"/>
+          </a:effectRef>
+          <a:fontRef idx="minor">
+            <a:schemeClr val="tx1"/>
+          </a:fontRef>
+        </p:style>
+      </p:cxnSp>
+      <p:sp>
+        <p:nvSpPr>
+          <p:cNvPr id="178" name="Gleichschenkliges Dreieck 177">
+            <a:extLst>
+              <a:ext uri="{FF2B5EF4-FFF2-40B4-BE49-F238E27FC236}">
+                <a16:creationId xmlns:a16="http://schemas.microsoft.com/office/drawing/2014/main" id="{47677161-0D99-B7C8-D3DF-062BD3134F4F}"/>
+              </a:ext>
+            </a:extLst>
+          </p:cNvPr>
+          <p:cNvSpPr/>
+          <p:nvPr/>
+        </p:nvSpPr>
+        <p:spPr>
+          <a:xfrm>
+            <a:off x="5902676" y="2367974"/>
+            <a:ext cx="386648" cy="413201"/>
+          </a:xfrm>
+          <a:prstGeom prst="triangle">
+            <a:avLst/>
+          </a:prstGeom>
+          <a:noFill/>
+          <a:ln>
+            <a:noFill/>
+          </a:ln>
+        </p:spPr>
+        <p:style>
+          <a:lnRef idx="2">
+            <a:schemeClr val="accent1">
+              <a:shade val="15000"/>
+            </a:schemeClr>
+          </a:lnRef>
+          <a:fillRef idx="1">
+            <a:schemeClr val="accent1"/>
+          </a:fillRef>
+          <a:effectRef idx="0">
+            <a:schemeClr val="accent1"/>
+          </a:effectRef>
+          <a:fontRef idx="minor">
+            <a:schemeClr val="lt1"/>
+          </a:fontRef>
+        </p:style>
+        <p:txBody>
+          <a:bodyPr rtlCol="0" anchor="ctr"/>
+          <a:lstStyle/>
+          <a:p>
+            <a:pPr algn="ctr"/>
+            <a:endParaRPr lang="de-DE" dirty="0">
+              <a:latin typeface="Arial" panose="020B0604020202020204" pitchFamily="34" charset="0"/>
+              <a:cs typeface="Arial" panose="020B0604020202020204" pitchFamily="34" charset="0"/>
+            </a:endParaRPr>
+          </a:p>
+        </p:txBody>
+      </p:sp>
+      <p:cxnSp>
+        <p:nvCxnSpPr>
+          <p:cNvPr id="179" name="Gerader Verbinder 178">
+            <a:extLst>
+              <a:ext uri="{FF2B5EF4-FFF2-40B4-BE49-F238E27FC236}">
+                <a16:creationId xmlns:a16="http://schemas.microsoft.com/office/drawing/2014/main" id="{CF9D83A1-3569-DF8E-B4FE-27E1265F7C40}"/>
+              </a:ext>
+            </a:extLst>
+          </p:cNvPr>
+          <p:cNvCxnSpPr>
+            <a:cxnSpLocks/>
+          </p:cNvCxnSpPr>
+          <p:nvPr/>
+        </p:nvCxnSpPr>
+        <p:spPr>
+          <a:xfrm flipH="1">
+            <a:off x="5893509" y="2685925"/>
+            <a:ext cx="8343" cy="3589820"/>
+          </a:xfrm>
+          <a:prstGeom prst="line">
+            <a:avLst/>
+          </a:prstGeom>
+          <a:ln w="19050">
+            <a:solidFill>
+              <a:schemeClr val="tx1"/>
+            </a:solidFill>
+          </a:ln>
+        </p:spPr>
+        <p:style>
+          <a:lnRef idx="1">
+            <a:schemeClr val="accent1"/>
+          </a:lnRef>
+          <a:fillRef idx="0">
+            <a:schemeClr val="accent1"/>
+          </a:fillRef>
+          <a:effectRef idx="0">
+            <a:schemeClr val="accent1"/>
+          </a:effectRef>
+          <a:fontRef idx="minor">
+            <a:schemeClr val="tx1"/>
+          </a:fontRef>
+        </p:style>
+      </p:cxnSp>
+      <p:cxnSp>
+        <p:nvCxnSpPr>
+          <p:cNvPr id="184" name="Gerader Verbinder 183">
+            <a:extLst>
+              <a:ext uri="{FF2B5EF4-FFF2-40B4-BE49-F238E27FC236}">
+                <a16:creationId xmlns:a16="http://schemas.microsoft.com/office/drawing/2014/main" id="{4A5AC80F-3F85-5E12-E724-F4D5634CE8B6}"/>
+              </a:ext>
+            </a:extLst>
+          </p:cNvPr>
+          <p:cNvCxnSpPr>
+            <a:cxnSpLocks/>
+          </p:cNvCxnSpPr>
+          <p:nvPr/>
+        </p:nvCxnSpPr>
+        <p:spPr>
+          <a:xfrm>
+            <a:off x="1541361" y="2685924"/>
+            <a:ext cx="4361315" cy="1"/>
+          </a:xfrm>
+          <a:prstGeom prst="line">
+            <a:avLst/>
+          </a:prstGeom>
+          <a:ln w="19050">
+            <a:solidFill>
+              <a:schemeClr val="tx1"/>
+            </a:solidFill>
+            <a:headEnd type="triangle" w="lg" len="lg"/>
+            <a:tailEnd type="none"/>
+          </a:ln>
+        </p:spPr>
+        <p:style>
+          <a:lnRef idx="1">
+            <a:schemeClr val="accent1"/>
+          </a:lnRef>
+          <a:fillRef idx="0">
+            <a:schemeClr val="accent1"/>
+          </a:fillRef>
+          <a:effectRef idx="0">
+            <a:schemeClr val="accent1"/>
+          </a:effectRef>
+          <a:fontRef idx="minor">
+            <a:schemeClr val="tx1"/>
+          </a:fontRef>
+        </p:style>
+      </p:cxnSp>
+      <p:cxnSp>
+        <p:nvCxnSpPr>
+          <p:cNvPr id="187" name="Gerader Verbinder 186">
+            <a:extLst>
+              <a:ext uri="{FF2B5EF4-FFF2-40B4-BE49-F238E27FC236}">
+                <a16:creationId xmlns:a16="http://schemas.microsoft.com/office/drawing/2014/main" id="{CD217C22-4B5A-7ED7-ADE1-0174779ED51C}"/>
+              </a:ext>
+            </a:extLst>
+          </p:cNvPr>
+          <p:cNvCxnSpPr>
+            <a:cxnSpLocks/>
+            <a:stCxn id="91" idx="0"/>
+            <a:endCxn id="129" idx="2"/>
+          </p:cNvCxnSpPr>
+          <p:nvPr/>
+        </p:nvCxnSpPr>
+        <p:spPr>
+          <a:xfrm flipV="1">
+            <a:off x="1543745" y="4128975"/>
+            <a:ext cx="0" cy="1765127"/>
+          </a:xfrm>
+          <a:prstGeom prst="line">
+            <a:avLst/>
+          </a:prstGeom>
+          <a:ln w="19050">
+            <a:solidFill>
+              <a:schemeClr val="tx1"/>
+            </a:solidFill>
+            <a:headEnd type="triangle" w="lg" len="lg"/>
+            <a:tailEnd type="none"/>
+          </a:ln>
+        </p:spPr>
+        <p:style>
+          <a:lnRef idx="1">
+            <a:schemeClr val="accent1"/>
+          </a:lnRef>
+          <a:fillRef idx="0">
+            <a:schemeClr val="accent1"/>
+          </a:fillRef>
+          <a:effectRef idx="0">
+            <a:schemeClr val="accent1"/>
+          </a:effectRef>
+          <a:fontRef idx="minor">
+            <a:schemeClr val="tx1"/>
+          </a:fontRef>
+        </p:style>
+      </p:cxnSp>
+      <p:sp>
+        <p:nvSpPr>
+          <p:cNvPr id="190" name="Gleichschenkliges Dreieck 189">
+            <a:extLst>
+              <a:ext uri="{FF2B5EF4-FFF2-40B4-BE49-F238E27FC236}">
+                <a16:creationId xmlns:a16="http://schemas.microsoft.com/office/drawing/2014/main" id="{523C774D-86A1-4383-11ED-C0A938912EB5}"/>
+              </a:ext>
+            </a:extLst>
+          </p:cNvPr>
+          <p:cNvSpPr/>
+          <p:nvPr/>
+        </p:nvSpPr>
+        <p:spPr>
+          <a:xfrm>
+            <a:off x="1543833" y="6294508"/>
+            <a:ext cx="386648" cy="413201"/>
+          </a:xfrm>
+          <a:prstGeom prst="triangle">
+            <a:avLst/>
+          </a:prstGeom>
+          <a:noFill/>
+          <a:ln>
+            <a:noFill/>
+          </a:ln>
+        </p:spPr>
+        <p:style>
+          <a:lnRef idx="2">
+            <a:schemeClr val="accent1">
+              <a:shade val="15000"/>
+            </a:schemeClr>
+          </a:lnRef>
+          <a:fillRef idx="1">
+            <a:schemeClr val="accent1"/>
+          </a:fillRef>
+          <a:effectRef idx="0">
+            <a:schemeClr val="accent1"/>
+          </a:effectRef>
+          <a:fontRef idx="minor">
+            <a:schemeClr val="lt1"/>
+          </a:fontRef>
+        </p:style>
+        <p:txBody>
+          <a:bodyPr rtlCol="0" anchor="ctr"/>
+          <a:lstStyle/>
+          <a:p>
+            <a:pPr algn="ctr"/>
+            <a:endParaRPr lang="de-DE">
+              <a:latin typeface="Arial" panose="020B0604020202020204" pitchFamily="34" charset="0"/>
+              <a:cs typeface="Arial" panose="020B0604020202020204" pitchFamily="34" charset="0"/>
+            </a:endParaRPr>
+          </a:p>
+        </p:txBody>
+      </p:sp>
+      <p:sp>
+        <p:nvSpPr>
+          <p:cNvPr id="191" name="Gleichschenkliges Dreieck 190">
+            <a:extLst>
+              <a:ext uri="{FF2B5EF4-FFF2-40B4-BE49-F238E27FC236}">
+                <a16:creationId xmlns:a16="http://schemas.microsoft.com/office/drawing/2014/main" id="{8C9CD3EE-DEF9-39C4-3820-A524430316D1}"/>
+              </a:ext>
+            </a:extLst>
+          </p:cNvPr>
+          <p:cNvSpPr/>
+          <p:nvPr/>
+        </p:nvSpPr>
+        <p:spPr>
+          <a:xfrm>
+            <a:off x="0" y="6294507"/>
+            <a:ext cx="386648" cy="413201"/>
+          </a:xfrm>
+          <a:prstGeom prst="triangle">
+            <a:avLst/>
+          </a:prstGeom>
+          <a:noFill/>
+          <a:ln>
+            <a:noFill/>
+          </a:ln>
+        </p:spPr>
+        <p:style>
+          <a:lnRef idx="2">
+            <a:schemeClr val="accent1">
+              <a:shade val="15000"/>
+            </a:schemeClr>
+          </a:lnRef>
+          <a:fillRef idx="1">
+            <a:schemeClr val="accent1"/>
+          </a:fillRef>
+          <a:effectRef idx="0">
+            <a:schemeClr val="accent1"/>
+          </a:effectRef>
+          <a:fontRef idx="minor">
+            <a:schemeClr val="lt1"/>
+          </a:fontRef>
+        </p:style>
+        <p:txBody>
+          <a:bodyPr rtlCol="0" anchor="ctr"/>
+          <a:lstStyle/>
+          <a:p>
+            <a:pPr algn="ctr"/>
+            <a:endParaRPr lang="de-DE">
+              <a:latin typeface="Arial" panose="020B0604020202020204" pitchFamily="34" charset="0"/>
+              <a:cs typeface="Arial" panose="020B0604020202020204" pitchFamily="34" charset="0"/>
+            </a:endParaRPr>
+          </a:p>
+        </p:txBody>
+      </p:sp>
+      <p:sp>
+        <p:nvSpPr>
+          <p:cNvPr id="192" name="Gleichschenkliges Dreieck 191">
+            <a:extLst>
+              <a:ext uri="{FF2B5EF4-FFF2-40B4-BE49-F238E27FC236}">
+                <a16:creationId xmlns:a16="http://schemas.microsoft.com/office/drawing/2014/main" id="{6C4D326A-743D-8BC6-C985-7DF0099AD053}"/>
+              </a:ext>
+            </a:extLst>
+          </p:cNvPr>
+          <p:cNvSpPr/>
+          <p:nvPr/>
+        </p:nvSpPr>
+        <p:spPr>
+          <a:xfrm>
+            <a:off x="0" y="808476"/>
+            <a:ext cx="386648" cy="413201"/>
+          </a:xfrm>
+          <a:prstGeom prst="triangle">
+            <a:avLst/>
+          </a:prstGeom>
+          <a:noFill/>
+          <a:ln>
+            <a:noFill/>
+          </a:ln>
+        </p:spPr>
+        <p:style>
+          <a:lnRef idx="2">
+            <a:schemeClr val="accent1">
+              <a:shade val="15000"/>
+            </a:schemeClr>
+          </a:lnRef>
+          <a:fillRef idx="1">
+            <a:schemeClr val="accent1"/>
+          </a:fillRef>
+          <a:effectRef idx="0">
+            <a:schemeClr val="accent1"/>
+          </a:effectRef>
+          <a:fontRef idx="minor">
+            <a:schemeClr val="lt1"/>
+          </a:fontRef>
+        </p:style>
+        <p:txBody>
+          <a:bodyPr rtlCol="0" anchor="ctr"/>
+          <a:lstStyle/>
+          <a:p>
+            <a:pPr algn="ctr"/>
+            <a:endParaRPr lang="de-DE">
+              <a:latin typeface="Arial" panose="020B0604020202020204" pitchFamily="34" charset="0"/>
+              <a:cs typeface="Arial" panose="020B0604020202020204" pitchFamily="34" charset="0"/>
+            </a:endParaRPr>
+          </a:p>
+        </p:txBody>
+      </p:sp>
+      <p:cxnSp>
+        <p:nvCxnSpPr>
+          <p:cNvPr id="193" name="Gerader Verbinder 192">
+            <a:extLst>
+              <a:ext uri="{FF2B5EF4-FFF2-40B4-BE49-F238E27FC236}">
+                <a16:creationId xmlns:a16="http://schemas.microsoft.com/office/drawing/2014/main" id="{4CF66453-B13E-BE74-2AFC-B35E5F3BBE6D}"/>
+              </a:ext>
+            </a:extLst>
+          </p:cNvPr>
+          <p:cNvCxnSpPr>
+            <a:cxnSpLocks/>
+            <a:stCxn id="192" idx="4"/>
+            <a:endCxn id="191" idx="4"/>
+          </p:cNvCxnSpPr>
+          <p:nvPr/>
+        </p:nvCxnSpPr>
+        <p:spPr>
+          <a:xfrm>
+            <a:off x="386648" y="1221677"/>
+            <a:ext cx="0" cy="5486031"/>
+          </a:xfrm>
+          <a:prstGeom prst="line">
+            <a:avLst/>
+          </a:prstGeom>
+          <a:ln w="19050">
+            <a:solidFill>
+              <a:schemeClr val="tx1"/>
+            </a:solidFill>
+          </a:ln>
+        </p:spPr>
+        <p:style>
+          <a:lnRef idx="1">
+            <a:schemeClr val="accent1"/>
+          </a:lnRef>
+          <a:fillRef idx="0">
+            <a:schemeClr val="accent1"/>
+          </a:fillRef>
+          <a:effectRef idx="0">
+            <a:schemeClr val="accent1"/>
+          </a:effectRef>
+          <a:fontRef idx="minor">
+            <a:schemeClr val="tx1"/>
+          </a:fontRef>
+        </p:style>
+      </p:cxnSp>
+      <p:cxnSp>
+        <p:nvCxnSpPr>
+          <p:cNvPr id="196" name="Gerader Verbinder 195">
+            <a:extLst>
+              <a:ext uri="{FF2B5EF4-FFF2-40B4-BE49-F238E27FC236}">
+                <a16:creationId xmlns:a16="http://schemas.microsoft.com/office/drawing/2014/main" id="{ED398863-5030-8527-EC24-1D03220C49B9}"/>
+              </a:ext>
+            </a:extLst>
+          </p:cNvPr>
+          <p:cNvCxnSpPr>
+            <a:cxnSpLocks/>
+            <a:stCxn id="191" idx="4"/>
+            <a:endCxn id="190" idx="2"/>
+          </p:cNvCxnSpPr>
+          <p:nvPr/>
+        </p:nvCxnSpPr>
+        <p:spPr>
+          <a:xfrm>
+            <a:off x="386648" y="6707708"/>
+            <a:ext cx="1157185" cy="1"/>
+          </a:xfrm>
+          <a:prstGeom prst="line">
+            <a:avLst/>
+          </a:prstGeom>
+          <a:ln w="19050">
+            <a:solidFill>
+              <a:schemeClr val="tx1"/>
+            </a:solidFill>
+          </a:ln>
+        </p:spPr>
+        <p:style>
+          <a:lnRef idx="1">
+            <a:schemeClr val="accent1"/>
+          </a:lnRef>
+          <a:fillRef idx="0">
+            <a:schemeClr val="accent1"/>
+          </a:fillRef>
+          <a:effectRef idx="0">
+            <a:schemeClr val="accent1"/>
+          </a:effectRef>
+          <a:fontRef idx="minor">
+            <a:schemeClr val="tx1"/>
+          </a:fontRef>
+        </p:style>
+      </p:cxnSp>
+      <p:cxnSp>
+        <p:nvCxnSpPr>
+          <p:cNvPr id="199" name="Gerader Verbinder 198">
+            <a:extLst>
+              <a:ext uri="{FF2B5EF4-FFF2-40B4-BE49-F238E27FC236}">
+                <a16:creationId xmlns:a16="http://schemas.microsoft.com/office/drawing/2014/main" id="{BE473AA6-283C-2AC4-1FA7-3D4D1AC2239B}"/>
+              </a:ext>
+            </a:extLst>
+          </p:cNvPr>
+          <p:cNvCxnSpPr>
+            <a:cxnSpLocks/>
+            <a:stCxn id="91" idx="2"/>
+            <a:endCxn id="190" idx="2"/>
+          </p:cNvCxnSpPr>
+          <p:nvPr/>
+        </p:nvCxnSpPr>
+        <p:spPr>
+          <a:xfrm>
+            <a:off x="1543745" y="6307303"/>
+            <a:ext cx="88" cy="400406"/>
+          </a:xfrm>
+          <a:prstGeom prst="line">
+            <a:avLst/>
+          </a:prstGeom>
+          <a:ln w="19050">
+            <a:solidFill>
+              <a:schemeClr val="tx1"/>
+            </a:solidFill>
+          </a:ln>
+        </p:spPr>
+        <p:style>
+          <a:lnRef idx="1">
+            <a:schemeClr val="accent1"/>
+          </a:lnRef>
+          <a:fillRef idx="0">
+            <a:schemeClr val="accent1"/>
+          </a:fillRef>
+          <a:effectRef idx="0">
+            <a:schemeClr val="accent1"/>
+          </a:effectRef>
+          <a:fontRef idx="minor">
+            <a:schemeClr val="tx1"/>
+          </a:fontRef>
+        </p:style>
+      </p:cxnSp>
+      <p:cxnSp>
+        <p:nvCxnSpPr>
+          <p:cNvPr id="202" name="Gerader Verbinder 201">
+            <a:extLst>
+              <a:ext uri="{FF2B5EF4-FFF2-40B4-BE49-F238E27FC236}">
+                <a16:creationId xmlns:a16="http://schemas.microsoft.com/office/drawing/2014/main" id="{86360BF3-526C-362E-9ED7-F6375D6678AE}"/>
+              </a:ext>
+            </a:extLst>
+          </p:cNvPr>
+          <p:cNvCxnSpPr>
+            <a:cxnSpLocks/>
+            <a:stCxn id="267" idx="2"/>
+            <a:endCxn id="192" idx="4"/>
+          </p:cNvCxnSpPr>
+          <p:nvPr/>
+        </p:nvCxnSpPr>
+        <p:spPr>
+          <a:xfrm flipH="1" flipV="1">
+            <a:off x="386648" y="1221677"/>
+            <a:ext cx="5709352" cy="2930"/>
+          </a:xfrm>
+          <a:prstGeom prst="line">
+            <a:avLst/>
+          </a:prstGeom>
+          <a:ln w="19050">
+            <a:solidFill>
+              <a:schemeClr val="tx1"/>
+            </a:solidFill>
+            <a:headEnd type="triangle" w="lg" len="lg"/>
+            <a:tailEnd type="none"/>
+          </a:ln>
+        </p:spPr>
+        <p:style>
+          <a:lnRef idx="1">
+            <a:schemeClr val="accent1"/>
+          </a:lnRef>
+          <a:fillRef idx="0">
+            <a:schemeClr val="accent1"/>
+          </a:fillRef>
+          <a:effectRef idx="0">
+            <a:schemeClr val="accent1"/>
+          </a:effectRef>
+          <a:fontRef idx="minor">
+            <a:schemeClr val="tx1"/>
+          </a:fontRef>
+        </p:style>
+      </p:cxnSp>
+      <p:sp>
+        <p:nvSpPr>
+          <p:cNvPr id="205" name="Textfeld 204">
+            <a:extLst>
+              <a:ext uri="{FF2B5EF4-FFF2-40B4-BE49-F238E27FC236}">
+                <a16:creationId xmlns:a16="http://schemas.microsoft.com/office/drawing/2014/main" id="{57411700-79DA-0E78-5F2E-B76E89722B5E}"/>
+              </a:ext>
+            </a:extLst>
+          </p:cNvPr>
+          <p:cNvSpPr txBox="1"/>
+          <p:nvPr/>
+        </p:nvSpPr>
+        <p:spPr>
+          <a:xfrm>
+            <a:off x="3743871" y="3547786"/>
+            <a:ext cx="397866" cy="400110"/>
+          </a:xfrm>
+          <a:prstGeom prst="rect">
+            <a:avLst/>
+          </a:prstGeom>
+          <a:noFill/>
+        </p:spPr>
+        <p:txBody>
+          <a:bodyPr wrap="none" rtlCol="0">
+            <a:spAutoFit/>
+          </a:bodyPr>
+          <a:lstStyle/>
+          <a:p>
+            <a:r>
+              <a:rPr lang="de-DE" sz="2000" dirty="0">
+                <a:latin typeface="Arial" panose="020B0604020202020204" pitchFamily="34" charset="0"/>
+                <a:cs typeface="Arial" panose="020B0604020202020204" pitchFamily="34" charset="0"/>
+              </a:rPr>
+              <a:t>1.</a:t>
+            </a:r>
+            <a:endParaRPr lang="de-DE" dirty="0">
+              <a:latin typeface="Arial" panose="020B0604020202020204" pitchFamily="34" charset="0"/>
+              <a:cs typeface="Arial" panose="020B0604020202020204" pitchFamily="34" charset="0"/>
+            </a:endParaRPr>
+          </a:p>
+        </p:txBody>
+      </p:sp>
+      <p:sp>
+        <p:nvSpPr>
+          <p:cNvPr id="206" name="Textfeld 205">
+            <a:extLst>
+              <a:ext uri="{FF2B5EF4-FFF2-40B4-BE49-F238E27FC236}">
+                <a16:creationId xmlns:a16="http://schemas.microsoft.com/office/drawing/2014/main" id="{5CF90B7B-636E-F0AA-9A8F-A448C5A4C83B}"/>
+              </a:ext>
+            </a:extLst>
+          </p:cNvPr>
+          <p:cNvSpPr txBox="1"/>
+          <p:nvPr/>
+        </p:nvSpPr>
+        <p:spPr>
+          <a:xfrm>
+            <a:off x="3406528" y="4104505"/>
+            <a:ext cx="468398" cy="400110"/>
+          </a:xfrm>
+          <a:prstGeom prst="rect">
+            <a:avLst/>
+          </a:prstGeom>
+          <a:noFill/>
+        </p:spPr>
+        <p:txBody>
+          <a:bodyPr wrap="none" rtlCol="0">
+            <a:spAutoFit/>
+          </a:bodyPr>
+          <a:lstStyle/>
+          <a:p>
+            <a:r>
+              <a:rPr lang="de-DE" sz="2000" dirty="0">
+                <a:latin typeface="Arial" panose="020B0604020202020204" pitchFamily="34" charset="0"/>
+                <a:cs typeface="Arial" panose="020B0604020202020204" pitchFamily="34" charset="0"/>
+              </a:rPr>
+              <a:t>!1.</a:t>
+            </a:r>
+            <a:endParaRPr lang="de-DE" dirty="0">
+              <a:latin typeface="Arial" panose="020B0604020202020204" pitchFamily="34" charset="0"/>
+              <a:cs typeface="Arial" panose="020B0604020202020204" pitchFamily="34" charset="0"/>
+            </a:endParaRPr>
+          </a:p>
+        </p:txBody>
+      </p:sp>
+      <p:sp>
+        <p:nvSpPr>
+          <p:cNvPr id="207" name="Raute 206">
+            <a:extLst>
+              <a:ext uri="{FF2B5EF4-FFF2-40B4-BE49-F238E27FC236}">
+                <a16:creationId xmlns:a16="http://schemas.microsoft.com/office/drawing/2014/main" id="{EA92B6F3-786E-D188-6F1E-12AD780AE6AA}"/>
+              </a:ext>
+            </a:extLst>
+          </p:cNvPr>
+          <p:cNvSpPr/>
+          <p:nvPr/>
+        </p:nvSpPr>
+        <p:spPr>
+          <a:xfrm>
+            <a:off x="6857523" y="4436921"/>
+            <a:ext cx="540000" cy="540000"/>
+          </a:xfrm>
+          <a:prstGeom prst="diamond">
+            <a:avLst/>
+          </a:prstGeom>
+          <a:noFill/>
+          <a:ln w="22225">
+            <a:solidFill>
+              <a:schemeClr val="tx1"/>
+            </a:solidFill>
+          </a:ln>
+        </p:spPr>
+        <p:style>
+          <a:lnRef idx="2">
+            <a:schemeClr val="accent1">
+              <a:shade val="15000"/>
+            </a:schemeClr>
+          </a:lnRef>
+          <a:fillRef idx="1">
+            <a:schemeClr val="accent1"/>
+          </a:fillRef>
+          <a:effectRef idx="0">
+            <a:schemeClr val="accent1"/>
+          </a:effectRef>
+          <a:fontRef idx="minor">
+            <a:schemeClr val="lt1"/>
+          </a:fontRef>
+        </p:style>
+        <p:txBody>
+          <a:bodyPr rtlCol="0" anchor="ctr"/>
+          <a:lstStyle/>
+          <a:p>
+            <a:pPr algn="ctr"/>
+            <a:endParaRPr lang="de-DE">
+              <a:latin typeface="Arial" panose="020B0604020202020204" pitchFamily="34" charset="0"/>
+              <a:cs typeface="Arial" panose="020B0604020202020204" pitchFamily="34" charset="0"/>
+            </a:endParaRPr>
+          </a:p>
+        </p:txBody>
+      </p:sp>
+      <p:cxnSp>
+        <p:nvCxnSpPr>
+          <p:cNvPr id="209" name="Gerader Verbinder 208">
+            <a:extLst>
+              <a:ext uri="{FF2B5EF4-FFF2-40B4-BE49-F238E27FC236}">
+                <a16:creationId xmlns:a16="http://schemas.microsoft.com/office/drawing/2014/main" id="{08729B34-4C60-FC4F-4F88-7CB916E8C678}"/>
+              </a:ext>
+            </a:extLst>
+          </p:cNvPr>
+          <p:cNvCxnSpPr>
+            <a:cxnSpLocks/>
+          </p:cNvCxnSpPr>
+          <p:nvPr/>
+        </p:nvCxnSpPr>
+        <p:spPr>
+          <a:xfrm>
+            <a:off x="6957950" y="5292005"/>
+            <a:ext cx="1949450" cy="0"/>
+          </a:xfrm>
+          <a:prstGeom prst="line">
+            <a:avLst/>
+          </a:prstGeom>
+          <a:ln w="38100" cmpd="sng">
+            <a:solidFill>
+              <a:schemeClr val="tx1"/>
+            </a:solidFill>
+          </a:ln>
+        </p:spPr>
+        <p:style>
+          <a:lnRef idx="1">
+            <a:schemeClr val="accent1"/>
+          </a:lnRef>
+          <a:fillRef idx="0">
+            <a:schemeClr val="accent1"/>
+          </a:fillRef>
+          <a:effectRef idx="0">
+            <a:schemeClr val="accent1"/>
+          </a:effectRef>
+          <a:fontRef idx="minor">
+            <a:schemeClr val="tx1"/>
+          </a:fontRef>
+        </p:style>
+      </p:cxnSp>
+      <p:cxnSp>
+        <p:nvCxnSpPr>
+          <p:cNvPr id="210" name="Gerader Verbinder 209">
+            <a:extLst>
+              <a:ext uri="{FF2B5EF4-FFF2-40B4-BE49-F238E27FC236}">
+                <a16:creationId xmlns:a16="http://schemas.microsoft.com/office/drawing/2014/main" id="{E93461FA-1095-CB02-2470-55DAA84A6338}"/>
+              </a:ext>
+            </a:extLst>
+          </p:cNvPr>
+          <p:cNvCxnSpPr>
+            <a:cxnSpLocks/>
+            <a:stCxn id="93" idx="3"/>
+            <a:endCxn id="123" idx="1"/>
+          </p:cNvCxnSpPr>
+          <p:nvPr/>
+        </p:nvCxnSpPr>
+        <p:spPr>
+          <a:xfrm>
+            <a:off x="7785101" y="3795696"/>
+            <a:ext cx="1299154" cy="5331"/>
+          </a:xfrm>
+          <a:prstGeom prst="line">
+            <a:avLst/>
+          </a:prstGeom>
+          <a:ln w="19050">
+            <a:solidFill>
+              <a:schemeClr val="tx1"/>
+            </a:solidFill>
+            <a:headEnd type="triangle" w="lg" len="lg"/>
+            <a:tailEnd type="none"/>
+          </a:ln>
+        </p:spPr>
+        <p:style>
+          <a:lnRef idx="1">
+            <a:schemeClr val="accent1"/>
+          </a:lnRef>
+          <a:fillRef idx="0">
+            <a:schemeClr val="accent1"/>
+          </a:fillRef>
+          <a:effectRef idx="0">
+            <a:schemeClr val="accent1"/>
+          </a:effectRef>
+          <a:fontRef idx="minor">
+            <a:schemeClr val="tx1"/>
+          </a:fontRef>
+        </p:style>
+      </p:cxnSp>
+      <p:sp>
+        <p:nvSpPr>
+          <p:cNvPr id="215" name="Gleichschenkliges Dreieck 214">
+            <a:extLst>
+              <a:ext uri="{FF2B5EF4-FFF2-40B4-BE49-F238E27FC236}">
+                <a16:creationId xmlns:a16="http://schemas.microsoft.com/office/drawing/2014/main" id="{80BD062E-DE93-BE6B-0F85-965F13837D43}"/>
+              </a:ext>
+            </a:extLst>
+          </p:cNvPr>
+          <p:cNvSpPr/>
+          <p:nvPr/>
+        </p:nvSpPr>
+        <p:spPr>
+          <a:xfrm>
+            <a:off x="10899080" y="3396397"/>
+            <a:ext cx="386648" cy="413201"/>
+          </a:xfrm>
+          <a:prstGeom prst="triangle">
+            <a:avLst/>
+          </a:prstGeom>
+          <a:noFill/>
+          <a:ln>
+            <a:noFill/>
+          </a:ln>
+        </p:spPr>
+        <p:style>
+          <a:lnRef idx="2">
+            <a:schemeClr val="accent1">
+              <a:shade val="15000"/>
+            </a:schemeClr>
+          </a:lnRef>
+          <a:fillRef idx="1">
+            <a:schemeClr val="accent1"/>
+          </a:fillRef>
+          <a:effectRef idx="0">
+            <a:schemeClr val="accent1"/>
+          </a:effectRef>
+          <a:fontRef idx="minor">
+            <a:schemeClr val="lt1"/>
+          </a:fontRef>
+        </p:style>
+        <p:txBody>
+          <a:bodyPr rtlCol="0" anchor="ctr"/>
+          <a:lstStyle/>
+          <a:p>
+            <a:pPr algn="ctr"/>
+            <a:endParaRPr lang="de-DE">
+              <a:latin typeface="Arial" panose="020B0604020202020204" pitchFamily="34" charset="0"/>
+              <a:cs typeface="Arial" panose="020B0604020202020204" pitchFamily="34" charset="0"/>
+            </a:endParaRPr>
+          </a:p>
+        </p:txBody>
+      </p:sp>
+      <p:cxnSp>
+        <p:nvCxnSpPr>
+          <p:cNvPr id="216" name="Gerader Verbinder 215">
+            <a:extLst>
+              <a:ext uri="{FF2B5EF4-FFF2-40B4-BE49-F238E27FC236}">
+                <a16:creationId xmlns:a16="http://schemas.microsoft.com/office/drawing/2014/main" id="{03B4DE87-F82E-1248-3DF7-CD47F84DB77A}"/>
+              </a:ext>
+            </a:extLst>
+          </p:cNvPr>
+          <p:cNvCxnSpPr>
+            <a:cxnSpLocks/>
+            <a:stCxn id="215" idx="2"/>
+            <a:endCxn id="123" idx="3"/>
+          </p:cNvCxnSpPr>
+          <p:nvPr/>
+        </p:nvCxnSpPr>
+        <p:spPr>
+          <a:xfrm flipH="1" flipV="1">
+            <a:off x="9624255" y="3801027"/>
+            <a:ext cx="1274825" cy="8571"/>
+          </a:xfrm>
+          <a:prstGeom prst="line">
+            <a:avLst/>
+          </a:prstGeom>
+          <a:ln w="19050">
+            <a:solidFill>
+              <a:schemeClr val="tx1"/>
+            </a:solidFill>
+          </a:ln>
+        </p:spPr>
+        <p:style>
+          <a:lnRef idx="1">
+            <a:schemeClr val="accent1"/>
+          </a:lnRef>
+          <a:fillRef idx="0">
+            <a:schemeClr val="accent1"/>
+          </a:fillRef>
+          <a:effectRef idx="0">
+            <a:schemeClr val="accent1"/>
+          </a:effectRef>
+          <a:fontRef idx="minor">
+            <a:schemeClr val="tx1"/>
+          </a:fontRef>
+        </p:style>
+      </p:cxnSp>
+      <p:cxnSp>
+        <p:nvCxnSpPr>
+          <p:cNvPr id="220" name="Gerader Verbinder 219">
+            <a:extLst>
+              <a:ext uri="{FF2B5EF4-FFF2-40B4-BE49-F238E27FC236}">
+                <a16:creationId xmlns:a16="http://schemas.microsoft.com/office/drawing/2014/main" id="{39DDC3AB-AC64-9723-3A35-640C8415921E}"/>
+              </a:ext>
+            </a:extLst>
+          </p:cNvPr>
+          <p:cNvCxnSpPr>
+            <a:cxnSpLocks/>
+            <a:stCxn id="98" idx="0"/>
+            <a:endCxn id="215" idx="2"/>
+          </p:cNvCxnSpPr>
+          <p:nvPr/>
+        </p:nvCxnSpPr>
+        <p:spPr>
+          <a:xfrm flipV="1">
+            <a:off x="10899080" y="3809598"/>
+            <a:ext cx="0" cy="648335"/>
+          </a:xfrm>
+          <a:prstGeom prst="line">
+            <a:avLst/>
+          </a:prstGeom>
+          <a:ln w="19050">
+            <a:solidFill>
+              <a:schemeClr val="tx1"/>
+            </a:solidFill>
+            <a:headEnd type="triangle" w="lg" len="lg"/>
+            <a:tailEnd type="none"/>
+          </a:ln>
+        </p:spPr>
+        <p:style>
+          <a:lnRef idx="1">
+            <a:schemeClr val="accent1"/>
+          </a:lnRef>
+          <a:fillRef idx="0">
+            <a:schemeClr val="accent1"/>
+          </a:fillRef>
+          <a:effectRef idx="0">
+            <a:schemeClr val="accent1"/>
+          </a:effectRef>
+          <a:fontRef idx="minor">
+            <a:schemeClr val="tx1"/>
+          </a:fontRef>
+        </p:style>
+      </p:cxnSp>
+      <p:cxnSp>
+        <p:nvCxnSpPr>
+          <p:cNvPr id="224" name="Gerader Verbinder 223">
+            <a:extLst>
+              <a:ext uri="{FF2B5EF4-FFF2-40B4-BE49-F238E27FC236}">
+                <a16:creationId xmlns:a16="http://schemas.microsoft.com/office/drawing/2014/main" id="{E9C17DA9-6124-38EC-4323-DCA64F6E9091}"/>
+              </a:ext>
+            </a:extLst>
+          </p:cNvPr>
+          <p:cNvCxnSpPr>
+            <a:cxnSpLocks/>
+            <a:stCxn id="207" idx="0"/>
+            <a:endCxn id="93" idx="2"/>
+          </p:cNvCxnSpPr>
+          <p:nvPr/>
+        </p:nvCxnSpPr>
+        <p:spPr>
+          <a:xfrm flipV="1">
+            <a:off x="7127523" y="4002296"/>
+            <a:ext cx="1" cy="434625"/>
+          </a:xfrm>
+          <a:prstGeom prst="line">
+            <a:avLst/>
+          </a:prstGeom>
+          <a:ln w="19050">
+            <a:solidFill>
+              <a:schemeClr val="tx1"/>
+            </a:solidFill>
+            <a:headEnd type="triangle" w="lg" len="lg"/>
+            <a:tailEnd type="none"/>
+          </a:ln>
+        </p:spPr>
+        <p:style>
+          <a:lnRef idx="1">
+            <a:schemeClr val="accent1"/>
+          </a:lnRef>
+          <a:fillRef idx="0">
+            <a:schemeClr val="accent1"/>
+          </a:fillRef>
+          <a:effectRef idx="0">
+            <a:schemeClr val="accent1"/>
+          </a:effectRef>
+          <a:fontRef idx="minor">
+            <a:schemeClr val="tx1"/>
+          </a:fontRef>
+        </p:style>
+      </p:cxnSp>
+      <p:cxnSp>
+        <p:nvCxnSpPr>
+          <p:cNvPr id="229" name="Gerader Verbinder 228">
+            <a:extLst>
+              <a:ext uri="{FF2B5EF4-FFF2-40B4-BE49-F238E27FC236}">
+                <a16:creationId xmlns:a16="http://schemas.microsoft.com/office/drawing/2014/main" id="{C4FF6CBC-5750-D08F-A7A2-B73337717218}"/>
+              </a:ext>
+            </a:extLst>
+          </p:cNvPr>
+          <p:cNvCxnSpPr>
+            <a:cxnSpLocks/>
+            <a:stCxn id="95" idx="1"/>
+            <a:endCxn id="207" idx="3"/>
+          </p:cNvCxnSpPr>
+          <p:nvPr/>
+        </p:nvCxnSpPr>
+        <p:spPr>
+          <a:xfrm flipH="1" flipV="1">
+            <a:off x="7397523" y="4706921"/>
+            <a:ext cx="387578" cy="2603"/>
+          </a:xfrm>
+          <a:prstGeom prst="line">
+            <a:avLst/>
+          </a:prstGeom>
+          <a:ln w="19050">
+            <a:solidFill>
+              <a:schemeClr val="tx1"/>
+            </a:solidFill>
+            <a:headEnd type="triangle" w="lg" len="lg"/>
+            <a:tailEnd type="none"/>
+          </a:ln>
+        </p:spPr>
+        <p:style>
+          <a:lnRef idx="1">
+            <a:schemeClr val="accent1"/>
+          </a:lnRef>
+          <a:fillRef idx="0">
+            <a:schemeClr val="accent1"/>
+          </a:fillRef>
+          <a:effectRef idx="0">
+            <a:schemeClr val="accent1"/>
+          </a:effectRef>
+          <a:fontRef idx="minor">
+            <a:schemeClr val="tx1"/>
+          </a:fontRef>
+        </p:style>
+      </p:cxnSp>
+      <p:cxnSp>
+        <p:nvCxnSpPr>
+          <p:cNvPr id="233" name="Gerader Verbinder 232">
+            <a:extLst>
+              <a:ext uri="{FF2B5EF4-FFF2-40B4-BE49-F238E27FC236}">
+                <a16:creationId xmlns:a16="http://schemas.microsoft.com/office/drawing/2014/main" id="{A70529D5-AF1D-2FB0-9F05-6687B9EFF32F}"/>
+              </a:ext>
+            </a:extLst>
+          </p:cNvPr>
+          <p:cNvCxnSpPr>
+            <a:cxnSpLocks/>
+            <a:endCxn id="207" idx="2"/>
+          </p:cNvCxnSpPr>
+          <p:nvPr/>
+        </p:nvCxnSpPr>
+        <p:spPr>
+          <a:xfrm flipV="1">
+            <a:off x="7127523" y="4976921"/>
+            <a:ext cx="0" cy="311198"/>
+          </a:xfrm>
+          <a:prstGeom prst="line">
+            <a:avLst/>
+          </a:prstGeom>
+          <a:ln w="19050">
+            <a:solidFill>
+              <a:schemeClr val="tx1"/>
+            </a:solidFill>
+            <a:headEnd type="triangle" w="lg" len="lg"/>
+            <a:tailEnd type="none"/>
+          </a:ln>
+        </p:spPr>
+        <p:style>
+          <a:lnRef idx="1">
+            <a:schemeClr val="accent1"/>
+          </a:lnRef>
+          <a:fillRef idx="0">
+            <a:schemeClr val="accent1"/>
+          </a:fillRef>
+          <a:effectRef idx="0">
+            <a:schemeClr val="accent1"/>
+          </a:effectRef>
+          <a:fontRef idx="minor">
+            <a:schemeClr val="tx1"/>
+          </a:fontRef>
+        </p:style>
+      </p:cxnSp>
+      <p:cxnSp>
+        <p:nvCxnSpPr>
+          <p:cNvPr id="236" name="Gerader Verbinder 235">
+            <a:extLst>
+              <a:ext uri="{FF2B5EF4-FFF2-40B4-BE49-F238E27FC236}">
+                <a16:creationId xmlns:a16="http://schemas.microsoft.com/office/drawing/2014/main" id="{4841AFAA-AB71-E23D-E079-134864123A89}"/>
+              </a:ext>
+            </a:extLst>
+          </p:cNvPr>
+          <p:cNvCxnSpPr>
+            <a:cxnSpLocks/>
+            <a:endCxn id="95" idx="2"/>
+          </p:cNvCxnSpPr>
+          <p:nvPr/>
+        </p:nvCxnSpPr>
+        <p:spPr>
+          <a:xfrm flipV="1">
+            <a:off x="8747479" y="4916124"/>
+            <a:ext cx="0" cy="371995"/>
+          </a:xfrm>
+          <a:prstGeom prst="line">
+            <a:avLst/>
+          </a:prstGeom>
+          <a:ln w="19050">
+            <a:solidFill>
+              <a:schemeClr val="tx1"/>
+            </a:solidFill>
+            <a:headEnd type="triangle" w="lg" len="lg"/>
+            <a:tailEnd type="none"/>
+          </a:ln>
+        </p:spPr>
+        <p:style>
+          <a:lnRef idx="1">
+            <a:schemeClr val="accent1"/>
+          </a:lnRef>
+          <a:fillRef idx="0">
+            <a:schemeClr val="accent1"/>
+          </a:fillRef>
+          <a:effectRef idx="0">
+            <a:schemeClr val="accent1"/>
+          </a:effectRef>
+          <a:fontRef idx="minor">
+            <a:schemeClr val="tx1"/>
+          </a:fontRef>
+        </p:style>
+      </p:cxnSp>
+      <p:cxnSp>
+        <p:nvCxnSpPr>
+          <p:cNvPr id="240" name="Gerader Verbinder 239">
+            <a:extLst>
+              <a:ext uri="{FF2B5EF4-FFF2-40B4-BE49-F238E27FC236}">
+                <a16:creationId xmlns:a16="http://schemas.microsoft.com/office/drawing/2014/main" id="{0E4399A9-75CF-785D-538A-F6C4973182A4}"/>
+              </a:ext>
+            </a:extLst>
+          </p:cNvPr>
+          <p:cNvCxnSpPr>
+            <a:cxnSpLocks/>
+            <a:stCxn id="97" idx="0"/>
+            <a:endCxn id="323" idx="2"/>
+          </p:cNvCxnSpPr>
+          <p:nvPr/>
+        </p:nvCxnSpPr>
+        <p:spPr>
+          <a:xfrm flipH="1" flipV="1">
+            <a:off x="7927797" y="5894102"/>
+            <a:ext cx="8050" cy="193460"/>
+          </a:xfrm>
+          <a:prstGeom prst="line">
+            <a:avLst/>
+          </a:prstGeom>
+          <a:ln w="19050">
+            <a:solidFill>
+              <a:schemeClr val="tx1"/>
+            </a:solidFill>
+            <a:headEnd type="triangle" w="lg" len="lg"/>
+            <a:tailEnd type="none"/>
+          </a:ln>
+        </p:spPr>
+        <p:style>
+          <a:lnRef idx="1">
+            <a:schemeClr val="accent1"/>
+          </a:lnRef>
+          <a:fillRef idx="0">
+            <a:schemeClr val="accent1"/>
+          </a:fillRef>
+          <a:effectRef idx="0">
+            <a:schemeClr val="accent1"/>
+          </a:effectRef>
+          <a:fontRef idx="minor">
+            <a:schemeClr val="tx1"/>
+          </a:fontRef>
+        </p:style>
+      </p:cxnSp>
+      <p:sp>
+        <p:nvSpPr>
+          <p:cNvPr id="244" name="Gleichschenkliges Dreieck 243">
+            <a:extLst>
+              <a:ext uri="{FF2B5EF4-FFF2-40B4-BE49-F238E27FC236}">
+                <a16:creationId xmlns:a16="http://schemas.microsoft.com/office/drawing/2014/main" id="{F84C55B3-0196-D2A0-655F-2DCBD5FD3DEF}"/>
+              </a:ext>
+            </a:extLst>
+          </p:cNvPr>
+          <p:cNvSpPr/>
+          <p:nvPr/>
+        </p:nvSpPr>
+        <p:spPr>
+          <a:xfrm>
+            <a:off x="5826000" y="6296583"/>
+            <a:ext cx="386648" cy="413201"/>
+          </a:xfrm>
+          <a:prstGeom prst="triangle">
+            <a:avLst/>
+          </a:prstGeom>
+          <a:noFill/>
+          <a:ln>
+            <a:noFill/>
+          </a:ln>
+        </p:spPr>
+        <p:style>
+          <a:lnRef idx="2">
+            <a:schemeClr val="accent1">
+              <a:shade val="15000"/>
+            </a:schemeClr>
+          </a:lnRef>
+          <a:fillRef idx="1">
+            <a:schemeClr val="accent1"/>
+          </a:fillRef>
+          <a:effectRef idx="0">
+            <a:schemeClr val="accent1"/>
+          </a:effectRef>
+          <a:fontRef idx="minor">
+            <a:schemeClr val="lt1"/>
+          </a:fontRef>
+        </p:style>
+        <p:txBody>
+          <a:bodyPr rtlCol="0" anchor="ctr"/>
+          <a:lstStyle/>
+          <a:p>
+            <a:pPr algn="ctr"/>
+            <a:endParaRPr lang="de-DE">
+              <a:latin typeface="Arial" panose="020B0604020202020204" pitchFamily="34" charset="0"/>
+              <a:cs typeface="Arial" panose="020B0604020202020204" pitchFamily="34" charset="0"/>
+            </a:endParaRPr>
+          </a:p>
+        </p:txBody>
+      </p:sp>
+      <p:sp>
+        <p:nvSpPr>
+          <p:cNvPr id="245" name="Gleichschenkliges Dreieck 244">
+            <a:extLst>
+              <a:ext uri="{FF2B5EF4-FFF2-40B4-BE49-F238E27FC236}">
+                <a16:creationId xmlns:a16="http://schemas.microsoft.com/office/drawing/2014/main" id="{7586F484-4179-E803-180A-4E7074C841D8}"/>
+              </a:ext>
+            </a:extLst>
+          </p:cNvPr>
+          <p:cNvSpPr/>
+          <p:nvPr/>
+        </p:nvSpPr>
+        <p:spPr>
+          <a:xfrm>
+            <a:off x="7928739" y="6297744"/>
+            <a:ext cx="386648" cy="413201"/>
+          </a:xfrm>
+          <a:prstGeom prst="triangle">
+            <a:avLst/>
+          </a:prstGeom>
+          <a:noFill/>
+          <a:ln>
+            <a:noFill/>
+          </a:ln>
+        </p:spPr>
+        <p:style>
+          <a:lnRef idx="2">
+            <a:schemeClr val="accent1">
+              <a:shade val="15000"/>
+            </a:schemeClr>
+          </a:lnRef>
+          <a:fillRef idx="1">
+            <a:schemeClr val="accent1"/>
+          </a:fillRef>
+          <a:effectRef idx="0">
+            <a:schemeClr val="accent1"/>
+          </a:effectRef>
+          <a:fontRef idx="minor">
+            <a:schemeClr val="lt1"/>
+          </a:fontRef>
+        </p:style>
+        <p:txBody>
+          <a:bodyPr rtlCol="0" anchor="ctr"/>
+          <a:lstStyle/>
+          <a:p>
+            <a:pPr algn="ctr"/>
+            <a:endParaRPr lang="de-DE">
+              <a:latin typeface="Arial" panose="020B0604020202020204" pitchFamily="34" charset="0"/>
+              <a:cs typeface="Arial" panose="020B0604020202020204" pitchFamily="34" charset="0"/>
+            </a:endParaRPr>
+          </a:p>
+        </p:txBody>
+      </p:sp>
+      <p:sp>
+        <p:nvSpPr>
+          <p:cNvPr id="246" name="Gleichschenkliges Dreieck 245">
+            <a:extLst>
+              <a:ext uri="{FF2B5EF4-FFF2-40B4-BE49-F238E27FC236}">
+                <a16:creationId xmlns:a16="http://schemas.microsoft.com/office/drawing/2014/main" id="{C6C81B00-B3D5-0C6A-9F64-BC3671518CAE}"/>
+              </a:ext>
+            </a:extLst>
+          </p:cNvPr>
+          <p:cNvSpPr/>
+          <p:nvPr/>
+        </p:nvSpPr>
+        <p:spPr>
+          <a:xfrm>
+            <a:off x="5820108" y="2300685"/>
+            <a:ext cx="386648" cy="413201"/>
+          </a:xfrm>
+          <a:prstGeom prst="triangle">
+            <a:avLst/>
+          </a:prstGeom>
+          <a:noFill/>
+          <a:ln>
+            <a:noFill/>
+          </a:ln>
+        </p:spPr>
+        <p:style>
+          <a:lnRef idx="2">
+            <a:schemeClr val="accent1">
+              <a:shade val="15000"/>
+            </a:schemeClr>
+          </a:lnRef>
+          <a:fillRef idx="1">
+            <a:schemeClr val="accent1"/>
+          </a:fillRef>
+          <a:effectRef idx="0">
+            <a:schemeClr val="accent1"/>
+          </a:effectRef>
+          <a:fontRef idx="minor">
+            <a:schemeClr val="lt1"/>
+          </a:fontRef>
+        </p:style>
+        <p:txBody>
+          <a:bodyPr rtlCol="0" anchor="ctr"/>
+          <a:lstStyle/>
+          <a:p>
+            <a:pPr algn="ctr"/>
+            <a:endParaRPr lang="de-DE">
+              <a:latin typeface="Arial" panose="020B0604020202020204" pitchFamily="34" charset="0"/>
+              <a:cs typeface="Arial" panose="020B0604020202020204" pitchFamily="34" charset="0"/>
+            </a:endParaRPr>
+          </a:p>
+        </p:txBody>
+      </p:sp>
+      <p:cxnSp>
+        <p:nvCxnSpPr>
+          <p:cNvPr id="247" name="Gerader Verbinder 246">
+            <a:extLst>
+              <a:ext uri="{FF2B5EF4-FFF2-40B4-BE49-F238E27FC236}">
+                <a16:creationId xmlns:a16="http://schemas.microsoft.com/office/drawing/2014/main" id="{2FC2A658-6106-8A8C-0D78-FEFC1158EA06}"/>
+              </a:ext>
+            </a:extLst>
+          </p:cNvPr>
+          <p:cNvCxnSpPr>
+            <a:cxnSpLocks/>
+            <a:stCxn id="244" idx="4"/>
+            <a:endCxn id="246" idx="4"/>
+          </p:cNvCxnSpPr>
+          <p:nvPr/>
+        </p:nvCxnSpPr>
+        <p:spPr>
+          <a:xfrm flipH="1" flipV="1">
+            <a:off x="6206756" y="2713886"/>
+            <a:ext cx="5892" cy="3995898"/>
+          </a:xfrm>
+          <a:prstGeom prst="line">
+            <a:avLst/>
+          </a:prstGeom>
+          <a:ln w="19050">
+            <a:solidFill>
+              <a:schemeClr val="tx1"/>
+            </a:solidFill>
+          </a:ln>
+        </p:spPr>
+        <p:style>
+          <a:lnRef idx="1">
+            <a:schemeClr val="accent1"/>
+          </a:lnRef>
+          <a:fillRef idx="0">
+            <a:schemeClr val="accent1"/>
+          </a:fillRef>
+          <a:effectRef idx="0">
+            <a:schemeClr val="accent1"/>
+          </a:effectRef>
+          <a:fontRef idx="minor">
+            <a:schemeClr val="tx1"/>
+          </a:fontRef>
+        </p:style>
+      </p:cxnSp>
+      <p:cxnSp>
+        <p:nvCxnSpPr>
+          <p:cNvPr id="250" name="Gerader Verbinder 249">
+            <a:extLst>
+              <a:ext uri="{FF2B5EF4-FFF2-40B4-BE49-F238E27FC236}">
+                <a16:creationId xmlns:a16="http://schemas.microsoft.com/office/drawing/2014/main" id="{8BE6BD59-ECC2-EFD5-82EE-97DBF4332DBB}"/>
+              </a:ext>
+            </a:extLst>
+          </p:cNvPr>
+          <p:cNvCxnSpPr>
+            <a:cxnSpLocks/>
+            <a:endCxn id="244" idx="4"/>
+          </p:cNvCxnSpPr>
+          <p:nvPr/>
+        </p:nvCxnSpPr>
+        <p:spPr>
+          <a:xfrm flipH="1">
+            <a:off x="6212648" y="6707770"/>
+            <a:ext cx="1716091" cy="2014"/>
+          </a:xfrm>
+          <a:prstGeom prst="line">
+            <a:avLst/>
+          </a:prstGeom>
+          <a:ln w="19050">
+            <a:solidFill>
+              <a:schemeClr val="tx1"/>
+            </a:solidFill>
+          </a:ln>
+        </p:spPr>
+        <p:style>
+          <a:lnRef idx="1">
+            <a:schemeClr val="accent1"/>
+          </a:lnRef>
+          <a:fillRef idx="0">
+            <a:schemeClr val="accent1"/>
+          </a:fillRef>
+          <a:effectRef idx="0">
+            <a:schemeClr val="accent1"/>
+          </a:effectRef>
+          <a:fontRef idx="minor">
+            <a:schemeClr val="tx1"/>
+          </a:fontRef>
+        </p:style>
+      </p:cxnSp>
+      <p:cxnSp>
+        <p:nvCxnSpPr>
+          <p:cNvPr id="254" name="Gerader Verbinder 253">
+            <a:extLst>
+              <a:ext uri="{FF2B5EF4-FFF2-40B4-BE49-F238E27FC236}">
+                <a16:creationId xmlns:a16="http://schemas.microsoft.com/office/drawing/2014/main" id="{E6460B87-50EB-A9D7-957C-EC269C585E42}"/>
+              </a:ext>
+            </a:extLst>
+          </p:cNvPr>
+          <p:cNvCxnSpPr>
+            <a:cxnSpLocks/>
+            <a:stCxn id="245" idx="2"/>
+            <a:endCxn id="97" idx="2"/>
+          </p:cNvCxnSpPr>
+          <p:nvPr/>
+        </p:nvCxnSpPr>
+        <p:spPr>
+          <a:xfrm flipV="1">
+            <a:off x="7928739" y="6500763"/>
+            <a:ext cx="7108" cy="210182"/>
+          </a:xfrm>
+          <a:prstGeom prst="line">
+            <a:avLst/>
+          </a:prstGeom>
+          <a:ln w="19050">
+            <a:solidFill>
+              <a:schemeClr val="tx1"/>
+            </a:solidFill>
+          </a:ln>
+        </p:spPr>
+        <p:style>
+          <a:lnRef idx="1">
+            <a:schemeClr val="accent1"/>
+          </a:lnRef>
+          <a:fillRef idx="0">
+            <a:schemeClr val="accent1"/>
+          </a:fillRef>
+          <a:effectRef idx="0">
+            <a:schemeClr val="accent1"/>
+          </a:effectRef>
+          <a:fontRef idx="minor">
+            <a:schemeClr val="tx1"/>
+          </a:fontRef>
+        </p:style>
+      </p:cxnSp>
+      <p:cxnSp>
+        <p:nvCxnSpPr>
+          <p:cNvPr id="257" name="Gerader Verbinder 256">
+            <a:extLst>
+              <a:ext uri="{FF2B5EF4-FFF2-40B4-BE49-F238E27FC236}">
+                <a16:creationId xmlns:a16="http://schemas.microsoft.com/office/drawing/2014/main" id="{18CF113C-83E8-3002-C042-32B92FD7F2CC}"/>
+              </a:ext>
+            </a:extLst>
+          </p:cNvPr>
+          <p:cNvCxnSpPr>
+            <a:cxnSpLocks/>
+            <a:endCxn id="246" idx="4"/>
+          </p:cNvCxnSpPr>
+          <p:nvPr/>
+        </p:nvCxnSpPr>
+        <p:spPr>
+          <a:xfrm flipH="1">
+            <a:off x="6206756" y="2713886"/>
+            <a:ext cx="3166189" cy="0"/>
+          </a:xfrm>
+          <a:prstGeom prst="line">
+            <a:avLst/>
+          </a:prstGeom>
+          <a:ln w="19050">
+            <a:solidFill>
+              <a:schemeClr val="tx1"/>
+            </a:solidFill>
+            <a:headEnd type="triangle" w="lg" len="lg"/>
+            <a:tailEnd type="none"/>
+          </a:ln>
+        </p:spPr>
+        <p:style>
+          <a:lnRef idx="1">
+            <a:schemeClr val="accent1"/>
+          </a:lnRef>
+          <a:fillRef idx="0">
+            <a:schemeClr val="accent1"/>
+          </a:fillRef>
+          <a:effectRef idx="0">
+            <a:schemeClr val="accent1"/>
+          </a:effectRef>
+          <a:fontRef idx="minor">
+            <a:schemeClr val="tx1"/>
+          </a:fontRef>
+        </p:style>
+      </p:cxnSp>
+      <p:sp>
+        <p:nvSpPr>
+          <p:cNvPr id="260" name="Gleichschenkliges Dreieck 259">
+            <a:extLst>
+              <a:ext uri="{FF2B5EF4-FFF2-40B4-BE49-F238E27FC236}">
+                <a16:creationId xmlns:a16="http://schemas.microsoft.com/office/drawing/2014/main" id="{08E2D7DF-0F19-FEB4-88D3-B3FF0C2D6391}"/>
+              </a:ext>
+            </a:extLst>
+          </p:cNvPr>
+          <p:cNvSpPr/>
+          <p:nvPr/>
+        </p:nvSpPr>
+        <p:spPr>
+          <a:xfrm>
+            <a:off x="10512432" y="4793099"/>
+            <a:ext cx="386648" cy="413201"/>
+          </a:xfrm>
+          <a:prstGeom prst="triangle">
+            <a:avLst/>
+          </a:prstGeom>
+          <a:noFill/>
+          <a:ln>
+            <a:noFill/>
+          </a:ln>
+        </p:spPr>
+        <p:style>
+          <a:lnRef idx="2">
+            <a:schemeClr val="accent1">
+              <a:shade val="15000"/>
+            </a:schemeClr>
+          </a:lnRef>
+          <a:fillRef idx="1">
+            <a:schemeClr val="accent1"/>
+          </a:fillRef>
+          <a:effectRef idx="0">
+            <a:schemeClr val="accent1"/>
+          </a:effectRef>
+          <a:fontRef idx="minor">
+            <a:schemeClr val="lt1"/>
+          </a:fontRef>
+        </p:style>
+        <p:txBody>
+          <a:bodyPr rtlCol="0" anchor="ctr"/>
+          <a:lstStyle/>
+          <a:p>
+            <a:pPr algn="ctr"/>
+            <a:endParaRPr lang="de-DE">
+              <a:latin typeface="Arial" panose="020B0604020202020204" pitchFamily="34" charset="0"/>
+              <a:cs typeface="Arial" panose="020B0604020202020204" pitchFamily="34" charset="0"/>
+            </a:endParaRPr>
+          </a:p>
+        </p:txBody>
+      </p:sp>
+      <p:sp>
+        <p:nvSpPr>
+          <p:cNvPr id="261" name="Gleichschenkliges Dreieck 260">
+            <a:extLst>
+              <a:ext uri="{FF2B5EF4-FFF2-40B4-BE49-F238E27FC236}">
+                <a16:creationId xmlns:a16="http://schemas.microsoft.com/office/drawing/2014/main" id="{E13736FA-D239-007D-15BC-A1EC48727B9F}"/>
+              </a:ext>
+            </a:extLst>
+          </p:cNvPr>
+          <p:cNvSpPr/>
+          <p:nvPr/>
+        </p:nvSpPr>
+        <p:spPr>
+          <a:xfrm>
+            <a:off x="11894980" y="4443139"/>
+            <a:ext cx="386648" cy="413201"/>
+          </a:xfrm>
+          <a:prstGeom prst="triangle">
+            <a:avLst/>
+          </a:prstGeom>
+          <a:noFill/>
+          <a:ln>
+            <a:noFill/>
+          </a:ln>
+        </p:spPr>
+        <p:style>
+          <a:lnRef idx="2">
+            <a:schemeClr val="accent1">
+              <a:shade val="15000"/>
+            </a:schemeClr>
+          </a:lnRef>
+          <a:fillRef idx="1">
+            <a:schemeClr val="accent1"/>
+          </a:fillRef>
+          <a:effectRef idx="0">
+            <a:schemeClr val="accent1"/>
+          </a:effectRef>
+          <a:fontRef idx="minor">
+            <a:schemeClr val="lt1"/>
+          </a:fontRef>
+        </p:style>
+        <p:txBody>
+          <a:bodyPr rtlCol="0" anchor="ctr"/>
+          <a:lstStyle/>
+          <a:p>
+            <a:pPr algn="ctr"/>
+            <a:endParaRPr lang="de-DE">
+              <a:latin typeface="Arial" panose="020B0604020202020204" pitchFamily="34" charset="0"/>
+              <a:cs typeface="Arial" panose="020B0604020202020204" pitchFamily="34" charset="0"/>
+            </a:endParaRPr>
+          </a:p>
+        </p:txBody>
+      </p:sp>
+      <p:sp>
+        <p:nvSpPr>
+          <p:cNvPr id="262" name="Gleichschenkliges Dreieck 261">
+            <a:extLst>
+              <a:ext uri="{FF2B5EF4-FFF2-40B4-BE49-F238E27FC236}">
+                <a16:creationId xmlns:a16="http://schemas.microsoft.com/office/drawing/2014/main" id="{C7D84C4C-2396-6DA8-E7CE-335D1B639321}"/>
+              </a:ext>
+            </a:extLst>
+          </p:cNvPr>
+          <p:cNvSpPr/>
+          <p:nvPr/>
+        </p:nvSpPr>
+        <p:spPr>
+          <a:xfrm>
+            <a:off x="11894980" y="809776"/>
+            <a:ext cx="386648" cy="413201"/>
+          </a:xfrm>
+          <a:prstGeom prst="triangle">
+            <a:avLst/>
+          </a:prstGeom>
+          <a:noFill/>
+          <a:ln>
+            <a:noFill/>
+          </a:ln>
+        </p:spPr>
+        <p:style>
+          <a:lnRef idx="2">
+            <a:schemeClr val="accent1">
+              <a:shade val="15000"/>
+            </a:schemeClr>
+          </a:lnRef>
+          <a:fillRef idx="1">
+            <a:schemeClr val="accent1"/>
+          </a:fillRef>
+          <a:effectRef idx="0">
+            <a:schemeClr val="accent1"/>
+          </a:effectRef>
+          <a:fontRef idx="minor">
+            <a:schemeClr val="lt1"/>
+          </a:fontRef>
+        </p:style>
+        <p:txBody>
+          <a:bodyPr rtlCol="0" anchor="ctr"/>
+          <a:lstStyle/>
+          <a:p>
+            <a:pPr algn="ctr"/>
+            <a:endParaRPr lang="de-DE">
+              <a:latin typeface="Arial" panose="020B0604020202020204" pitchFamily="34" charset="0"/>
+              <a:cs typeface="Arial" panose="020B0604020202020204" pitchFamily="34" charset="0"/>
+            </a:endParaRPr>
+          </a:p>
+        </p:txBody>
+      </p:sp>
+      <p:cxnSp>
+        <p:nvCxnSpPr>
+          <p:cNvPr id="263" name="Gerader Verbinder 262">
+            <a:extLst>
+              <a:ext uri="{FF2B5EF4-FFF2-40B4-BE49-F238E27FC236}">
+                <a16:creationId xmlns:a16="http://schemas.microsoft.com/office/drawing/2014/main" id="{0D13E881-F382-07DE-7133-6540B8D5D97A}"/>
+              </a:ext>
+            </a:extLst>
+          </p:cNvPr>
+          <p:cNvCxnSpPr>
+            <a:cxnSpLocks/>
+            <a:stCxn id="267" idx="2"/>
+            <a:endCxn id="262" idx="2"/>
+          </p:cNvCxnSpPr>
+          <p:nvPr/>
+        </p:nvCxnSpPr>
+        <p:spPr>
+          <a:xfrm flipV="1">
+            <a:off x="6096000" y="1222977"/>
+            <a:ext cx="5798980" cy="1630"/>
+          </a:xfrm>
+          <a:prstGeom prst="line">
+            <a:avLst/>
+          </a:prstGeom>
+          <a:ln w="19050">
+            <a:solidFill>
+              <a:schemeClr val="tx1"/>
+            </a:solidFill>
+            <a:headEnd type="triangle" w="lg" len="lg"/>
+            <a:tailEnd type="none"/>
+          </a:ln>
+        </p:spPr>
+        <p:style>
+          <a:lnRef idx="1">
+            <a:schemeClr val="accent1"/>
+          </a:lnRef>
+          <a:fillRef idx="0">
+            <a:schemeClr val="accent1"/>
+          </a:fillRef>
+          <a:effectRef idx="0">
+            <a:schemeClr val="accent1"/>
+          </a:effectRef>
+          <a:fontRef idx="minor">
+            <a:schemeClr val="tx1"/>
+          </a:fontRef>
+        </p:style>
+      </p:cxnSp>
+      <p:sp>
+        <p:nvSpPr>
+          <p:cNvPr id="267" name="Gleichschenkliges Dreieck 266">
+            <a:extLst>
+              <a:ext uri="{FF2B5EF4-FFF2-40B4-BE49-F238E27FC236}">
+                <a16:creationId xmlns:a16="http://schemas.microsoft.com/office/drawing/2014/main" id="{C319ADC5-9738-21BD-4C34-3C32A74CDE89}"/>
+              </a:ext>
+            </a:extLst>
+          </p:cNvPr>
+          <p:cNvSpPr/>
+          <p:nvPr/>
+        </p:nvSpPr>
+        <p:spPr>
+          <a:xfrm>
+            <a:off x="6096000" y="811406"/>
+            <a:ext cx="386648" cy="413201"/>
+          </a:xfrm>
+          <a:prstGeom prst="triangle">
+            <a:avLst/>
+          </a:prstGeom>
+          <a:noFill/>
+          <a:ln>
+            <a:noFill/>
+          </a:ln>
+        </p:spPr>
+        <p:style>
+          <a:lnRef idx="2">
+            <a:schemeClr val="accent1">
+              <a:shade val="15000"/>
+            </a:schemeClr>
+          </a:lnRef>
+          <a:fillRef idx="1">
+            <a:schemeClr val="accent1"/>
+          </a:fillRef>
+          <a:effectRef idx="0">
+            <a:schemeClr val="accent1"/>
+          </a:effectRef>
+          <a:fontRef idx="minor">
+            <a:schemeClr val="lt1"/>
+          </a:fontRef>
+        </p:style>
+        <p:txBody>
+          <a:bodyPr rtlCol="0" anchor="ctr"/>
+          <a:lstStyle/>
+          <a:p>
+            <a:pPr algn="ctr"/>
+            <a:endParaRPr lang="de-DE">
+              <a:latin typeface="Arial" panose="020B0604020202020204" pitchFamily="34" charset="0"/>
+              <a:cs typeface="Arial" panose="020B0604020202020204" pitchFamily="34" charset="0"/>
+            </a:endParaRPr>
+          </a:p>
+        </p:txBody>
+      </p:sp>
+      <p:cxnSp>
+        <p:nvCxnSpPr>
+          <p:cNvPr id="270" name="Gerader Verbinder 269">
+            <a:extLst>
+              <a:ext uri="{FF2B5EF4-FFF2-40B4-BE49-F238E27FC236}">
+                <a16:creationId xmlns:a16="http://schemas.microsoft.com/office/drawing/2014/main" id="{BC52D65F-8B8D-E64F-B6CF-AC8C45175670}"/>
+              </a:ext>
+            </a:extLst>
+          </p:cNvPr>
+          <p:cNvCxnSpPr>
+            <a:cxnSpLocks/>
+            <a:stCxn id="262" idx="2"/>
+          </p:cNvCxnSpPr>
+          <p:nvPr/>
+        </p:nvCxnSpPr>
+        <p:spPr>
+          <a:xfrm>
+            <a:off x="11894980" y="1222977"/>
+            <a:ext cx="0" cy="3983322"/>
+          </a:xfrm>
+          <a:prstGeom prst="line">
+            <a:avLst/>
+          </a:prstGeom>
+          <a:ln w="19050">
+            <a:solidFill>
+              <a:schemeClr val="tx1"/>
+            </a:solidFill>
+          </a:ln>
+        </p:spPr>
+        <p:style>
+          <a:lnRef idx="1">
+            <a:schemeClr val="accent1"/>
+          </a:lnRef>
+          <a:fillRef idx="0">
+            <a:schemeClr val="accent1"/>
+          </a:fillRef>
+          <a:effectRef idx="0">
+            <a:schemeClr val="accent1"/>
+          </a:effectRef>
+          <a:fontRef idx="minor">
+            <a:schemeClr val="tx1"/>
+          </a:fontRef>
+        </p:style>
+      </p:cxnSp>
+      <p:cxnSp>
+        <p:nvCxnSpPr>
+          <p:cNvPr id="273" name="Gerader Verbinder 272">
+            <a:extLst>
+              <a:ext uri="{FF2B5EF4-FFF2-40B4-BE49-F238E27FC236}">
+                <a16:creationId xmlns:a16="http://schemas.microsoft.com/office/drawing/2014/main" id="{FF30444D-4C4C-72D1-8B9F-B987796DDE8F}"/>
+              </a:ext>
+            </a:extLst>
+          </p:cNvPr>
+          <p:cNvCxnSpPr>
+            <a:cxnSpLocks/>
+            <a:endCxn id="260" idx="4"/>
+          </p:cNvCxnSpPr>
+          <p:nvPr/>
+        </p:nvCxnSpPr>
+        <p:spPr>
+          <a:xfrm flipH="1">
+            <a:off x="10899080" y="5206299"/>
+            <a:ext cx="995900" cy="1"/>
+          </a:xfrm>
+          <a:prstGeom prst="line">
+            <a:avLst/>
+          </a:prstGeom>
+          <a:ln w="19050">
+            <a:solidFill>
+              <a:schemeClr val="tx1"/>
+            </a:solidFill>
+          </a:ln>
+        </p:spPr>
+        <p:style>
+          <a:lnRef idx="1">
+            <a:schemeClr val="accent1"/>
+          </a:lnRef>
+          <a:fillRef idx="0">
+            <a:schemeClr val="accent1"/>
+          </a:fillRef>
+          <a:effectRef idx="0">
+            <a:schemeClr val="accent1"/>
+          </a:effectRef>
+          <a:fontRef idx="minor">
+            <a:schemeClr val="tx1"/>
+          </a:fontRef>
+        </p:style>
+      </p:cxnSp>
+      <p:cxnSp>
+        <p:nvCxnSpPr>
+          <p:cNvPr id="276" name="Gerader Verbinder 275">
+            <a:extLst>
+              <a:ext uri="{FF2B5EF4-FFF2-40B4-BE49-F238E27FC236}">
+                <a16:creationId xmlns:a16="http://schemas.microsoft.com/office/drawing/2014/main" id="{7109FABA-4B3E-D013-9911-F2332C02E3FB}"/>
+              </a:ext>
+            </a:extLst>
+          </p:cNvPr>
+          <p:cNvCxnSpPr>
+            <a:cxnSpLocks/>
+            <a:stCxn id="98" idx="2"/>
+            <a:endCxn id="260" idx="4"/>
+          </p:cNvCxnSpPr>
+          <p:nvPr/>
+        </p:nvCxnSpPr>
+        <p:spPr>
+          <a:xfrm>
+            <a:off x="10899080" y="4871134"/>
+            <a:ext cx="0" cy="335166"/>
+          </a:xfrm>
+          <a:prstGeom prst="line">
+            <a:avLst/>
+          </a:prstGeom>
+          <a:ln w="19050">
+            <a:solidFill>
+              <a:schemeClr val="tx1"/>
+            </a:solidFill>
+          </a:ln>
+        </p:spPr>
+        <p:style>
+          <a:lnRef idx="1">
+            <a:schemeClr val="accent1"/>
+          </a:lnRef>
+          <a:fillRef idx="0">
+            <a:schemeClr val="accent1"/>
+          </a:fillRef>
+          <a:effectRef idx="0">
+            <a:schemeClr val="accent1"/>
+          </a:effectRef>
+          <a:fontRef idx="minor">
+            <a:schemeClr val="tx1"/>
+          </a:fontRef>
+        </p:style>
+      </p:cxnSp>
+      <p:sp>
+        <p:nvSpPr>
+          <p:cNvPr id="279" name="Flussdiagramm: Verbinder 278">
+            <a:extLst>
+              <a:ext uri="{FF2B5EF4-FFF2-40B4-BE49-F238E27FC236}">
+                <a16:creationId xmlns:a16="http://schemas.microsoft.com/office/drawing/2014/main" id="{A36BFDE3-B129-6E7C-A369-D069A4C47D4B}"/>
+              </a:ext>
+            </a:extLst>
+          </p:cNvPr>
+          <p:cNvSpPr/>
+          <p:nvPr/>
+        </p:nvSpPr>
+        <p:spPr>
+          <a:xfrm>
+            <a:off x="472752" y="434961"/>
+            <a:ext cx="180000" cy="180000"/>
+          </a:xfrm>
+          <a:prstGeom prst="flowChartConnector">
+            <a:avLst/>
+          </a:prstGeom>
+          <a:solidFill>
+            <a:schemeClr val="tx1"/>
+          </a:solidFill>
+          <a:ln>
+            <a:noFill/>
+          </a:ln>
+        </p:spPr>
+        <p:style>
+          <a:lnRef idx="2">
+            <a:schemeClr val="accent1">
+              <a:shade val="15000"/>
+            </a:schemeClr>
+          </a:lnRef>
+          <a:fillRef idx="1">
+            <a:schemeClr val="accent1"/>
+          </a:fillRef>
+          <a:effectRef idx="0">
+            <a:schemeClr val="accent1"/>
+          </a:effectRef>
+          <a:fontRef idx="minor">
+            <a:schemeClr val="lt1"/>
+          </a:fontRef>
+        </p:style>
+        <p:txBody>
+          <a:bodyPr rtlCol="0" anchor="ctr"/>
+          <a:lstStyle/>
+          <a:p>
+            <a:pPr algn="ctr"/>
+            <a:endParaRPr lang="de-DE" dirty="0">
+              <a:latin typeface="Arial" panose="020B0604020202020204" pitchFamily="34" charset="0"/>
+              <a:cs typeface="Arial" panose="020B0604020202020204" pitchFamily="34" charset="0"/>
+            </a:endParaRPr>
+          </a:p>
+        </p:txBody>
+      </p:sp>
+      <p:cxnSp>
+        <p:nvCxnSpPr>
+          <p:cNvPr id="280" name="Gerader Verbinder 279">
+            <a:extLst>
+              <a:ext uri="{FF2B5EF4-FFF2-40B4-BE49-F238E27FC236}">
+                <a16:creationId xmlns:a16="http://schemas.microsoft.com/office/drawing/2014/main" id="{40789498-213E-8F22-9D4B-FB88475C8F0B}"/>
+              </a:ext>
+            </a:extLst>
+          </p:cNvPr>
+          <p:cNvCxnSpPr>
+            <a:cxnSpLocks/>
+            <a:stCxn id="89" idx="1"/>
+            <a:endCxn id="279" idx="6"/>
+          </p:cNvCxnSpPr>
+          <p:nvPr/>
+        </p:nvCxnSpPr>
+        <p:spPr>
+          <a:xfrm flipH="1" flipV="1">
+            <a:off x="652752" y="524961"/>
+            <a:ext cx="620992" cy="1"/>
+          </a:xfrm>
+          <a:prstGeom prst="line">
+            <a:avLst/>
+          </a:prstGeom>
+          <a:ln w="19050">
+            <a:solidFill>
+              <a:schemeClr val="tx1"/>
+            </a:solidFill>
+            <a:headEnd type="triangle" w="lg" len="lg"/>
+            <a:tailEnd type="none"/>
+          </a:ln>
+        </p:spPr>
+        <p:style>
+          <a:lnRef idx="1">
+            <a:schemeClr val="accent1"/>
+          </a:lnRef>
+          <a:fillRef idx="0">
+            <a:schemeClr val="accent1"/>
+          </a:fillRef>
+          <a:effectRef idx="0">
+            <a:schemeClr val="accent1"/>
+          </a:effectRef>
+          <a:fontRef idx="minor">
+            <a:schemeClr val="tx1"/>
+          </a:fontRef>
+        </p:style>
+      </p:cxnSp>
+      <p:sp>
+        <p:nvSpPr>
+          <p:cNvPr id="284" name="Textfeld 283">
+            <a:extLst>
+              <a:ext uri="{FF2B5EF4-FFF2-40B4-BE49-F238E27FC236}">
+                <a16:creationId xmlns:a16="http://schemas.microsoft.com/office/drawing/2014/main" id="{08613F79-F417-F07D-9152-785121B0ECCC}"/>
+              </a:ext>
+            </a:extLst>
+          </p:cNvPr>
+          <p:cNvSpPr txBox="1"/>
+          <p:nvPr/>
+        </p:nvSpPr>
+        <p:spPr>
+          <a:xfrm>
+            <a:off x="200313" y="79851"/>
+            <a:ext cx="724878" cy="400110"/>
+          </a:xfrm>
+          <a:prstGeom prst="rect">
+            <a:avLst/>
+          </a:prstGeom>
+          <a:noFill/>
+        </p:spPr>
+        <p:txBody>
+          <a:bodyPr wrap="none" rtlCol="0">
+            <a:spAutoFit/>
+          </a:bodyPr>
+          <a:lstStyle/>
+          <a:p>
+            <a:r>
+              <a:rPr lang="de-DE" sz="2000" dirty="0">
+                <a:latin typeface="Arial" panose="020B0604020202020204" pitchFamily="34" charset="0"/>
+                <a:cs typeface="Arial" panose="020B0604020202020204" pitchFamily="34" charset="0"/>
+              </a:rPr>
+              <a:t>Start</a:t>
+            </a:r>
+            <a:endParaRPr lang="de-DE" dirty="0">
+              <a:latin typeface="Arial" panose="020B0604020202020204" pitchFamily="34" charset="0"/>
+              <a:cs typeface="Arial" panose="020B0604020202020204" pitchFamily="34" charset="0"/>
+            </a:endParaRPr>
+          </a:p>
+        </p:txBody>
+      </p:sp>
+      <p:sp>
+        <p:nvSpPr>
+          <p:cNvPr id="297" name="Rechteck: abgerundete Ecken 296">
+            <a:extLst>
+              <a:ext uri="{FF2B5EF4-FFF2-40B4-BE49-F238E27FC236}">
+                <a16:creationId xmlns:a16="http://schemas.microsoft.com/office/drawing/2014/main" id="{85684DD0-0DA9-2407-3589-2FB6F8BE05AA}"/>
+              </a:ext>
+            </a:extLst>
+          </p:cNvPr>
+          <p:cNvSpPr/>
+          <p:nvPr/>
+        </p:nvSpPr>
+        <p:spPr>
+          <a:xfrm>
+            <a:off x="892250" y="2971028"/>
+            <a:ext cx="1298222" cy="413201"/>
+          </a:xfrm>
+          <a:prstGeom prst="roundRect">
+            <a:avLst>
+              <a:gd name="adj" fmla="val 50000"/>
+            </a:avLst>
+          </a:prstGeom>
+          <a:noFill/>
+          <a:ln w="22225" cap="flat" cmpd="sng">
+            <a:solidFill>
+              <a:schemeClr val="tx1"/>
+            </a:solidFill>
+            <a:round/>
+            <a:extLst>
+              <a:ext uri="{C807C97D-BFC1-408E-A445-0C87EB9F89A2}">
+                <ask:lineSketchStyleProps xmlns:ask="http://schemas.microsoft.com/office/drawing/2018/sketchyshapes" sd="1219033472">
+                  <a:custGeom>
+                    <a:avLst/>
+                    <a:gdLst>
+                      <a:gd name="connsiteX0" fmla="*/ 0 w 1355075"/>
+                      <a:gd name="connsiteY0" fmla="*/ 248149 h 583894"/>
+                      <a:gd name="connsiteX1" fmla="*/ 248149 w 1355075"/>
+                      <a:gd name="connsiteY1" fmla="*/ 0 h 583894"/>
+                      <a:gd name="connsiteX2" fmla="*/ 694713 w 1355075"/>
+                      <a:gd name="connsiteY2" fmla="*/ 0 h 583894"/>
+                      <a:gd name="connsiteX3" fmla="*/ 1106926 w 1355075"/>
+                      <a:gd name="connsiteY3" fmla="*/ 0 h 583894"/>
+                      <a:gd name="connsiteX4" fmla="*/ 1355075 w 1355075"/>
+                      <a:gd name="connsiteY4" fmla="*/ 248149 h 583894"/>
+                      <a:gd name="connsiteX5" fmla="*/ 1355075 w 1355075"/>
+                      <a:gd name="connsiteY5" fmla="*/ 335745 h 583894"/>
+                      <a:gd name="connsiteX6" fmla="*/ 1106926 w 1355075"/>
+                      <a:gd name="connsiteY6" fmla="*/ 583894 h 583894"/>
+                      <a:gd name="connsiteX7" fmla="*/ 677538 w 1355075"/>
+                      <a:gd name="connsiteY7" fmla="*/ 583894 h 583894"/>
+                      <a:gd name="connsiteX8" fmla="*/ 248149 w 1355075"/>
+                      <a:gd name="connsiteY8" fmla="*/ 583894 h 583894"/>
+                      <a:gd name="connsiteX9" fmla="*/ 0 w 1355075"/>
+                      <a:gd name="connsiteY9" fmla="*/ 335745 h 583894"/>
+                      <a:gd name="connsiteX10" fmla="*/ 0 w 1355075"/>
+                      <a:gd name="connsiteY10" fmla="*/ 248149 h 583894"/>
+                    </a:gdLst>
+                    <a:ahLst/>
+                    <a:cxnLst>
+                      <a:cxn ang="0">
+                        <a:pos x="connsiteX0" y="connsiteY0"/>
+                      </a:cxn>
+                      <a:cxn ang="0">
+                        <a:pos x="connsiteX1" y="connsiteY1"/>
+                      </a:cxn>
+                      <a:cxn ang="0">
+                        <a:pos x="connsiteX2" y="connsiteY2"/>
+                      </a:cxn>
+                      <a:cxn ang="0">
+                        <a:pos x="connsiteX3" y="connsiteY3"/>
+                      </a:cxn>
+                      <a:cxn ang="0">
+                        <a:pos x="connsiteX4" y="connsiteY4"/>
+                      </a:cxn>
+                      <a:cxn ang="0">
+                        <a:pos x="connsiteX5" y="connsiteY5"/>
+                      </a:cxn>
+                      <a:cxn ang="0">
+                        <a:pos x="connsiteX6" y="connsiteY6"/>
+                      </a:cxn>
+                      <a:cxn ang="0">
+                        <a:pos x="connsiteX7" y="connsiteY7"/>
+                      </a:cxn>
+                      <a:cxn ang="0">
+                        <a:pos x="connsiteX8" y="connsiteY8"/>
+                      </a:cxn>
+                      <a:cxn ang="0">
+                        <a:pos x="connsiteX9" y="connsiteY9"/>
+                      </a:cxn>
+                      <a:cxn ang="0">
+                        <a:pos x="connsiteX10" y="connsiteY10"/>
+                      </a:cxn>
+                    </a:cxnLst>
+                    <a:rect l="l" t="t" r="r" b="b"/>
+                    <a:pathLst>
+                      <a:path w="1355075" h="583894" extrusionOk="0">
+                        <a:moveTo>
+                          <a:pt x="0" y="248149"/>
+                        </a:moveTo>
+                        <a:cubicBezTo>
+                          <a:pt x="-23929" y="96340"/>
+                          <a:pt x="86890" y="9086"/>
+                          <a:pt x="248149" y="0"/>
+                        </a:cubicBezTo>
+                        <a:cubicBezTo>
+                          <a:pt x="458709" y="4432"/>
+                          <a:pt x="588872" y="-13626"/>
+                          <a:pt x="694713" y="0"/>
+                        </a:cubicBezTo>
+                        <a:cubicBezTo>
+                          <a:pt x="800554" y="13626"/>
+                          <a:pt x="1012406" y="-17131"/>
+                          <a:pt x="1106926" y="0"/>
+                        </a:cubicBezTo>
+                        <a:cubicBezTo>
+                          <a:pt x="1223482" y="-11212"/>
+                          <a:pt x="1377162" y="121653"/>
+                          <a:pt x="1355075" y="248149"/>
+                        </a:cubicBezTo>
+                        <a:cubicBezTo>
+                          <a:pt x="1359100" y="282641"/>
+                          <a:pt x="1357292" y="303698"/>
+                          <a:pt x="1355075" y="335745"/>
+                        </a:cubicBezTo>
+                        <a:cubicBezTo>
+                          <a:pt x="1367325" y="452858"/>
+                          <a:pt x="1221152" y="603950"/>
+                          <a:pt x="1106926" y="583894"/>
+                        </a:cubicBezTo>
+                        <a:cubicBezTo>
+                          <a:pt x="934961" y="575834"/>
+                          <a:pt x="846022" y="576307"/>
+                          <a:pt x="677538" y="583894"/>
+                        </a:cubicBezTo>
+                        <a:cubicBezTo>
+                          <a:pt x="509054" y="591481"/>
+                          <a:pt x="412892" y="594666"/>
+                          <a:pt x="248149" y="583894"/>
+                        </a:cubicBezTo>
+                        <a:cubicBezTo>
+                          <a:pt x="93931" y="582912"/>
+                          <a:pt x="8571" y="449291"/>
+                          <a:pt x="0" y="335745"/>
+                        </a:cubicBezTo>
+                        <a:cubicBezTo>
+                          <a:pt x="-2535" y="314002"/>
+                          <a:pt x="2015" y="286057"/>
+                          <a:pt x="0" y="248149"/>
+                        </a:cubicBezTo>
+                        <a:close/>
+                      </a:path>
+                    </a:pathLst>
+                  </a:custGeom>
+                  <ask:type>
+                    <ask:lineSketchNone/>
+                  </ask:type>
+                </ask:lineSketchStyleProps>
+              </a:ext>
+            </a:extLst>
+          </a:ln>
+        </p:spPr>
+        <p:style>
+          <a:lnRef idx="2">
+            <a:schemeClr val="accent1">
+              <a:shade val="15000"/>
+            </a:schemeClr>
+          </a:lnRef>
+          <a:fillRef idx="1">
+            <a:schemeClr val="accent1"/>
+          </a:fillRef>
+          <a:effectRef idx="0">
+            <a:schemeClr val="accent1"/>
+          </a:effectRef>
+          <a:fontRef idx="minor">
+            <a:schemeClr val="lt1"/>
+          </a:fontRef>
+        </p:style>
+        <p:txBody>
+          <a:bodyPr rtlCol="0" anchor="ctr"/>
+          <a:lstStyle/>
+          <a:p>
+            <a:pPr algn="ctr"/>
+            <a:r>
+              <a:rPr lang="de-DE" sz="2000" dirty="0">
+                <a:solidFill>
+                  <a:schemeClr val="tx1"/>
+                </a:solidFill>
+                <a:latin typeface="Arial" panose="020B0604020202020204" pitchFamily="34" charset="0"/>
+                <a:cs typeface="Arial" panose="020B0604020202020204" pitchFamily="34" charset="0"/>
+              </a:rPr>
+              <a:t>6Hz</a:t>
+            </a:r>
+          </a:p>
+        </p:txBody>
+      </p:sp>
+      <p:cxnSp>
+        <p:nvCxnSpPr>
+          <p:cNvPr id="299" name="Gerader Verbinder 298">
+            <a:extLst>
+              <a:ext uri="{FF2B5EF4-FFF2-40B4-BE49-F238E27FC236}">
+                <a16:creationId xmlns:a16="http://schemas.microsoft.com/office/drawing/2014/main" id="{CC355B42-B4B7-09BD-538E-75220143A32C}"/>
+              </a:ext>
+            </a:extLst>
+          </p:cNvPr>
+          <p:cNvCxnSpPr>
+            <a:cxnSpLocks/>
+            <a:stCxn id="297" idx="0"/>
+            <a:endCxn id="90" idx="2"/>
+          </p:cNvCxnSpPr>
+          <p:nvPr/>
+        </p:nvCxnSpPr>
+        <p:spPr>
+          <a:xfrm flipV="1">
+            <a:off x="1541361" y="2573866"/>
+            <a:ext cx="2394" cy="397162"/>
+          </a:xfrm>
+          <a:prstGeom prst="line">
+            <a:avLst/>
+          </a:prstGeom>
+          <a:ln w="19050">
+            <a:solidFill>
+              <a:schemeClr val="tx1"/>
+            </a:solidFill>
+            <a:headEnd type="triangle" w="lg" len="lg"/>
+            <a:tailEnd type="none"/>
+          </a:ln>
+        </p:spPr>
+        <p:style>
+          <a:lnRef idx="1">
+            <a:schemeClr val="accent1"/>
+          </a:lnRef>
+          <a:fillRef idx="0">
+            <a:schemeClr val="accent1"/>
+          </a:fillRef>
+          <a:effectRef idx="0">
+            <a:schemeClr val="accent1"/>
+          </a:effectRef>
+          <a:fontRef idx="minor">
+            <a:schemeClr val="tx1"/>
+          </a:fontRef>
+        </p:style>
+      </p:cxnSp>
+      <p:sp>
+        <p:nvSpPr>
+          <p:cNvPr id="306" name="Rechteck: abgerundete Ecken 305">
+            <a:extLst>
+              <a:ext uri="{FF2B5EF4-FFF2-40B4-BE49-F238E27FC236}">
+                <a16:creationId xmlns:a16="http://schemas.microsoft.com/office/drawing/2014/main" id="{9D172AFC-53BE-3CF5-9691-E650C8729008}"/>
+              </a:ext>
+            </a:extLst>
+          </p:cNvPr>
+          <p:cNvSpPr/>
+          <p:nvPr/>
+        </p:nvSpPr>
+        <p:spPr>
+          <a:xfrm>
+            <a:off x="8747477" y="2924289"/>
+            <a:ext cx="1213555" cy="413201"/>
+          </a:xfrm>
+          <a:prstGeom prst="roundRect">
+            <a:avLst>
+              <a:gd name="adj" fmla="val 50000"/>
+            </a:avLst>
+          </a:prstGeom>
+          <a:noFill/>
+          <a:ln w="22225" cap="flat" cmpd="sng">
+            <a:solidFill>
+              <a:schemeClr val="tx1"/>
+            </a:solidFill>
+            <a:round/>
+            <a:extLst>
+              <a:ext uri="{C807C97D-BFC1-408E-A445-0C87EB9F89A2}">
+                <ask:lineSketchStyleProps xmlns:ask="http://schemas.microsoft.com/office/drawing/2018/sketchyshapes" sd="1219033472">
+                  <a:custGeom>
+                    <a:avLst/>
+                    <a:gdLst>
+                      <a:gd name="connsiteX0" fmla="*/ 0 w 1355075"/>
+                      <a:gd name="connsiteY0" fmla="*/ 248149 h 583894"/>
+                      <a:gd name="connsiteX1" fmla="*/ 248149 w 1355075"/>
+                      <a:gd name="connsiteY1" fmla="*/ 0 h 583894"/>
+                      <a:gd name="connsiteX2" fmla="*/ 694713 w 1355075"/>
+                      <a:gd name="connsiteY2" fmla="*/ 0 h 583894"/>
+                      <a:gd name="connsiteX3" fmla="*/ 1106926 w 1355075"/>
+                      <a:gd name="connsiteY3" fmla="*/ 0 h 583894"/>
+                      <a:gd name="connsiteX4" fmla="*/ 1355075 w 1355075"/>
+                      <a:gd name="connsiteY4" fmla="*/ 248149 h 583894"/>
+                      <a:gd name="connsiteX5" fmla="*/ 1355075 w 1355075"/>
+                      <a:gd name="connsiteY5" fmla="*/ 335745 h 583894"/>
+                      <a:gd name="connsiteX6" fmla="*/ 1106926 w 1355075"/>
+                      <a:gd name="connsiteY6" fmla="*/ 583894 h 583894"/>
+                      <a:gd name="connsiteX7" fmla="*/ 677538 w 1355075"/>
+                      <a:gd name="connsiteY7" fmla="*/ 583894 h 583894"/>
+                      <a:gd name="connsiteX8" fmla="*/ 248149 w 1355075"/>
+                      <a:gd name="connsiteY8" fmla="*/ 583894 h 583894"/>
+                      <a:gd name="connsiteX9" fmla="*/ 0 w 1355075"/>
+                      <a:gd name="connsiteY9" fmla="*/ 335745 h 583894"/>
+                      <a:gd name="connsiteX10" fmla="*/ 0 w 1355075"/>
+                      <a:gd name="connsiteY10" fmla="*/ 248149 h 583894"/>
+                    </a:gdLst>
+                    <a:ahLst/>
+                    <a:cxnLst>
+                      <a:cxn ang="0">
+                        <a:pos x="connsiteX0" y="connsiteY0"/>
+                      </a:cxn>
+                      <a:cxn ang="0">
+                        <a:pos x="connsiteX1" y="connsiteY1"/>
+                      </a:cxn>
+                      <a:cxn ang="0">
+                        <a:pos x="connsiteX2" y="connsiteY2"/>
+                      </a:cxn>
+                      <a:cxn ang="0">
+                        <a:pos x="connsiteX3" y="connsiteY3"/>
+                      </a:cxn>
+                      <a:cxn ang="0">
+                        <a:pos x="connsiteX4" y="connsiteY4"/>
+                      </a:cxn>
+                      <a:cxn ang="0">
+                        <a:pos x="connsiteX5" y="connsiteY5"/>
+                      </a:cxn>
+                      <a:cxn ang="0">
+                        <a:pos x="connsiteX6" y="connsiteY6"/>
+                      </a:cxn>
+                      <a:cxn ang="0">
+                        <a:pos x="connsiteX7" y="connsiteY7"/>
+                      </a:cxn>
+                      <a:cxn ang="0">
+                        <a:pos x="connsiteX8" y="connsiteY8"/>
+                      </a:cxn>
+                      <a:cxn ang="0">
+                        <a:pos x="connsiteX9" y="connsiteY9"/>
+                      </a:cxn>
+                      <a:cxn ang="0">
+                        <a:pos x="connsiteX10" y="connsiteY10"/>
+                      </a:cxn>
+                    </a:cxnLst>
+                    <a:rect l="l" t="t" r="r" b="b"/>
+                    <a:pathLst>
+                      <a:path w="1355075" h="583894" extrusionOk="0">
+                        <a:moveTo>
+                          <a:pt x="0" y="248149"/>
+                        </a:moveTo>
+                        <a:cubicBezTo>
+                          <a:pt x="-23929" y="96340"/>
+                          <a:pt x="86890" y="9086"/>
+                          <a:pt x="248149" y="0"/>
+                        </a:cubicBezTo>
+                        <a:cubicBezTo>
+                          <a:pt x="458709" y="4432"/>
+                          <a:pt x="588872" y="-13626"/>
+                          <a:pt x="694713" y="0"/>
+                        </a:cubicBezTo>
+                        <a:cubicBezTo>
+                          <a:pt x="800554" y="13626"/>
+                          <a:pt x="1012406" y="-17131"/>
+                          <a:pt x="1106926" y="0"/>
+                        </a:cubicBezTo>
+                        <a:cubicBezTo>
+                          <a:pt x="1223482" y="-11212"/>
+                          <a:pt x="1377162" y="121653"/>
+                          <a:pt x="1355075" y="248149"/>
+                        </a:cubicBezTo>
+                        <a:cubicBezTo>
+                          <a:pt x="1359100" y="282641"/>
+                          <a:pt x="1357292" y="303698"/>
+                          <a:pt x="1355075" y="335745"/>
+                        </a:cubicBezTo>
+                        <a:cubicBezTo>
+                          <a:pt x="1367325" y="452858"/>
+                          <a:pt x="1221152" y="603950"/>
+                          <a:pt x="1106926" y="583894"/>
+                        </a:cubicBezTo>
+                        <a:cubicBezTo>
+                          <a:pt x="934961" y="575834"/>
+                          <a:pt x="846022" y="576307"/>
+                          <a:pt x="677538" y="583894"/>
+                        </a:cubicBezTo>
+                        <a:cubicBezTo>
+                          <a:pt x="509054" y="591481"/>
+                          <a:pt x="412892" y="594666"/>
+                          <a:pt x="248149" y="583894"/>
+                        </a:cubicBezTo>
+                        <a:cubicBezTo>
+                          <a:pt x="93931" y="582912"/>
+                          <a:pt x="8571" y="449291"/>
+                          <a:pt x="0" y="335745"/>
+                        </a:cubicBezTo>
+                        <a:cubicBezTo>
+                          <a:pt x="-2535" y="314002"/>
+                          <a:pt x="2015" y="286057"/>
+                          <a:pt x="0" y="248149"/>
+                        </a:cubicBezTo>
+                        <a:close/>
+                      </a:path>
+                    </a:pathLst>
+                  </a:custGeom>
+                  <ask:type>
+                    <ask:lineSketchNone/>
+                  </ask:type>
+                </ask:lineSketchStyleProps>
+              </a:ext>
+            </a:extLst>
+          </a:ln>
+        </p:spPr>
+        <p:style>
+          <a:lnRef idx="2">
+            <a:schemeClr val="accent1">
+              <a:shade val="15000"/>
+            </a:schemeClr>
+          </a:lnRef>
+          <a:fillRef idx="1">
+            <a:schemeClr val="accent1"/>
+          </a:fillRef>
+          <a:effectRef idx="0">
+            <a:schemeClr val="accent1"/>
+          </a:effectRef>
+          <a:fontRef idx="minor">
+            <a:schemeClr val="lt1"/>
+          </a:fontRef>
+        </p:style>
+        <p:txBody>
+          <a:bodyPr rtlCol="0" anchor="ctr"/>
+          <a:lstStyle/>
+          <a:p>
+            <a:pPr algn="ctr"/>
+            <a:r>
+              <a:rPr lang="de-DE" sz="2000" dirty="0">
+                <a:solidFill>
+                  <a:schemeClr val="tx1"/>
+                </a:solidFill>
+                <a:latin typeface="Arial" panose="020B0604020202020204" pitchFamily="34" charset="0"/>
+                <a:cs typeface="Arial" panose="020B0604020202020204" pitchFamily="34" charset="0"/>
+              </a:rPr>
+              <a:t>12,5Hz</a:t>
+            </a:r>
+          </a:p>
+        </p:txBody>
+      </p:sp>
+      <p:cxnSp>
+        <p:nvCxnSpPr>
+          <p:cNvPr id="309" name="Gerader Verbinder 308">
+            <a:extLst>
+              <a:ext uri="{FF2B5EF4-FFF2-40B4-BE49-F238E27FC236}">
+                <a16:creationId xmlns:a16="http://schemas.microsoft.com/office/drawing/2014/main" id="{A28AC5DF-A838-D133-7D50-FFFEE7D8AB8A}"/>
+              </a:ext>
+            </a:extLst>
+          </p:cNvPr>
+          <p:cNvCxnSpPr>
+            <a:cxnSpLocks/>
+            <a:stCxn id="306" idx="0"/>
+            <a:endCxn id="94" idx="2"/>
+          </p:cNvCxnSpPr>
+          <p:nvPr/>
+        </p:nvCxnSpPr>
+        <p:spPr>
+          <a:xfrm flipV="1">
+            <a:off x="9354255" y="2573865"/>
+            <a:ext cx="2" cy="350424"/>
+          </a:xfrm>
+          <a:prstGeom prst="line">
+            <a:avLst/>
+          </a:prstGeom>
+          <a:ln w="19050">
+            <a:solidFill>
+              <a:schemeClr val="tx1"/>
+            </a:solidFill>
+            <a:headEnd type="triangle" w="lg" len="lg"/>
+            <a:tailEnd type="none"/>
+          </a:ln>
+        </p:spPr>
+        <p:style>
+          <a:lnRef idx="1">
+            <a:schemeClr val="accent1"/>
+          </a:lnRef>
+          <a:fillRef idx="0">
+            <a:schemeClr val="accent1"/>
+          </a:fillRef>
+          <a:effectRef idx="0">
+            <a:schemeClr val="accent1"/>
+          </a:effectRef>
+          <a:fontRef idx="minor">
+            <a:schemeClr val="tx1"/>
+          </a:fontRef>
+        </p:style>
+      </p:cxnSp>
+      <p:sp>
+        <p:nvSpPr>
+          <p:cNvPr id="318" name="Textfeld 317">
+            <a:extLst>
+              <a:ext uri="{FF2B5EF4-FFF2-40B4-BE49-F238E27FC236}">
+                <a16:creationId xmlns:a16="http://schemas.microsoft.com/office/drawing/2014/main" id="{9B5F305B-5A63-160D-71AB-144A1C03AD0A}"/>
+              </a:ext>
+            </a:extLst>
+          </p:cNvPr>
+          <p:cNvSpPr txBox="1"/>
+          <p:nvPr/>
+        </p:nvSpPr>
+        <p:spPr>
+          <a:xfrm>
+            <a:off x="7282204" y="4380573"/>
+            <a:ext cx="397866" cy="400110"/>
+          </a:xfrm>
+          <a:prstGeom prst="rect">
+            <a:avLst/>
+          </a:prstGeom>
+          <a:noFill/>
+        </p:spPr>
+        <p:txBody>
+          <a:bodyPr wrap="none" rtlCol="0">
+            <a:spAutoFit/>
+          </a:bodyPr>
+          <a:lstStyle/>
+          <a:p>
+            <a:r>
+              <a:rPr lang="de-DE" sz="2000" dirty="0">
+                <a:latin typeface="Arial" panose="020B0604020202020204" pitchFamily="34" charset="0"/>
+                <a:cs typeface="Arial" panose="020B0604020202020204" pitchFamily="34" charset="0"/>
+              </a:rPr>
+              <a:t>1.</a:t>
+            </a:r>
+            <a:endParaRPr lang="de-DE" dirty="0">
+              <a:latin typeface="Arial" panose="020B0604020202020204" pitchFamily="34" charset="0"/>
+              <a:cs typeface="Arial" panose="020B0604020202020204" pitchFamily="34" charset="0"/>
+            </a:endParaRPr>
+          </a:p>
+        </p:txBody>
+      </p:sp>
+      <p:sp>
+        <p:nvSpPr>
+          <p:cNvPr id="319" name="Textfeld 318">
+            <a:extLst>
+              <a:ext uri="{FF2B5EF4-FFF2-40B4-BE49-F238E27FC236}">
+                <a16:creationId xmlns:a16="http://schemas.microsoft.com/office/drawing/2014/main" id="{69C65CE3-A724-BC42-FD34-004AC65449F4}"/>
+              </a:ext>
+            </a:extLst>
+          </p:cNvPr>
+          <p:cNvSpPr txBox="1"/>
+          <p:nvPr/>
+        </p:nvSpPr>
+        <p:spPr>
+          <a:xfrm>
+            <a:off x="6746098" y="4817410"/>
+            <a:ext cx="468398" cy="400110"/>
+          </a:xfrm>
+          <a:prstGeom prst="rect">
+            <a:avLst/>
+          </a:prstGeom>
+          <a:noFill/>
+        </p:spPr>
+        <p:txBody>
+          <a:bodyPr wrap="none" rtlCol="0">
+            <a:spAutoFit/>
+          </a:bodyPr>
+          <a:lstStyle/>
+          <a:p>
+            <a:r>
+              <a:rPr lang="de-DE" sz="2000" dirty="0">
+                <a:latin typeface="Arial" panose="020B0604020202020204" pitchFamily="34" charset="0"/>
+                <a:cs typeface="Arial" panose="020B0604020202020204" pitchFamily="34" charset="0"/>
+              </a:rPr>
+              <a:t>!1.</a:t>
+            </a:r>
+            <a:endParaRPr lang="de-DE" dirty="0">
+              <a:latin typeface="Arial" panose="020B0604020202020204" pitchFamily="34" charset="0"/>
+              <a:cs typeface="Arial" panose="020B0604020202020204" pitchFamily="34" charset="0"/>
+            </a:endParaRPr>
+          </a:p>
+        </p:txBody>
+      </p:sp>
+      <p:sp>
+        <p:nvSpPr>
+          <p:cNvPr id="323" name="Rechteck: abgerundete Ecken 322">
+            <a:extLst>
+              <a:ext uri="{FF2B5EF4-FFF2-40B4-BE49-F238E27FC236}">
+                <a16:creationId xmlns:a16="http://schemas.microsoft.com/office/drawing/2014/main" id="{6E56FE49-792B-58AC-D004-A5766314A46C}"/>
+              </a:ext>
+            </a:extLst>
+          </p:cNvPr>
+          <p:cNvSpPr/>
+          <p:nvPr/>
+        </p:nvSpPr>
+        <p:spPr>
+          <a:xfrm>
+            <a:off x="6482648" y="5480901"/>
+            <a:ext cx="2890297" cy="413201"/>
+          </a:xfrm>
+          <a:prstGeom prst="roundRect">
+            <a:avLst>
+              <a:gd name="adj" fmla="val 50000"/>
+            </a:avLst>
+          </a:prstGeom>
+          <a:noFill/>
+          <a:ln w="22225" cap="flat" cmpd="sng">
+            <a:solidFill>
+              <a:schemeClr val="tx1"/>
+            </a:solidFill>
+            <a:round/>
+            <a:extLst>
+              <a:ext uri="{C807C97D-BFC1-408E-A445-0C87EB9F89A2}">
+                <ask:lineSketchStyleProps xmlns:ask="http://schemas.microsoft.com/office/drawing/2018/sketchyshapes" sd="1219033472">
+                  <a:custGeom>
+                    <a:avLst/>
+                    <a:gdLst>
+                      <a:gd name="connsiteX0" fmla="*/ 0 w 1355075"/>
+                      <a:gd name="connsiteY0" fmla="*/ 248149 h 583894"/>
+                      <a:gd name="connsiteX1" fmla="*/ 248149 w 1355075"/>
+                      <a:gd name="connsiteY1" fmla="*/ 0 h 583894"/>
+                      <a:gd name="connsiteX2" fmla="*/ 694713 w 1355075"/>
+                      <a:gd name="connsiteY2" fmla="*/ 0 h 583894"/>
+                      <a:gd name="connsiteX3" fmla="*/ 1106926 w 1355075"/>
+                      <a:gd name="connsiteY3" fmla="*/ 0 h 583894"/>
+                      <a:gd name="connsiteX4" fmla="*/ 1355075 w 1355075"/>
+                      <a:gd name="connsiteY4" fmla="*/ 248149 h 583894"/>
+                      <a:gd name="connsiteX5" fmla="*/ 1355075 w 1355075"/>
+                      <a:gd name="connsiteY5" fmla="*/ 335745 h 583894"/>
+                      <a:gd name="connsiteX6" fmla="*/ 1106926 w 1355075"/>
+                      <a:gd name="connsiteY6" fmla="*/ 583894 h 583894"/>
+                      <a:gd name="connsiteX7" fmla="*/ 677538 w 1355075"/>
+                      <a:gd name="connsiteY7" fmla="*/ 583894 h 583894"/>
+                      <a:gd name="connsiteX8" fmla="*/ 248149 w 1355075"/>
+                      <a:gd name="connsiteY8" fmla="*/ 583894 h 583894"/>
+                      <a:gd name="connsiteX9" fmla="*/ 0 w 1355075"/>
+                      <a:gd name="connsiteY9" fmla="*/ 335745 h 583894"/>
+                      <a:gd name="connsiteX10" fmla="*/ 0 w 1355075"/>
+                      <a:gd name="connsiteY10" fmla="*/ 248149 h 583894"/>
+                    </a:gdLst>
+                    <a:ahLst/>
+                    <a:cxnLst>
+                      <a:cxn ang="0">
+                        <a:pos x="connsiteX0" y="connsiteY0"/>
+                      </a:cxn>
+                      <a:cxn ang="0">
+                        <a:pos x="connsiteX1" y="connsiteY1"/>
+                      </a:cxn>
+                      <a:cxn ang="0">
+                        <a:pos x="connsiteX2" y="connsiteY2"/>
+                      </a:cxn>
+                      <a:cxn ang="0">
+                        <a:pos x="connsiteX3" y="connsiteY3"/>
+                      </a:cxn>
+                      <a:cxn ang="0">
+                        <a:pos x="connsiteX4" y="connsiteY4"/>
+                      </a:cxn>
+                      <a:cxn ang="0">
+                        <a:pos x="connsiteX5" y="connsiteY5"/>
+                      </a:cxn>
+                      <a:cxn ang="0">
+                        <a:pos x="connsiteX6" y="connsiteY6"/>
+                      </a:cxn>
+                      <a:cxn ang="0">
+                        <a:pos x="connsiteX7" y="connsiteY7"/>
+                      </a:cxn>
+                      <a:cxn ang="0">
+                        <a:pos x="connsiteX8" y="connsiteY8"/>
+                      </a:cxn>
+                      <a:cxn ang="0">
+                        <a:pos x="connsiteX9" y="connsiteY9"/>
+                      </a:cxn>
+                      <a:cxn ang="0">
+                        <a:pos x="connsiteX10" y="connsiteY10"/>
+                      </a:cxn>
+                    </a:cxnLst>
+                    <a:rect l="l" t="t" r="r" b="b"/>
+                    <a:pathLst>
+                      <a:path w="1355075" h="583894" extrusionOk="0">
+                        <a:moveTo>
+                          <a:pt x="0" y="248149"/>
+                        </a:moveTo>
+                        <a:cubicBezTo>
+                          <a:pt x="-23929" y="96340"/>
+                          <a:pt x="86890" y="9086"/>
+                          <a:pt x="248149" y="0"/>
+                        </a:cubicBezTo>
+                        <a:cubicBezTo>
+                          <a:pt x="458709" y="4432"/>
+                          <a:pt x="588872" y="-13626"/>
+                          <a:pt x="694713" y="0"/>
+                        </a:cubicBezTo>
+                        <a:cubicBezTo>
+                          <a:pt x="800554" y="13626"/>
+                          <a:pt x="1012406" y="-17131"/>
+                          <a:pt x="1106926" y="0"/>
+                        </a:cubicBezTo>
+                        <a:cubicBezTo>
+                          <a:pt x="1223482" y="-11212"/>
+                          <a:pt x="1377162" y="121653"/>
+                          <a:pt x="1355075" y="248149"/>
+                        </a:cubicBezTo>
+                        <a:cubicBezTo>
+                          <a:pt x="1359100" y="282641"/>
+                          <a:pt x="1357292" y="303698"/>
+                          <a:pt x="1355075" y="335745"/>
+                        </a:cubicBezTo>
+                        <a:cubicBezTo>
+                          <a:pt x="1367325" y="452858"/>
+                          <a:pt x="1221152" y="603950"/>
+                          <a:pt x="1106926" y="583894"/>
+                        </a:cubicBezTo>
+                        <a:cubicBezTo>
+                          <a:pt x="934961" y="575834"/>
+                          <a:pt x="846022" y="576307"/>
+                          <a:pt x="677538" y="583894"/>
+                        </a:cubicBezTo>
+                        <a:cubicBezTo>
+                          <a:pt x="509054" y="591481"/>
+                          <a:pt x="412892" y="594666"/>
+                          <a:pt x="248149" y="583894"/>
+                        </a:cubicBezTo>
+                        <a:cubicBezTo>
+                          <a:pt x="93931" y="582912"/>
+                          <a:pt x="8571" y="449291"/>
+                          <a:pt x="0" y="335745"/>
+                        </a:cubicBezTo>
+                        <a:cubicBezTo>
+                          <a:pt x="-2535" y="314002"/>
+                          <a:pt x="2015" y="286057"/>
+                          <a:pt x="0" y="248149"/>
+                        </a:cubicBezTo>
+                        <a:close/>
+                      </a:path>
+                    </a:pathLst>
+                  </a:custGeom>
+                  <ask:type>
+                    <ask:lineSketchNone/>
+                  </ask:type>
+                </ask:lineSketchStyleProps>
+              </a:ext>
+            </a:extLst>
+          </a:ln>
+        </p:spPr>
+        <p:style>
+          <a:lnRef idx="2">
+            <a:schemeClr val="accent1">
+              <a:shade val="15000"/>
+            </a:schemeClr>
+          </a:lnRef>
+          <a:fillRef idx="1">
+            <a:schemeClr val="accent1"/>
+          </a:fillRef>
+          <a:effectRef idx="0">
+            <a:schemeClr val="accent1"/>
+          </a:effectRef>
+          <a:fontRef idx="minor">
+            <a:schemeClr val="lt1"/>
+          </a:fontRef>
+        </p:style>
+        <p:txBody>
+          <a:bodyPr rtlCol="0" anchor="ctr"/>
+          <a:lstStyle/>
+          <a:p>
+            <a:pPr algn="ctr"/>
+            <a:r>
+              <a:rPr lang="de-DE" sz="2000" dirty="0">
+                <a:solidFill>
+                  <a:schemeClr val="tx1"/>
+                </a:solidFill>
+                <a:latin typeface="Arial" panose="020B0604020202020204" pitchFamily="34" charset="0"/>
+                <a:cs typeface="Arial" panose="020B0604020202020204" pitchFamily="34" charset="0"/>
+              </a:rPr>
+              <a:t>Status += Daten Bereit</a:t>
+            </a:r>
+          </a:p>
+        </p:txBody>
+      </p:sp>
+      <p:cxnSp>
+        <p:nvCxnSpPr>
+          <p:cNvPr id="327" name="Gerader Verbinder 326">
+            <a:extLst>
+              <a:ext uri="{FF2B5EF4-FFF2-40B4-BE49-F238E27FC236}">
+                <a16:creationId xmlns:a16="http://schemas.microsoft.com/office/drawing/2014/main" id="{2823C639-A2A6-0969-F5EE-B283D7F42F6F}"/>
+              </a:ext>
+            </a:extLst>
+          </p:cNvPr>
+          <p:cNvCxnSpPr>
+            <a:cxnSpLocks/>
+            <a:stCxn id="323" idx="0"/>
+          </p:cNvCxnSpPr>
+          <p:nvPr/>
+        </p:nvCxnSpPr>
+        <p:spPr>
+          <a:xfrm flipH="1" flipV="1">
+            <a:off x="7922389" y="5288119"/>
+            <a:ext cx="5408" cy="192782"/>
+          </a:xfrm>
+          <a:prstGeom prst="line">
+            <a:avLst/>
+          </a:prstGeom>
+          <a:ln w="19050">
+            <a:solidFill>
+              <a:schemeClr val="tx1"/>
+            </a:solidFill>
+            <a:headEnd type="triangle" w="lg" len="lg"/>
+            <a:tailEnd type="none"/>
+          </a:ln>
+        </p:spPr>
+        <p:style>
+          <a:lnRef idx="1">
+            <a:schemeClr val="accent1"/>
+          </a:lnRef>
+          <a:fillRef idx="0">
+            <a:schemeClr val="accent1"/>
+          </a:fillRef>
+          <a:effectRef idx="0">
+            <a:schemeClr val="accent1"/>
+          </a:effectRef>
+          <a:fontRef idx="minor">
+            <a:schemeClr val="tx1"/>
+          </a:fontRef>
+        </p:style>
+      </p:cxnSp>
+      <p:sp>
+        <p:nvSpPr>
+          <p:cNvPr id="2" name="Rechteck: abgerundete Ecken 1">
+            <a:extLst>
+              <a:ext uri="{FF2B5EF4-FFF2-40B4-BE49-F238E27FC236}">
+                <a16:creationId xmlns:a16="http://schemas.microsoft.com/office/drawing/2014/main" id="{8ECCDD8D-AE04-7C55-1F85-20FDBDDD22E2}"/>
+              </a:ext>
+            </a:extLst>
+          </p:cNvPr>
+          <p:cNvSpPr/>
+          <p:nvPr/>
+        </p:nvSpPr>
+        <p:spPr>
+          <a:xfrm>
+            <a:off x="5396089" y="704616"/>
+            <a:ext cx="1399822" cy="413201"/>
+          </a:xfrm>
+          <a:prstGeom prst="roundRect">
+            <a:avLst>
+              <a:gd name="adj" fmla="val 50000"/>
+            </a:avLst>
+          </a:prstGeom>
+          <a:noFill/>
+          <a:ln w="22225" cap="flat" cmpd="sng">
+            <a:solidFill>
+              <a:schemeClr val="tx1"/>
+            </a:solidFill>
+            <a:round/>
+            <a:extLst>
+              <a:ext uri="{C807C97D-BFC1-408E-A445-0C87EB9F89A2}">
+                <ask:lineSketchStyleProps xmlns:ask="http://schemas.microsoft.com/office/drawing/2018/sketchyshapes" sd="1219033472">
+                  <a:custGeom>
+                    <a:avLst/>
+                    <a:gdLst>
+                      <a:gd name="connsiteX0" fmla="*/ 0 w 1355075"/>
+                      <a:gd name="connsiteY0" fmla="*/ 248149 h 583894"/>
+                      <a:gd name="connsiteX1" fmla="*/ 248149 w 1355075"/>
+                      <a:gd name="connsiteY1" fmla="*/ 0 h 583894"/>
+                      <a:gd name="connsiteX2" fmla="*/ 694713 w 1355075"/>
+                      <a:gd name="connsiteY2" fmla="*/ 0 h 583894"/>
+                      <a:gd name="connsiteX3" fmla="*/ 1106926 w 1355075"/>
+                      <a:gd name="connsiteY3" fmla="*/ 0 h 583894"/>
+                      <a:gd name="connsiteX4" fmla="*/ 1355075 w 1355075"/>
+                      <a:gd name="connsiteY4" fmla="*/ 248149 h 583894"/>
+                      <a:gd name="connsiteX5" fmla="*/ 1355075 w 1355075"/>
+                      <a:gd name="connsiteY5" fmla="*/ 335745 h 583894"/>
+                      <a:gd name="connsiteX6" fmla="*/ 1106926 w 1355075"/>
+                      <a:gd name="connsiteY6" fmla="*/ 583894 h 583894"/>
+                      <a:gd name="connsiteX7" fmla="*/ 677538 w 1355075"/>
+                      <a:gd name="connsiteY7" fmla="*/ 583894 h 583894"/>
+                      <a:gd name="connsiteX8" fmla="*/ 248149 w 1355075"/>
+                      <a:gd name="connsiteY8" fmla="*/ 583894 h 583894"/>
+                      <a:gd name="connsiteX9" fmla="*/ 0 w 1355075"/>
+                      <a:gd name="connsiteY9" fmla="*/ 335745 h 583894"/>
+                      <a:gd name="connsiteX10" fmla="*/ 0 w 1355075"/>
+                      <a:gd name="connsiteY10" fmla="*/ 248149 h 583894"/>
+                    </a:gdLst>
+                    <a:ahLst/>
+                    <a:cxnLst>
+                      <a:cxn ang="0">
+                        <a:pos x="connsiteX0" y="connsiteY0"/>
+                      </a:cxn>
+                      <a:cxn ang="0">
+                        <a:pos x="connsiteX1" y="connsiteY1"/>
+                      </a:cxn>
+                      <a:cxn ang="0">
+                        <a:pos x="connsiteX2" y="connsiteY2"/>
+                      </a:cxn>
+                      <a:cxn ang="0">
+                        <a:pos x="connsiteX3" y="connsiteY3"/>
+                      </a:cxn>
+                      <a:cxn ang="0">
+                        <a:pos x="connsiteX4" y="connsiteY4"/>
+                      </a:cxn>
+                      <a:cxn ang="0">
+                        <a:pos x="connsiteX5" y="connsiteY5"/>
+                      </a:cxn>
+                      <a:cxn ang="0">
+                        <a:pos x="connsiteX6" y="connsiteY6"/>
+                      </a:cxn>
+                      <a:cxn ang="0">
+                        <a:pos x="connsiteX7" y="connsiteY7"/>
+                      </a:cxn>
+                      <a:cxn ang="0">
+                        <a:pos x="connsiteX8" y="connsiteY8"/>
+                      </a:cxn>
+                      <a:cxn ang="0">
+                        <a:pos x="connsiteX9" y="connsiteY9"/>
+                      </a:cxn>
+                      <a:cxn ang="0">
+                        <a:pos x="connsiteX10" y="connsiteY10"/>
+                      </a:cxn>
+                    </a:cxnLst>
+                    <a:rect l="l" t="t" r="r" b="b"/>
+                    <a:pathLst>
+                      <a:path w="1355075" h="583894" extrusionOk="0">
+                        <a:moveTo>
+                          <a:pt x="0" y="248149"/>
+                        </a:moveTo>
+                        <a:cubicBezTo>
+                          <a:pt x="-23929" y="96340"/>
+                          <a:pt x="86890" y="9086"/>
+                          <a:pt x="248149" y="0"/>
+                        </a:cubicBezTo>
+                        <a:cubicBezTo>
+                          <a:pt x="458709" y="4432"/>
+                          <a:pt x="588872" y="-13626"/>
+                          <a:pt x="694713" y="0"/>
+                        </a:cubicBezTo>
+                        <a:cubicBezTo>
+                          <a:pt x="800554" y="13626"/>
+                          <a:pt x="1012406" y="-17131"/>
+                          <a:pt x="1106926" y="0"/>
+                        </a:cubicBezTo>
+                        <a:cubicBezTo>
+                          <a:pt x="1223482" y="-11212"/>
+                          <a:pt x="1377162" y="121653"/>
+                          <a:pt x="1355075" y="248149"/>
+                        </a:cubicBezTo>
+                        <a:cubicBezTo>
+                          <a:pt x="1359100" y="282641"/>
+                          <a:pt x="1357292" y="303698"/>
+                          <a:pt x="1355075" y="335745"/>
+                        </a:cubicBezTo>
+                        <a:cubicBezTo>
+                          <a:pt x="1367325" y="452858"/>
+                          <a:pt x="1221152" y="603950"/>
+                          <a:pt x="1106926" y="583894"/>
+                        </a:cubicBezTo>
+                        <a:cubicBezTo>
+                          <a:pt x="934961" y="575834"/>
+                          <a:pt x="846022" y="576307"/>
+                          <a:pt x="677538" y="583894"/>
+                        </a:cubicBezTo>
+                        <a:cubicBezTo>
+                          <a:pt x="509054" y="591481"/>
+                          <a:pt x="412892" y="594666"/>
+                          <a:pt x="248149" y="583894"/>
+                        </a:cubicBezTo>
+                        <a:cubicBezTo>
+                          <a:pt x="93931" y="582912"/>
+                          <a:pt x="8571" y="449291"/>
+                          <a:pt x="0" y="335745"/>
+                        </a:cubicBezTo>
+                        <a:cubicBezTo>
+                          <a:pt x="-2535" y="314002"/>
+                          <a:pt x="2015" y="286057"/>
+                          <a:pt x="0" y="248149"/>
+                        </a:cubicBezTo>
+                        <a:close/>
+                      </a:path>
+                    </a:pathLst>
+                  </a:custGeom>
+                  <ask:type>
+                    <ask:lineSketchNone/>
+                  </ask:type>
+                </ask:lineSketchStyleProps>
+              </a:ext>
+            </a:extLst>
+          </a:ln>
+        </p:spPr>
+        <p:style>
+          <a:lnRef idx="2">
+            <a:schemeClr val="accent1">
+              <a:shade val="15000"/>
+            </a:schemeClr>
+          </a:lnRef>
+          <a:fillRef idx="1">
+            <a:schemeClr val="accent1"/>
+          </a:fillRef>
+          <a:effectRef idx="0">
+            <a:schemeClr val="accent1"/>
+          </a:effectRef>
+          <a:fontRef idx="minor">
+            <a:schemeClr val="lt1"/>
+          </a:fontRef>
+        </p:style>
+        <p:txBody>
+          <a:bodyPr rtlCol="0" anchor="ctr"/>
+          <a:lstStyle/>
+          <a:p>
+            <a:pPr algn="ctr"/>
+            <a:r>
+              <a:rPr lang="de-DE" sz="2000" dirty="0">
+                <a:solidFill>
+                  <a:schemeClr val="tx1"/>
+                </a:solidFill>
+                <a:latin typeface="Arial" panose="020B0604020202020204" pitchFamily="34" charset="0"/>
+                <a:cs typeface="Arial" panose="020B0604020202020204" pitchFamily="34" charset="0"/>
+              </a:rPr>
+              <a:t>„</a:t>
+            </a:r>
+            <a:r>
+              <a:rPr lang="de-DE" sz="2000" dirty="0" err="1">
+                <a:solidFill>
+                  <a:schemeClr val="tx1"/>
+                </a:solidFill>
+                <a:latin typeface="Arial" panose="020B0604020202020204" pitchFamily="34" charset="0"/>
+                <a:cs typeface="Arial" panose="020B0604020202020204" pitchFamily="34" charset="0"/>
+              </a:rPr>
+              <a:t>wakeup</a:t>
+            </a:r>
+            <a:r>
+              <a:rPr lang="de-DE" sz="2000" dirty="0">
+                <a:solidFill>
+                  <a:schemeClr val="tx1"/>
+                </a:solidFill>
+                <a:latin typeface="Arial" panose="020B0604020202020204" pitchFamily="34" charset="0"/>
+                <a:cs typeface="Arial" panose="020B0604020202020204" pitchFamily="34" charset="0"/>
+              </a:rPr>
+              <a:t>“</a:t>
+            </a:r>
+          </a:p>
+        </p:txBody>
+      </p:sp>
+      <p:cxnSp>
+        <p:nvCxnSpPr>
+          <p:cNvPr id="4" name="Gerader Verbinder 3">
+            <a:extLst>
+              <a:ext uri="{FF2B5EF4-FFF2-40B4-BE49-F238E27FC236}">
+                <a16:creationId xmlns:a16="http://schemas.microsoft.com/office/drawing/2014/main" id="{0B6CF424-A144-B744-3927-D6804BC15F1A}"/>
+              </a:ext>
+            </a:extLst>
+          </p:cNvPr>
+          <p:cNvCxnSpPr>
+            <a:cxnSpLocks/>
+            <a:stCxn id="99" idx="0"/>
+            <a:endCxn id="2" idx="2"/>
+          </p:cNvCxnSpPr>
+          <p:nvPr/>
+        </p:nvCxnSpPr>
+        <p:spPr>
+          <a:xfrm flipV="1">
+            <a:off x="6096000" y="1117817"/>
+            <a:ext cx="0" cy="502847"/>
+          </a:xfrm>
+          <a:prstGeom prst="line">
+            <a:avLst/>
+          </a:prstGeom>
+          <a:ln w="19050">
+            <a:solidFill>
+              <a:schemeClr val="tx1"/>
+            </a:solidFill>
+            <a:headEnd type="triangle" w="lg" len="lg"/>
+            <a:tailEnd type="none"/>
+          </a:ln>
+        </p:spPr>
+        <p:style>
+          <a:lnRef idx="1">
+            <a:schemeClr val="accent1"/>
+          </a:lnRef>
+          <a:fillRef idx="0">
+            <a:schemeClr val="accent1"/>
+          </a:fillRef>
+          <a:effectRef idx="0">
+            <a:schemeClr val="accent1"/>
+          </a:effectRef>
+          <a:fontRef idx="minor">
+            <a:schemeClr val="tx1"/>
+          </a:fontRef>
+        </p:style>
+      </p:cxnSp>
+    </p:spTree>
+    <p:extLst>
+      <p:ext uri="{BB962C8B-B14F-4D97-AF65-F5344CB8AC3E}">
+        <p14:creationId xmlns:p14="http://schemas.microsoft.com/office/powerpoint/2010/main" val="3538230715"/>
+      </p:ext>
+    </p:extLst>
+  </p:cSld>
+  <p:clrMapOvr>
+    <a:masterClrMapping/>
+  </p:clrMapOvr>
+</p:sld>
+</file>
+
 <file path=ppt/theme/theme1.xml><?xml version="1.0" encoding="utf-8"?>
 <a:theme xmlns:a="http://schemas.openxmlformats.org/drawingml/2006/main" name="Office">
   <a:themeElements>

--- a/Beleg/UML-IR_Remote.pptx
+++ b/Beleg/UML-IR_Remote.pptx
@@ -262,7 +262,7 @@
           <a:p>
             <a:fld id="{DCFA11AF-D567-4408-8BA5-866BEB2B0871}" type="datetimeFigureOut">
               <a:rPr lang="de-DE" smtClean="0"/>
-              <a:t>09.02.2024</a:t>
+              <a:t>21.02.2024</a:t>
             </a:fld>
             <a:endParaRPr lang="de-DE"/>
           </a:p>
@@ -460,7 +460,7 @@
           <a:p>
             <a:fld id="{DCFA11AF-D567-4408-8BA5-866BEB2B0871}" type="datetimeFigureOut">
               <a:rPr lang="de-DE" smtClean="0"/>
-              <a:t>09.02.2024</a:t>
+              <a:t>21.02.2024</a:t>
             </a:fld>
             <a:endParaRPr lang="de-DE"/>
           </a:p>
@@ -668,7 +668,7 @@
           <a:p>
             <a:fld id="{DCFA11AF-D567-4408-8BA5-866BEB2B0871}" type="datetimeFigureOut">
               <a:rPr lang="de-DE" smtClean="0"/>
-              <a:t>09.02.2024</a:t>
+              <a:t>21.02.2024</a:t>
             </a:fld>
             <a:endParaRPr lang="de-DE"/>
           </a:p>
@@ -866,7 +866,7 @@
           <a:p>
             <a:fld id="{DCFA11AF-D567-4408-8BA5-866BEB2B0871}" type="datetimeFigureOut">
               <a:rPr lang="de-DE" smtClean="0"/>
-              <a:t>09.02.2024</a:t>
+              <a:t>21.02.2024</a:t>
             </a:fld>
             <a:endParaRPr lang="de-DE"/>
           </a:p>
@@ -1141,7 +1141,7 @@
           <a:p>
             <a:fld id="{DCFA11AF-D567-4408-8BA5-866BEB2B0871}" type="datetimeFigureOut">
               <a:rPr lang="de-DE" smtClean="0"/>
-              <a:t>09.02.2024</a:t>
+              <a:t>21.02.2024</a:t>
             </a:fld>
             <a:endParaRPr lang="de-DE"/>
           </a:p>
@@ -1406,7 +1406,7 @@
           <a:p>
             <a:fld id="{DCFA11AF-D567-4408-8BA5-866BEB2B0871}" type="datetimeFigureOut">
               <a:rPr lang="de-DE" smtClean="0"/>
-              <a:t>09.02.2024</a:t>
+              <a:t>21.02.2024</a:t>
             </a:fld>
             <a:endParaRPr lang="de-DE"/>
           </a:p>
@@ -1818,7 +1818,7 @@
           <a:p>
             <a:fld id="{DCFA11AF-D567-4408-8BA5-866BEB2B0871}" type="datetimeFigureOut">
               <a:rPr lang="de-DE" smtClean="0"/>
-              <a:t>09.02.2024</a:t>
+              <a:t>21.02.2024</a:t>
             </a:fld>
             <a:endParaRPr lang="de-DE"/>
           </a:p>
@@ -1959,7 +1959,7 @@
           <a:p>
             <a:fld id="{DCFA11AF-D567-4408-8BA5-866BEB2B0871}" type="datetimeFigureOut">
               <a:rPr lang="de-DE" smtClean="0"/>
-              <a:t>09.02.2024</a:t>
+              <a:t>21.02.2024</a:t>
             </a:fld>
             <a:endParaRPr lang="de-DE"/>
           </a:p>
@@ -2072,7 +2072,7 @@
           <a:p>
             <a:fld id="{DCFA11AF-D567-4408-8BA5-866BEB2B0871}" type="datetimeFigureOut">
               <a:rPr lang="de-DE" smtClean="0"/>
-              <a:t>09.02.2024</a:t>
+              <a:t>21.02.2024</a:t>
             </a:fld>
             <a:endParaRPr lang="de-DE"/>
           </a:p>
@@ -2383,7 +2383,7 @@
           <a:p>
             <a:fld id="{DCFA11AF-D567-4408-8BA5-866BEB2B0871}" type="datetimeFigureOut">
               <a:rPr lang="de-DE" smtClean="0"/>
-              <a:t>09.02.2024</a:t>
+              <a:t>21.02.2024</a:t>
             </a:fld>
             <a:endParaRPr lang="de-DE"/>
           </a:p>
@@ -2671,7 +2671,7 @@
           <a:p>
             <a:fld id="{DCFA11AF-D567-4408-8BA5-866BEB2B0871}" type="datetimeFigureOut">
               <a:rPr lang="de-DE" smtClean="0"/>
-              <a:t>09.02.2024</a:t>
+              <a:t>21.02.2024</a:t>
             </a:fld>
             <a:endParaRPr lang="de-DE"/>
           </a:p>
@@ -2912,7 +2912,7 @@
           <a:p>
             <a:fld id="{DCFA11AF-D567-4408-8BA5-866BEB2B0871}" type="datetimeFigureOut">
               <a:rPr lang="de-DE" smtClean="0"/>
-              <a:t>09.02.2024</a:t>
+              <a:t>21.02.2024</a:t>
             </a:fld>
             <a:endParaRPr lang="de-DE"/>
           </a:p>
@@ -3546,7 +3546,7 @@
         </p:nvGrpSpPr>
         <p:grpSpPr>
           <a:xfrm>
-            <a:off x="2857112" y="299527"/>
+            <a:off x="3281901" y="5781893"/>
             <a:ext cx="2386062" cy="817510"/>
             <a:chOff x="4712295" y="2548166"/>
             <a:chExt cx="2386062" cy="817510"/>
@@ -3756,7 +3756,7 @@
         </p:nvGrpSpPr>
         <p:grpSpPr>
           <a:xfrm>
-            <a:off x="9371347" y="557492"/>
+            <a:off x="8649065" y="602893"/>
             <a:ext cx="2542747" cy="2543630"/>
             <a:chOff x="3079582" y="173924"/>
             <a:chExt cx="1324415" cy="2442070"/>
@@ -4067,7 +4067,7 @@
         </p:nvGrpSpPr>
         <p:grpSpPr>
           <a:xfrm>
-            <a:off x="371467" y="2008188"/>
+            <a:off x="9640093" y="5091449"/>
             <a:ext cx="1915152" cy="1502186"/>
             <a:chOff x="537536" y="2626521"/>
             <a:chExt cx="1915152" cy="1502186"/>
@@ -4317,7 +4317,7 @@
         </p:nvGrpSpPr>
         <p:grpSpPr>
           <a:xfrm>
-            <a:off x="2938084" y="2220113"/>
+            <a:off x="146359" y="1573151"/>
             <a:ext cx="2611545" cy="3711697"/>
             <a:chOff x="4993370" y="5174572"/>
             <a:chExt cx="2611545" cy="3134694"/>
@@ -4682,7 +4682,7 @@
         </p:nvGrpSpPr>
         <p:grpSpPr>
           <a:xfrm>
-            <a:off x="5886968" y="306092"/>
+            <a:off x="4223607" y="360172"/>
             <a:ext cx="2485062" cy="2581383"/>
             <a:chOff x="9169401" y="2754394"/>
             <a:chExt cx="2485062" cy="2581383"/>
@@ -4993,10 +4993,10 @@
         </p:nvGrpSpPr>
         <p:grpSpPr>
           <a:xfrm>
-            <a:off x="371467" y="302727"/>
-            <a:ext cx="1800327" cy="895381"/>
+            <a:off x="6753865" y="5698254"/>
+            <a:ext cx="1800327" cy="890619"/>
             <a:chOff x="7788005" y="215404"/>
-            <a:chExt cx="1381395" cy="895381"/>
+            <a:chExt cx="1381395" cy="890619"/>
           </a:xfrm>
         </p:grpSpPr>
         <p:sp>
@@ -5131,7 +5131,7 @@
           </p:nvSpPr>
           <p:spPr>
             <a:xfrm>
-              <a:off x="7788005" y="685845"/>
+              <a:off x="7788005" y="681083"/>
               <a:ext cx="1381395" cy="424940"/>
             </a:xfrm>
             <a:prstGeom prst="rect">
@@ -5194,7 +5194,7 @@
         </p:nvCxnSpPr>
         <p:spPr>
           <a:xfrm>
-            <a:off x="10957948" y="5931810"/>
+            <a:off x="2895959" y="797249"/>
             <a:ext cx="854847" cy="0"/>
           </a:xfrm>
           <a:prstGeom prst="straightConnector1">
@@ -5289,7 +5289,7 @@
         </p:nvSpPr>
         <p:spPr>
           <a:xfrm>
-            <a:off x="11085191" y="5150591"/>
+            <a:off x="3023202" y="16030"/>
             <a:ext cx="371475" cy="312498"/>
           </a:xfrm>
           <a:prstGeom prst="triangle">
@@ -5450,7 +5450,7 @@
         </p:nvCxnSpPr>
         <p:spPr>
           <a:xfrm flipV="1">
-            <a:off x="10957948" y="6177311"/>
+            <a:off x="2895959" y="1042750"/>
             <a:ext cx="854847" cy="4886"/>
           </a:xfrm>
           <a:prstGeom prst="straightConnector1">
@@ -5497,7 +5497,7 @@
         </p:nvCxnSpPr>
         <p:spPr>
           <a:xfrm>
-            <a:off x="10957948" y="6427697"/>
+            <a:off x="2895959" y="1293136"/>
             <a:ext cx="956146" cy="0"/>
           </a:xfrm>
           <a:prstGeom prst="straightConnector1">
@@ -5544,7 +5544,7 @@
         </p:nvCxnSpPr>
         <p:spPr>
           <a:xfrm>
-            <a:off x="10957948" y="5708589"/>
+            <a:off x="2895959" y="574028"/>
             <a:ext cx="854847" cy="0"/>
           </a:xfrm>
           <a:prstGeom prst="straightConnector1">
@@ -5639,7 +5639,7 @@
         </p:nvSpPr>
         <p:spPr>
           <a:xfrm>
-            <a:off x="9046404" y="6115842"/>
+            <a:off x="984415" y="981281"/>
             <a:ext cx="1737003" cy="369332"/>
           </a:xfrm>
           <a:prstGeom prst="rect">
@@ -5697,10 +5697,10 @@
       </p:grpSpPr>
       <p:sp>
         <p:nvSpPr>
-          <p:cNvPr id="89" name="Rechteck: abgerundete Ecken 88">
-            <a:extLst>
-              <a:ext uri="{FF2B5EF4-FFF2-40B4-BE49-F238E27FC236}">
-                <a16:creationId xmlns:a16="http://schemas.microsoft.com/office/drawing/2014/main" id="{06ADA361-78B1-C12F-637A-BDB14C510C41}"/>
+          <p:cNvPr id="99" name="Raute 98">
+            <a:extLst>
+              <a:ext uri="{FF2B5EF4-FFF2-40B4-BE49-F238E27FC236}">
+                <a16:creationId xmlns:a16="http://schemas.microsoft.com/office/drawing/2014/main" id="{1B6A6C03-B0D8-9A25-72B5-A584AAA7B594}"/>
               </a:ext>
             </a:extLst>
           </p:cNvPr>
@@ -5709,8 +5709,629 @@
         </p:nvSpPr>
         <p:spPr>
           <a:xfrm>
-            <a:off x="1273744" y="318361"/>
-            <a:ext cx="4187251" cy="413201"/>
+            <a:off x="5115485" y="2203250"/>
+            <a:ext cx="540000" cy="540000"/>
+          </a:xfrm>
+          <a:prstGeom prst="diamond">
+            <a:avLst/>
+          </a:prstGeom>
+          <a:noFill/>
+          <a:ln w="22225">
+            <a:solidFill>
+              <a:schemeClr val="tx1"/>
+            </a:solidFill>
+          </a:ln>
+        </p:spPr>
+        <p:style>
+          <a:lnRef idx="2">
+            <a:schemeClr val="accent1">
+              <a:shade val="15000"/>
+            </a:schemeClr>
+          </a:lnRef>
+          <a:fillRef idx="1">
+            <a:schemeClr val="accent1"/>
+          </a:fillRef>
+          <a:effectRef idx="0">
+            <a:schemeClr val="accent1"/>
+          </a:effectRef>
+          <a:fontRef idx="minor">
+            <a:schemeClr val="lt1"/>
+          </a:fontRef>
+        </p:style>
+        <p:txBody>
+          <a:bodyPr rtlCol="0" anchor="ctr"/>
+          <a:lstStyle/>
+          <a:p>
+            <a:pPr algn="ctr"/>
+            <a:endParaRPr lang="de-DE">
+              <a:latin typeface="Arial" panose="020B0604020202020204" pitchFamily="34" charset="0"/>
+              <a:cs typeface="Arial" panose="020B0604020202020204" pitchFamily="34" charset="0"/>
+            </a:endParaRPr>
+          </a:p>
+        </p:txBody>
+      </p:sp>
+      <p:sp>
+        <p:nvSpPr>
+          <p:cNvPr id="107" name="Gleichschenkliges Dreieck 106">
+            <a:extLst>
+              <a:ext uri="{FF2B5EF4-FFF2-40B4-BE49-F238E27FC236}">
+                <a16:creationId xmlns:a16="http://schemas.microsoft.com/office/drawing/2014/main" id="{BEF054C8-5C67-7E26-4510-087AA17C897A}"/>
+              </a:ext>
+            </a:extLst>
+          </p:cNvPr>
+          <p:cNvSpPr/>
+          <p:nvPr/>
+        </p:nvSpPr>
+        <p:spPr>
+          <a:xfrm>
+            <a:off x="1157107" y="1477463"/>
+            <a:ext cx="386648" cy="413201"/>
+          </a:xfrm>
+          <a:prstGeom prst="triangle">
+            <a:avLst/>
+          </a:prstGeom>
+          <a:noFill/>
+          <a:ln>
+            <a:noFill/>
+          </a:ln>
+        </p:spPr>
+        <p:style>
+          <a:lnRef idx="2">
+            <a:schemeClr val="accent1">
+              <a:shade val="15000"/>
+            </a:schemeClr>
+          </a:lnRef>
+          <a:fillRef idx="1">
+            <a:schemeClr val="accent1"/>
+          </a:fillRef>
+          <a:effectRef idx="0">
+            <a:schemeClr val="accent1"/>
+          </a:effectRef>
+          <a:fontRef idx="minor">
+            <a:schemeClr val="lt1"/>
+          </a:fontRef>
+        </p:style>
+        <p:txBody>
+          <a:bodyPr rtlCol="0" anchor="ctr"/>
+          <a:lstStyle/>
+          <a:p>
+            <a:pPr algn="ctr"/>
+            <a:endParaRPr lang="de-DE">
+              <a:latin typeface="Arial" panose="020B0604020202020204" pitchFamily="34" charset="0"/>
+              <a:cs typeface="Arial" panose="020B0604020202020204" pitchFamily="34" charset="0"/>
+            </a:endParaRPr>
+          </a:p>
+        </p:txBody>
+      </p:sp>
+      <p:sp>
+        <p:nvSpPr>
+          <p:cNvPr id="116" name="Gleichschenkliges Dreieck 115">
+            <a:extLst>
+              <a:ext uri="{FF2B5EF4-FFF2-40B4-BE49-F238E27FC236}">
+                <a16:creationId xmlns:a16="http://schemas.microsoft.com/office/drawing/2014/main" id="{0A1ACBBB-602E-B579-421B-DA4F504DA066}"/>
+              </a:ext>
+            </a:extLst>
+          </p:cNvPr>
+          <p:cNvSpPr/>
+          <p:nvPr/>
+        </p:nvSpPr>
+        <p:spPr>
+          <a:xfrm>
+            <a:off x="7471146" y="2215994"/>
+            <a:ext cx="386648" cy="413201"/>
+          </a:xfrm>
+          <a:prstGeom prst="triangle">
+            <a:avLst/>
+          </a:prstGeom>
+          <a:noFill/>
+          <a:ln>
+            <a:noFill/>
+          </a:ln>
+        </p:spPr>
+        <p:style>
+          <a:lnRef idx="2">
+            <a:schemeClr val="accent1">
+              <a:shade val="15000"/>
+            </a:schemeClr>
+          </a:lnRef>
+          <a:fillRef idx="1">
+            <a:schemeClr val="accent1"/>
+          </a:fillRef>
+          <a:effectRef idx="0">
+            <a:schemeClr val="accent1"/>
+          </a:effectRef>
+          <a:fontRef idx="minor">
+            <a:schemeClr val="lt1"/>
+          </a:fontRef>
+        </p:style>
+        <p:txBody>
+          <a:bodyPr rtlCol="0" anchor="ctr"/>
+          <a:lstStyle/>
+          <a:p>
+            <a:pPr algn="ctr"/>
+            <a:endParaRPr lang="de-DE">
+              <a:latin typeface="Arial" panose="020B0604020202020204" pitchFamily="34" charset="0"/>
+              <a:cs typeface="Arial" panose="020B0604020202020204" pitchFamily="34" charset="0"/>
+            </a:endParaRPr>
+          </a:p>
+        </p:txBody>
+      </p:sp>
+      <p:sp>
+        <p:nvSpPr>
+          <p:cNvPr id="137" name="Textfeld 136">
+            <a:extLst>
+              <a:ext uri="{FF2B5EF4-FFF2-40B4-BE49-F238E27FC236}">
+                <a16:creationId xmlns:a16="http://schemas.microsoft.com/office/drawing/2014/main" id="{34E739C3-78C8-AAA4-59F5-8FEFDA91C9AA}"/>
+              </a:ext>
+            </a:extLst>
+          </p:cNvPr>
+          <p:cNvSpPr txBox="1"/>
+          <p:nvPr/>
+        </p:nvSpPr>
+        <p:spPr>
+          <a:xfrm>
+            <a:off x="4205962" y="2112383"/>
+            <a:ext cx="954107" cy="707886"/>
+          </a:xfrm>
+          <a:prstGeom prst="rect">
+            <a:avLst/>
+          </a:prstGeom>
+          <a:noFill/>
+        </p:spPr>
+        <p:txBody>
+          <a:bodyPr wrap="none" rtlCol="0">
+            <a:spAutoFit/>
+          </a:bodyPr>
+          <a:lstStyle/>
+          <a:p>
+            <a:r>
+              <a:rPr lang="de-DE" sz="2000" dirty="0">
+                <a:latin typeface="Arial" panose="020B0604020202020204" pitchFamily="34" charset="0"/>
+                <a:cs typeface="Arial" panose="020B0604020202020204" pitchFamily="34" charset="0"/>
+              </a:rPr>
+              <a:t>Hoch/</a:t>
+            </a:r>
+          </a:p>
+          <a:p>
+            <a:r>
+              <a:rPr lang="de-DE" sz="2000" dirty="0">
+                <a:latin typeface="Arial" panose="020B0604020202020204" pitchFamily="34" charset="0"/>
+                <a:cs typeface="Arial" panose="020B0604020202020204" pitchFamily="34" charset="0"/>
+              </a:rPr>
+              <a:t>Runter</a:t>
+            </a:r>
+            <a:endParaRPr lang="de-DE" dirty="0">
+              <a:latin typeface="Arial" panose="020B0604020202020204" pitchFamily="34" charset="0"/>
+              <a:cs typeface="Arial" panose="020B0604020202020204" pitchFamily="34" charset="0"/>
+            </a:endParaRPr>
+          </a:p>
+        </p:txBody>
+      </p:sp>
+      <p:sp>
+        <p:nvSpPr>
+          <p:cNvPr id="190" name="Gleichschenkliges Dreieck 189">
+            <a:extLst>
+              <a:ext uri="{FF2B5EF4-FFF2-40B4-BE49-F238E27FC236}">
+                <a16:creationId xmlns:a16="http://schemas.microsoft.com/office/drawing/2014/main" id="{523C774D-86A1-4383-11ED-C0A938912EB5}"/>
+              </a:ext>
+            </a:extLst>
+          </p:cNvPr>
+          <p:cNvSpPr/>
+          <p:nvPr/>
+        </p:nvSpPr>
+        <p:spPr>
+          <a:xfrm>
+            <a:off x="1543833" y="6294508"/>
+            <a:ext cx="386648" cy="413201"/>
+          </a:xfrm>
+          <a:prstGeom prst="triangle">
+            <a:avLst/>
+          </a:prstGeom>
+          <a:noFill/>
+          <a:ln>
+            <a:noFill/>
+          </a:ln>
+        </p:spPr>
+        <p:style>
+          <a:lnRef idx="2">
+            <a:schemeClr val="accent1">
+              <a:shade val="15000"/>
+            </a:schemeClr>
+          </a:lnRef>
+          <a:fillRef idx="1">
+            <a:schemeClr val="accent1"/>
+          </a:fillRef>
+          <a:effectRef idx="0">
+            <a:schemeClr val="accent1"/>
+          </a:effectRef>
+          <a:fontRef idx="minor">
+            <a:schemeClr val="lt1"/>
+          </a:fontRef>
+        </p:style>
+        <p:txBody>
+          <a:bodyPr rtlCol="0" anchor="ctr"/>
+          <a:lstStyle/>
+          <a:p>
+            <a:pPr algn="ctr"/>
+            <a:endParaRPr lang="de-DE">
+              <a:latin typeface="Arial" panose="020B0604020202020204" pitchFamily="34" charset="0"/>
+              <a:cs typeface="Arial" panose="020B0604020202020204" pitchFamily="34" charset="0"/>
+            </a:endParaRPr>
+          </a:p>
+        </p:txBody>
+      </p:sp>
+      <p:sp>
+        <p:nvSpPr>
+          <p:cNvPr id="191" name="Gleichschenkliges Dreieck 190">
+            <a:extLst>
+              <a:ext uri="{FF2B5EF4-FFF2-40B4-BE49-F238E27FC236}">
+                <a16:creationId xmlns:a16="http://schemas.microsoft.com/office/drawing/2014/main" id="{8C9CD3EE-DEF9-39C4-3820-A524430316D1}"/>
+              </a:ext>
+            </a:extLst>
+          </p:cNvPr>
+          <p:cNvSpPr/>
+          <p:nvPr/>
+        </p:nvSpPr>
+        <p:spPr>
+          <a:xfrm>
+            <a:off x="0" y="6294507"/>
+            <a:ext cx="386648" cy="413201"/>
+          </a:xfrm>
+          <a:prstGeom prst="triangle">
+            <a:avLst/>
+          </a:prstGeom>
+          <a:noFill/>
+          <a:ln>
+            <a:noFill/>
+          </a:ln>
+        </p:spPr>
+        <p:style>
+          <a:lnRef idx="2">
+            <a:schemeClr val="accent1">
+              <a:shade val="15000"/>
+            </a:schemeClr>
+          </a:lnRef>
+          <a:fillRef idx="1">
+            <a:schemeClr val="accent1"/>
+          </a:fillRef>
+          <a:effectRef idx="0">
+            <a:schemeClr val="accent1"/>
+          </a:effectRef>
+          <a:fontRef idx="minor">
+            <a:schemeClr val="lt1"/>
+          </a:fontRef>
+        </p:style>
+        <p:txBody>
+          <a:bodyPr rtlCol="0" anchor="ctr"/>
+          <a:lstStyle/>
+          <a:p>
+            <a:pPr algn="ctr"/>
+            <a:endParaRPr lang="de-DE">
+              <a:latin typeface="Arial" panose="020B0604020202020204" pitchFamily="34" charset="0"/>
+              <a:cs typeface="Arial" panose="020B0604020202020204" pitchFamily="34" charset="0"/>
+            </a:endParaRPr>
+          </a:p>
+        </p:txBody>
+      </p:sp>
+      <p:sp>
+        <p:nvSpPr>
+          <p:cNvPr id="192" name="Gleichschenkliges Dreieck 191">
+            <a:extLst>
+              <a:ext uri="{FF2B5EF4-FFF2-40B4-BE49-F238E27FC236}">
+                <a16:creationId xmlns:a16="http://schemas.microsoft.com/office/drawing/2014/main" id="{6C4D326A-743D-8BC6-C985-7DF0099AD053}"/>
+              </a:ext>
+            </a:extLst>
+          </p:cNvPr>
+          <p:cNvSpPr/>
+          <p:nvPr/>
+        </p:nvSpPr>
+        <p:spPr>
+          <a:xfrm>
+            <a:off x="0" y="808476"/>
+            <a:ext cx="386648" cy="413201"/>
+          </a:xfrm>
+          <a:prstGeom prst="triangle">
+            <a:avLst/>
+          </a:prstGeom>
+          <a:noFill/>
+          <a:ln>
+            <a:noFill/>
+          </a:ln>
+        </p:spPr>
+        <p:style>
+          <a:lnRef idx="2">
+            <a:schemeClr val="accent1">
+              <a:shade val="15000"/>
+            </a:schemeClr>
+          </a:lnRef>
+          <a:fillRef idx="1">
+            <a:schemeClr val="accent1"/>
+          </a:fillRef>
+          <a:effectRef idx="0">
+            <a:schemeClr val="accent1"/>
+          </a:effectRef>
+          <a:fontRef idx="minor">
+            <a:schemeClr val="lt1"/>
+          </a:fontRef>
+        </p:style>
+        <p:txBody>
+          <a:bodyPr rtlCol="0" anchor="ctr"/>
+          <a:lstStyle/>
+          <a:p>
+            <a:pPr algn="ctr"/>
+            <a:endParaRPr lang="de-DE">
+              <a:latin typeface="Arial" panose="020B0604020202020204" pitchFamily="34" charset="0"/>
+              <a:cs typeface="Arial" panose="020B0604020202020204" pitchFamily="34" charset="0"/>
+            </a:endParaRPr>
+          </a:p>
+        </p:txBody>
+      </p:sp>
+      <p:sp>
+        <p:nvSpPr>
+          <p:cNvPr id="246" name="Gleichschenkliges Dreieck 245">
+            <a:extLst>
+              <a:ext uri="{FF2B5EF4-FFF2-40B4-BE49-F238E27FC236}">
+                <a16:creationId xmlns:a16="http://schemas.microsoft.com/office/drawing/2014/main" id="{C6C81B00-B3D5-0C6A-9F64-BC3671518CAE}"/>
+              </a:ext>
+            </a:extLst>
+          </p:cNvPr>
+          <p:cNvSpPr/>
+          <p:nvPr/>
+        </p:nvSpPr>
+        <p:spPr>
+          <a:xfrm>
+            <a:off x="152501" y="5991225"/>
+            <a:ext cx="386648" cy="413201"/>
+          </a:xfrm>
+          <a:prstGeom prst="triangle">
+            <a:avLst/>
+          </a:prstGeom>
+          <a:noFill/>
+          <a:ln>
+            <a:noFill/>
+          </a:ln>
+        </p:spPr>
+        <p:style>
+          <a:lnRef idx="2">
+            <a:schemeClr val="accent1">
+              <a:shade val="15000"/>
+            </a:schemeClr>
+          </a:lnRef>
+          <a:fillRef idx="1">
+            <a:schemeClr val="accent1"/>
+          </a:fillRef>
+          <a:effectRef idx="0">
+            <a:schemeClr val="accent1"/>
+          </a:effectRef>
+          <a:fontRef idx="minor">
+            <a:schemeClr val="lt1"/>
+          </a:fontRef>
+        </p:style>
+        <p:txBody>
+          <a:bodyPr rtlCol="0" anchor="ctr"/>
+          <a:lstStyle/>
+          <a:p>
+            <a:pPr algn="ctr"/>
+            <a:endParaRPr lang="de-DE">
+              <a:latin typeface="Arial" panose="020B0604020202020204" pitchFamily="34" charset="0"/>
+              <a:cs typeface="Arial" panose="020B0604020202020204" pitchFamily="34" charset="0"/>
+            </a:endParaRPr>
+          </a:p>
+        </p:txBody>
+      </p:sp>
+      <p:sp>
+        <p:nvSpPr>
+          <p:cNvPr id="262" name="Gleichschenkliges Dreieck 261">
+            <a:extLst>
+              <a:ext uri="{FF2B5EF4-FFF2-40B4-BE49-F238E27FC236}">
+                <a16:creationId xmlns:a16="http://schemas.microsoft.com/office/drawing/2014/main" id="{C7D84C4C-2396-6DA8-E7CE-335D1B639321}"/>
+              </a:ext>
+            </a:extLst>
+          </p:cNvPr>
+          <p:cNvSpPr/>
+          <p:nvPr/>
+        </p:nvSpPr>
+        <p:spPr>
+          <a:xfrm>
+            <a:off x="11894980" y="809776"/>
+            <a:ext cx="386648" cy="413201"/>
+          </a:xfrm>
+          <a:prstGeom prst="triangle">
+            <a:avLst/>
+          </a:prstGeom>
+          <a:noFill/>
+          <a:ln>
+            <a:noFill/>
+          </a:ln>
+        </p:spPr>
+        <p:style>
+          <a:lnRef idx="2">
+            <a:schemeClr val="accent1">
+              <a:shade val="15000"/>
+            </a:schemeClr>
+          </a:lnRef>
+          <a:fillRef idx="1">
+            <a:schemeClr val="accent1"/>
+          </a:fillRef>
+          <a:effectRef idx="0">
+            <a:schemeClr val="accent1"/>
+          </a:effectRef>
+          <a:fontRef idx="minor">
+            <a:schemeClr val="lt1"/>
+          </a:fontRef>
+        </p:style>
+        <p:txBody>
+          <a:bodyPr rtlCol="0" anchor="ctr"/>
+          <a:lstStyle/>
+          <a:p>
+            <a:pPr algn="ctr"/>
+            <a:endParaRPr lang="de-DE">
+              <a:latin typeface="Arial" panose="020B0604020202020204" pitchFamily="34" charset="0"/>
+              <a:cs typeface="Arial" panose="020B0604020202020204" pitchFamily="34" charset="0"/>
+            </a:endParaRPr>
+          </a:p>
+        </p:txBody>
+      </p:sp>
+      <p:sp>
+        <p:nvSpPr>
+          <p:cNvPr id="279" name="Flussdiagramm: Verbinder 278">
+            <a:extLst>
+              <a:ext uri="{FF2B5EF4-FFF2-40B4-BE49-F238E27FC236}">
+                <a16:creationId xmlns:a16="http://schemas.microsoft.com/office/drawing/2014/main" id="{A36BFDE3-B129-6E7C-A369-D069A4C47D4B}"/>
+              </a:ext>
+            </a:extLst>
+          </p:cNvPr>
+          <p:cNvSpPr/>
+          <p:nvPr/>
+        </p:nvSpPr>
+        <p:spPr>
+          <a:xfrm>
+            <a:off x="472752" y="434961"/>
+            <a:ext cx="180000" cy="180000"/>
+          </a:xfrm>
+          <a:prstGeom prst="flowChartConnector">
+            <a:avLst/>
+          </a:prstGeom>
+          <a:solidFill>
+            <a:schemeClr val="tx1"/>
+          </a:solidFill>
+          <a:ln>
+            <a:noFill/>
+          </a:ln>
+        </p:spPr>
+        <p:style>
+          <a:lnRef idx="2">
+            <a:schemeClr val="accent1">
+              <a:shade val="15000"/>
+            </a:schemeClr>
+          </a:lnRef>
+          <a:fillRef idx="1">
+            <a:schemeClr val="accent1"/>
+          </a:fillRef>
+          <a:effectRef idx="0">
+            <a:schemeClr val="accent1"/>
+          </a:effectRef>
+          <a:fontRef idx="minor">
+            <a:schemeClr val="lt1"/>
+          </a:fontRef>
+        </p:style>
+        <p:txBody>
+          <a:bodyPr rtlCol="0" anchor="ctr"/>
+          <a:lstStyle/>
+          <a:p>
+            <a:pPr algn="ctr"/>
+            <a:endParaRPr lang="de-DE" dirty="0">
+              <a:latin typeface="Arial" panose="020B0604020202020204" pitchFamily="34" charset="0"/>
+              <a:cs typeface="Arial" panose="020B0604020202020204" pitchFamily="34" charset="0"/>
+            </a:endParaRPr>
+          </a:p>
+        </p:txBody>
+      </p:sp>
+      <p:cxnSp>
+        <p:nvCxnSpPr>
+          <p:cNvPr id="280" name="Gerader Verbinder 279">
+            <a:extLst>
+              <a:ext uri="{FF2B5EF4-FFF2-40B4-BE49-F238E27FC236}">
+                <a16:creationId xmlns:a16="http://schemas.microsoft.com/office/drawing/2014/main" id="{40789498-213E-8F22-9D4B-FB88475C8F0B}"/>
+              </a:ext>
+            </a:extLst>
+          </p:cNvPr>
+          <p:cNvCxnSpPr>
+            <a:cxnSpLocks/>
+            <a:stCxn id="2" idx="1"/>
+            <a:endCxn id="279" idx="6"/>
+          </p:cNvCxnSpPr>
+          <p:nvPr/>
+        </p:nvCxnSpPr>
+        <p:spPr>
+          <a:xfrm flipH="1">
+            <a:off x="652752" y="524961"/>
+            <a:ext cx="4182696" cy="0"/>
+          </a:xfrm>
+          <a:prstGeom prst="line">
+            <a:avLst/>
+          </a:prstGeom>
+          <a:ln w="19050">
+            <a:solidFill>
+              <a:schemeClr val="tx1"/>
+            </a:solidFill>
+            <a:headEnd type="triangle" w="lg" len="lg"/>
+            <a:tailEnd type="none"/>
+          </a:ln>
+        </p:spPr>
+        <p:style>
+          <a:lnRef idx="1">
+            <a:schemeClr val="accent1"/>
+          </a:lnRef>
+          <a:fillRef idx="0">
+            <a:schemeClr val="accent1"/>
+          </a:fillRef>
+          <a:effectRef idx="0">
+            <a:schemeClr val="accent1"/>
+          </a:effectRef>
+          <a:fontRef idx="minor">
+            <a:schemeClr val="tx1"/>
+          </a:fontRef>
+        </p:style>
+      </p:cxnSp>
+      <p:sp>
+        <p:nvSpPr>
+          <p:cNvPr id="284" name="Textfeld 283">
+            <a:extLst>
+              <a:ext uri="{FF2B5EF4-FFF2-40B4-BE49-F238E27FC236}">
+                <a16:creationId xmlns:a16="http://schemas.microsoft.com/office/drawing/2014/main" id="{08613F79-F417-F07D-9152-785121B0ECCC}"/>
+              </a:ext>
+            </a:extLst>
+          </p:cNvPr>
+          <p:cNvSpPr txBox="1"/>
+          <p:nvPr/>
+        </p:nvSpPr>
+        <p:spPr>
+          <a:xfrm>
+            <a:off x="200313" y="79851"/>
+            <a:ext cx="724878" cy="400110"/>
+          </a:xfrm>
+          <a:prstGeom prst="rect">
+            <a:avLst/>
+          </a:prstGeom>
+          <a:noFill/>
+        </p:spPr>
+        <p:txBody>
+          <a:bodyPr wrap="none" rtlCol="0">
+            <a:spAutoFit/>
+          </a:bodyPr>
+          <a:lstStyle/>
+          <a:p>
+            <a:r>
+              <a:rPr lang="de-DE" sz="2000" dirty="0">
+                <a:latin typeface="Arial" panose="020B0604020202020204" pitchFamily="34" charset="0"/>
+                <a:cs typeface="Arial" panose="020B0604020202020204" pitchFamily="34" charset="0"/>
+              </a:rPr>
+              <a:t>Start</a:t>
+            </a:r>
+            <a:endParaRPr lang="de-DE" dirty="0">
+              <a:latin typeface="Arial" panose="020B0604020202020204" pitchFamily="34" charset="0"/>
+              <a:cs typeface="Arial" panose="020B0604020202020204" pitchFamily="34" charset="0"/>
+            </a:endParaRPr>
+          </a:p>
+        </p:txBody>
+      </p:sp>
+      <p:sp>
+        <p:nvSpPr>
+          <p:cNvPr id="2" name="Rechteck: abgerundete Ecken 1">
+            <a:extLst>
+              <a:ext uri="{FF2B5EF4-FFF2-40B4-BE49-F238E27FC236}">
+                <a16:creationId xmlns:a16="http://schemas.microsoft.com/office/drawing/2014/main" id="{8ECCDD8D-AE04-7C55-1F85-20FDBDDD22E2}"/>
+              </a:ext>
+            </a:extLst>
+          </p:cNvPr>
+          <p:cNvSpPr/>
+          <p:nvPr/>
+        </p:nvSpPr>
+        <p:spPr>
+          <a:xfrm>
+            <a:off x="4835448" y="318360"/>
+            <a:ext cx="1086559" cy="413201"/>
           </a:xfrm>
           <a:prstGeom prst="roundRect">
             <a:avLst>
@@ -5878,24 +6499,31 @@
           <a:p>
             <a:pPr algn="ctr"/>
             <a:r>
-              <a:rPr lang="de-DE" sz="2000" dirty="0">
+              <a:rPr lang="de-DE" sz="2000" dirty="0" err="1">
                 <a:solidFill>
                   <a:schemeClr val="tx1"/>
                 </a:solidFill>
                 <a:latin typeface="Arial" panose="020B0604020202020204" pitchFamily="34" charset="0"/>
                 <a:cs typeface="Arial" panose="020B0604020202020204" pitchFamily="34" charset="0"/>
               </a:rPr>
-              <a:t>Register schreiben (Konfiguration)</a:t>
+              <a:t>setup</a:t>
             </a:r>
-          </a:p>
-        </p:txBody>
-      </p:sp>
-      <p:sp>
-        <p:nvSpPr>
-          <p:cNvPr id="90" name="Rechteck: abgerundete Ecken 89">
-            <a:extLst>
-              <a:ext uri="{FF2B5EF4-FFF2-40B4-BE49-F238E27FC236}">
-                <a16:creationId xmlns:a16="http://schemas.microsoft.com/office/drawing/2014/main" id="{7249A165-D594-61D9-0527-10D937D5A6BE}"/>
+            <a:endParaRPr lang="de-DE" sz="2000" dirty="0">
+              <a:solidFill>
+                <a:schemeClr val="tx1"/>
+              </a:solidFill>
+              <a:latin typeface="Arial" panose="020B0604020202020204" pitchFamily="34" charset="0"/>
+              <a:cs typeface="Arial" panose="020B0604020202020204" pitchFamily="34" charset="0"/>
+            </a:endParaRPr>
+          </a:p>
+        </p:txBody>
+      </p:sp>
+      <p:sp>
+        <p:nvSpPr>
+          <p:cNvPr id="11" name="Rechteck: abgerundete Ecken 10">
+            <a:extLst>
+              <a:ext uri="{FF2B5EF4-FFF2-40B4-BE49-F238E27FC236}">
+                <a16:creationId xmlns:a16="http://schemas.microsoft.com/office/drawing/2014/main" id="{B3B6F499-EDC4-B7EA-8B11-51DF32CE4597}"/>
               </a:ext>
             </a:extLst>
           </p:cNvPr>
@@ -5904,8 +6532,8 @@
         </p:nvSpPr>
         <p:spPr>
           <a:xfrm>
-            <a:off x="982133" y="2160665"/>
-            <a:ext cx="1123244" cy="413201"/>
+            <a:off x="4705082" y="1589023"/>
+            <a:ext cx="1360219" cy="413201"/>
           </a:xfrm>
           <a:prstGeom prst="roundRect">
             <a:avLst>
@@ -6080,37 +6708,17 @@
                 <a:latin typeface="Arial" panose="020B0604020202020204" pitchFamily="34" charset="0"/>
                 <a:cs typeface="Arial" panose="020B0604020202020204" pitchFamily="34" charset="0"/>
               </a:rPr>
-              <a:t>„</a:t>
+              <a:t>Eingabe</a:t>
             </a:r>
-            <a:r>
-              <a:rPr lang="de-DE" sz="2000" dirty="0" err="1">
-                <a:solidFill>
-                  <a:schemeClr val="tx1"/>
-                </a:solidFill>
-                <a:latin typeface="Arial" panose="020B0604020202020204" pitchFamily="34" charset="0"/>
-                <a:cs typeface="Arial" panose="020B0604020202020204" pitchFamily="34" charset="0"/>
-              </a:rPr>
-              <a:t>sleep</a:t>
-            </a:r>
-            <a:r>
-              <a:rPr lang="de-DE" sz="2000" dirty="0">
-                <a:solidFill>
-                  <a:schemeClr val="tx1"/>
-                </a:solidFill>
-                <a:latin typeface="Arial" panose="020B0604020202020204" pitchFamily="34" charset="0"/>
-                <a:cs typeface="Arial" panose="020B0604020202020204" pitchFamily="34" charset="0"/>
-              </a:rPr>
-              <a:t>“</a:t>
-            </a:r>
-          </a:p>
-        </p:txBody>
-      </p:sp>
-      <p:sp>
-        <p:nvSpPr>
-          <p:cNvPr id="91" name="Rechteck: abgerundete Ecken 90">
-            <a:extLst>
-              <a:ext uri="{FF2B5EF4-FFF2-40B4-BE49-F238E27FC236}">
-                <a16:creationId xmlns:a16="http://schemas.microsoft.com/office/drawing/2014/main" id="{CFDF302B-AA0B-FA32-1121-064487AC2106}"/>
+          </a:p>
+        </p:txBody>
+      </p:sp>
+      <p:sp>
+        <p:nvSpPr>
+          <p:cNvPr id="12" name="Rechteck: abgerundete Ecken 11">
+            <a:extLst>
+              <a:ext uri="{FF2B5EF4-FFF2-40B4-BE49-F238E27FC236}">
+                <a16:creationId xmlns:a16="http://schemas.microsoft.com/office/drawing/2014/main" id="{3614F78D-97F9-A296-3DF6-916E26EE40AE}"/>
               </a:ext>
             </a:extLst>
           </p:cNvPr>
@@ -6119,8 +6727,8 @@
         </p:nvSpPr>
         <p:spPr>
           <a:xfrm>
-            <a:off x="510812" y="5894102"/>
-            <a:ext cx="2065866" cy="413201"/>
+            <a:off x="3997110" y="939603"/>
+            <a:ext cx="2772762" cy="413201"/>
           </a:xfrm>
           <a:prstGeom prst="roundRect">
             <a:avLst>
@@ -6295,37 +6903,55 @@
                 <a:latin typeface="Arial" panose="020B0604020202020204" pitchFamily="34" charset="0"/>
                 <a:cs typeface="Arial" panose="020B0604020202020204" pitchFamily="34" charset="0"/>
               </a:rPr>
-              <a:t>„</a:t>
+              <a:t>Anzeige aktualisieren</a:t>
             </a:r>
+          </a:p>
+        </p:txBody>
+      </p:sp>
+      <p:sp>
+        <p:nvSpPr>
+          <p:cNvPr id="15" name="Textfeld 14">
+            <a:extLst>
+              <a:ext uri="{FF2B5EF4-FFF2-40B4-BE49-F238E27FC236}">
+                <a16:creationId xmlns:a16="http://schemas.microsoft.com/office/drawing/2014/main" id="{BA55E072-EB91-EF1D-EB10-4FFA79315B5C}"/>
+              </a:ext>
+            </a:extLst>
+          </p:cNvPr>
+          <p:cNvSpPr txBox="1"/>
+          <p:nvPr/>
+        </p:nvSpPr>
+        <p:spPr>
+          <a:xfrm>
+            <a:off x="5696573" y="2159160"/>
+            <a:ext cx="518091" cy="369332"/>
+          </a:xfrm>
+          <a:prstGeom prst="rect">
+            <a:avLst/>
+          </a:prstGeom>
+          <a:noFill/>
+        </p:spPr>
+        <p:txBody>
+          <a:bodyPr wrap="none" rtlCol="0">
+            <a:spAutoFit/>
+          </a:bodyPr>
+          <a:lstStyle/>
+          <a:p>
             <a:r>
-              <a:rPr lang="de-DE" sz="2000" dirty="0" err="1">
-                <a:solidFill>
-                  <a:schemeClr val="tx1"/>
-                </a:solidFill>
+              <a:rPr lang="de-DE" dirty="0">
                 <a:latin typeface="Arial" panose="020B0604020202020204" pitchFamily="34" charset="0"/>
                 <a:cs typeface="Arial" panose="020B0604020202020204" pitchFamily="34" charset="0"/>
               </a:rPr>
-              <a:t>measurement</a:t>
+              <a:t>OK</a:t>
             </a:r>
-            <a:r>
-              <a:rPr lang="de-DE" sz="2000" dirty="0">
-                <a:solidFill>
-                  <a:schemeClr val="tx1"/>
-                </a:solidFill>
-                <a:latin typeface="Arial" panose="020B0604020202020204" pitchFamily="34" charset="0"/>
-                <a:cs typeface="Arial" panose="020B0604020202020204" pitchFamily="34" charset="0"/>
-              </a:rPr>
-              <a:t>“</a:t>
-            </a:r>
-          </a:p>
-        </p:txBody>
-      </p:sp>
-      <p:sp>
-        <p:nvSpPr>
-          <p:cNvPr id="92" name="Rechteck: abgerundete Ecken 91">
-            <a:extLst>
-              <a:ext uri="{FF2B5EF4-FFF2-40B4-BE49-F238E27FC236}">
-                <a16:creationId xmlns:a16="http://schemas.microsoft.com/office/drawing/2014/main" id="{B82653FE-3B60-8FD9-43D6-213931B56EA2}"/>
+          </a:p>
+        </p:txBody>
+      </p:sp>
+      <p:sp>
+        <p:nvSpPr>
+          <p:cNvPr id="16" name="Rechteck: abgerundete Ecken 15">
+            <a:extLst>
+              <a:ext uri="{FF2B5EF4-FFF2-40B4-BE49-F238E27FC236}">
+                <a16:creationId xmlns:a16="http://schemas.microsoft.com/office/drawing/2014/main" id="{388F4E25-9A0E-2D3D-29B1-D55D3CCD9A41}"/>
               </a:ext>
             </a:extLst>
           </p:cNvPr>
@@ -6334,8 +6960,8 @@
         </p:nvSpPr>
         <p:spPr>
           <a:xfrm>
-            <a:off x="4039891" y="4500259"/>
-            <a:ext cx="1298222" cy="413201"/>
+            <a:off x="1573590" y="2261837"/>
+            <a:ext cx="2466115" cy="413201"/>
           </a:xfrm>
           <a:prstGeom prst="roundRect">
             <a:avLst>
@@ -6510,17 +7136,17 @@
                 <a:latin typeface="Arial" panose="020B0604020202020204" pitchFamily="34" charset="0"/>
                 <a:cs typeface="Arial" panose="020B0604020202020204" pitchFamily="34" charset="0"/>
               </a:rPr>
-              <a:t>Interrupt</a:t>
+              <a:t>Index anpassen</a:t>
             </a:r>
           </a:p>
         </p:txBody>
       </p:sp>
       <p:sp>
         <p:nvSpPr>
-          <p:cNvPr id="93" name="Rechteck: abgerundete Ecken 92">
-            <a:extLst>
-              <a:ext uri="{FF2B5EF4-FFF2-40B4-BE49-F238E27FC236}">
-                <a16:creationId xmlns:a16="http://schemas.microsoft.com/office/drawing/2014/main" id="{7F8D36D3-97F4-93AA-0DDE-4A4F0EFBC4E9}"/>
+          <p:cNvPr id="17" name="Rechteck: abgerundete Ecken 16">
+            <a:extLst>
+              <a:ext uri="{FF2B5EF4-FFF2-40B4-BE49-F238E27FC236}">
+                <a16:creationId xmlns:a16="http://schemas.microsoft.com/office/drawing/2014/main" id="{D7E15F9C-06C7-4BE3-D6BE-15823CCD478F}"/>
               </a:ext>
             </a:extLst>
           </p:cNvPr>
@@ -6529,8 +7155,8 @@
         </p:nvSpPr>
         <p:spPr>
           <a:xfrm>
-            <a:off x="6469946" y="3589095"/>
-            <a:ext cx="1315155" cy="413201"/>
+            <a:off x="6400217" y="2259726"/>
+            <a:ext cx="2466115" cy="413201"/>
           </a:xfrm>
           <a:prstGeom prst="roundRect">
             <a:avLst>
@@ -6705,17 +7331,17 @@
                 <a:latin typeface="Arial" panose="020B0604020202020204" pitchFamily="34" charset="0"/>
                 <a:cs typeface="Arial" panose="020B0604020202020204" pitchFamily="34" charset="0"/>
               </a:rPr>
-              <a:t>Interrupt</a:t>
+              <a:t>Eintrag überprüfen</a:t>
             </a:r>
           </a:p>
         </p:txBody>
       </p:sp>
       <p:sp>
         <p:nvSpPr>
-          <p:cNvPr id="94" name="Rechteck: abgerundete Ecken 93">
-            <a:extLst>
-              <a:ext uri="{FF2B5EF4-FFF2-40B4-BE49-F238E27FC236}">
-                <a16:creationId xmlns:a16="http://schemas.microsoft.com/office/drawing/2014/main" id="{AD6CFD25-9AC7-D35C-2FA6-C4C0731BECAB}"/>
+          <p:cNvPr id="19" name="Raute 18">
+            <a:extLst>
+              <a:ext uri="{FF2B5EF4-FFF2-40B4-BE49-F238E27FC236}">
+                <a16:creationId xmlns:a16="http://schemas.microsoft.com/office/drawing/2014/main" id="{E85D0F0C-841A-E06B-E24D-E2848A7DD6CE}"/>
               </a:ext>
             </a:extLst>
           </p:cNvPr>
@@ -6724,8 +7350,139 @@
         </p:nvSpPr>
         <p:spPr>
           <a:xfrm>
-            <a:off x="8747479" y="2160664"/>
-            <a:ext cx="1213555" cy="413201"/>
+            <a:off x="7363947" y="3317680"/>
+            <a:ext cx="540000" cy="540000"/>
+          </a:xfrm>
+          <a:prstGeom prst="diamond">
+            <a:avLst/>
+          </a:prstGeom>
+          <a:noFill/>
+          <a:ln w="22225">
+            <a:solidFill>
+              <a:schemeClr val="tx1"/>
+            </a:solidFill>
+          </a:ln>
+        </p:spPr>
+        <p:style>
+          <a:lnRef idx="2">
+            <a:schemeClr val="accent1">
+              <a:shade val="15000"/>
+            </a:schemeClr>
+          </a:lnRef>
+          <a:fillRef idx="1">
+            <a:schemeClr val="accent1"/>
+          </a:fillRef>
+          <a:effectRef idx="0">
+            <a:schemeClr val="accent1"/>
+          </a:effectRef>
+          <a:fontRef idx="minor">
+            <a:schemeClr val="lt1"/>
+          </a:fontRef>
+        </p:style>
+        <p:txBody>
+          <a:bodyPr rtlCol="0" anchor="ctr"/>
+          <a:lstStyle/>
+          <a:p>
+            <a:pPr algn="ctr"/>
+            <a:endParaRPr lang="de-DE">
+              <a:latin typeface="Arial" panose="020B0604020202020204" pitchFamily="34" charset="0"/>
+              <a:cs typeface="Arial" panose="020B0604020202020204" pitchFamily="34" charset="0"/>
+            </a:endParaRPr>
+          </a:p>
+        </p:txBody>
+      </p:sp>
+      <p:sp>
+        <p:nvSpPr>
+          <p:cNvPr id="20" name="Textfeld 19">
+            <a:extLst>
+              <a:ext uri="{FF2B5EF4-FFF2-40B4-BE49-F238E27FC236}">
+                <a16:creationId xmlns:a16="http://schemas.microsoft.com/office/drawing/2014/main" id="{321B3C5D-CDE7-B508-CF3B-21FB900F9E5E}"/>
+              </a:ext>
+            </a:extLst>
+          </p:cNvPr>
+          <p:cNvSpPr txBox="1"/>
+          <p:nvPr/>
+        </p:nvSpPr>
+        <p:spPr>
+          <a:xfrm>
+            <a:off x="7844410" y="3282473"/>
+            <a:ext cx="1069524" cy="369332"/>
+          </a:xfrm>
+          <a:prstGeom prst="rect">
+            <a:avLst/>
+          </a:prstGeom>
+          <a:noFill/>
+        </p:spPr>
+        <p:txBody>
+          <a:bodyPr wrap="none" rtlCol="0">
+            <a:spAutoFit/>
+          </a:bodyPr>
+          <a:lstStyle/>
+          <a:p>
+            <a:r>
+              <a:rPr lang="de-DE" dirty="0">
+                <a:latin typeface="Arial" panose="020B0604020202020204" pitchFamily="34" charset="0"/>
+                <a:cs typeface="Arial" panose="020B0604020202020204" pitchFamily="34" charset="0"/>
+              </a:rPr>
+              <a:t>Funktion</a:t>
+            </a:r>
+          </a:p>
+        </p:txBody>
+      </p:sp>
+      <p:sp>
+        <p:nvSpPr>
+          <p:cNvPr id="21" name="Textfeld 20">
+            <a:extLst>
+              <a:ext uri="{FF2B5EF4-FFF2-40B4-BE49-F238E27FC236}">
+                <a16:creationId xmlns:a16="http://schemas.microsoft.com/office/drawing/2014/main" id="{4AB53CF8-A614-948A-E6B7-323400ADD44C}"/>
+              </a:ext>
+            </a:extLst>
+          </p:cNvPr>
+          <p:cNvSpPr txBox="1"/>
+          <p:nvPr/>
+        </p:nvSpPr>
+        <p:spPr>
+          <a:xfrm>
+            <a:off x="5779303" y="3258658"/>
+            <a:ext cx="1595309" cy="369332"/>
+          </a:xfrm>
+          <a:prstGeom prst="rect">
+            <a:avLst/>
+          </a:prstGeom>
+          <a:noFill/>
+        </p:spPr>
+        <p:txBody>
+          <a:bodyPr wrap="none" rtlCol="0">
+            <a:spAutoFit/>
+          </a:bodyPr>
+          <a:lstStyle/>
+          <a:p>
+            <a:r>
+              <a:rPr lang="de-DE" dirty="0">
+                <a:latin typeface="Arial" panose="020B0604020202020204" pitchFamily="34" charset="0"/>
+                <a:cs typeface="Arial" panose="020B0604020202020204" pitchFamily="34" charset="0"/>
+              </a:rPr>
+              <a:t>Menüwechsel</a:t>
+            </a:r>
+          </a:p>
+        </p:txBody>
+      </p:sp>
+      <p:sp>
+        <p:nvSpPr>
+          <p:cNvPr id="23" name="Rechteck: abgerundete Ecken 22">
+            <a:extLst>
+              <a:ext uri="{FF2B5EF4-FFF2-40B4-BE49-F238E27FC236}">
+                <a16:creationId xmlns:a16="http://schemas.microsoft.com/office/drawing/2014/main" id="{62DE994B-3C51-74C3-8EEE-623428051B47}"/>
+              </a:ext>
+            </a:extLst>
+          </p:cNvPr>
+          <p:cNvSpPr/>
+          <p:nvPr/>
+        </p:nvSpPr>
+        <p:spPr>
+          <a:xfrm>
+            <a:off x="2056827" y="3379602"/>
+            <a:ext cx="3031056" cy="413201"/>
           </a:xfrm>
           <a:prstGeom prst="roundRect">
             <a:avLst>
@@ -6900,37 +7657,17 @@
                 <a:latin typeface="Arial" panose="020B0604020202020204" pitchFamily="34" charset="0"/>
                 <a:cs typeface="Arial" panose="020B0604020202020204" pitchFamily="34" charset="0"/>
               </a:rPr>
-              <a:t>„</a:t>
+              <a:t>Menüeintrag wechseln</a:t>
             </a:r>
-            <a:r>
-              <a:rPr lang="de-DE" sz="2000" dirty="0" err="1">
-                <a:solidFill>
-                  <a:schemeClr val="tx1"/>
-                </a:solidFill>
-                <a:latin typeface="Arial" panose="020B0604020202020204" pitchFamily="34" charset="0"/>
-                <a:cs typeface="Arial" panose="020B0604020202020204" pitchFamily="34" charset="0"/>
-              </a:rPr>
-              <a:t>awake</a:t>
-            </a:r>
-            <a:r>
-              <a:rPr lang="de-DE" sz="2000" dirty="0">
-                <a:solidFill>
-                  <a:schemeClr val="tx1"/>
-                </a:solidFill>
-                <a:latin typeface="Arial" panose="020B0604020202020204" pitchFamily="34" charset="0"/>
-                <a:cs typeface="Arial" panose="020B0604020202020204" pitchFamily="34" charset="0"/>
-              </a:rPr>
-              <a:t>“</a:t>
-            </a:r>
-          </a:p>
-        </p:txBody>
-      </p:sp>
-      <p:sp>
-        <p:nvSpPr>
-          <p:cNvPr id="95" name="Rechteck: abgerundete Ecken 94">
-            <a:extLst>
-              <a:ext uri="{FF2B5EF4-FFF2-40B4-BE49-F238E27FC236}">
-                <a16:creationId xmlns:a16="http://schemas.microsoft.com/office/drawing/2014/main" id="{8AB18AEA-6F77-437F-F3B4-0902F8ECCFBC}"/>
+          </a:p>
+        </p:txBody>
+      </p:sp>
+      <p:sp>
+        <p:nvSpPr>
+          <p:cNvPr id="24" name="Rechteck: abgerundete Ecken 23">
+            <a:extLst>
+              <a:ext uri="{FF2B5EF4-FFF2-40B4-BE49-F238E27FC236}">
+                <a16:creationId xmlns:a16="http://schemas.microsoft.com/office/drawing/2014/main" id="{EE318285-6981-4826-BB13-2A75482570B5}"/>
               </a:ext>
             </a:extLst>
           </p:cNvPr>
@@ -6939,8 +7676,8 @@
         </p:nvSpPr>
         <p:spPr>
           <a:xfrm>
-            <a:off x="7785101" y="4502923"/>
-            <a:ext cx="1924755" cy="413201"/>
+            <a:off x="5662809" y="6088301"/>
+            <a:ext cx="2323962" cy="619407"/>
           </a:xfrm>
           <a:prstGeom prst="roundRect">
             <a:avLst>
@@ -7115,17 +7852,144 @@
                 <a:latin typeface="Arial" panose="020B0604020202020204" pitchFamily="34" charset="0"/>
                 <a:cs typeface="Arial" panose="020B0604020202020204" pitchFamily="34" charset="0"/>
               </a:rPr>
-              <a:t>Status = Aktiv</a:t>
+              <a:t>IR-Modul:</a:t>
             </a:r>
           </a:p>
-        </p:txBody>
-      </p:sp>
-      <p:sp>
-        <p:nvSpPr>
-          <p:cNvPr id="96" name="Rechteck: abgerundete Ecken 95">
-            <a:extLst>
-              <a:ext uri="{FF2B5EF4-FFF2-40B4-BE49-F238E27FC236}">
-                <a16:creationId xmlns:a16="http://schemas.microsoft.com/office/drawing/2014/main" id="{DD073FE4-5375-FE14-4BB6-19D86BA4A380}"/>
+          <a:p>
+            <a:pPr algn="ctr"/>
+            <a:r>
+              <a:rPr lang="de-DE" sz="2000" dirty="0">
+                <a:solidFill>
+                  <a:schemeClr val="tx1"/>
+                </a:solidFill>
+                <a:latin typeface="Arial" panose="020B0604020202020204" pitchFamily="34" charset="0"/>
+                <a:cs typeface="Arial" panose="020B0604020202020204" pitchFamily="34" charset="0"/>
+              </a:rPr>
+              <a:t>Senden</a:t>
+            </a:r>
+          </a:p>
+        </p:txBody>
+      </p:sp>
+      <p:sp>
+        <p:nvSpPr>
+          <p:cNvPr id="25" name="Textfeld 24">
+            <a:extLst>
+              <a:ext uri="{FF2B5EF4-FFF2-40B4-BE49-F238E27FC236}">
+                <a16:creationId xmlns:a16="http://schemas.microsoft.com/office/drawing/2014/main" id="{35601750-5FD7-0953-36B3-B96224FCFB49}"/>
+              </a:ext>
+            </a:extLst>
+          </p:cNvPr>
+          <p:cNvSpPr txBox="1"/>
+          <p:nvPr/>
+        </p:nvSpPr>
+        <p:spPr>
+          <a:xfrm>
+            <a:off x="6878039" y="5300505"/>
+            <a:ext cx="979755" cy="369332"/>
+          </a:xfrm>
+          <a:prstGeom prst="rect">
+            <a:avLst/>
+          </a:prstGeom>
+          <a:noFill/>
+        </p:spPr>
+        <p:txBody>
+          <a:bodyPr wrap="none" rtlCol="0">
+            <a:spAutoFit/>
+          </a:bodyPr>
+          <a:lstStyle/>
+          <a:p>
+            <a:r>
+              <a:rPr lang="de-DE" dirty="0">
+                <a:latin typeface="Arial" panose="020B0604020202020204" pitchFamily="34" charset="0"/>
+                <a:cs typeface="Arial" panose="020B0604020202020204" pitchFamily="34" charset="0"/>
+              </a:rPr>
+              <a:t>Senden</a:t>
+            </a:r>
+          </a:p>
+        </p:txBody>
+      </p:sp>
+      <p:sp>
+        <p:nvSpPr>
+          <p:cNvPr id="26" name="Textfeld 25">
+            <a:extLst>
+              <a:ext uri="{FF2B5EF4-FFF2-40B4-BE49-F238E27FC236}">
+                <a16:creationId xmlns:a16="http://schemas.microsoft.com/office/drawing/2014/main" id="{B502AE57-1F71-001A-9B83-1C716B96876B}"/>
+              </a:ext>
+            </a:extLst>
+          </p:cNvPr>
+          <p:cNvSpPr txBox="1"/>
+          <p:nvPr/>
+        </p:nvSpPr>
+        <p:spPr>
+          <a:xfrm>
+            <a:off x="8761657" y="4094452"/>
+            <a:ext cx="1364476" cy="369332"/>
+          </a:xfrm>
+          <a:prstGeom prst="rect">
+            <a:avLst/>
+          </a:prstGeom>
+          <a:noFill/>
+        </p:spPr>
+        <p:txBody>
+          <a:bodyPr wrap="none" rtlCol="0">
+            <a:spAutoFit/>
+          </a:bodyPr>
+          <a:lstStyle/>
+          <a:p>
+            <a:r>
+              <a:rPr lang="de-DE" dirty="0">
+                <a:latin typeface="Arial" panose="020B0604020202020204" pitchFamily="34" charset="0"/>
+                <a:cs typeface="Arial" panose="020B0604020202020204" pitchFamily="34" charset="0"/>
+              </a:rPr>
+              <a:t>Empfangen</a:t>
+            </a:r>
+          </a:p>
+        </p:txBody>
+      </p:sp>
+      <p:sp>
+        <p:nvSpPr>
+          <p:cNvPr id="27" name="Textfeld 26">
+            <a:extLst>
+              <a:ext uri="{FF2B5EF4-FFF2-40B4-BE49-F238E27FC236}">
+                <a16:creationId xmlns:a16="http://schemas.microsoft.com/office/drawing/2014/main" id="{940C8A14-15BB-0456-F7A8-FCA40DD34FAF}"/>
+              </a:ext>
+            </a:extLst>
+          </p:cNvPr>
+          <p:cNvSpPr txBox="1"/>
+          <p:nvPr/>
+        </p:nvSpPr>
+        <p:spPr>
+          <a:xfrm>
+            <a:off x="5229371" y="4833496"/>
+            <a:ext cx="1467068" cy="369332"/>
+          </a:xfrm>
+          <a:prstGeom prst="rect">
+            <a:avLst/>
+          </a:prstGeom>
+          <a:noFill/>
+        </p:spPr>
+        <p:txBody>
+          <a:bodyPr wrap="none" rtlCol="0">
+            <a:spAutoFit/>
+          </a:bodyPr>
+          <a:lstStyle/>
+          <a:p>
+            <a:r>
+              <a:rPr lang="de-DE" dirty="0">
+                <a:latin typeface="Arial" panose="020B0604020202020204" pitchFamily="34" charset="0"/>
+                <a:cs typeface="Arial" panose="020B0604020202020204" pitchFamily="34" charset="0"/>
+              </a:rPr>
+              <a:t>Abspeichern</a:t>
+            </a:r>
+          </a:p>
+        </p:txBody>
+      </p:sp>
+      <p:sp>
+        <p:nvSpPr>
+          <p:cNvPr id="28" name="Raute 27">
+            <a:extLst>
+              <a:ext uri="{FF2B5EF4-FFF2-40B4-BE49-F238E27FC236}">
+                <a16:creationId xmlns:a16="http://schemas.microsoft.com/office/drawing/2014/main" id="{B2CB64BA-626C-C419-BAAD-0E93D6A99AFD}"/>
               </a:ext>
             </a:extLst>
           </p:cNvPr>
@@ -7134,8 +7998,159 @@
         </p:nvSpPr>
         <p:spPr>
           <a:xfrm>
-            <a:off x="3657481" y="5288119"/>
-            <a:ext cx="2063043" cy="413201"/>
+            <a:off x="6553379" y="4945171"/>
+            <a:ext cx="540000" cy="540000"/>
+          </a:xfrm>
+          <a:prstGeom prst="diamond">
+            <a:avLst/>
+          </a:prstGeom>
+          <a:noFill/>
+          <a:ln w="22225">
+            <a:solidFill>
+              <a:schemeClr val="tx1"/>
+            </a:solidFill>
+          </a:ln>
+        </p:spPr>
+        <p:style>
+          <a:lnRef idx="2">
+            <a:schemeClr val="accent1">
+              <a:shade val="15000"/>
+            </a:schemeClr>
+          </a:lnRef>
+          <a:fillRef idx="1">
+            <a:schemeClr val="accent1"/>
+          </a:fillRef>
+          <a:effectRef idx="0">
+            <a:schemeClr val="accent1"/>
+          </a:effectRef>
+          <a:fontRef idx="minor">
+            <a:schemeClr val="lt1"/>
+          </a:fontRef>
+        </p:style>
+        <p:txBody>
+          <a:bodyPr rtlCol="0" anchor="ctr"/>
+          <a:lstStyle/>
+          <a:p>
+            <a:pPr algn="ctr"/>
+            <a:endParaRPr lang="de-DE">
+              <a:latin typeface="Arial" panose="020B0604020202020204" pitchFamily="34" charset="0"/>
+              <a:cs typeface="Arial" panose="020B0604020202020204" pitchFamily="34" charset="0"/>
+            </a:endParaRPr>
+          </a:p>
+        </p:txBody>
+      </p:sp>
+      <p:sp>
+        <p:nvSpPr>
+          <p:cNvPr id="29" name="Raute 28">
+            <a:extLst>
+              <a:ext uri="{FF2B5EF4-FFF2-40B4-BE49-F238E27FC236}">
+                <a16:creationId xmlns:a16="http://schemas.microsoft.com/office/drawing/2014/main" id="{A0FCDA0B-8C6B-FD72-EF97-A96530EA2F10}"/>
+              </a:ext>
+            </a:extLst>
+          </p:cNvPr>
+          <p:cNvSpPr/>
+          <p:nvPr/>
+        </p:nvSpPr>
+        <p:spPr>
+          <a:xfrm>
+            <a:off x="8225107" y="4164631"/>
+            <a:ext cx="540000" cy="540000"/>
+          </a:xfrm>
+          <a:prstGeom prst="diamond">
+            <a:avLst/>
+          </a:prstGeom>
+          <a:noFill/>
+          <a:ln w="22225">
+            <a:solidFill>
+              <a:schemeClr val="tx1"/>
+            </a:solidFill>
+          </a:ln>
+        </p:spPr>
+        <p:style>
+          <a:lnRef idx="2">
+            <a:schemeClr val="accent1">
+              <a:shade val="15000"/>
+            </a:schemeClr>
+          </a:lnRef>
+          <a:fillRef idx="1">
+            <a:schemeClr val="accent1"/>
+          </a:fillRef>
+          <a:effectRef idx="0">
+            <a:schemeClr val="accent1"/>
+          </a:effectRef>
+          <a:fontRef idx="minor">
+            <a:schemeClr val="lt1"/>
+          </a:fontRef>
+        </p:style>
+        <p:txBody>
+          <a:bodyPr rtlCol="0" anchor="ctr"/>
+          <a:lstStyle/>
+          <a:p>
+            <a:pPr algn="ctr"/>
+            <a:endParaRPr lang="de-DE">
+              <a:latin typeface="Arial" panose="020B0604020202020204" pitchFamily="34" charset="0"/>
+              <a:cs typeface="Arial" panose="020B0604020202020204" pitchFamily="34" charset="0"/>
+            </a:endParaRPr>
+          </a:p>
+        </p:txBody>
+      </p:sp>
+      <p:sp>
+        <p:nvSpPr>
+          <p:cNvPr id="30" name="Textfeld 29">
+            <a:extLst>
+              <a:ext uri="{FF2B5EF4-FFF2-40B4-BE49-F238E27FC236}">
+                <a16:creationId xmlns:a16="http://schemas.microsoft.com/office/drawing/2014/main" id="{0BEFAA31-6EE6-C07A-5029-7B5727BAEC56}"/>
+              </a:ext>
+            </a:extLst>
+          </p:cNvPr>
+          <p:cNvSpPr txBox="1"/>
+          <p:nvPr/>
+        </p:nvSpPr>
+        <p:spPr>
+          <a:xfrm>
+            <a:off x="7966262" y="214531"/>
+            <a:ext cx="2005677" cy="369332"/>
+          </a:xfrm>
+          <a:prstGeom prst="rect">
+            <a:avLst/>
+          </a:prstGeom>
+          <a:noFill/>
+        </p:spPr>
+        <p:txBody>
+          <a:bodyPr wrap="none" rtlCol="0">
+            <a:spAutoFit/>
+          </a:bodyPr>
+          <a:lstStyle/>
+          <a:p>
+            <a:r>
+              <a:rPr lang="de-DE" dirty="0">
+                <a:highlight>
+                  <a:srgbClr val="FFFF00"/>
+                </a:highlight>
+                <a:latin typeface="Arial" panose="020B0604020202020204" pitchFamily="34" charset="0"/>
+                <a:cs typeface="Arial" panose="020B0604020202020204" pitchFamily="34" charset="0"/>
+              </a:rPr>
+              <a:t>Das Hauptsystem</a:t>
+            </a:r>
+          </a:p>
+        </p:txBody>
+      </p:sp>
+      <p:sp>
+        <p:nvSpPr>
+          <p:cNvPr id="31" name="Rechteck: abgerundete Ecken 30">
+            <a:extLst>
+              <a:ext uri="{FF2B5EF4-FFF2-40B4-BE49-F238E27FC236}">
+                <a16:creationId xmlns:a16="http://schemas.microsoft.com/office/drawing/2014/main" id="{055F959A-DE88-0E6C-4C5C-F529126BAF95}"/>
+              </a:ext>
+            </a:extLst>
+          </p:cNvPr>
+          <p:cNvSpPr/>
+          <p:nvPr/>
+        </p:nvSpPr>
+        <p:spPr>
+          <a:xfrm>
+            <a:off x="2060373" y="4903892"/>
+            <a:ext cx="3031056" cy="619407"/>
           </a:xfrm>
           <a:prstGeom prst="roundRect">
             <a:avLst>
@@ -7310,17 +8325,30 @@
                 <a:latin typeface="Arial" panose="020B0604020202020204" pitchFamily="34" charset="0"/>
                 <a:cs typeface="Arial" panose="020B0604020202020204" pitchFamily="34" charset="0"/>
               </a:rPr>
-              <a:t>Status = Inaktiv</a:t>
+              <a:t>Menü-Modul: </a:t>
             </a:r>
           </a:p>
-        </p:txBody>
-      </p:sp>
-      <p:sp>
-        <p:nvSpPr>
-          <p:cNvPr id="97" name="Rechteck: abgerundete Ecken 96">
-            <a:extLst>
-              <a:ext uri="{FF2B5EF4-FFF2-40B4-BE49-F238E27FC236}">
-                <a16:creationId xmlns:a16="http://schemas.microsoft.com/office/drawing/2014/main" id="{04FAF502-7C70-07D7-D06D-303996E3A995}"/>
+          <a:p>
+            <a:pPr algn="ctr"/>
+            <a:r>
+              <a:rPr lang="de-DE" sz="2000" dirty="0">
+                <a:solidFill>
+                  <a:schemeClr val="tx1"/>
+                </a:solidFill>
+                <a:latin typeface="Arial" panose="020B0604020202020204" pitchFamily="34" charset="0"/>
+                <a:cs typeface="Arial" panose="020B0604020202020204" pitchFamily="34" charset="0"/>
+              </a:rPr>
+              <a:t>Eintrag überschreiben</a:t>
+            </a:r>
+          </a:p>
+        </p:txBody>
+      </p:sp>
+      <p:sp>
+        <p:nvSpPr>
+          <p:cNvPr id="225" name="Rechteck: abgerundete Ecken 224">
+            <a:extLst>
+              <a:ext uri="{FF2B5EF4-FFF2-40B4-BE49-F238E27FC236}">
+                <a16:creationId xmlns:a16="http://schemas.microsoft.com/office/drawing/2014/main" id="{4EA7E452-C544-4762-310E-CB518FDE3CC3}"/>
               </a:ext>
             </a:extLst>
           </p:cNvPr>
@@ -7329,8 +8357,8 @@
         </p:nvSpPr>
         <p:spPr>
           <a:xfrm>
-            <a:off x="6291194" y="6087562"/>
-            <a:ext cx="3289306" cy="413201"/>
+            <a:off x="9107648" y="3013834"/>
+            <a:ext cx="3031056" cy="619407"/>
           </a:xfrm>
           <a:prstGeom prst="roundRect">
             <a:avLst>
@@ -7505,203 +8533,11 @@
                 <a:latin typeface="Arial" panose="020B0604020202020204" pitchFamily="34" charset="0"/>
                 <a:cs typeface="Arial" panose="020B0604020202020204" pitchFamily="34" charset="0"/>
               </a:rPr>
-              <a:t>Datenregister übertragen</a:t>
+              <a:t>IR-Modul:</a:t>
             </a:r>
           </a:p>
-        </p:txBody>
-      </p:sp>
-      <p:sp>
-        <p:nvSpPr>
-          <p:cNvPr id="98" name="Rechteck: abgerundete Ecken 97">
-            <a:extLst>
-              <a:ext uri="{FF2B5EF4-FFF2-40B4-BE49-F238E27FC236}">
-                <a16:creationId xmlns:a16="http://schemas.microsoft.com/office/drawing/2014/main" id="{9ADD2EDF-AEC6-C363-B404-48A611D2BDB8}"/>
-              </a:ext>
-            </a:extLst>
-          </p:cNvPr>
-          <p:cNvSpPr/>
-          <p:nvPr/>
-        </p:nvSpPr>
-        <p:spPr>
-          <a:xfrm>
-            <a:off x="10199169" y="4457933"/>
-            <a:ext cx="1399822" cy="413201"/>
-          </a:xfrm>
-          <a:prstGeom prst="roundRect">
-            <a:avLst>
-              <a:gd name="adj" fmla="val 50000"/>
-            </a:avLst>
-          </a:prstGeom>
-          <a:noFill/>
-          <a:ln w="22225" cap="flat" cmpd="sng">
-            <a:solidFill>
-              <a:schemeClr val="tx1"/>
-            </a:solidFill>
-            <a:round/>
-            <a:extLst>
-              <a:ext uri="{C807C97D-BFC1-408E-A445-0C87EB9F89A2}">
-                <ask:lineSketchStyleProps xmlns:ask="http://schemas.microsoft.com/office/drawing/2018/sketchyshapes" sd="1219033472">
-                  <a:custGeom>
-                    <a:avLst/>
-                    <a:gdLst>
-                      <a:gd name="connsiteX0" fmla="*/ 0 w 1355075"/>
-                      <a:gd name="connsiteY0" fmla="*/ 248149 h 583894"/>
-                      <a:gd name="connsiteX1" fmla="*/ 248149 w 1355075"/>
-                      <a:gd name="connsiteY1" fmla="*/ 0 h 583894"/>
-                      <a:gd name="connsiteX2" fmla="*/ 694713 w 1355075"/>
-                      <a:gd name="connsiteY2" fmla="*/ 0 h 583894"/>
-                      <a:gd name="connsiteX3" fmla="*/ 1106926 w 1355075"/>
-                      <a:gd name="connsiteY3" fmla="*/ 0 h 583894"/>
-                      <a:gd name="connsiteX4" fmla="*/ 1355075 w 1355075"/>
-                      <a:gd name="connsiteY4" fmla="*/ 248149 h 583894"/>
-                      <a:gd name="connsiteX5" fmla="*/ 1355075 w 1355075"/>
-                      <a:gd name="connsiteY5" fmla="*/ 335745 h 583894"/>
-                      <a:gd name="connsiteX6" fmla="*/ 1106926 w 1355075"/>
-                      <a:gd name="connsiteY6" fmla="*/ 583894 h 583894"/>
-                      <a:gd name="connsiteX7" fmla="*/ 677538 w 1355075"/>
-                      <a:gd name="connsiteY7" fmla="*/ 583894 h 583894"/>
-                      <a:gd name="connsiteX8" fmla="*/ 248149 w 1355075"/>
-                      <a:gd name="connsiteY8" fmla="*/ 583894 h 583894"/>
-                      <a:gd name="connsiteX9" fmla="*/ 0 w 1355075"/>
-                      <a:gd name="connsiteY9" fmla="*/ 335745 h 583894"/>
-                      <a:gd name="connsiteX10" fmla="*/ 0 w 1355075"/>
-                      <a:gd name="connsiteY10" fmla="*/ 248149 h 583894"/>
-                    </a:gdLst>
-                    <a:ahLst/>
-                    <a:cxnLst>
-                      <a:cxn ang="0">
-                        <a:pos x="connsiteX0" y="connsiteY0"/>
-                      </a:cxn>
-                      <a:cxn ang="0">
-                        <a:pos x="connsiteX1" y="connsiteY1"/>
-                      </a:cxn>
-                      <a:cxn ang="0">
-                        <a:pos x="connsiteX2" y="connsiteY2"/>
-                      </a:cxn>
-                      <a:cxn ang="0">
-                        <a:pos x="connsiteX3" y="connsiteY3"/>
-                      </a:cxn>
-                      <a:cxn ang="0">
-                        <a:pos x="connsiteX4" y="connsiteY4"/>
-                      </a:cxn>
-                      <a:cxn ang="0">
-                        <a:pos x="connsiteX5" y="connsiteY5"/>
-                      </a:cxn>
-                      <a:cxn ang="0">
-                        <a:pos x="connsiteX6" y="connsiteY6"/>
-                      </a:cxn>
-                      <a:cxn ang="0">
-                        <a:pos x="connsiteX7" y="connsiteY7"/>
-                      </a:cxn>
-                      <a:cxn ang="0">
-                        <a:pos x="connsiteX8" y="connsiteY8"/>
-                      </a:cxn>
-                      <a:cxn ang="0">
-                        <a:pos x="connsiteX9" y="connsiteY9"/>
-                      </a:cxn>
-                      <a:cxn ang="0">
-                        <a:pos x="connsiteX10" y="connsiteY10"/>
-                      </a:cxn>
-                    </a:cxnLst>
-                    <a:rect l="l" t="t" r="r" b="b"/>
-                    <a:pathLst>
-                      <a:path w="1355075" h="583894" extrusionOk="0">
-                        <a:moveTo>
-                          <a:pt x="0" y="248149"/>
-                        </a:moveTo>
-                        <a:cubicBezTo>
-                          <a:pt x="-23929" y="96340"/>
-                          <a:pt x="86890" y="9086"/>
-                          <a:pt x="248149" y="0"/>
-                        </a:cubicBezTo>
-                        <a:cubicBezTo>
-                          <a:pt x="458709" y="4432"/>
-                          <a:pt x="588872" y="-13626"/>
-                          <a:pt x="694713" y="0"/>
-                        </a:cubicBezTo>
-                        <a:cubicBezTo>
-                          <a:pt x="800554" y="13626"/>
-                          <a:pt x="1012406" y="-17131"/>
-                          <a:pt x="1106926" y="0"/>
-                        </a:cubicBezTo>
-                        <a:cubicBezTo>
-                          <a:pt x="1223482" y="-11212"/>
-                          <a:pt x="1377162" y="121653"/>
-                          <a:pt x="1355075" y="248149"/>
-                        </a:cubicBezTo>
-                        <a:cubicBezTo>
-                          <a:pt x="1359100" y="282641"/>
-                          <a:pt x="1357292" y="303698"/>
-                          <a:pt x="1355075" y="335745"/>
-                        </a:cubicBezTo>
-                        <a:cubicBezTo>
-                          <a:pt x="1367325" y="452858"/>
-                          <a:pt x="1221152" y="603950"/>
-                          <a:pt x="1106926" y="583894"/>
-                        </a:cubicBezTo>
-                        <a:cubicBezTo>
-                          <a:pt x="934961" y="575834"/>
-                          <a:pt x="846022" y="576307"/>
-                          <a:pt x="677538" y="583894"/>
-                        </a:cubicBezTo>
-                        <a:cubicBezTo>
-                          <a:pt x="509054" y="591481"/>
-                          <a:pt x="412892" y="594666"/>
-                          <a:pt x="248149" y="583894"/>
-                        </a:cubicBezTo>
-                        <a:cubicBezTo>
-                          <a:pt x="93931" y="582912"/>
-                          <a:pt x="8571" y="449291"/>
-                          <a:pt x="0" y="335745"/>
-                        </a:cubicBezTo>
-                        <a:cubicBezTo>
-                          <a:pt x="-2535" y="314002"/>
-                          <a:pt x="2015" y="286057"/>
-                          <a:pt x="0" y="248149"/>
-                        </a:cubicBezTo>
-                        <a:close/>
-                      </a:path>
-                    </a:pathLst>
-                  </a:custGeom>
-                  <ask:type>
-                    <ask:lineSketchNone/>
-                  </ask:type>
-                </ask:lineSketchStyleProps>
-              </a:ext>
-            </a:extLst>
-          </a:ln>
-        </p:spPr>
-        <p:style>
-          <a:lnRef idx="2">
-            <a:schemeClr val="accent1">
-              <a:shade val="15000"/>
-            </a:schemeClr>
-          </a:lnRef>
-          <a:fillRef idx="1">
-            <a:schemeClr val="accent1"/>
-          </a:fillRef>
-          <a:effectRef idx="0">
-            <a:schemeClr val="accent1"/>
-          </a:effectRef>
-          <a:fontRef idx="minor">
-            <a:schemeClr val="lt1"/>
-          </a:fontRef>
-        </p:style>
-        <p:txBody>
-          <a:bodyPr rtlCol="0" anchor="ctr"/>
-          <a:lstStyle/>
           <a:p>
             <a:pPr algn="ctr"/>
-            <a:r>
-              <a:rPr lang="de-DE" sz="2000" dirty="0">
-                <a:solidFill>
-                  <a:schemeClr val="tx1"/>
-                </a:solidFill>
-                <a:latin typeface="Arial" panose="020B0604020202020204" pitchFamily="34" charset="0"/>
-                <a:cs typeface="Arial" panose="020B0604020202020204" pitchFamily="34" charset="0"/>
-              </a:rPr>
-              <a:t>„</a:t>
-            </a:r>
             <a:r>
               <a:rPr lang="de-DE" sz="2000" dirty="0" err="1">
                 <a:solidFill>
@@ -7710,82 +8546,353 @@
                 <a:latin typeface="Arial" panose="020B0604020202020204" pitchFamily="34" charset="0"/>
                 <a:cs typeface="Arial" panose="020B0604020202020204" pitchFamily="34" charset="0"/>
               </a:rPr>
-              <a:t>wakeup</a:t>
+              <a:t>Empfangschleife</a:t>
             </a:r>
-            <a:r>
-              <a:rPr lang="de-DE" sz="2000" dirty="0">
-                <a:solidFill>
-                  <a:schemeClr val="tx1"/>
-                </a:solidFill>
-                <a:latin typeface="Arial" panose="020B0604020202020204" pitchFamily="34" charset="0"/>
-                <a:cs typeface="Arial" panose="020B0604020202020204" pitchFamily="34" charset="0"/>
-              </a:rPr>
-              <a:t>“</a:t>
-            </a:r>
-          </a:p>
-        </p:txBody>
-      </p:sp>
-      <p:sp>
-        <p:nvSpPr>
-          <p:cNvPr id="99" name="Raute 98">
-            <a:extLst>
-              <a:ext uri="{FF2B5EF4-FFF2-40B4-BE49-F238E27FC236}">
-                <a16:creationId xmlns:a16="http://schemas.microsoft.com/office/drawing/2014/main" id="{1B6A6C03-B0D8-9A25-72B5-A584AAA7B594}"/>
-              </a:ext>
-            </a:extLst>
-          </p:cNvPr>
-          <p:cNvSpPr/>
+            <a:endParaRPr lang="de-DE" sz="2000" dirty="0">
+              <a:solidFill>
+                <a:schemeClr val="tx1"/>
+              </a:solidFill>
+              <a:latin typeface="Arial" panose="020B0604020202020204" pitchFamily="34" charset="0"/>
+              <a:cs typeface="Arial" panose="020B0604020202020204" pitchFamily="34" charset="0"/>
+            </a:endParaRPr>
+          </a:p>
+        </p:txBody>
+      </p:sp>
+      <p:cxnSp>
+        <p:nvCxnSpPr>
+          <p:cNvPr id="227" name="Gerader Verbinder 226">
+            <a:extLst>
+              <a:ext uri="{FF2B5EF4-FFF2-40B4-BE49-F238E27FC236}">
+                <a16:creationId xmlns:a16="http://schemas.microsoft.com/office/drawing/2014/main" id="{A732B4A0-A9FD-EC5A-127E-63837E8AC682}"/>
+              </a:ext>
+            </a:extLst>
+          </p:cNvPr>
+          <p:cNvCxnSpPr>
+            <a:cxnSpLocks/>
+            <a:stCxn id="12" idx="0"/>
+            <a:endCxn id="2" idx="2"/>
+          </p:cNvCxnSpPr>
           <p:nvPr/>
-        </p:nvSpPr>
+        </p:nvCxnSpPr>
         <p:spPr>
-          <a:xfrm>
-            <a:off x="5826000" y="1620664"/>
-            <a:ext cx="540000" cy="540000"/>
-          </a:xfrm>
-          <a:prstGeom prst="diamond">
+          <a:xfrm flipH="1" flipV="1">
+            <a:off x="5378728" y="731561"/>
+            <a:ext cx="4763" cy="208042"/>
+          </a:xfrm>
+          <a:prstGeom prst="line">
             <a:avLst/>
           </a:prstGeom>
-          <a:noFill/>
-          <a:ln w="22225">
+          <a:ln w="19050">
             <a:solidFill>
               <a:schemeClr val="tx1"/>
             </a:solidFill>
+            <a:headEnd type="triangle" w="lg" len="lg"/>
+            <a:tailEnd type="none"/>
           </a:ln>
         </p:spPr>
         <p:style>
-          <a:lnRef idx="2">
-            <a:schemeClr val="accent1">
-              <a:shade val="15000"/>
-            </a:schemeClr>
+          <a:lnRef idx="1">
+            <a:schemeClr val="accent1"/>
           </a:lnRef>
-          <a:fillRef idx="1">
+          <a:fillRef idx="0">
             <a:schemeClr val="accent1"/>
           </a:fillRef>
           <a:effectRef idx="0">
             <a:schemeClr val="accent1"/>
           </a:effectRef>
           <a:fontRef idx="minor">
-            <a:schemeClr val="lt1"/>
+            <a:schemeClr val="tx1"/>
           </a:fontRef>
         </p:style>
-        <p:txBody>
-          <a:bodyPr rtlCol="0" anchor="ctr"/>
-          <a:lstStyle/>
-          <a:p>
-            <a:pPr algn="ctr"/>
-            <a:endParaRPr lang="de-DE">
-              <a:latin typeface="Arial" panose="020B0604020202020204" pitchFamily="34" charset="0"/>
-              <a:cs typeface="Arial" panose="020B0604020202020204" pitchFamily="34" charset="0"/>
-            </a:endParaRPr>
-          </a:p>
-        </p:txBody>
-      </p:sp>
-      <p:sp>
-        <p:nvSpPr>
-          <p:cNvPr id="100" name="Gleichschenkliges Dreieck 99">
-            <a:extLst>
-              <a:ext uri="{FF2B5EF4-FFF2-40B4-BE49-F238E27FC236}">
-                <a16:creationId xmlns:a16="http://schemas.microsoft.com/office/drawing/2014/main" id="{B8428A5A-7AFE-412B-5F10-D3849394B5D6}"/>
+      </p:cxnSp>
+      <p:cxnSp>
+        <p:nvCxnSpPr>
+          <p:cNvPr id="231" name="Gerader Verbinder 230">
+            <a:extLst>
+              <a:ext uri="{FF2B5EF4-FFF2-40B4-BE49-F238E27FC236}">
+                <a16:creationId xmlns:a16="http://schemas.microsoft.com/office/drawing/2014/main" id="{66B67C2C-C4C7-5FEB-5570-5CF3B05F6057}"/>
+              </a:ext>
+            </a:extLst>
+          </p:cNvPr>
+          <p:cNvCxnSpPr>
+            <a:cxnSpLocks/>
+            <a:stCxn id="11" idx="0"/>
+            <a:endCxn id="12" idx="2"/>
+          </p:cNvCxnSpPr>
+          <p:nvPr/>
+        </p:nvCxnSpPr>
+        <p:spPr>
+          <a:xfrm flipH="1" flipV="1">
+            <a:off x="5383491" y="1352804"/>
+            <a:ext cx="1701" cy="236219"/>
+          </a:xfrm>
+          <a:prstGeom prst="line">
+            <a:avLst/>
+          </a:prstGeom>
+          <a:ln w="19050">
+            <a:solidFill>
+              <a:schemeClr val="tx1"/>
+            </a:solidFill>
+            <a:headEnd type="triangle" w="lg" len="lg"/>
+            <a:tailEnd type="none"/>
+          </a:ln>
+        </p:spPr>
+        <p:style>
+          <a:lnRef idx="1">
+            <a:schemeClr val="accent1"/>
+          </a:lnRef>
+          <a:fillRef idx="0">
+            <a:schemeClr val="accent1"/>
+          </a:fillRef>
+          <a:effectRef idx="0">
+            <a:schemeClr val="accent1"/>
+          </a:effectRef>
+          <a:fontRef idx="minor">
+            <a:schemeClr val="tx1"/>
+          </a:fontRef>
+        </p:style>
+      </p:cxnSp>
+      <p:cxnSp>
+        <p:nvCxnSpPr>
+          <p:cNvPr id="235" name="Gerader Verbinder 234">
+            <a:extLst>
+              <a:ext uri="{FF2B5EF4-FFF2-40B4-BE49-F238E27FC236}">
+                <a16:creationId xmlns:a16="http://schemas.microsoft.com/office/drawing/2014/main" id="{443E81D3-7F54-392C-347A-029F33449855}"/>
+              </a:ext>
+            </a:extLst>
+          </p:cNvPr>
+          <p:cNvCxnSpPr>
+            <a:cxnSpLocks/>
+            <a:stCxn id="99" idx="0"/>
+            <a:endCxn id="11" idx="2"/>
+          </p:cNvCxnSpPr>
+          <p:nvPr/>
+        </p:nvCxnSpPr>
+        <p:spPr>
+          <a:xfrm flipH="1" flipV="1">
+            <a:off x="5385192" y="2002224"/>
+            <a:ext cx="293" cy="201026"/>
+          </a:xfrm>
+          <a:prstGeom prst="line">
+            <a:avLst/>
+          </a:prstGeom>
+          <a:ln w="19050">
+            <a:solidFill>
+              <a:schemeClr val="tx1"/>
+            </a:solidFill>
+            <a:headEnd type="triangle" w="lg" len="lg"/>
+            <a:tailEnd type="none"/>
+          </a:ln>
+        </p:spPr>
+        <p:style>
+          <a:lnRef idx="1">
+            <a:schemeClr val="accent1"/>
+          </a:lnRef>
+          <a:fillRef idx="0">
+            <a:schemeClr val="accent1"/>
+          </a:fillRef>
+          <a:effectRef idx="0">
+            <a:schemeClr val="accent1"/>
+          </a:effectRef>
+          <a:fontRef idx="minor">
+            <a:schemeClr val="tx1"/>
+          </a:fontRef>
+        </p:style>
+      </p:cxnSp>
+      <p:cxnSp>
+        <p:nvCxnSpPr>
+          <p:cNvPr id="239" name="Gerader Verbinder 238">
+            <a:extLst>
+              <a:ext uri="{FF2B5EF4-FFF2-40B4-BE49-F238E27FC236}">
+                <a16:creationId xmlns:a16="http://schemas.microsoft.com/office/drawing/2014/main" id="{8CF99FD8-E884-0A64-8CF6-479CB5DC8A0E}"/>
+              </a:ext>
+            </a:extLst>
+          </p:cNvPr>
+          <p:cNvCxnSpPr>
+            <a:cxnSpLocks/>
+            <a:stCxn id="16" idx="3"/>
+            <a:endCxn id="99" idx="1"/>
+          </p:cNvCxnSpPr>
+          <p:nvPr/>
+        </p:nvCxnSpPr>
+        <p:spPr>
+          <a:xfrm>
+            <a:off x="4039705" y="2468438"/>
+            <a:ext cx="1075780" cy="4812"/>
+          </a:xfrm>
+          <a:prstGeom prst="line">
+            <a:avLst/>
+          </a:prstGeom>
+          <a:ln w="19050">
+            <a:solidFill>
+              <a:schemeClr val="tx1"/>
+            </a:solidFill>
+            <a:headEnd type="triangle" w="lg" len="lg"/>
+            <a:tailEnd type="none"/>
+          </a:ln>
+        </p:spPr>
+        <p:style>
+          <a:lnRef idx="1">
+            <a:schemeClr val="accent1"/>
+          </a:lnRef>
+          <a:fillRef idx="0">
+            <a:schemeClr val="accent1"/>
+          </a:fillRef>
+          <a:effectRef idx="0">
+            <a:schemeClr val="accent1"/>
+          </a:effectRef>
+          <a:fontRef idx="minor">
+            <a:schemeClr val="tx1"/>
+          </a:fontRef>
+        </p:style>
+      </p:cxnSp>
+      <p:cxnSp>
+        <p:nvCxnSpPr>
+          <p:cNvPr id="243" name="Gerader Verbinder 242">
+            <a:extLst>
+              <a:ext uri="{FF2B5EF4-FFF2-40B4-BE49-F238E27FC236}">
+                <a16:creationId xmlns:a16="http://schemas.microsoft.com/office/drawing/2014/main" id="{0DB9BDD8-8FBC-73DE-92AB-55E3F99E0F21}"/>
+              </a:ext>
+            </a:extLst>
+          </p:cNvPr>
+          <p:cNvCxnSpPr>
+            <a:cxnSpLocks/>
+            <a:stCxn id="17" idx="1"/>
+            <a:endCxn id="99" idx="3"/>
+          </p:cNvCxnSpPr>
+          <p:nvPr/>
+        </p:nvCxnSpPr>
+        <p:spPr>
+          <a:xfrm flipH="1">
+            <a:off x="5655485" y="2466327"/>
+            <a:ext cx="744732" cy="6923"/>
+          </a:xfrm>
+          <a:prstGeom prst="line">
+            <a:avLst/>
+          </a:prstGeom>
+          <a:ln w="19050">
+            <a:solidFill>
+              <a:schemeClr val="tx1"/>
+            </a:solidFill>
+            <a:headEnd type="triangle" w="lg" len="lg"/>
+            <a:tailEnd type="none"/>
+          </a:ln>
+        </p:spPr>
+        <p:style>
+          <a:lnRef idx="1">
+            <a:schemeClr val="accent1"/>
+          </a:lnRef>
+          <a:fillRef idx="0">
+            <a:schemeClr val="accent1"/>
+          </a:fillRef>
+          <a:effectRef idx="0">
+            <a:schemeClr val="accent1"/>
+          </a:effectRef>
+          <a:fontRef idx="minor">
+            <a:schemeClr val="tx1"/>
+          </a:fontRef>
+        </p:style>
+      </p:cxnSp>
+      <p:cxnSp>
+        <p:nvCxnSpPr>
+          <p:cNvPr id="252" name="Gerader Verbinder 251">
+            <a:extLst>
+              <a:ext uri="{FF2B5EF4-FFF2-40B4-BE49-F238E27FC236}">
+                <a16:creationId xmlns:a16="http://schemas.microsoft.com/office/drawing/2014/main" id="{DB04A52C-A83D-A75A-9040-91B74772818B}"/>
+              </a:ext>
+            </a:extLst>
+          </p:cNvPr>
+          <p:cNvCxnSpPr>
+            <a:cxnSpLocks/>
+            <a:stCxn id="19" idx="0"/>
+            <a:endCxn id="17" idx="2"/>
+          </p:cNvCxnSpPr>
+          <p:nvPr/>
+        </p:nvCxnSpPr>
+        <p:spPr>
+          <a:xfrm flipH="1" flipV="1">
+            <a:off x="7633275" y="2672927"/>
+            <a:ext cx="672" cy="644753"/>
+          </a:xfrm>
+          <a:prstGeom prst="line">
+            <a:avLst/>
+          </a:prstGeom>
+          <a:ln w="19050">
+            <a:solidFill>
+              <a:schemeClr val="tx1"/>
+            </a:solidFill>
+            <a:headEnd type="triangle" w="lg" len="lg"/>
+            <a:tailEnd type="none"/>
+          </a:ln>
+        </p:spPr>
+        <p:style>
+          <a:lnRef idx="1">
+            <a:schemeClr val="accent1"/>
+          </a:lnRef>
+          <a:fillRef idx="0">
+            <a:schemeClr val="accent1"/>
+          </a:fillRef>
+          <a:effectRef idx="0">
+            <a:schemeClr val="accent1"/>
+          </a:effectRef>
+          <a:fontRef idx="minor">
+            <a:schemeClr val="tx1"/>
+          </a:fontRef>
+        </p:style>
+      </p:cxnSp>
+      <p:cxnSp>
+        <p:nvCxnSpPr>
+          <p:cNvPr id="256" name="Gerader Verbinder 255">
+            <a:extLst>
+              <a:ext uri="{FF2B5EF4-FFF2-40B4-BE49-F238E27FC236}">
+                <a16:creationId xmlns:a16="http://schemas.microsoft.com/office/drawing/2014/main" id="{564138FA-C317-86B0-77C5-D85F8AC9BDFC}"/>
+              </a:ext>
+            </a:extLst>
+          </p:cNvPr>
+          <p:cNvCxnSpPr>
+            <a:cxnSpLocks/>
+            <a:stCxn id="23" idx="3"/>
+            <a:endCxn id="19" idx="1"/>
+          </p:cNvCxnSpPr>
+          <p:nvPr/>
+        </p:nvCxnSpPr>
+        <p:spPr>
+          <a:xfrm>
+            <a:off x="5087883" y="3586203"/>
+            <a:ext cx="2276064" cy="1477"/>
+          </a:xfrm>
+          <a:prstGeom prst="line">
+            <a:avLst/>
+          </a:prstGeom>
+          <a:ln w="19050">
+            <a:solidFill>
+              <a:schemeClr val="tx1"/>
+            </a:solidFill>
+            <a:headEnd type="triangle" w="lg" len="lg"/>
+            <a:tailEnd type="none"/>
+          </a:ln>
+        </p:spPr>
+        <p:style>
+          <a:lnRef idx="1">
+            <a:schemeClr val="accent1"/>
+          </a:lnRef>
+          <a:fillRef idx="0">
+            <a:schemeClr val="accent1"/>
+          </a:fillRef>
+          <a:effectRef idx="0">
+            <a:schemeClr val="accent1"/>
+          </a:effectRef>
+          <a:fontRef idx="minor">
+            <a:schemeClr val="tx1"/>
+          </a:fontRef>
+        </p:style>
+      </p:cxnSp>
+      <p:sp>
+        <p:nvSpPr>
+          <p:cNvPr id="269" name="Gleichschenkliges Dreieck 268">
+            <a:extLst>
+              <a:ext uri="{FF2B5EF4-FFF2-40B4-BE49-F238E27FC236}">
+                <a16:creationId xmlns:a16="http://schemas.microsoft.com/office/drawing/2014/main" id="{94715A5F-DCBD-C384-86B4-BECBACE4F340}"/>
               </a:ext>
             </a:extLst>
           </p:cNvPr>
@@ -7794,7 +8901,7 @@
         </p:nvSpPr>
         <p:spPr>
           <a:xfrm>
-            <a:off x="6096000" y="111760"/>
+            <a:off x="8495107" y="3175976"/>
             <a:ext cx="386648" cy="413201"/>
           </a:xfrm>
           <a:prstGeom prst="triangle">
@@ -7835,24 +8942,24 @@
       </p:sp>
       <p:cxnSp>
         <p:nvCxnSpPr>
-          <p:cNvPr id="102" name="Gerader Verbinder 101">
-            <a:extLst>
-              <a:ext uri="{FF2B5EF4-FFF2-40B4-BE49-F238E27FC236}">
-                <a16:creationId xmlns:a16="http://schemas.microsoft.com/office/drawing/2014/main" id="{E39CDA20-5E7E-A95B-A435-A9090B474F4F}"/>
+          <p:cNvPr id="271" name="Gerader Verbinder 270">
+            <a:extLst>
+              <a:ext uri="{FF2B5EF4-FFF2-40B4-BE49-F238E27FC236}">
+                <a16:creationId xmlns:a16="http://schemas.microsoft.com/office/drawing/2014/main" id="{1BB9FCFB-44AB-84E1-4DD6-7975D45B753D}"/>
               </a:ext>
             </a:extLst>
           </p:cNvPr>
           <p:cNvCxnSpPr>
             <a:cxnSpLocks/>
-            <a:stCxn id="89" idx="3"/>
-            <a:endCxn id="100" idx="2"/>
+            <a:stCxn id="269" idx="2"/>
+            <a:endCxn id="19" idx="3"/>
           </p:cNvCxnSpPr>
           <p:nvPr/>
         </p:nvCxnSpPr>
         <p:spPr>
-          <a:xfrm flipV="1">
-            <a:off x="5460995" y="524961"/>
-            <a:ext cx="635005" cy="1"/>
+          <a:xfrm flipH="1" flipV="1">
+            <a:off x="7903947" y="3587680"/>
+            <a:ext cx="591160" cy="1497"/>
           </a:xfrm>
           <a:prstGeom prst="line">
             <a:avLst/>
@@ -7880,24 +8987,24 @@
       </p:cxnSp>
       <p:cxnSp>
         <p:nvCxnSpPr>
-          <p:cNvPr id="104" name="Gerader Verbinder 103">
-            <a:extLst>
-              <a:ext uri="{FF2B5EF4-FFF2-40B4-BE49-F238E27FC236}">
-                <a16:creationId xmlns:a16="http://schemas.microsoft.com/office/drawing/2014/main" id="{EA7E2C4B-AFE0-01F0-AC97-696E96DEEFB0}"/>
+          <p:cNvPr id="275" name="Gerader Verbinder 274">
+            <a:extLst>
+              <a:ext uri="{FF2B5EF4-FFF2-40B4-BE49-F238E27FC236}">
+                <a16:creationId xmlns:a16="http://schemas.microsoft.com/office/drawing/2014/main" id="{63C1687D-6A85-4A6D-140F-328A9C135366}"/>
               </a:ext>
             </a:extLst>
           </p:cNvPr>
           <p:cNvCxnSpPr>
             <a:cxnSpLocks/>
-            <a:stCxn id="2" idx="0"/>
-            <a:endCxn id="100" idx="2"/>
+            <a:stCxn id="29" idx="0"/>
+            <a:endCxn id="269" idx="2"/>
           </p:cNvCxnSpPr>
           <p:nvPr/>
         </p:nvCxnSpPr>
         <p:spPr>
           <a:xfrm flipV="1">
-            <a:off x="6096000" y="524961"/>
-            <a:ext cx="0" cy="179655"/>
+            <a:off x="8495107" y="3589177"/>
+            <a:ext cx="0" cy="575454"/>
           </a:xfrm>
           <a:prstGeom prst="line">
             <a:avLst/>
@@ -7927,10 +9034,10 @@
       </p:cxnSp>
       <p:sp>
         <p:nvSpPr>
-          <p:cNvPr id="107" name="Gleichschenkliges Dreieck 106">
-            <a:extLst>
-              <a:ext uri="{FF2B5EF4-FFF2-40B4-BE49-F238E27FC236}">
-                <a16:creationId xmlns:a16="http://schemas.microsoft.com/office/drawing/2014/main" id="{BEF054C8-5C67-7E26-4510-087AA17C897A}"/>
+          <p:cNvPr id="281" name="Gleichschenkliges Dreieck 280">
+            <a:extLst>
+              <a:ext uri="{FF2B5EF4-FFF2-40B4-BE49-F238E27FC236}">
+                <a16:creationId xmlns:a16="http://schemas.microsoft.com/office/drawing/2014/main" id="{412C7C51-1081-6975-FF84-F5581B5FD0A5}"/>
               </a:ext>
             </a:extLst>
           </p:cNvPr>
@@ -7939,7 +9046,7 @@
         </p:nvSpPr>
         <p:spPr>
           <a:xfrm>
-            <a:off x="1157107" y="1477463"/>
+            <a:off x="6438416" y="4022063"/>
             <a:ext cx="386648" cy="413201"/>
           </a:xfrm>
           <a:prstGeom prst="triangle">
@@ -7978,113 +9085,21 @@
           </a:p>
         </p:txBody>
       </p:sp>
-      <p:cxnSp>
-        <p:nvCxnSpPr>
-          <p:cNvPr id="109" name="Gerader Verbinder 108">
-            <a:extLst>
-              <a:ext uri="{FF2B5EF4-FFF2-40B4-BE49-F238E27FC236}">
-                <a16:creationId xmlns:a16="http://schemas.microsoft.com/office/drawing/2014/main" id="{9B7A93F9-E851-8884-7567-62290C6175D7}"/>
-              </a:ext>
-            </a:extLst>
-          </p:cNvPr>
-          <p:cNvCxnSpPr>
-            <a:cxnSpLocks/>
-            <a:stCxn id="107" idx="4"/>
-            <a:endCxn id="99" idx="1"/>
-          </p:cNvCxnSpPr>
+      <p:sp>
+        <p:nvSpPr>
+          <p:cNvPr id="282" name="Gleichschenkliges Dreieck 281">
+            <a:extLst>
+              <a:ext uri="{FF2B5EF4-FFF2-40B4-BE49-F238E27FC236}">
+                <a16:creationId xmlns:a16="http://schemas.microsoft.com/office/drawing/2014/main" id="{519E2A06-1C28-375A-2790-3226A5ABB0B9}"/>
+              </a:ext>
+            </a:extLst>
+          </p:cNvPr>
+          <p:cNvSpPr/>
           <p:nvPr/>
-        </p:nvCxnSpPr>
+        </p:nvSpPr>
         <p:spPr>
           <a:xfrm>
-            <a:off x="1543755" y="1890664"/>
-            <a:ext cx="4282245" cy="0"/>
-          </a:xfrm>
-          <a:prstGeom prst="line">
-            <a:avLst/>
-          </a:prstGeom>
-          <a:ln w="19050">
-            <a:solidFill>
-              <a:schemeClr val="tx1"/>
-            </a:solidFill>
-          </a:ln>
-        </p:spPr>
-        <p:style>
-          <a:lnRef idx="1">
-            <a:schemeClr val="accent1"/>
-          </a:lnRef>
-          <a:fillRef idx="0">
-            <a:schemeClr val="accent1"/>
-          </a:fillRef>
-          <a:effectRef idx="0">
-            <a:schemeClr val="accent1"/>
-          </a:effectRef>
-          <a:fontRef idx="minor">
-            <a:schemeClr val="tx1"/>
-          </a:fontRef>
-        </p:style>
-      </p:cxnSp>
-      <p:cxnSp>
-        <p:nvCxnSpPr>
-          <p:cNvPr id="113" name="Gerader Verbinder 112">
-            <a:extLst>
-              <a:ext uri="{FF2B5EF4-FFF2-40B4-BE49-F238E27FC236}">
-                <a16:creationId xmlns:a16="http://schemas.microsoft.com/office/drawing/2014/main" id="{3F3B0348-19E9-BC88-6B7F-A142E449A7CB}"/>
-              </a:ext>
-            </a:extLst>
-          </p:cNvPr>
-          <p:cNvCxnSpPr>
-            <a:cxnSpLocks/>
-            <a:stCxn id="90" idx="0"/>
-            <a:endCxn id="107" idx="4"/>
-          </p:cNvCxnSpPr>
-          <p:nvPr/>
-        </p:nvCxnSpPr>
-        <p:spPr>
-          <a:xfrm flipV="1">
-            <a:off x="1543755" y="1890664"/>
-            <a:ext cx="0" cy="270001"/>
-          </a:xfrm>
-          <a:prstGeom prst="line">
-            <a:avLst/>
-          </a:prstGeom>
-          <a:ln w="19050">
-            <a:solidFill>
-              <a:schemeClr val="tx1"/>
-            </a:solidFill>
-            <a:headEnd type="triangle" w="lg" len="lg"/>
-            <a:tailEnd type="none"/>
-          </a:ln>
-        </p:spPr>
-        <p:style>
-          <a:lnRef idx="1">
-            <a:schemeClr val="accent1"/>
-          </a:lnRef>
-          <a:fillRef idx="0">
-            <a:schemeClr val="accent1"/>
-          </a:fillRef>
-          <a:effectRef idx="0">
-            <a:schemeClr val="accent1"/>
-          </a:effectRef>
-          <a:fontRef idx="minor">
-            <a:schemeClr val="tx1"/>
-          </a:fontRef>
-        </p:style>
-      </p:cxnSp>
-      <p:sp>
-        <p:nvSpPr>
-          <p:cNvPr id="116" name="Gleichschenkliges Dreieck 115">
-            <a:extLst>
-              <a:ext uri="{FF2B5EF4-FFF2-40B4-BE49-F238E27FC236}">
-                <a16:creationId xmlns:a16="http://schemas.microsoft.com/office/drawing/2014/main" id="{0A1ACBBB-602E-B579-421B-DA4F504DA066}"/>
-              </a:ext>
-            </a:extLst>
-          </p:cNvPr>
-          <p:cNvSpPr/>
-          <p:nvPr/>
-        </p:nvSpPr>
-        <p:spPr>
-          <a:xfrm>
-            <a:off x="9354255" y="1477462"/>
+            <a:off x="10630933" y="4025316"/>
             <a:ext cx="386648" cy="413201"/>
           </a:xfrm>
           <a:prstGeom prst="triangle">
@@ -8125,69 +9140,24 @@
       </p:sp>
       <p:cxnSp>
         <p:nvCxnSpPr>
-          <p:cNvPr id="117" name="Gerader Verbinder 116">
-            <a:extLst>
-              <a:ext uri="{FF2B5EF4-FFF2-40B4-BE49-F238E27FC236}">
-                <a16:creationId xmlns:a16="http://schemas.microsoft.com/office/drawing/2014/main" id="{86080CF8-B144-96DC-6C86-75DB4CE01270}"/>
+          <p:cNvPr id="283" name="Gerader Verbinder 282">
+            <a:extLst>
+              <a:ext uri="{FF2B5EF4-FFF2-40B4-BE49-F238E27FC236}">
+                <a16:creationId xmlns:a16="http://schemas.microsoft.com/office/drawing/2014/main" id="{33016CB5-1294-D8F0-5488-CCC6A153B8F6}"/>
               </a:ext>
             </a:extLst>
           </p:cNvPr>
           <p:cNvCxnSpPr>
             <a:cxnSpLocks/>
-            <a:stCxn id="116" idx="2"/>
-            <a:endCxn id="99" idx="3"/>
+            <a:stCxn id="28" idx="0"/>
+            <a:endCxn id="281" idx="4"/>
           </p:cNvCxnSpPr>
           <p:nvPr/>
         </p:nvCxnSpPr>
         <p:spPr>
-          <a:xfrm flipH="1">
-            <a:off x="6366000" y="1890663"/>
-            <a:ext cx="2988255" cy="1"/>
-          </a:xfrm>
-          <a:prstGeom prst="line">
-            <a:avLst/>
-          </a:prstGeom>
-          <a:ln w="19050">
-            <a:solidFill>
-              <a:schemeClr val="tx1"/>
-            </a:solidFill>
-          </a:ln>
-        </p:spPr>
-        <p:style>
-          <a:lnRef idx="1">
-            <a:schemeClr val="accent1"/>
-          </a:lnRef>
-          <a:fillRef idx="0">
-            <a:schemeClr val="accent1"/>
-          </a:fillRef>
-          <a:effectRef idx="0">
-            <a:schemeClr val="accent1"/>
-          </a:effectRef>
-          <a:fontRef idx="minor">
-            <a:schemeClr val="tx1"/>
-          </a:fontRef>
-        </p:style>
-      </p:cxnSp>
-      <p:cxnSp>
-        <p:nvCxnSpPr>
-          <p:cNvPr id="120" name="Gerader Verbinder 119">
-            <a:extLst>
-              <a:ext uri="{FF2B5EF4-FFF2-40B4-BE49-F238E27FC236}">
-                <a16:creationId xmlns:a16="http://schemas.microsoft.com/office/drawing/2014/main" id="{271AD649-8B53-5805-313E-0A843995526E}"/>
-              </a:ext>
-            </a:extLst>
-          </p:cNvPr>
-          <p:cNvCxnSpPr>
-            <a:cxnSpLocks/>
-            <a:stCxn id="94" idx="0"/>
-            <a:endCxn id="116" idx="2"/>
-          </p:cNvCxnSpPr>
-          <p:nvPr/>
-        </p:nvCxnSpPr>
-        <p:spPr>
-          <a:xfrm flipH="1" flipV="1">
-            <a:off x="9354255" y="1890663"/>
-            <a:ext cx="2" cy="270001"/>
+          <a:xfrm flipV="1">
+            <a:off x="6823379" y="4435264"/>
+            <a:ext cx="1685" cy="509907"/>
           </a:xfrm>
           <a:prstGeom prst="line">
             <a:avLst/>
@@ -8215,81 +9185,116 @@
           </a:fontRef>
         </p:style>
       </p:cxnSp>
-      <p:sp>
-        <p:nvSpPr>
-          <p:cNvPr id="123" name="Raute 122">
-            <a:extLst>
-              <a:ext uri="{FF2B5EF4-FFF2-40B4-BE49-F238E27FC236}">
-                <a16:creationId xmlns:a16="http://schemas.microsoft.com/office/drawing/2014/main" id="{BCFAC66F-8BE8-9E09-F916-9F891A951FCD}"/>
-              </a:ext>
-            </a:extLst>
-          </p:cNvPr>
-          <p:cNvSpPr/>
+      <p:cxnSp>
+        <p:nvCxnSpPr>
+          <p:cNvPr id="70" name="Gerader Verbinder 69">
+            <a:extLst>
+              <a:ext uri="{FF2B5EF4-FFF2-40B4-BE49-F238E27FC236}">
+                <a16:creationId xmlns:a16="http://schemas.microsoft.com/office/drawing/2014/main" id="{16ECCFF6-D111-E5EB-F371-1C71D115EF1F}"/>
+              </a:ext>
+            </a:extLst>
+          </p:cNvPr>
+          <p:cNvCxnSpPr>
+            <a:cxnSpLocks/>
+            <a:stCxn id="281" idx="4"/>
+            <a:endCxn id="29" idx="1"/>
+          </p:cNvCxnSpPr>
           <p:nvPr/>
-        </p:nvSpPr>
+        </p:nvCxnSpPr>
         <p:spPr>
-          <a:xfrm>
-            <a:off x="9084255" y="3531027"/>
-            <a:ext cx="540000" cy="540000"/>
-          </a:xfrm>
-          <a:prstGeom prst="diamond">
+          <a:xfrm flipV="1">
+            <a:off x="6825064" y="4434631"/>
+            <a:ext cx="1400043" cy="633"/>
+          </a:xfrm>
+          <a:prstGeom prst="line">
             <a:avLst/>
           </a:prstGeom>
-          <a:noFill/>
-          <a:ln w="22225">
+          <a:ln w="19050">
             <a:solidFill>
               <a:schemeClr val="tx1"/>
             </a:solidFill>
           </a:ln>
         </p:spPr>
         <p:style>
-          <a:lnRef idx="2">
-            <a:schemeClr val="accent1">
-              <a:shade val="15000"/>
-            </a:schemeClr>
+          <a:lnRef idx="1">
+            <a:schemeClr val="accent1"/>
           </a:lnRef>
-          <a:fillRef idx="1">
+          <a:fillRef idx="0">
             <a:schemeClr val="accent1"/>
           </a:fillRef>
           <a:effectRef idx="0">
             <a:schemeClr val="accent1"/>
           </a:effectRef>
           <a:fontRef idx="minor">
-            <a:schemeClr val="lt1"/>
+            <a:schemeClr val="tx1"/>
           </a:fontRef>
         </p:style>
-        <p:txBody>
-          <a:bodyPr rtlCol="0" anchor="ctr"/>
-          <a:lstStyle/>
-          <a:p>
-            <a:pPr algn="ctr"/>
-            <a:endParaRPr lang="de-DE">
-              <a:latin typeface="Arial" panose="020B0604020202020204" pitchFamily="34" charset="0"/>
-              <a:cs typeface="Arial" panose="020B0604020202020204" pitchFamily="34" charset="0"/>
-            </a:endParaRPr>
-          </a:p>
-        </p:txBody>
-      </p:sp>
+      </p:cxnSp>
       <p:cxnSp>
         <p:nvCxnSpPr>
-          <p:cNvPr id="124" name="Gerader Verbinder 123">
-            <a:extLst>
-              <a:ext uri="{FF2B5EF4-FFF2-40B4-BE49-F238E27FC236}">
-                <a16:creationId xmlns:a16="http://schemas.microsoft.com/office/drawing/2014/main" id="{D5BBA819-A1E6-A73F-A4D5-153143602539}"/>
+          <p:cNvPr id="73" name="Gerader Verbinder 72">
+            <a:extLst>
+              <a:ext uri="{FF2B5EF4-FFF2-40B4-BE49-F238E27FC236}">
+                <a16:creationId xmlns:a16="http://schemas.microsoft.com/office/drawing/2014/main" id="{B1AF6A97-EBDA-B1B9-B517-DA3C9019D18A}"/>
               </a:ext>
             </a:extLst>
           </p:cNvPr>
           <p:cNvCxnSpPr>
             <a:cxnSpLocks/>
-            <a:stCxn id="123" idx="0"/>
-            <a:endCxn id="306" idx="2"/>
+            <a:stCxn id="29" idx="3"/>
+            <a:endCxn id="282" idx="2"/>
           </p:cNvCxnSpPr>
           <p:nvPr/>
         </p:nvCxnSpPr>
         <p:spPr>
-          <a:xfrm flipV="1">
-            <a:off x="9354255" y="3337490"/>
-            <a:ext cx="0" cy="193537"/>
+          <a:xfrm>
+            <a:off x="8765107" y="4434631"/>
+            <a:ext cx="1865826" cy="3886"/>
+          </a:xfrm>
+          <a:prstGeom prst="line">
+            <a:avLst/>
+          </a:prstGeom>
+          <a:ln w="19050">
+            <a:solidFill>
+              <a:schemeClr val="tx1"/>
+            </a:solidFill>
+          </a:ln>
+        </p:spPr>
+        <p:style>
+          <a:lnRef idx="1">
+            <a:schemeClr val="accent1"/>
+          </a:lnRef>
+          <a:fillRef idx="0">
+            <a:schemeClr val="accent1"/>
+          </a:fillRef>
+          <a:effectRef idx="0">
+            <a:schemeClr val="accent1"/>
+          </a:effectRef>
+          <a:fontRef idx="minor">
+            <a:schemeClr val="tx1"/>
+          </a:fontRef>
+        </p:style>
+      </p:cxnSp>
+      <p:cxnSp>
+        <p:nvCxnSpPr>
+          <p:cNvPr id="76" name="Gerader Verbinder 75">
+            <a:extLst>
+              <a:ext uri="{FF2B5EF4-FFF2-40B4-BE49-F238E27FC236}">
+                <a16:creationId xmlns:a16="http://schemas.microsoft.com/office/drawing/2014/main" id="{277B1297-25D4-5976-289D-970BED006D7B}"/>
+              </a:ext>
+            </a:extLst>
+          </p:cNvPr>
+          <p:cNvCxnSpPr>
+            <a:cxnSpLocks/>
+            <a:stCxn id="225" idx="2"/>
+            <a:endCxn id="282" idx="2"/>
+          </p:cNvCxnSpPr>
+          <p:nvPr/>
+        </p:nvCxnSpPr>
+        <p:spPr>
+          <a:xfrm>
+            <a:off x="10623176" y="3633241"/>
+            <a:ext cx="7757" cy="805276"/>
           </a:xfrm>
           <a:prstGeom prst="line">
             <a:avLst/>
@@ -8317,59 +9322,12 @@
           </a:fontRef>
         </p:style>
       </p:cxnSp>
-      <p:cxnSp>
-        <p:nvCxnSpPr>
-          <p:cNvPr id="127" name="Gerader Verbinder 126">
-            <a:extLst>
-              <a:ext uri="{FF2B5EF4-FFF2-40B4-BE49-F238E27FC236}">
-                <a16:creationId xmlns:a16="http://schemas.microsoft.com/office/drawing/2014/main" id="{2C18C474-9FA7-D64D-D045-5BEF4BC9AC07}"/>
-              </a:ext>
-            </a:extLst>
-          </p:cNvPr>
-          <p:cNvCxnSpPr>
-            <a:cxnSpLocks/>
-            <a:stCxn id="129" idx="0"/>
-            <a:endCxn id="297" idx="2"/>
-          </p:cNvCxnSpPr>
-          <p:nvPr/>
-        </p:nvCxnSpPr>
-        <p:spPr>
-          <a:xfrm flipH="1" flipV="1">
-            <a:off x="1541361" y="3384229"/>
-            <a:ext cx="2384" cy="204746"/>
-          </a:xfrm>
-          <a:prstGeom prst="line">
-            <a:avLst/>
-          </a:prstGeom>
-          <a:ln w="19050">
-            <a:solidFill>
-              <a:schemeClr val="tx1"/>
-            </a:solidFill>
-            <a:headEnd type="triangle" w="lg" len="lg"/>
-            <a:tailEnd type="none"/>
-          </a:ln>
-        </p:spPr>
-        <p:style>
-          <a:lnRef idx="1">
-            <a:schemeClr val="accent1"/>
-          </a:lnRef>
-          <a:fillRef idx="0">
-            <a:schemeClr val="accent1"/>
-          </a:fillRef>
-          <a:effectRef idx="0">
-            <a:schemeClr val="accent1"/>
-          </a:effectRef>
-          <a:fontRef idx="minor">
-            <a:schemeClr val="tx1"/>
-          </a:fontRef>
-        </p:style>
-      </p:cxnSp>
-      <p:sp>
-        <p:nvSpPr>
-          <p:cNvPr id="129" name="Raute 128">
-            <a:extLst>
-              <a:ext uri="{FF2B5EF4-FFF2-40B4-BE49-F238E27FC236}">
-                <a16:creationId xmlns:a16="http://schemas.microsoft.com/office/drawing/2014/main" id="{7E75B0DE-B1BC-4E21-F4F9-5E2D8963E3CA}"/>
+      <p:sp>
+        <p:nvSpPr>
+          <p:cNvPr id="80" name="Gleichschenkliges Dreieck 79">
+            <a:extLst>
+              <a:ext uri="{FF2B5EF4-FFF2-40B4-BE49-F238E27FC236}">
+                <a16:creationId xmlns:a16="http://schemas.microsoft.com/office/drawing/2014/main" id="{D9BF74EA-C575-60DF-6F27-E60934AB7898}"/>
               </a:ext>
             </a:extLst>
           </p:cNvPr>
@@ -8378,627 +9336,7 @@
         </p:nvSpPr>
         <p:spPr>
           <a:xfrm>
-            <a:off x="1273745" y="3588975"/>
-            <a:ext cx="540000" cy="540000"/>
-          </a:xfrm>
-          <a:prstGeom prst="diamond">
-            <a:avLst/>
-          </a:prstGeom>
-          <a:noFill/>
-          <a:ln w="22225">
-            <a:solidFill>
-              <a:schemeClr val="tx1"/>
-            </a:solidFill>
-          </a:ln>
-        </p:spPr>
-        <p:style>
-          <a:lnRef idx="2">
-            <a:schemeClr val="accent1">
-              <a:shade val="15000"/>
-            </a:schemeClr>
-          </a:lnRef>
-          <a:fillRef idx="1">
-            <a:schemeClr val="accent1"/>
-          </a:fillRef>
-          <a:effectRef idx="0">
-            <a:schemeClr val="accent1"/>
-          </a:effectRef>
-          <a:fontRef idx="minor">
-            <a:schemeClr val="lt1"/>
-          </a:fontRef>
-        </p:style>
-        <p:txBody>
-          <a:bodyPr rtlCol="0" anchor="ctr"/>
-          <a:lstStyle/>
-          <a:p>
-            <a:pPr algn="ctr"/>
-            <a:endParaRPr lang="de-DE">
-              <a:latin typeface="Arial" panose="020B0604020202020204" pitchFamily="34" charset="0"/>
-              <a:cs typeface="Arial" panose="020B0604020202020204" pitchFamily="34" charset="0"/>
-            </a:endParaRPr>
-          </a:p>
-        </p:txBody>
-      </p:sp>
-      <p:sp>
-        <p:nvSpPr>
-          <p:cNvPr id="133" name="Textfeld 132">
-            <a:extLst>
-              <a:ext uri="{FF2B5EF4-FFF2-40B4-BE49-F238E27FC236}">
-                <a16:creationId xmlns:a16="http://schemas.microsoft.com/office/drawing/2014/main" id="{8BA22213-2667-FB13-5C33-969BA6D41C32}"/>
-              </a:ext>
-            </a:extLst>
-          </p:cNvPr>
-          <p:cNvSpPr txBox="1"/>
-          <p:nvPr/>
-        </p:nvSpPr>
-        <p:spPr>
-          <a:xfrm>
-            <a:off x="6365998" y="1542597"/>
-            <a:ext cx="1920719" cy="400110"/>
-          </a:xfrm>
-          <a:prstGeom prst="rect">
-            <a:avLst/>
-          </a:prstGeom>
-          <a:noFill/>
-        </p:spPr>
-        <p:txBody>
-          <a:bodyPr wrap="none" rtlCol="0">
-            <a:spAutoFit/>
-          </a:bodyPr>
-          <a:lstStyle/>
-          <a:p>
-            <a:r>
-              <a:rPr lang="de-DE" sz="2000" dirty="0">
-                <a:latin typeface="Arial" panose="020B0604020202020204" pitchFamily="34" charset="0"/>
-                <a:cs typeface="Arial" panose="020B0604020202020204" pitchFamily="34" charset="0"/>
-              </a:rPr>
-              <a:t>„</a:t>
-            </a:r>
-            <a:r>
-              <a:rPr lang="de-DE" sz="2000" dirty="0" err="1">
-                <a:latin typeface="Arial" panose="020B0604020202020204" pitchFamily="34" charset="0"/>
-                <a:cs typeface="Arial" panose="020B0604020202020204" pitchFamily="34" charset="0"/>
-              </a:rPr>
-              <a:t>measurement</a:t>
-            </a:r>
-            <a:r>
-              <a:rPr lang="de-DE" sz="2000" dirty="0">
-                <a:latin typeface="Arial" panose="020B0604020202020204" pitchFamily="34" charset="0"/>
-                <a:cs typeface="Arial" panose="020B0604020202020204" pitchFamily="34" charset="0"/>
-              </a:rPr>
-              <a:t>“</a:t>
-            </a:r>
-            <a:endParaRPr lang="de-DE" dirty="0">
-              <a:latin typeface="Arial" panose="020B0604020202020204" pitchFamily="34" charset="0"/>
-              <a:cs typeface="Arial" panose="020B0604020202020204" pitchFamily="34" charset="0"/>
-            </a:endParaRPr>
-          </a:p>
-        </p:txBody>
-      </p:sp>
-      <p:sp>
-        <p:nvSpPr>
-          <p:cNvPr id="134" name="Textfeld 133">
-            <a:extLst>
-              <a:ext uri="{FF2B5EF4-FFF2-40B4-BE49-F238E27FC236}">
-                <a16:creationId xmlns:a16="http://schemas.microsoft.com/office/drawing/2014/main" id="{7976890A-41C6-4DB8-D214-3B388BF45867}"/>
-              </a:ext>
-            </a:extLst>
-          </p:cNvPr>
-          <p:cNvSpPr txBox="1"/>
-          <p:nvPr/>
-        </p:nvSpPr>
-        <p:spPr>
-          <a:xfrm>
-            <a:off x="4485711" y="1542597"/>
-            <a:ext cx="1239442" cy="400110"/>
-          </a:xfrm>
-          <a:prstGeom prst="rect">
-            <a:avLst/>
-          </a:prstGeom>
-          <a:noFill/>
-        </p:spPr>
-        <p:txBody>
-          <a:bodyPr wrap="none" rtlCol="0">
-            <a:spAutoFit/>
-          </a:bodyPr>
-          <a:lstStyle/>
-          <a:p>
-            <a:r>
-              <a:rPr lang="de-DE" sz="2000" dirty="0">
-                <a:latin typeface="Arial" panose="020B0604020202020204" pitchFamily="34" charset="0"/>
-                <a:cs typeface="Arial" panose="020B0604020202020204" pitchFamily="34" charset="0"/>
-              </a:rPr>
-              <a:t>„</a:t>
-            </a:r>
-            <a:r>
-              <a:rPr lang="de-DE" sz="2000" dirty="0" err="1">
-                <a:latin typeface="Arial" panose="020B0604020202020204" pitchFamily="34" charset="0"/>
-                <a:cs typeface="Arial" panose="020B0604020202020204" pitchFamily="34" charset="0"/>
-              </a:rPr>
-              <a:t>wakeup</a:t>
-            </a:r>
-            <a:r>
-              <a:rPr lang="de-DE" sz="2000" dirty="0">
-                <a:latin typeface="Arial" panose="020B0604020202020204" pitchFamily="34" charset="0"/>
-                <a:cs typeface="Arial" panose="020B0604020202020204" pitchFamily="34" charset="0"/>
-              </a:rPr>
-              <a:t>“</a:t>
-            </a:r>
-            <a:endParaRPr lang="de-DE" dirty="0">
-              <a:latin typeface="Arial" panose="020B0604020202020204" pitchFamily="34" charset="0"/>
-              <a:cs typeface="Arial" panose="020B0604020202020204" pitchFamily="34" charset="0"/>
-            </a:endParaRPr>
-          </a:p>
-        </p:txBody>
-      </p:sp>
-      <p:sp>
-        <p:nvSpPr>
-          <p:cNvPr id="135" name="Textfeld 134">
-            <a:extLst>
-              <a:ext uri="{FF2B5EF4-FFF2-40B4-BE49-F238E27FC236}">
-                <a16:creationId xmlns:a16="http://schemas.microsoft.com/office/drawing/2014/main" id="{26D43110-2BE9-796A-6638-5B187524F217}"/>
-              </a:ext>
-            </a:extLst>
-          </p:cNvPr>
-          <p:cNvSpPr txBox="1"/>
-          <p:nvPr/>
-        </p:nvSpPr>
-        <p:spPr>
-          <a:xfrm>
-            <a:off x="7922389" y="3462594"/>
-            <a:ext cx="1252266" cy="400110"/>
-          </a:xfrm>
-          <a:prstGeom prst="rect">
-            <a:avLst/>
-          </a:prstGeom>
-          <a:noFill/>
-        </p:spPr>
-        <p:txBody>
-          <a:bodyPr wrap="none" rtlCol="0">
-            <a:spAutoFit/>
-          </a:bodyPr>
-          <a:lstStyle/>
-          <a:p>
-            <a:r>
-              <a:rPr lang="de-DE" sz="2000" dirty="0">
-                <a:latin typeface="Arial" panose="020B0604020202020204" pitchFamily="34" charset="0"/>
-                <a:cs typeface="Arial" panose="020B0604020202020204" pitchFamily="34" charset="0"/>
-              </a:rPr>
-              <a:t>„Aktivität“</a:t>
-            </a:r>
-            <a:endParaRPr lang="de-DE" dirty="0">
-              <a:latin typeface="Arial" panose="020B0604020202020204" pitchFamily="34" charset="0"/>
-              <a:cs typeface="Arial" panose="020B0604020202020204" pitchFamily="34" charset="0"/>
-            </a:endParaRPr>
-          </a:p>
-        </p:txBody>
-      </p:sp>
-      <p:sp>
-        <p:nvSpPr>
-          <p:cNvPr id="136" name="Textfeld 135">
-            <a:extLst>
-              <a:ext uri="{FF2B5EF4-FFF2-40B4-BE49-F238E27FC236}">
-                <a16:creationId xmlns:a16="http://schemas.microsoft.com/office/drawing/2014/main" id="{B2AD8339-8EE6-3FD1-4B8B-4287B8809DC4}"/>
-              </a:ext>
-            </a:extLst>
-          </p:cNvPr>
-          <p:cNvSpPr txBox="1"/>
-          <p:nvPr/>
-        </p:nvSpPr>
-        <p:spPr>
-          <a:xfrm>
-            <a:off x="9575111" y="3468662"/>
-            <a:ext cx="1436612" cy="400110"/>
-          </a:xfrm>
-          <a:prstGeom prst="rect">
-            <a:avLst/>
-          </a:prstGeom>
-          <a:noFill/>
-        </p:spPr>
-        <p:txBody>
-          <a:bodyPr wrap="none" rtlCol="0">
-            <a:spAutoFit/>
-          </a:bodyPr>
-          <a:lstStyle/>
-          <a:p>
-            <a:r>
-              <a:rPr lang="de-DE" sz="2000" dirty="0">
-                <a:latin typeface="Arial" panose="020B0604020202020204" pitchFamily="34" charset="0"/>
-                <a:cs typeface="Arial" panose="020B0604020202020204" pitchFamily="34" charset="0"/>
-              </a:rPr>
-              <a:t>„Inaktivität“</a:t>
-            </a:r>
-            <a:endParaRPr lang="de-DE" dirty="0">
-              <a:latin typeface="Arial" panose="020B0604020202020204" pitchFamily="34" charset="0"/>
-              <a:cs typeface="Arial" panose="020B0604020202020204" pitchFamily="34" charset="0"/>
-            </a:endParaRPr>
-          </a:p>
-        </p:txBody>
-      </p:sp>
-      <p:sp>
-        <p:nvSpPr>
-          <p:cNvPr id="137" name="Textfeld 136">
-            <a:extLst>
-              <a:ext uri="{FF2B5EF4-FFF2-40B4-BE49-F238E27FC236}">
-                <a16:creationId xmlns:a16="http://schemas.microsoft.com/office/drawing/2014/main" id="{34E739C3-78C8-AAA4-59F5-8FEFDA91C9AA}"/>
-              </a:ext>
-            </a:extLst>
-          </p:cNvPr>
-          <p:cNvSpPr txBox="1"/>
-          <p:nvPr/>
-        </p:nvSpPr>
-        <p:spPr>
-          <a:xfrm>
-            <a:off x="1466273" y="4168844"/>
-            <a:ext cx="1252266" cy="400110"/>
-          </a:xfrm>
-          <a:prstGeom prst="rect">
-            <a:avLst/>
-          </a:prstGeom>
-          <a:noFill/>
-        </p:spPr>
-        <p:txBody>
-          <a:bodyPr wrap="none" rtlCol="0">
-            <a:spAutoFit/>
-          </a:bodyPr>
-          <a:lstStyle/>
-          <a:p>
-            <a:r>
-              <a:rPr lang="de-DE" sz="2000" dirty="0">
-                <a:latin typeface="Arial" panose="020B0604020202020204" pitchFamily="34" charset="0"/>
-                <a:cs typeface="Arial" panose="020B0604020202020204" pitchFamily="34" charset="0"/>
-              </a:rPr>
-              <a:t>„Aktivität“</a:t>
-            </a:r>
-            <a:endParaRPr lang="de-DE" dirty="0">
-              <a:latin typeface="Arial" panose="020B0604020202020204" pitchFamily="34" charset="0"/>
-              <a:cs typeface="Arial" panose="020B0604020202020204" pitchFamily="34" charset="0"/>
-            </a:endParaRPr>
-          </a:p>
-        </p:txBody>
-      </p:sp>
-      <p:sp>
-        <p:nvSpPr>
-          <p:cNvPr id="138" name="Raute 137">
-            <a:extLst>
-              <a:ext uri="{FF2B5EF4-FFF2-40B4-BE49-F238E27FC236}">
-                <a16:creationId xmlns:a16="http://schemas.microsoft.com/office/drawing/2014/main" id="{8B457FF0-7834-3A19-818D-D9386A208B6E}"/>
-              </a:ext>
-            </a:extLst>
-          </p:cNvPr>
-          <p:cNvSpPr/>
-          <p:nvPr/>
-        </p:nvSpPr>
-        <p:spPr>
-          <a:xfrm>
-            <a:off x="3190278" y="3589484"/>
-            <a:ext cx="540000" cy="540000"/>
-          </a:xfrm>
-          <a:prstGeom prst="diamond">
-            <a:avLst/>
-          </a:prstGeom>
-          <a:noFill/>
-          <a:ln w="22225">
-            <a:solidFill>
-              <a:schemeClr val="tx1"/>
-            </a:solidFill>
-          </a:ln>
-        </p:spPr>
-        <p:style>
-          <a:lnRef idx="2">
-            <a:schemeClr val="accent1">
-              <a:shade val="15000"/>
-            </a:schemeClr>
-          </a:lnRef>
-          <a:fillRef idx="1">
-            <a:schemeClr val="accent1"/>
-          </a:fillRef>
-          <a:effectRef idx="0">
-            <a:schemeClr val="accent1"/>
-          </a:effectRef>
-          <a:fontRef idx="minor">
-            <a:schemeClr val="lt1"/>
-          </a:fontRef>
-        </p:style>
-        <p:txBody>
-          <a:bodyPr rtlCol="0" anchor="ctr"/>
-          <a:lstStyle/>
-          <a:p>
-            <a:pPr algn="ctr"/>
-            <a:endParaRPr lang="de-DE">
-              <a:latin typeface="Arial" panose="020B0604020202020204" pitchFamily="34" charset="0"/>
-              <a:cs typeface="Arial" panose="020B0604020202020204" pitchFamily="34" charset="0"/>
-            </a:endParaRPr>
-          </a:p>
-        </p:txBody>
-      </p:sp>
-      <p:cxnSp>
-        <p:nvCxnSpPr>
-          <p:cNvPr id="139" name="Gerader Verbinder 138">
-            <a:extLst>
-              <a:ext uri="{FF2B5EF4-FFF2-40B4-BE49-F238E27FC236}">
-                <a16:creationId xmlns:a16="http://schemas.microsoft.com/office/drawing/2014/main" id="{707E996C-E2F7-7764-CA3C-1942AD18026C}"/>
-              </a:ext>
-            </a:extLst>
-          </p:cNvPr>
-          <p:cNvCxnSpPr>
-            <a:cxnSpLocks/>
-            <a:stCxn id="138" idx="1"/>
-            <a:endCxn id="129" idx="3"/>
-          </p:cNvCxnSpPr>
-          <p:nvPr/>
-        </p:nvCxnSpPr>
-        <p:spPr>
-          <a:xfrm flipH="1" flipV="1">
-            <a:off x="1813745" y="3858975"/>
-            <a:ext cx="1376533" cy="509"/>
-          </a:xfrm>
-          <a:prstGeom prst="line">
-            <a:avLst/>
-          </a:prstGeom>
-          <a:ln w="19050">
-            <a:solidFill>
-              <a:schemeClr val="tx1"/>
-            </a:solidFill>
-            <a:headEnd type="triangle" w="lg" len="lg"/>
-            <a:tailEnd type="none"/>
-          </a:ln>
-        </p:spPr>
-        <p:style>
-          <a:lnRef idx="1">
-            <a:schemeClr val="accent1"/>
-          </a:lnRef>
-          <a:fillRef idx="0">
-            <a:schemeClr val="accent1"/>
-          </a:fillRef>
-          <a:effectRef idx="0">
-            <a:schemeClr val="accent1"/>
-          </a:effectRef>
-          <a:fontRef idx="minor">
-            <a:schemeClr val="tx1"/>
-          </a:fontRef>
-        </p:style>
-      </p:cxnSp>
-      <p:sp>
-        <p:nvSpPr>
-          <p:cNvPr id="143" name="Textfeld 142">
-            <a:extLst>
-              <a:ext uri="{FF2B5EF4-FFF2-40B4-BE49-F238E27FC236}">
-                <a16:creationId xmlns:a16="http://schemas.microsoft.com/office/drawing/2014/main" id="{8C171DD8-1231-DADD-4517-D531B57CF3E3}"/>
-              </a:ext>
-            </a:extLst>
-          </p:cNvPr>
-          <p:cNvSpPr txBox="1"/>
-          <p:nvPr/>
-        </p:nvSpPr>
-        <p:spPr>
-          <a:xfrm>
-            <a:off x="1764385" y="3518608"/>
-            <a:ext cx="1436612" cy="400110"/>
-          </a:xfrm>
-          <a:prstGeom prst="rect">
-            <a:avLst/>
-          </a:prstGeom>
-          <a:noFill/>
-        </p:spPr>
-        <p:txBody>
-          <a:bodyPr wrap="none" rtlCol="0">
-            <a:spAutoFit/>
-          </a:bodyPr>
-          <a:lstStyle/>
-          <a:p>
-            <a:r>
-              <a:rPr lang="de-DE" sz="2000" dirty="0">
-                <a:latin typeface="Arial" panose="020B0604020202020204" pitchFamily="34" charset="0"/>
-                <a:cs typeface="Arial" panose="020B0604020202020204" pitchFamily="34" charset="0"/>
-              </a:rPr>
-              <a:t>„Inaktivität“</a:t>
-            </a:r>
-            <a:endParaRPr lang="de-DE" dirty="0">
-              <a:latin typeface="Arial" panose="020B0604020202020204" pitchFamily="34" charset="0"/>
-              <a:cs typeface="Arial" panose="020B0604020202020204" pitchFamily="34" charset="0"/>
-            </a:endParaRPr>
-          </a:p>
-        </p:txBody>
-      </p:sp>
-      <p:cxnSp>
-        <p:nvCxnSpPr>
-          <p:cNvPr id="144" name="Gerader Verbinder 143">
-            <a:extLst>
-              <a:ext uri="{FF2B5EF4-FFF2-40B4-BE49-F238E27FC236}">
-                <a16:creationId xmlns:a16="http://schemas.microsoft.com/office/drawing/2014/main" id="{07515372-3547-7E13-D65E-2618F41ACCA8}"/>
-              </a:ext>
-            </a:extLst>
-          </p:cNvPr>
-          <p:cNvCxnSpPr>
-            <a:cxnSpLocks/>
-          </p:cNvCxnSpPr>
-          <p:nvPr/>
-        </p:nvCxnSpPr>
-        <p:spPr>
-          <a:xfrm>
-            <a:off x="3156300" y="6053547"/>
-            <a:ext cx="1949450" cy="0"/>
-          </a:xfrm>
-          <a:prstGeom prst="line">
-            <a:avLst/>
-          </a:prstGeom>
-          <a:ln w="38100" cmpd="sng">
-            <a:solidFill>
-              <a:schemeClr val="tx1"/>
-            </a:solidFill>
-          </a:ln>
-        </p:spPr>
-        <p:style>
-          <a:lnRef idx="1">
-            <a:schemeClr val="accent1"/>
-          </a:lnRef>
-          <a:fillRef idx="0">
-            <a:schemeClr val="accent1"/>
-          </a:fillRef>
-          <a:effectRef idx="0">
-            <a:schemeClr val="accent1"/>
-          </a:effectRef>
-          <a:fontRef idx="minor">
-            <a:schemeClr val="tx1"/>
-          </a:fontRef>
-        </p:style>
-      </p:cxnSp>
-      <p:cxnSp>
-        <p:nvCxnSpPr>
-          <p:cNvPr id="146" name="Gerader Verbinder 145">
-            <a:extLst>
-              <a:ext uri="{FF2B5EF4-FFF2-40B4-BE49-F238E27FC236}">
-                <a16:creationId xmlns:a16="http://schemas.microsoft.com/office/drawing/2014/main" id="{86469E92-AFD3-254B-6193-3A49745AD93D}"/>
-              </a:ext>
-            </a:extLst>
-          </p:cNvPr>
-          <p:cNvCxnSpPr>
-            <a:cxnSpLocks/>
-            <a:endCxn id="96" idx="2"/>
-          </p:cNvCxnSpPr>
-          <p:nvPr/>
-        </p:nvCxnSpPr>
-        <p:spPr>
-          <a:xfrm flipV="1">
-            <a:off x="4689003" y="5701320"/>
-            <a:ext cx="0" cy="352227"/>
-          </a:xfrm>
-          <a:prstGeom prst="line">
-            <a:avLst/>
-          </a:prstGeom>
-          <a:ln w="19050">
-            <a:solidFill>
-              <a:schemeClr val="tx1"/>
-            </a:solidFill>
-            <a:headEnd type="triangle" w="lg" len="lg"/>
-            <a:tailEnd type="none"/>
-          </a:ln>
-        </p:spPr>
-        <p:style>
-          <a:lnRef idx="1">
-            <a:schemeClr val="accent1"/>
-          </a:lnRef>
-          <a:fillRef idx="0">
-            <a:schemeClr val="accent1"/>
-          </a:fillRef>
-          <a:effectRef idx="0">
-            <a:schemeClr val="accent1"/>
-          </a:effectRef>
-          <a:fontRef idx="minor">
-            <a:schemeClr val="tx1"/>
-          </a:fontRef>
-        </p:style>
-      </p:cxnSp>
-      <p:cxnSp>
-        <p:nvCxnSpPr>
-          <p:cNvPr id="149" name="Gerader Verbinder 148">
-            <a:extLst>
-              <a:ext uri="{FF2B5EF4-FFF2-40B4-BE49-F238E27FC236}">
-                <a16:creationId xmlns:a16="http://schemas.microsoft.com/office/drawing/2014/main" id="{DC96D4B2-B46F-AAE4-5252-42F18A3EF8DB}"/>
-              </a:ext>
-            </a:extLst>
-          </p:cNvPr>
-          <p:cNvCxnSpPr>
-            <a:cxnSpLocks/>
-            <a:stCxn id="96" idx="0"/>
-            <a:endCxn id="92" idx="2"/>
-          </p:cNvCxnSpPr>
-          <p:nvPr/>
-        </p:nvCxnSpPr>
-        <p:spPr>
-          <a:xfrm flipH="1" flipV="1">
-            <a:off x="4689002" y="4913460"/>
-            <a:ext cx="1" cy="374659"/>
-          </a:xfrm>
-          <a:prstGeom prst="line">
-            <a:avLst/>
-          </a:prstGeom>
-          <a:ln w="19050">
-            <a:solidFill>
-              <a:schemeClr val="tx1"/>
-            </a:solidFill>
-            <a:headEnd type="triangle" w="lg" len="lg"/>
-            <a:tailEnd type="none"/>
-          </a:ln>
-        </p:spPr>
-        <p:style>
-          <a:lnRef idx="1">
-            <a:schemeClr val="accent1"/>
-          </a:lnRef>
-          <a:fillRef idx="0">
-            <a:schemeClr val="accent1"/>
-          </a:fillRef>
-          <a:effectRef idx="0">
-            <a:schemeClr val="accent1"/>
-          </a:effectRef>
-          <a:fontRef idx="minor">
-            <a:schemeClr val="tx1"/>
-          </a:fontRef>
-        </p:style>
-      </p:cxnSp>
-      <p:cxnSp>
-        <p:nvCxnSpPr>
-          <p:cNvPr id="152" name="Gerader Verbinder 151">
-            <a:extLst>
-              <a:ext uri="{FF2B5EF4-FFF2-40B4-BE49-F238E27FC236}">
-                <a16:creationId xmlns:a16="http://schemas.microsoft.com/office/drawing/2014/main" id="{783A8811-3076-4724-D29B-155C821A1FEB}"/>
-              </a:ext>
-            </a:extLst>
-          </p:cNvPr>
-          <p:cNvCxnSpPr>
-            <a:cxnSpLocks/>
-            <a:stCxn id="92" idx="0"/>
-            <a:endCxn id="156" idx="2"/>
-          </p:cNvCxnSpPr>
-          <p:nvPr/>
-        </p:nvCxnSpPr>
-        <p:spPr>
-          <a:xfrm flipV="1">
-            <a:off x="4689002" y="3854163"/>
-            <a:ext cx="4108" cy="646096"/>
-          </a:xfrm>
-          <a:prstGeom prst="line">
-            <a:avLst/>
-          </a:prstGeom>
-          <a:ln w="19050">
-            <a:solidFill>
-              <a:schemeClr val="tx1"/>
-            </a:solidFill>
-            <a:headEnd type="triangle" w="lg" len="lg"/>
-            <a:tailEnd type="none"/>
-          </a:ln>
-        </p:spPr>
-        <p:style>
-          <a:lnRef idx="1">
-            <a:schemeClr val="accent1"/>
-          </a:lnRef>
-          <a:fillRef idx="0">
-            <a:schemeClr val="accent1"/>
-          </a:fillRef>
-          <a:effectRef idx="0">
-            <a:schemeClr val="accent1"/>
-          </a:effectRef>
-          <a:fontRef idx="minor">
-            <a:schemeClr val="tx1"/>
-          </a:fontRef>
-        </p:style>
-      </p:cxnSp>
-      <p:sp>
-        <p:nvSpPr>
-          <p:cNvPr id="156" name="Gleichschenkliges Dreieck 155">
-            <a:extLst>
-              <a:ext uri="{FF2B5EF4-FFF2-40B4-BE49-F238E27FC236}">
-                <a16:creationId xmlns:a16="http://schemas.microsoft.com/office/drawing/2014/main" id="{77735B85-8FD5-31E7-1C14-EA4F8707705D}"/>
-              </a:ext>
-            </a:extLst>
-          </p:cNvPr>
-          <p:cNvSpPr/>
-          <p:nvPr/>
-        </p:nvSpPr>
-        <p:spPr>
-          <a:xfrm>
-            <a:off x="4693110" y="3440962"/>
+            <a:off x="10623176" y="729022"/>
             <a:ext cx="386648" cy="413201"/>
           </a:xfrm>
           <a:prstGeom prst="triangle">
@@ -9037,103 +9375,12 @@
           </a:p>
         </p:txBody>
       </p:sp>
-      <p:cxnSp>
-        <p:nvCxnSpPr>
-          <p:cNvPr id="158" name="Gerader Verbinder 157">
-            <a:extLst>
-              <a:ext uri="{FF2B5EF4-FFF2-40B4-BE49-F238E27FC236}">
-                <a16:creationId xmlns:a16="http://schemas.microsoft.com/office/drawing/2014/main" id="{EA06DA89-9E3C-C6A4-8F32-46DE9260ECCB}"/>
-              </a:ext>
-            </a:extLst>
-          </p:cNvPr>
-          <p:cNvCxnSpPr>
-            <a:cxnSpLocks/>
-            <a:stCxn id="138" idx="3"/>
-            <a:endCxn id="156" idx="2"/>
-          </p:cNvCxnSpPr>
-          <p:nvPr/>
-        </p:nvCxnSpPr>
-        <p:spPr>
-          <a:xfrm flipV="1">
-            <a:off x="3730278" y="3854163"/>
-            <a:ext cx="962832" cy="5321"/>
-          </a:xfrm>
-          <a:prstGeom prst="line">
-            <a:avLst/>
-          </a:prstGeom>
-          <a:ln w="19050">
-            <a:solidFill>
-              <a:schemeClr val="tx1"/>
-            </a:solidFill>
-          </a:ln>
-        </p:spPr>
-        <p:style>
-          <a:lnRef idx="1">
-            <a:schemeClr val="accent1"/>
-          </a:lnRef>
-          <a:fillRef idx="0">
-            <a:schemeClr val="accent1"/>
-          </a:fillRef>
-          <a:effectRef idx="0">
-            <a:schemeClr val="accent1"/>
-          </a:effectRef>
-          <a:fontRef idx="minor">
-            <a:schemeClr val="tx1"/>
-          </a:fontRef>
-        </p:style>
-      </p:cxnSp>
-      <p:cxnSp>
-        <p:nvCxnSpPr>
-          <p:cNvPr id="161" name="Gerader Verbinder 160">
-            <a:extLst>
-              <a:ext uri="{FF2B5EF4-FFF2-40B4-BE49-F238E27FC236}">
-                <a16:creationId xmlns:a16="http://schemas.microsoft.com/office/drawing/2014/main" id="{48B2989F-51D1-2BD5-7ED3-FB746D1CB9FB}"/>
-              </a:ext>
-            </a:extLst>
-          </p:cNvPr>
-          <p:cNvCxnSpPr>
-            <a:cxnSpLocks/>
-            <a:endCxn id="138" idx="2"/>
-          </p:cNvCxnSpPr>
-          <p:nvPr/>
-        </p:nvCxnSpPr>
-        <p:spPr>
-          <a:xfrm flipV="1">
-            <a:off x="3460278" y="4129484"/>
-            <a:ext cx="0" cy="1924063"/>
-          </a:xfrm>
-          <a:prstGeom prst="line">
-            <a:avLst/>
-          </a:prstGeom>
-          <a:ln w="19050">
-            <a:solidFill>
-              <a:schemeClr val="tx1"/>
-            </a:solidFill>
-            <a:headEnd type="triangle" w="lg" len="lg"/>
-            <a:tailEnd type="none"/>
-          </a:ln>
-        </p:spPr>
-        <p:style>
-          <a:lnRef idx="1">
-            <a:schemeClr val="accent1"/>
-          </a:lnRef>
-          <a:fillRef idx="0">
-            <a:schemeClr val="accent1"/>
-          </a:fillRef>
-          <a:effectRef idx="0">
-            <a:schemeClr val="accent1"/>
-          </a:effectRef>
-          <a:fontRef idx="minor">
-            <a:schemeClr val="tx1"/>
-          </a:fontRef>
-        </p:style>
-      </p:cxnSp>
-      <p:sp>
-        <p:nvSpPr>
-          <p:cNvPr id="166" name="Gleichschenkliges Dreieck 165">
-            <a:extLst>
-              <a:ext uri="{FF2B5EF4-FFF2-40B4-BE49-F238E27FC236}">
-                <a16:creationId xmlns:a16="http://schemas.microsoft.com/office/drawing/2014/main" id="{FFE1FA07-2FD0-3A45-8831-B072045CE3D6}"/>
+      <p:sp>
+        <p:nvSpPr>
+          <p:cNvPr id="81" name="Gleichschenkliges Dreieck 80">
+            <a:extLst>
+              <a:ext uri="{FF2B5EF4-FFF2-40B4-BE49-F238E27FC236}">
+                <a16:creationId xmlns:a16="http://schemas.microsoft.com/office/drawing/2014/main" id="{5595A377-5790-6600-1A35-21BB15733D1E}"/>
               </a:ext>
             </a:extLst>
           </p:cNvPr>
@@ -9142,7 +9389,7 @@
         </p:nvSpPr>
         <p:spPr>
           <a:xfrm>
-            <a:off x="5902676" y="5630320"/>
+            <a:off x="563448" y="740535"/>
             <a:ext cx="386648" cy="413201"/>
           </a:xfrm>
           <a:prstGeom prst="triangle">
@@ -9183,22 +9430,24 @@
       </p:sp>
       <p:cxnSp>
         <p:nvCxnSpPr>
-          <p:cNvPr id="168" name="Gerader Verbinder 167">
-            <a:extLst>
-              <a:ext uri="{FF2B5EF4-FFF2-40B4-BE49-F238E27FC236}">
-                <a16:creationId xmlns:a16="http://schemas.microsoft.com/office/drawing/2014/main" id="{BD823A65-1054-8732-BC24-837B5397D096}"/>
+          <p:cNvPr id="85" name="Gerader Verbinder 84">
+            <a:extLst>
+              <a:ext uri="{FF2B5EF4-FFF2-40B4-BE49-F238E27FC236}">
+                <a16:creationId xmlns:a16="http://schemas.microsoft.com/office/drawing/2014/main" id="{5E0FAE16-AA42-A2E3-5D4C-8ABA34C7AF01}"/>
               </a:ext>
             </a:extLst>
           </p:cNvPr>
           <p:cNvCxnSpPr>
             <a:cxnSpLocks/>
+            <a:stCxn id="246" idx="4"/>
+            <a:endCxn id="24" idx="1"/>
           </p:cNvCxnSpPr>
           <p:nvPr/>
         </p:nvCxnSpPr>
         <p:spPr>
-          <a:xfrm>
-            <a:off x="4131025" y="6058309"/>
-            <a:ext cx="0" cy="222199"/>
+          <a:xfrm flipV="1">
+            <a:off x="539149" y="6398005"/>
+            <a:ext cx="5123660" cy="6421"/>
           </a:xfrm>
           <a:prstGeom prst="line">
             <a:avLst/>
@@ -9224,12 +9473,292 @@
           </a:fontRef>
         </p:style>
       </p:cxnSp>
-      <p:sp>
-        <p:nvSpPr>
-          <p:cNvPr id="171" name="Gleichschenkliges Dreieck 170">
-            <a:extLst>
-              <a:ext uri="{FF2B5EF4-FFF2-40B4-BE49-F238E27FC236}">
-                <a16:creationId xmlns:a16="http://schemas.microsoft.com/office/drawing/2014/main" id="{21E8F49C-610C-8DFE-182D-2FC246AB12EE}"/>
+      <p:cxnSp>
+        <p:nvCxnSpPr>
+          <p:cNvPr id="289" name="Gerader Verbinder 288">
+            <a:extLst>
+              <a:ext uri="{FF2B5EF4-FFF2-40B4-BE49-F238E27FC236}">
+                <a16:creationId xmlns:a16="http://schemas.microsoft.com/office/drawing/2014/main" id="{53FCDC7B-B40B-D56A-2D2D-BED630059190}"/>
+              </a:ext>
+            </a:extLst>
+          </p:cNvPr>
+          <p:cNvCxnSpPr>
+            <a:cxnSpLocks/>
+            <a:stCxn id="12" idx="1"/>
+            <a:endCxn id="81" idx="4"/>
+          </p:cNvCxnSpPr>
+          <p:nvPr/>
+        </p:nvCxnSpPr>
+        <p:spPr>
+          <a:xfrm flipH="1">
+            <a:off x="950096" y="1146204"/>
+            <a:ext cx="3047014" cy="7532"/>
+          </a:xfrm>
+          <a:prstGeom prst="line">
+            <a:avLst/>
+          </a:prstGeom>
+          <a:ln w="19050">
+            <a:solidFill>
+              <a:schemeClr val="tx1"/>
+            </a:solidFill>
+            <a:headEnd type="triangle" w="lg" len="lg"/>
+            <a:tailEnd type="none"/>
+          </a:ln>
+        </p:spPr>
+        <p:style>
+          <a:lnRef idx="1">
+            <a:schemeClr val="accent1"/>
+          </a:lnRef>
+          <a:fillRef idx="0">
+            <a:schemeClr val="accent1"/>
+          </a:fillRef>
+          <a:effectRef idx="0">
+            <a:schemeClr val="accent1"/>
+          </a:effectRef>
+          <a:fontRef idx="minor">
+            <a:schemeClr val="tx1"/>
+          </a:fontRef>
+        </p:style>
+      </p:cxnSp>
+      <p:cxnSp>
+        <p:nvCxnSpPr>
+          <p:cNvPr id="292" name="Gerader Verbinder 291">
+            <a:extLst>
+              <a:ext uri="{FF2B5EF4-FFF2-40B4-BE49-F238E27FC236}">
+                <a16:creationId xmlns:a16="http://schemas.microsoft.com/office/drawing/2014/main" id="{E768B591-ECCF-8952-BC7A-B6DFB164503F}"/>
+              </a:ext>
+            </a:extLst>
+          </p:cNvPr>
+          <p:cNvCxnSpPr>
+            <a:cxnSpLocks/>
+            <a:stCxn id="12" idx="3"/>
+            <a:endCxn id="80" idx="2"/>
+          </p:cNvCxnSpPr>
+          <p:nvPr/>
+        </p:nvCxnSpPr>
+        <p:spPr>
+          <a:xfrm flipV="1">
+            <a:off x="6769872" y="1142223"/>
+            <a:ext cx="3853304" cy="3981"/>
+          </a:xfrm>
+          <a:prstGeom prst="line">
+            <a:avLst/>
+          </a:prstGeom>
+          <a:ln w="19050">
+            <a:solidFill>
+              <a:schemeClr val="tx1"/>
+            </a:solidFill>
+            <a:headEnd type="triangle" w="lg" len="lg"/>
+            <a:tailEnd type="none"/>
+          </a:ln>
+        </p:spPr>
+        <p:style>
+          <a:lnRef idx="1">
+            <a:schemeClr val="accent1"/>
+          </a:lnRef>
+          <a:fillRef idx="0">
+            <a:schemeClr val="accent1"/>
+          </a:fillRef>
+          <a:effectRef idx="0">
+            <a:schemeClr val="accent1"/>
+          </a:effectRef>
+          <a:fontRef idx="minor">
+            <a:schemeClr val="tx1"/>
+          </a:fontRef>
+        </p:style>
+      </p:cxnSp>
+      <p:cxnSp>
+        <p:nvCxnSpPr>
+          <p:cNvPr id="295" name="Gerader Verbinder 294">
+            <a:extLst>
+              <a:ext uri="{FF2B5EF4-FFF2-40B4-BE49-F238E27FC236}">
+                <a16:creationId xmlns:a16="http://schemas.microsoft.com/office/drawing/2014/main" id="{922E9BBF-1E8A-9C34-4039-397F51DC0975}"/>
+              </a:ext>
+            </a:extLst>
+          </p:cNvPr>
+          <p:cNvCxnSpPr>
+            <a:cxnSpLocks/>
+            <a:stCxn id="225" idx="0"/>
+            <a:endCxn id="80" idx="2"/>
+          </p:cNvCxnSpPr>
+          <p:nvPr/>
+        </p:nvCxnSpPr>
+        <p:spPr>
+          <a:xfrm flipV="1">
+            <a:off x="10623176" y="1142223"/>
+            <a:ext cx="0" cy="1871611"/>
+          </a:xfrm>
+          <a:prstGeom prst="line">
+            <a:avLst/>
+          </a:prstGeom>
+          <a:ln w="19050">
+            <a:solidFill>
+              <a:schemeClr val="tx1"/>
+            </a:solidFill>
+          </a:ln>
+        </p:spPr>
+        <p:style>
+          <a:lnRef idx="1">
+            <a:schemeClr val="accent1"/>
+          </a:lnRef>
+          <a:fillRef idx="0">
+            <a:schemeClr val="accent1"/>
+          </a:fillRef>
+          <a:effectRef idx="0">
+            <a:schemeClr val="accent1"/>
+          </a:effectRef>
+          <a:fontRef idx="minor">
+            <a:schemeClr val="tx1"/>
+          </a:fontRef>
+        </p:style>
+      </p:cxnSp>
+      <p:cxnSp>
+        <p:nvCxnSpPr>
+          <p:cNvPr id="304" name="Gerader Verbinder 303">
+            <a:extLst>
+              <a:ext uri="{FF2B5EF4-FFF2-40B4-BE49-F238E27FC236}">
+                <a16:creationId xmlns:a16="http://schemas.microsoft.com/office/drawing/2014/main" id="{0AE8B43C-F6BE-B640-7D4F-846303F66DAF}"/>
+              </a:ext>
+            </a:extLst>
+          </p:cNvPr>
+          <p:cNvCxnSpPr>
+            <a:cxnSpLocks/>
+            <a:stCxn id="24" idx="0"/>
+            <a:endCxn id="28" idx="2"/>
+          </p:cNvCxnSpPr>
+          <p:nvPr/>
+        </p:nvCxnSpPr>
+        <p:spPr>
+          <a:xfrm flipH="1" flipV="1">
+            <a:off x="6823379" y="5485171"/>
+            <a:ext cx="1411" cy="603130"/>
+          </a:xfrm>
+          <a:prstGeom prst="line">
+            <a:avLst/>
+          </a:prstGeom>
+          <a:ln w="19050">
+            <a:solidFill>
+              <a:schemeClr val="tx1"/>
+            </a:solidFill>
+            <a:headEnd type="triangle" w="lg" len="lg"/>
+            <a:tailEnd type="none"/>
+          </a:ln>
+        </p:spPr>
+        <p:style>
+          <a:lnRef idx="1">
+            <a:schemeClr val="accent1"/>
+          </a:lnRef>
+          <a:fillRef idx="0">
+            <a:schemeClr val="accent1"/>
+          </a:fillRef>
+          <a:effectRef idx="0">
+            <a:schemeClr val="accent1"/>
+          </a:effectRef>
+          <a:fontRef idx="minor">
+            <a:schemeClr val="tx1"/>
+          </a:fontRef>
+        </p:style>
+      </p:cxnSp>
+      <p:cxnSp>
+        <p:nvCxnSpPr>
+          <p:cNvPr id="308" name="Gerader Verbinder 307">
+            <a:extLst>
+              <a:ext uri="{FF2B5EF4-FFF2-40B4-BE49-F238E27FC236}">
+                <a16:creationId xmlns:a16="http://schemas.microsoft.com/office/drawing/2014/main" id="{BE8ADC39-1C72-F432-7D6B-3B9D97B8F237}"/>
+              </a:ext>
+            </a:extLst>
+          </p:cNvPr>
+          <p:cNvCxnSpPr>
+            <a:cxnSpLocks/>
+            <a:stCxn id="31" idx="3"/>
+            <a:endCxn id="28" idx="1"/>
+          </p:cNvCxnSpPr>
+          <p:nvPr/>
+        </p:nvCxnSpPr>
+        <p:spPr>
+          <a:xfrm>
+            <a:off x="5091429" y="5213596"/>
+            <a:ext cx="1461950" cy="1575"/>
+          </a:xfrm>
+          <a:prstGeom prst="line">
+            <a:avLst/>
+          </a:prstGeom>
+          <a:ln w="19050">
+            <a:solidFill>
+              <a:schemeClr val="tx1"/>
+            </a:solidFill>
+            <a:headEnd type="triangle" w="lg" len="lg"/>
+            <a:tailEnd type="none"/>
+          </a:ln>
+        </p:spPr>
+        <p:style>
+          <a:lnRef idx="1">
+            <a:schemeClr val="accent1"/>
+          </a:lnRef>
+          <a:fillRef idx="0">
+            <a:schemeClr val="accent1"/>
+          </a:fillRef>
+          <a:effectRef idx="0">
+            <a:schemeClr val="accent1"/>
+          </a:effectRef>
+          <a:fontRef idx="minor">
+            <a:schemeClr val="tx1"/>
+          </a:fontRef>
+        </p:style>
+      </p:cxnSp>
+      <p:cxnSp>
+        <p:nvCxnSpPr>
+          <p:cNvPr id="313" name="Gerader Verbinder 312">
+            <a:extLst>
+              <a:ext uri="{FF2B5EF4-FFF2-40B4-BE49-F238E27FC236}">
+                <a16:creationId xmlns:a16="http://schemas.microsoft.com/office/drawing/2014/main" id="{E2A92210-7637-2059-A2E8-4FD7AFD306F1}"/>
+              </a:ext>
+            </a:extLst>
+          </p:cNvPr>
+          <p:cNvCxnSpPr>
+            <a:cxnSpLocks/>
+            <a:stCxn id="23" idx="2"/>
+            <a:endCxn id="31" idx="0"/>
+          </p:cNvCxnSpPr>
+          <p:nvPr/>
+        </p:nvCxnSpPr>
+        <p:spPr>
+          <a:xfrm>
+            <a:off x="3572355" y="3792803"/>
+            <a:ext cx="3546" cy="1111089"/>
+          </a:xfrm>
+          <a:prstGeom prst="line">
+            <a:avLst/>
+          </a:prstGeom>
+          <a:ln w="19050">
+            <a:solidFill>
+              <a:schemeClr val="tx1"/>
+            </a:solidFill>
+            <a:headEnd type="triangle" w="lg" len="lg"/>
+            <a:tailEnd type="none"/>
+          </a:ln>
+        </p:spPr>
+        <p:style>
+          <a:lnRef idx="1">
+            <a:schemeClr val="accent1"/>
+          </a:lnRef>
+          <a:fillRef idx="0">
+            <a:schemeClr val="accent1"/>
+          </a:fillRef>
+          <a:effectRef idx="0">
+            <a:schemeClr val="accent1"/>
+          </a:effectRef>
+          <a:fontRef idx="minor">
+            <a:schemeClr val="tx1"/>
+          </a:fontRef>
+        </p:style>
+      </p:cxnSp>
+      <p:sp>
+        <p:nvSpPr>
+          <p:cNvPr id="106" name="Gleichschenkliges Dreieck 105">
+            <a:extLst>
+              <a:ext uri="{FF2B5EF4-FFF2-40B4-BE49-F238E27FC236}">
+                <a16:creationId xmlns:a16="http://schemas.microsoft.com/office/drawing/2014/main" id="{BB51508D-910B-44E7-C8A9-D8CDC216B3CA}"/>
               </a:ext>
             </a:extLst>
           </p:cNvPr>
@@ -9238,7 +9767,7 @@
         </p:nvSpPr>
         <p:spPr>
           <a:xfrm>
-            <a:off x="4131025" y="5862545"/>
+            <a:off x="944913" y="3164078"/>
             <a:ext cx="386648" cy="413201"/>
           </a:xfrm>
           <a:prstGeom prst="triangle">
@@ -9279,23 +9808,24 @@
       </p:sp>
       <p:cxnSp>
         <p:nvCxnSpPr>
-          <p:cNvPr id="173" name="Gerader Verbinder 172">
-            <a:extLst>
-              <a:ext uri="{FF2B5EF4-FFF2-40B4-BE49-F238E27FC236}">
-                <a16:creationId xmlns:a16="http://schemas.microsoft.com/office/drawing/2014/main" id="{D03061D0-39E8-C4D9-5A6C-784E31A57C40}"/>
+          <p:cNvPr id="115" name="Gerader Verbinder 114">
+            <a:extLst>
+              <a:ext uri="{FF2B5EF4-FFF2-40B4-BE49-F238E27FC236}">
+                <a16:creationId xmlns:a16="http://schemas.microsoft.com/office/drawing/2014/main" id="{E8EE4747-3DA0-4192-EFD9-B48EBDCBF49C}"/>
               </a:ext>
             </a:extLst>
           </p:cNvPr>
           <p:cNvCxnSpPr>
             <a:cxnSpLocks/>
-            <a:stCxn id="171" idx="2"/>
+            <a:stCxn id="106" idx="2"/>
+            <a:endCxn id="23" idx="1"/>
           </p:cNvCxnSpPr>
           <p:nvPr/>
         </p:nvCxnSpPr>
         <p:spPr>
-          <a:xfrm flipV="1">
-            <a:off x="4131025" y="6275745"/>
-            <a:ext cx="1771651" cy="1"/>
+          <a:xfrm>
+            <a:off x="944913" y="3577279"/>
+            <a:ext cx="1111914" cy="8924"/>
           </a:xfrm>
           <a:prstGeom prst="line">
             <a:avLst/>
@@ -9323,10 +9853,10 @@
       </p:cxnSp>
       <p:sp>
         <p:nvSpPr>
-          <p:cNvPr id="178" name="Gleichschenkliges Dreieck 177">
-            <a:extLst>
-              <a:ext uri="{FF2B5EF4-FFF2-40B4-BE49-F238E27FC236}">
-                <a16:creationId xmlns:a16="http://schemas.microsoft.com/office/drawing/2014/main" id="{47677161-0D99-B7C8-D3DF-062BD3134F4F}"/>
+          <p:cNvPr id="121" name="Gleichschenkliges Dreieck 120">
+            <a:extLst>
+              <a:ext uri="{FF2B5EF4-FFF2-40B4-BE49-F238E27FC236}">
+                <a16:creationId xmlns:a16="http://schemas.microsoft.com/office/drawing/2014/main" id="{4C7F3838-7432-E7A8-49F8-22C01FECF028}"/>
               </a:ext>
             </a:extLst>
           </p:cNvPr>
@@ -9335,7 +9865,7 @@
         </p:nvSpPr>
         <p:spPr>
           <a:xfrm>
-            <a:off x="5902676" y="2367974"/>
+            <a:off x="943537" y="1142223"/>
             <a:ext cx="386648" cy="413201"/>
           </a:xfrm>
           <a:prstGeom prst="triangle">
@@ -9367,163 +9897,28 @@
           <a:lstStyle/>
           <a:p>
             <a:pPr algn="ctr"/>
-            <a:endParaRPr lang="de-DE" dirty="0">
+            <a:endParaRPr lang="de-DE">
               <a:latin typeface="Arial" panose="020B0604020202020204" pitchFamily="34" charset="0"/>
               <a:cs typeface="Arial" panose="020B0604020202020204" pitchFamily="34" charset="0"/>
             </a:endParaRPr>
           </a:p>
         </p:txBody>
       </p:sp>
-      <p:cxnSp>
-        <p:nvCxnSpPr>
-          <p:cNvPr id="179" name="Gerader Verbinder 178">
-            <a:extLst>
-              <a:ext uri="{FF2B5EF4-FFF2-40B4-BE49-F238E27FC236}">
-                <a16:creationId xmlns:a16="http://schemas.microsoft.com/office/drawing/2014/main" id="{CF9D83A1-3569-DF8E-B4FE-27E1265F7C40}"/>
-              </a:ext>
-            </a:extLst>
-          </p:cNvPr>
-          <p:cNvCxnSpPr>
-            <a:cxnSpLocks/>
-          </p:cNvCxnSpPr>
+      <p:sp>
+        <p:nvSpPr>
+          <p:cNvPr id="125" name="Gleichschenkliges Dreieck 124">
+            <a:extLst>
+              <a:ext uri="{FF2B5EF4-FFF2-40B4-BE49-F238E27FC236}">
+                <a16:creationId xmlns:a16="http://schemas.microsoft.com/office/drawing/2014/main" id="{37A775E3-EDF7-9780-06F7-32B092C8E78A}"/>
+              </a:ext>
+            </a:extLst>
+          </p:cNvPr>
+          <p:cNvSpPr/>
           <p:nvPr/>
-        </p:nvCxnSpPr>
-        <p:spPr>
-          <a:xfrm flipH="1">
-            <a:off x="5893509" y="2685925"/>
-            <a:ext cx="8343" cy="3589820"/>
-          </a:xfrm>
-          <a:prstGeom prst="line">
-            <a:avLst/>
-          </a:prstGeom>
-          <a:ln w="19050">
-            <a:solidFill>
-              <a:schemeClr val="tx1"/>
-            </a:solidFill>
-          </a:ln>
-        </p:spPr>
-        <p:style>
-          <a:lnRef idx="1">
-            <a:schemeClr val="accent1"/>
-          </a:lnRef>
-          <a:fillRef idx="0">
-            <a:schemeClr val="accent1"/>
-          </a:fillRef>
-          <a:effectRef idx="0">
-            <a:schemeClr val="accent1"/>
-          </a:effectRef>
-          <a:fontRef idx="minor">
-            <a:schemeClr val="tx1"/>
-          </a:fontRef>
-        </p:style>
-      </p:cxnSp>
-      <p:cxnSp>
-        <p:nvCxnSpPr>
-          <p:cNvPr id="184" name="Gerader Verbinder 183">
-            <a:extLst>
-              <a:ext uri="{FF2B5EF4-FFF2-40B4-BE49-F238E27FC236}">
-                <a16:creationId xmlns:a16="http://schemas.microsoft.com/office/drawing/2014/main" id="{4A5AC80F-3F85-5E12-E724-F4D5634CE8B6}"/>
-              </a:ext>
-            </a:extLst>
-          </p:cNvPr>
-          <p:cNvCxnSpPr>
-            <a:cxnSpLocks/>
-          </p:cNvCxnSpPr>
-          <p:nvPr/>
-        </p:nvCxnSpPr>
+        </p:nvSpPr>
         <p:spPr>
           <a:xfrm>
-            <a:off x="1541361" y="2685924"/>
-            <a:ext cx="4361315" cy="1"/>
-          </a:xfrm>
-          <a:prstGeom prst="line">
-            <a:avLst/>
-          </a:prstGeom>
-          <a:ln w="19050">
-            <a:solidFill>
-              <a:schemeClr val="tx1"/>
-            </a:solidFill>
-            <a:headEnd type="triangle" w="lg" len="lg"/>
-            <a:tailEnd type="none"/>
-          </a:ln>
-        </p:spPr>
-        <p:style>
-          <a:lnRef idx="1">
-            <a:schemeClr val="accent1"/>
-          </a:lnRef>
-          <a:fillRef idx="0">
-            <a:schemeClr val="accent1"/>
-          </a:fillRef>
-          <a:effectRef idx="0">
-            <a:schemeClr val="accent1"/>
-          </a:effectRef>
-          <a:fontRef idx="minor">
-            <a:schemeClr val="tx1"/>
-          </a:fontRef>
-        </p:style>
-      </p:cxnSp>
-      <p:cxnSp>
-        <p:nvCxnSpPr>
-          <p:cNvPr id="187" name="Gerader Verbinder 186">
-            <a:extLst>
-              <a:ext uri="{FF2B5EF4-FFF2-40B4-BE49-F238E27FC236}">
-                <a16:creationId xmlns:a16="http://schemas.microsoft.com/office/drawing/2014/main" id="{CD217C22-4B5A-7ED7-ADE1-0174779ED51C}"/>
-              </a:ext>
-            </a:extLst>
-          </p:cNvPr>
-          <p:cNvCxnSpPr>
-            <a:cxnSpLocks/>
-            <a:stCxn id="91" idx="0"/>
-            <a:endCxn id="129" idx="2"/>
-          </p:cNvCxnSpPr>
-          <p:nvPr/>
-        </p:nvCxnSpPr>
-        <p:spPr>
-          <a:xfrm flipV="1">
-            <a:off x="1543745" y="4128975"/>
-            <a:ext cx="0" cy="1765127"/>
-          </a:xfrm>
-          <a:prstGeom prst="line">
-            <a:avLst/>
-          </a:prstGeom>
-          <a:ln w="19050">
-            <a:solidFill>
-              <a:schemeClr val="tx1"/>
-            </a:solidFill>
-            <a:headEnd type="triangle" w="lg" len="lg"/>
-            <a:tailEnd type="none"/>
-          </a:ln>
-        </p:spPr>
-        <p:style>
-          <a:lnRef idx="1">
-            <a:schemeClr val="accent1"/>
-          </a:lnRef>
-          <a:fillRef idx="0">
-            <a:schemeClr val="accent1"/>
-          </a:fillRef>
-          <a:effectRef idx="0">
-            <a:schemeClr val="accent1"/>
-          </a:effectRef>
-          <a:fontRef idx="minor">
-            <a:schemeClr val="tx1"/>
-          </a:fontRef>
-        </p:style>
-      </p:cxnSp>
-      <p:sp>
-        <p:nvSpPr>
-          <p:cNvPr id="190" name="Gleichschenkliges Dreieck 189">
-            <a:extLst>
-              <a:ext uri="{FF2B5EF4-FFF2-40B4-BE49-F238E27FC236}">
-                <a16:creationId xmlns:a16="http://schemas.microsoft.com/office/drawing/2014/main" id="{523C774D-86A1-4383-11ED-C0A938912EB5}"/>
-              </a:ext>
-            </a:extLst>
-          </p:cNvPr>
-          <p:cNvSpPr/>
-          <p:nvPr/>
-        </p:nvSpPr>
-        <p:spPr>
-          <a:xfrm>
-            <a:off x="1543833" y="6294508"/>
+            <a:off x="148902" y="1153730"/>
             <a:ext cx="386648" cy="413201"/>
           </a:xfrm>
           <a:prstGeom prst="triangle">
@@ -9562,12 +9957,100 @@
           </a:p>
         </p:txBody>
       </p:sp>
-      <p:sp>
-        <p:nvSpPr>
-          <p:cNvPr id="191" name="Gleichschenkliges Dreieck 190">
-            <a:extLst>
-              <a:ext uri="{FF2B5EF4-FFF2-40B4-BE49-F238E27FC236}">
-                <a16:creationId xmlns:a16="http://schemas.microsoft.com/office/drawing/2014/main" id="{8C9CD3EE-DEF9-39C4-3820-A524430316D1}"/>
+      <p:cxnSp>
+        <p:nvCxnSpPr>
+          <p:cNvPr id="322" name="Gerader Verbinder 321">
+            <a:extLst>
+              <a:ext uri="{FF2B5EF4-FFF2-40B4-BE49-F238E27FC236}">
+                <a16:creationId xmlns:a16="http://schemas.microsoft.com/office/drawing/2014/main" id="{AD95E441-CAA2-83EF-7335-7A09FA0FEC43}"/>
+              </a:ext>
+            </a:extLst>
+          </p:cNvPr>
+          <p:cNvCxnSpPr>
+            <a:cxnSpLocks/>
+            <a:stCxn id="326" idx="0"/>
+            <a:endCxn id="81" idx="4"/>
+          </p:cNvCxnSpPr>
+          <p:nvPr/>
+        </p:nvCxnSpPr>
+        <p:spPr>
+          <a:xfrm flipH="1" flipV="1">
+            <a:off x="950096" y="1153736"/>
+            <a:ext cx="820" cy="432906"/>
+          </a:xfrm>
+          <a:prstGeom prst="line">
+            <a:avLst/>
+          </a:prstGeom>
+          <a:ln w="19050">
+            <a:solidFill>
+              <a:schemeClr val="tx1"/>
+            </a:solidFill>
+          </a:ln>
+        </p:spPr>
+        <p:style>
+          <a:lnRef idx="1">
+            <a:schemeClr val="accent1"/>
+          </a:lnRef>
+          <a:fillRef idx="0">
+            <a:schemeClr val="accent1"/>
+          </a:fillRef>
+          <a:effectRef idx="0">
+            <a:schemeClr val="accent1"/>
+          </a:effectRef>
+          <a:fontRef idx="minor">
+            <a:schemeClr val="tx1"/>
+          </a:fontRef>
+        </p:style>
+      </p:cxnSp>
+      <p:cxnSp>
+        <p:nvCxnSpPr>
+          <p:cNvPr id="325" name="Gerader Verbinder 324">
+            <a:extLst>
+              <a:ext uri="{FF2B5EF4-FFF2-40B4-BE49-F238E27FC236}">
+                <a16:creationId xmlns:a16="http://schemas.microsoft.com/office/drawing/2014/main" id="{01D62E52-246B-01D5-6B22-A971A480402D}"/>
+              </a:ext>
+            </a:extLst>
+          </p:cNvPr>
+          <p:cNvCxnSpPr>
+            <a:cxnSpLocks/>
+          </p:cNvCxnSpPr>
+          <p:nvPr/>
+        </p:nvCxnSpPr>
+        <p:spPr>
+          <a:xfrm>
+            <a:off x="352425" y="1555424"/>
+            <a:ext cx="1173435" cy="0"/>
+          </a:xfrm>
+          <a:prstGeom prst="line">
+            <a:avLst/>
+          </a:prstGeom>
+          <a:ln w="38100" cmpd="sng">
+            <a:solidFill>
+              <a:schemeClr val="tx1"/>
+            </a:solidFill>
+          </a:ln>
+        </p:spPr>
+        <p:style>
+          <a:lnRef idx="1">
+            <a:schemeClr val="accent1"/>
+          </a:lnRef>
+          <a:fillRef idx="0">
+            <a:schemeClr val="accent1"/>
+          </a:fillRef>
+          <a:effectRef idx="0">
+            <a:schemeClr val="accent1"/>
+          </a:effectRef>
+          <a:fontRef idx="minor">
+            <a:schemeClr val="tx1"/>
+          </a:fontRef>
+        </p:style>
+      </p:cxnSp>
+      <p:sp>
+        <p:nvSpPr>
+          <p:cNvPr id="326" name="Gleichschenkliges Dreieck 325">
+            <a:extLst>
+              <a:ext uri="{FF2B5EF4-FFF2-40B4-BE49-F238E27FC236}">
+                <a16:creationId xmlns:a16="http://schemas.microsoft.com/office/drawing/2014/main" id="{E0F61A4D-9CA8-0FC2-871A-12916B5EA346}"/>
               </a:ext>
             </a:extLst>
           </p:cNvPr>
@@ -9576,7 +10059,7 @@
         </p:nvSpPr>
         <p:spPr>
           <a:xfrm>
-            <a:off x="0" y="6294507"/>
+            <a:off x="757592" y="1586642"/>
             <a:ext cx="386648" cy="413201"/>
           </a:xfrm>
           <a:prstGeom prst="triangle">
@@ -9615,12 +10098,57 @@
           </a:p>
         </p:txBody>
       </p:sp>
-      <p:sp>
-        <p:nvSpPr>
-          <p:cNvPr id="192" name="Gleichschenkliges Dreieck 191">
-            <a:extLst>
-              <a:ext uri="{FF2B5EF4-FFF2-40B4-BE49-F238E27FC236}">
-                <a16:creationId xmlns:a16="http://schemas.microsoft.com/office/drawing/2014/main" id="{6C4D326A-743D-8BC6-C985-7DF0099AD053}"/>
+      <p:cxnSp>
+        <p:nvCxnSpPr>
+          <p:cNvPr id="163" name="Gerader Verbinder 162">
+            <a:extLst>
+              <a:ext uri="{FF2B5EF4-FFF2-40B4-BE49-F238E27FC236}">
+                <a16:creationId xmlns:a16="http://schemas.microsoft.com/office/drawing/2014/main" id="{0BCC4C72-5CC3-37D3-F8D1-503AE586161A}"/>
+              </a:ext>
+            </a:extLst>
+          </p:cNvPr>
+          <p:cNvCxnSpPr>
+            <a:cxnSpLocks/>
+            <a:stCxn id="165" idx="2"/>
+            <a:endCxn id="16" idx="1"/>
+          </p:cNvCxnSpPr>
+          <p:nvPr/>
+        </p:nvCxnSpPr>
+        <p:spPr>
+          <a:xfrm flipV="1">
+            <a:off x="1332536" y="2468438"/>
+            <a:ext cx="241054" cy="1063"/>
+          </a:xfrm>
+          <a:prstGeom prst="line">
+            <a:avLst/>
+          </a:prstGeom>
+          <a:ln w="19050">
+            <a:solidFill>
+              <a:schemeClr val="tx1"/>
+            </a:solidFill>
+          </a:ln>
+        </p:spPr>
+        <p:style>
+          <a:lnRef idx="1">
+            <a:schemeClr val="accent1"/>
+          </a:lnRef>
+          <a:fillRef idx="0">
+            <a:schemeClr val="accent1"/>
+          </a:fillRef>
+          <a:effectRef idx="0">
+            <a:schemeClr val="accent1"/>
+          </a:effectRef>
+          <a:fontRef idx="minor">
+            <a:schemeClr val="tx1"/>
+          </a:fontRef>
+        </p:style>
+      </p:cxnSp>
+      <p:sp>
+        <p:nvSpPr>
+          <p:cNvPr id="165" name="Gleichschenkliges Dreieck 164">
+            <a:extLst>
+              <a:ext uri="{FF2B5EF4-FFF2-40B4-BE49-F238E27FC236}">
+                <a16:creationId xmlns:a16="http://schemas.microsoft.com/office/drawing/2014/main" id="{64A71830-C41A-E1D0-DDE2-520004B9FE8F}"/>
               </a:ext>
             </a:extLst>
           </p:cNvPr>
@@ -9629,7 +10157,7 @@
         </p:nvSpPr>
         <p:spPr>
           <a:xfrm>
-            <a:off x="0" y="808476"/>
+            <a:off x="1332536" y="2056300"/>
             <a:ext cx="386648" cy="413201"/>
           </a:xfrm>
           <a:prstGeom prst="triangle">
@@ -9670,159 +10198,24 @@
       </p:sp>
       <p:cxnSp>
         <p:nvCxnSpPr>
-          <p:cNvPr id="193" name="Gerader Verbinder 192">
-            <a:extLst>
-              <a:ext uri="{FF2B5EF4-FFF2-40B4-BE49-F238E27FC236}">
-                <a16:creationId xmlns:a16="http://schemas.microsoft.com/office/drawing/2014/main" id="{4CF66453-B13E-BE74-2AFC-B35E5F3BBE6D}"/>
+          <p:cNvPr id="170" name="Gerader Verbinder 169">
+            <a:extLst>
+              <a:ext uri="{FF2B5EF4-FFF2-40B4-BE49-F238E27FC236}">
+                <a16:creationId xmlns:a16="http://schemas.microsoft.com/office/drawing/2014/main" id="{6A207DC8-2E5C-A846-D646-DB4FB4986ADA}"/>
               </a:ext>
             </a:extLst>
           </p:cNvPr>
           <p:cNvCxnSpPr>
             <a:cxnSpLocks/>
-            <a:stCxn id="192" idx="4"/>
-            <a:endCxn id="191" idx="4"/>
+            <a:stCxn id="125" idx="4"/>
+            <a:endCxn id="246" idx="4"/>
           </p:cNvCxnSpPr>
           <p:nvPr/>
         </p:nvCxnSpPr>
         <p:spPr>
           <a:xfrm>
-            <a:off x="386648" y="1221677"/>
-            <a:ext cx="0" cy="5486031"/>
-          </a:xfrm>
-          <a:prstGeom prst="line">
-            <a:avLst/>
-          </a:prstGeom>
-          <a:ln w="19050">
-            <a:solidFill>
-              <a:schemeClr val="tx1"/>
-            </a:solidFill>
-          </a:ln>
-        </p:spPr>
-        <p:style>
-          <a:lnRef idx="1">
-            <a:schemeClr val="accent1"/>
-          </a:lnRef>
-          <a:fillRef idx="0">
-            <a:schemeClr val="accent1"/>
-          </a:fillRef>
-          <a:effectRef idx="0">
-            <a:schemeClr val="accent1"/>
-          </a:effectRef>
-          <a:fontRef idx="minor">
-            <a:schemeClr val="tx1"/>
-          </a:fontRef>
-        </p:style>
-      </p:cxnSp>
-      <p:cxnSp>
-        <p:nvCxnSpPr>
-          <p:cNvPr id="196" name="Gerader Verbinder 195">
-            <a:extLst>
-              <a:ext uri="{FF2B5EF4-FFF2-40B4-BE49-F238E27FC236}">
-                <a16:creationId xmlns:a16="http://schemas.microsoft.com/office/drawing/2014/main" id="{ED398863-5030-8527-EC24-1D03220C49B9}"/>
-              </a:ext>
-            </a:extLst>
-          </p:cNvPr>
-          <p:cNvCxnSpPr>
-            <a:cxnSpLocks/>
-            <a:stCxn id="191" idx="4"/>
-            <a:endCxn id="190" idx="2"/>
-          </p:cNvCxnSpPr>
-          <p:nvPr/>
-        </p:nvCxnSpPr>
-        <p:spPr>
-          <a:xfrm>
-            <a:off x="386648" y="6707708"/>
-            <a:ext cx="1157185" cy="1"/>
-          </a:xfrm>
-          <a:prstGeom prst="line">
-            <a:avLst/>
-          </a:prstGeom>
-          <a:ln w="19050">
-            <a:solidFill>
-              <a:schemeClr val="tx1"/>
-            </a:solidFill>
-          </a:ln>
-        </p:spPr>
-        <p:style>
-          <a:lnRef idx="1">
-            <a:schemeClr val="accent1"/>
-          </a:lnRef>
-          <a:fillRef idx="0">
-            <a:schemeClr val="accent1"/>
-          </a:fillRef>
-          <a:effectRef idx="0">
-            <a:schemeClr val="accent1"/>
-          </a:effectRef>
-          <a:fontRef idx="minor">
-            <a:schemeClr val="tx1"/>
-          </a:fontRef>
-        </p:style>
-      </p:cxnSp>
-      <p:cxnSp>
-        <p:nvCxnSpPr>
-          <p:cNvPr id="199" name="Gerader Verbinder 198">
-            <a:extLst>
-              <a:ext uri="{FF2B5EF4-FFF2-40B4-BE49-F238E27FC236}">
-                <a16:creationId xmlns:a16="http://schemas.microsoft.com/office/drawing/2014/main" id="{BE473AA6-283C-2AC4-1FA7-3D4D1AC2239B}"/>
-              </a:ext>
-            </a:extLst>
-          </p:cNvPr>
-          <p:cNvCxnSpPr>
-            <a:cxnSpLocks/>
-            <a:stCxn id="91" idx="2"/>
-            <a:endCxn id="190" idx="2"/>
-          </p:cNvCxnSpPr>
-          <p:nvPr/>
-        </p:nvCxnSpPr>
-        <p:spPr>
-          <a:xfrm>
-            <a:off x="1543745" y="6307303"/>
-            <a:ext cx="88" cy="400406"/>
-          </a:xfrm>
-          <a:prstGeom prst="line">
-            <a:avLst/>
-          </a:prstGeom>
-          <a:ln w="19050">
-            <a:solidFill>
-              <a:schemeClr val="tx1"/>
-            </a:solidFill>
-          </a:ln>
-        </p:spPr>
-        <p:style>
-          <a:lnRef idx="1">
-            <a:schemeClr val="accent1"/>
-          </a:lnRef>
-          <a:fillRef idx="0">
-            <a:schemeClr val="accent1"/>
-          </a:fillRef>
-          <a:effectRef idx="0">
-            <a:schemeClr val="accent1"/>
-          </a:effectRef>
-          <a:fontRef idx="minor">
-            <a:schemeClr val="tx1"/>
-          </a:fontRef>
-        </p:style>
-      </p:cxnSp>
-      <p:cxnSp>
-        <p:nvCxnSpPr>
-          <p:cNvPr id="202" name="Gerader Verbinder 201">
-            <a:extLst>
-              <a:ext uri="{FF2B5EF4-FFF2-40B4-BE49-F238E27FC236}">
-                <a16:creationId xmlns:a16="http://schemas.microsoft.com/office/drawing/2014/main" id="{86360BF3-526C-362E-9ED7-F6375D6678AE}"/>
-              </a:ext>
-            </a:extLst>
-          </p:cNvPr>
-          <p:cNvCxnSpPr>
-            <a:cxnSpLocks/>
-            <a:stCxn id="267" idx="2"/>
-            <a:endCxn id="192" idx="4"/>
-          </p:cNvCxnSpPr>
-          <p:nvPr/>
-        </p:nvCxnSpPr>
-        <p:spPr>
-          <a:xfrm flipH="1" flipV="1">
-            <a:off x="386648" y="1221677"/>
-            <a:ext cx="5709352" cy="2930"/>
+            <a:off x="535550" y="1566931"/>
+            <a:ext cx="3599" cy="4837495"/>
           </a:xfrm>
           <a:prstGeom prst="line">
             <a:avLst/>
@@ -9850,208 +10243,26 @@
           </a:fontRef>
         </p:style>
       </p:cxnSp>
-      <p:sp>
-        <p:nvSpPr>
-          <p:cNvPr id="205" name="Textfeld 204">
-            <a:extLst>
-              <a:ext uri="{FF2B5EF4-FFF2-40B4-BE49-F238E27FC236}">
-                <a16:creationId xmlns:a16="http://schemas.microsoft.com/office/drawing/2014/main" id="{57411700-79DA-0E78-5F2E-B76E89722B5E}"/>
-              </a:ext>
-            </a:extLst>
-          </p:cNvPr>
-          <p:cNvSpPr txBox="1"/>
-          <p:nvPr/>
-        </p:nvSpPr>
-        <p:spPr>
-          <a:xfrm>
-            <a:off x="3743871" y="3547786"/>
-            <a:ext cx="397866" cy="400110"/>
-          </a:xfrm>
-          <a:prstGeom prst="rect">
-            <a:avLst/>
-          </a:prstGeom>
-          <a:noFill/>
-        </p:spPr>
-        <p:txBody>
-          <a:bodyPr wrap="none" rtlCol="0">
-            <a:spAutoFit/>
-          </a:bodyPr>
-          <a:lstStyle/>
-          <a:p>
-            <a:r>
-              <a:rPr lang="de-DE" sz="2000" dirty="0">
-                <a:latin typeface="Arial" panose="020B0604020202020204" pitchFamily="34" charset="0"/>
-                <a:cs typeface="Arial" panose="020B0604020202020204" pitchFamily="34" charset="0"/>
-              </a:rPr>
-              <a:t>1.</a:t>
-            </a:r>
-            <a:endParaRPr lang="de-DE" dirty="0">
-              <a:latin typeface="Arial" panose="020B0604020202020204" pitchFamily="34" charset="0"/>
-              <a:cs typeface="Arial" panose="020B0604020202020204" pitchFamily="34" charset="0"/>
-            </a:endParaRPr>
-          </a:p>
-        </p:txBody>
-      </p:sp>
-      <p:sp>
-        <p:nvSpPr>
-          <p:cNvPr id="206" name="Textfeld 205">
-            <a:extLst>
-              <a:ext uri="{FF2B5EF4-FFF2-40B4-BE49-F238E27FC236}">
-                <a16:creationId xmlns:a16="http://schemas.microsoft.com/office/drawing/2014/main" id="{5CF90B7B-636E-F0AA-9A8F-A448C5A4C83B}"/>
-              </a:ext>
-            </a:extLst>
-          </p:cNvPr>
-          <p:cNvSpPr txBox="1"/>
-          <p:nvPr/>
-        </p:nvSpPr>
-        <p:spPr>
-          <a:xfrm>
-            <a:off x="3406528" y="4104505"/>
-            <a:ext cx="468398" cy="400110"/>
-          </a:xfrm>
-          <a:prstGeom prst="rect">
-            <a:avLst/>
-          </a:prstGeom>
-          <a:noFill/>
-        </p:spPr>
-        <p:txBody>
-          <a:bodyPr wrap="none" rtlCol="0">
-            <a:spAutoFit/>
-          </a:bodyPr>
-          <a:lstStyle/>
-          <a:p>
-            <a:r>
-              <a:rPr lang="de-DE" sz="2000" dirty="0">
-                <a:latin typeface="Arial" panose="020B0604020202020204" pitchFamily="34" charset="0"/>
-                <a:cs typeface="Arial" panose="020B0604020202020204" pitchFamily="34" charset="0"/>
-              </a:rPr>
-              <a:t>!1.</a:t>
-            </a:r>
-            <a:endParaRPr lang="de-DE" dirty="0">
-              <a:latin typeface="Arial" panose="020B0604020202020204" pitchFamily="34" charset="0"/>
-              <a:cs typeface="Arial" panose="020B0604020202020204" pitchFamily="34" charset="0"/>
-            </a:endParaRPr>
-          </a:p>
-        </p:txBody>
-      </p:sp>
-      <p:sp>
-        <p:nvSpPr>
-          <p:cNvPr id="207" name="Raute 206">
-            <a:extLst>
-              <a:ext uri="{FF2B5EF4-FFF2-40B4-BE49-F238E27FC236}">
-                <a16:creationId xmlns:a16="http://schemas.microsoft.com/office/drawing/2014/main" id="{EA92B6F3-786E-D188-6F1E-12AD780AE6AA}"/>
-              </a:ext>
-            </a:extLst>
-          </p:cNvPr>
-          <p:cNvSpPr/>
-          <p:nvPr/>
-        </p:nvSpPr>
-        <p:spPr>
-          <a:xfrm>
-            <a:off x="6857523" y="4436921"/>
-            <a:ext cx="540000" cy="540000"/>
-          </a:xfrm>
-          <a:prstGeom prst="diamond">
-            <a:avLst/>
-          </a:prstGeom>
-          <a:noFill/>
-          <a:ln w="22225">
-            <a:solidFill>
-              <a:schemeClr val="tx1"/>
-            </a:solidFill>
-          </a:ln>
-        </p:spPr>
-        <p:style>
-          <a:lnRef idx="2">
-            <a:schemeClr val="accent1">
-              <a:shade val="15000"/>
-            </a:schemeClr>
-          </a:lnRef>
-          <a:fillRef idx="1">
-            <a:schemeClr val="accent1"/>
-          </a:fillRef>
-          <a:effectRef idx="0">
-            <a:schemeClr val="accent1"/>
-          </a:effectRef>
-          <a:fontRef idx="minor">
-            <a:schemeClr val="lt1"/>
-          </a:fontRef>
-        </p:style>
-        <p:txBody>
-          <a:bodyPr rtlCol="0" anchor="ctr"/>
-          <a:lstStyle/>
-          <a:p>
-            <a:pPr algn="ctr"/>
-            <a:endParaRPr lang="de-DE">
-              <a:latin typeface="Arial" panose="020B0604020202020204" pitchFamily="34" charset="0"/>
-              <a:cs typeface="Arial" panose="020B0604020202020204" pitchFamily="34" charset="0"/>
-            </a:endParaRPr>
-          </a:p>
-        </p:txBody>
-      </p:sp>
       <p:cxnSp>
         <p:nvCxnSpPr>
-          <p:cNvPr id="209" name="Gerader Verbinder 208">
-            <a:extLst>
-              <a:ext uri="{FF2B5EF4-FFF2-40B4-BE49-F238E27FC236}">
-                <a16:creationId xmlns:a16="http://schemas.microsoft.com/office/drawing/2014/main" id="{08729B34-4C60-FC4F-4F88-7CB916E8C678}"/>
+          <p:cNvPr id="175" name="Gerader Verbinder 174">
+            <a:extLst>
+              <a:ext uri="{FF2B5EF4-FFF2-40B4-BE49-F238E27FC236}">
+                <a16:creationId xmlns:a16="http://schemas.microsoft.com/office/drawing/2014/main" id="{8C0704C4-EC98-47A4-E0C0-04E25DC4931A}"/>
               </a:ext>
             </a:extLst>
           </p:cNvPr>
           <p:cNvCxnSpPr>
             <a:cxnSpLocks/>
+            <a:stCxn id="121" idx="2"/>
+            <a:endCxn id="106" idx="2"/>
           </p:cNvCxnSpPr>
           <p:nvPr/>
         </p:nvCxnSpPr>
         <p:spPr>
           <a:xfrm>
-            <a:off x="6957950" y="5292005"/>
-            <a:ext cx="1949450" cy="0"/>
-          </a:xfrm>
-          <a:prstGeom prst="line">
-            <a:avLst/>
-          </a:prstGeom>
-          <a:ln w="38100" cmpd="sng">
-            <a:solidFill>
-              <a:schemeClr val="tx1"/>
-            </a:solidFill>
-          </a:ln>
-        </p:spPr>
-        <p:style>
-          <a:lnRef idx="1">
-            <a:schemeClr val="accent1"/>
-          </a:lnRef>
-          <a:fillRef idx="0">
-            <a:schemeClr val="accent1"/>
-          </a:fillRef>
-          <a:effectRef idx="0">
-            <a:schemeClr val="accent1"/>
-          </a:effectRef>
-          <a:fontRef idx="minor">
-            <a:schemeClr val="tx1"/>
-          </a:fontRef>
-        </p:style>
-      </p:cxnSp>
-      <p:cxnSp>
-        <p:nvCxnSpPr>
-          <p:cNvPr id="210" name="Gerader Verbinder 209">
-            <a:extLst>
-              <a:ext uri="{FF2B5EF4-FFF2-40B4-BE49-F238E27FC236}">
-                <a16:creationId xmlns:a16="http://schemas.microsoft.com/office/drawing/2014/main" id="{E93461FA-1095-CB02-2470-55DAA84A6338}"/>
-              </a:ext>
-            </a:extLst>
-          </p:cNvPr>
-          <p:cNvCxnSpPr>
-            <a:cxnSpLocks/>
-            <a:stCxn id="93" idx="3"/>
-            <a:endCxn id="123" idx="1"/>
-          </p:cNvCxnSpPr>
-          <p:nvPr/>
-        </p:nvCxnSpPr>
-        <p:spPr>
-          <a:xfrm>
-            <a:off x="7785101" y="3795696"/>
-            <a:ext cx="1299154" cy="5331"/>
+            <a:off x="943537" y="1555424"/>
+            <a:ext cx="1376" cy="2021855"/>
           </a:xfrm>
           <a:prstGeom prst="line">
             <a:avLst/>
@@ -10079,124 +10290,26 @@
           </a:fontRef>
         </p:style>
       </p:cxnSp>
-      <p:sp>
-        <p:nvSpPr>
-          <p:cNvPr id="215" name="Gleichschenkliges Dreieck 214">
-            <a:extLst>
-              <a:ext uri="{FF2B5EF4-FFF2-40B4-BE49-F238E27FC236}">
-                <a16:creationId xmlns:a16="http://schemas.microsoft.com/office/drawing/2014/main" id="{80BD062E-DE93-BE6B-0F85-965F13837D43}"/>
-              </a:ext>
-            </a:extLst>
-          </p:cNvPr>
-          <p:cNvSpPr/>
-          <p:nvPr/>
-        </p:nvSpPr>
-        <p:spPr>
-          <a:xfrm>
-            <a:off x="10899080" y="3396397"/>
-            <a:ext cx="386648" cy="413201"/>
-          </a:xfrm>
-          <a:prstGeom prst="triangle">
-            <a:avLst/>
-          </a:prstGeom>
-          <a:noFill/>
-          <a:ln>
-            <a:noFill/>
-          </a:ln>
-        </p:spPr>
-        <p:style>
-          <a:lnRef idx="2">
-            <a:schemeClr val="accent1">
-              <a:shade val="15000"/>
-            </a:schemeClr>
-          </a:lnRef>
-          <a:fillRef idx="1">
-            <a:schemeClr val="accent1"/>
-          </a:fillRef>
-          <a:effectRef idx="0">
-            <a:schemeClr val="accent1"/>
-          </a:effectRef>
-          <a:fontRef idx="minor">
-            <a:schemeClr val="lt1"/>
-          </a:fontRef>
-        </p:style>
-        <p:txBody>
-          <a:bodyPr rtlCol="0" anchor="ctr"/>
-          <a:lstStyle/>
-          <a:p>
-            <a:pPr algn="ctr"/>
-            <a:endParaRPr lang="de-DE">
-              <a:latin typeface="Arial" panose="020B0604020202020204" pitchFamily="34" charset="0"/>
-              <a:cs typeface="Arial" panose="020B0604020202020204" pitchFamily="34" charset="0"/>
-            </a:endParaRPr>
-          </a:p>
-        </p:txBody>
-      </p:sp>
       <p:cxnSp>
         <p:nvCxnSpPr>
-          <p:cNvPr id="216" name="Gerader Verbinder 215">
-            <a:extLst>
-              <a:ext uri="{FF2B5EF4-FFF2-40B4-BE49-F238E27FC236}">
-                <a16:creationId xmlns:a16="http://schemas.microsoft.com/office/drawing/2014/main" id="{03B4DE87-F82E-1248-3DF7-CD47F84DB77A}"/>
+          <p:cNvPr id="180" name="Gerader Verbinder 179">
+            <a:extLst>
+              <a:ext uri="{FF2B5EF4-FFF2-40B4-BE49-F238E27FC236}">
+                <a16:creationId xmlns:a16="http://schemas.microsoft.com/office/drawing/2014/main" id="{69F33F15-6B6A-346D-C786-751F03E4544A}"/>
               </a:ext>
             </a:extLst>
           </p:cNvPr>
           <p:cNvCxnSpPr>
             <a:cxnSpLocks/>
-            <a:stCxn id="215" idx="2"/>
-            <a:endCxn id="123" idx="3"/>
+            <a:stCxn id="121" idx="4"/>
+            <a:endCxn id="165" idx="2"/>
           </p:cNvCxnSpPr>
           <p:nvPr/>
         </p:nvCxnSpPr>
         <p:spPr>
-          <a:xfrm flipH="1" flipV="1">
-            <a:off x="9624255" y="3801027"/>
-            <a:ext cx="1274825" cy="8571"/>
-          </a:xfrm>
-          <a:prstGeom prst="line">
-            <a:avLst/>
-          </a:prstGeom>
-          <a:ln w="19050">
-            <a:solidFill>
-              <a:schemeClr val="tx1"/>
-            </a:solidFill>
-          </a:ln>
-        </p:spPr>
-        <p:style>
-          <a:lnRef idx="1">
-            <a:schemeClr val="accent1"/>
-          </a:lnRef>
-          <a:fillRef idx="0">
-            <a:schemeClr val="accent1"/>
-          </a:fillRef>
-          <a:effectRef idx="0">
-            <a:schemeClr val="accent1"/>
-          </a:effectRef>
-          <a:fontRef idx="minor">
-            <a:schemeClr val="tx1"/>
-          </a:fontRef>
-        </p:style>
-      </p:cxnSp>
-      <p:cxnSp>
-        <p:nvCxnSpPr>
-          <p:cNvPr id="220" name="Gerader Verbinder 219">
-            <a:extLst>
-              <a:ext uri="{FF2B5EF4-FFF2-40B4-BE49-F238E27FC236}">
-                <a16:creationId xmlns:a16="http://schemas.microsoft.com/office/drawing/2014/main" id="{39DDC3AB-AC64-9723-3A35-640C8415921E}"/>
-              </a:ext>
-            </a:extLst>
-          </p:cNvPr>
-          <p:cNvCxnSpPr>
-            <a:cxnSpLocks/>
-            <a:stCxn id="98" idx="0"/>
-            <a:endCxn id="215" idx="2"/>
-          </p:cNvCxnSpPr>
-          <p:nvPr/>
-        </p:nvCxnSpPr>
-        <p:spPr>
-          <a:xfrm flipV="1">
-            <a:off x="10899080" y="3809598"/>
-            <a:ext cx="0" cy="648335"/>
+          <a:xfrm>
+            <a:off x="1330185" y="1555424"/>
+            <a:ext cx="2351" cy="914077"/>
           </a:xfrm>
           <a:prstGeom prst="line">
             <a:avLst/>
@@ -10224,1088 +10337,22 @@
           </a:fontRef>
         </p:style>
       </p:cxnSp>
-      <p:cxnSp>
-        <p:nvCxnSpPr>
-          <p:cNvPr id="224" name="Gerader Verbinder 223">
-            <a:extLst>
-              <a:ext uri="{FF2B5EF4-FFF2-40B4-BE49-F238E27FC236}">
-                <a16:creationId xmlns:a16="http://schemas.microsoft.com/office/drawing/2014/main" id="{E9C17DA9-6124-38EC-4323-DCA64F6E9091}"/>
-              </a:ext>
-            </a:extLst>
-          </p:cNvPr>
-          <p:cNvCxnSpPr>
-            <a:cxnSpLocks/>
-            <a:stCxn id="207" idx="0"/>
-            <a:endCxn id="93" idx="2"/>
-          </p:cNvCxnSpPr>
-          <p:nvPr/>
-        </p:nvCxnSpPr>
-        <p:spPr>
-          <a:xfrm flipV="1">
-            <a:off x="7127523" y="4002296"/>
-            <a:ext cx="1" cy="434625"/>
-          </a:xfrm>
-          <a:prstGeom prst="line">
-            <a:avLst/>
-          </a:prstGeom>
-          <a:ln w="19050">
-            <a:solidFill>
-              <a:schemeClr val="tx1"/>
-            </a:solidFill>
-            <a:headEnd type="triangle" w="lg" len="lg"/>
-            <a:tailEnd type="none"/>
-          </a:ln>
-        </p:spPr>
-        <p:style>
-          <a:lnRef idx="1">
-            <a:schemeClr val="accent1"/>
-          </a:lnRef>
-          <a:fillRef idx="0">
-            <a:schemeClr val="accent1"/>
-          </a:fillRef>
-          <a:effectRef idx="0">
-            <a:schemeClr val="accent1"/>
-          </a:effectRef>
-          <a:fontRef idx="minor">
-            <a:schemeClr val="tx1"/>
-          </a:fontRef>
-        </p:style>
-      </p:cxnSp>
-      <p:cxnSp>
-        <p:nvCxnSpPr>
-          <p:cNvPr id="229" name="Gerader Verbinder 228">
-            <a:extLst>
-              <a:ext uri="{FF2B5EF4-FFF2-40B4-BE49-F238E27FC236}">
-                <a16:creationId xmlns:a16="http://schemas.microsoft.com/office/drawing/2014/main" id="{C4FF6CBC-5750-D08F-A7A2-B73337717218}"/>
-              </a:ext>
-            </a:extLst>
-          </p:cNvPr>
-          <p:cNvCxnSpPr>
-            <a:cxnSpLocks/>
-            <a:stCxn id="95" idx="1"/>
-            <a:endCxn id="207" idx="3"/>
-          </p:cNvCxnSpPr>
-          <p:nvPr/>
-        </p:nvCxnSpPr>
-        <p:spPr>
-          <a:xfrm flipH="1" flipV="1">
-            <a:off x="7397523" y="4706921"/>
-            <a:ext cx="387578" cy="2603"/>
-          </a:xfrm>
-          <a:prstGeom prst="line">
-            <a:avLst/>
-          </a:prstGeom>
-          <a:ln w="19050">
-            <a:solidFill>
-              <a:schemeClr val="tx1"/>
-            </a:solidFill>
-            <a:headEnd type="triangle" w="lg" len="lg"/>
-            <a:tailEnd type="none"/>
-          </a:ln>
-        </p:spPr>
-        <p:style>
-          <a:lnRef idx="1">
-            <a:schemeClr val="accent1"/>
-          </a:lnRef>
-          <a:fillRef idx="0">
-            <a:schemeClr val="accent1"/>
-          </a:fillRef>
-          <a:effectRef idx="0">
-            <a:schemeClr val="accent1"/>
-          </a:effectRef>
-          <a:fontRef idx="minor">
-            <a:schemeClr val="tx1"/>
-          </a:fontRef>
-        </p:style>
-      </p:cxnSp>
-      <p:cxnSp>
-        <p:nvCxnSpPr>
-          <p:cNvPr id="233" name="Gerader Verbinder 232">
-            <a:extLst>
-              <a:ext uri="{FF2B5EF4-FFF2-40B4-BE49-F238E27FC236}">
-                <a16:creationId xmlns:a16="http://schemas.microsoft.com/office/drawing/2014/main" id="{A70529D5-AF1D-2FB0-9F05-6687B9EFF32F}"/>
-              </a:ext>
-            </a:extLst>
-          </p:cNvPr>
-          <p:cNvCxnSpPr>
-            <a:cxnSpLocks/>
-            <a:endCxn id="207" idx="2"/>
-          </p:cNvCxnSpPr>
-          <p:nvPr/>
-        </p:nvCxnSpPr>
-        <p:spPr>
-          <a:xfrm flipV="1">
-            <a:off x="7127523" y="4976921"/>
-            <a:ext cx="0" cy="311198"/>
-          </a:xfrm>
-          <a:prstGeom prst="line">
-            <a:avLst/>
-          </a:prstGeom>
-          <a:ln w="19050">
-            <a:solidFill>
-              <a:schemeClr val="tx1"/>
-            </a:solidFill>
-            <a:headEnd type="triangle" w="lg" len="lg"/>
-            <a:tailEnd type="none"/>
-          </a:ln>
-        </p:spPr>
-        <p:style>
-          <a:lnRef idx="1">
-            <a:schemeClr val="accent1"/>
-          </a:lnRef>
-          <a:fillRef idx="0">
-            <a:schemeClr val="accent1"/>
-          </a:fillRef>
-          <a:effectRef idx="0">
-            <a:schemeClr val="accent1"/>
-          </a:effectRef>
-          <a:fontRef idx="minor">
-            <a:schemeClr val="tx1"/>
-          </a:fontRef>
-        </p:style>
-      </p:cxnSp>
-      <p:cxnSp>
-        <p:nvCxnSpPr>
-          <p:cNvPr id="236" name="Gerader Verbinder 235">
-            <a:extLst>
-              <a:ext uri="{FF2B5EF4-FFF2-40B4-BE49-F238E27FC236}">
-                <a16:creationId xmlns:a16="http://schemas.microsoft.com/office/drawing/2014/main" id="{4841AFAA-AB71-E23D-E079-134864123A89}"/>
-              </a:ext>
-            </a:extLst>
-          </p:cNvPr>
-          <p:cNvCxnSpPr>
-            <a:cxnSpLocks/>
-            <a:endCxn id="95" idx="2"/>
-          </p:cNvCxnSpPr>
-          <p:nvPr/>
-        </p:nvCxnSpPr>
-        <p:spPr>
-          <a:xfrm flipV="1">
-            <a:off x="8747479" y="4916124"/>
-            <a:ext cx="0" cy="371995"/>
-          </a:xfrm>
-          <a:prstGeom prst="line">
-            <a:avLst/>
-          </a:prstGeom>
-          <a:ln w="19050">
-            <a:solidFill>
-              <a:schemeClr val="tx1"/>
-            </a:solidFill>
-            <a:headEnd type="triangle" w="lg" len="lg"/>
-            <a:tailEnd type="none"/>
-          </a:ln>
-        </p:spPr>
-        <p:style>
-          <a:lnRef idx="1">
-            <a:schemeClr val="accent1"/>
-          </a:lnRef>
-          <a:fillRef idx="0">
-            <a:schemeClr val="accent1"/>
-          </a:fillRef>
-          <a:effectRef idx="0">
-            <a:schemeClr val="accent1"/>
-          </a:effectRef>
-          <a:fontRef idx="minor">
-            <a:schemeClr val="tx1"/>
-          </a:fontRef>
-        </p:style>
-      </p:cxnSp>
-      <p:cxnSp>
-        <p:nvCxnSpPr>
-          <p:cNvPr id="240" name="Gerader Verbinder 239">
-            <a:extLst>
-              <a:ext uri="{FF2B5EF4-FFF2-40B4-BE49-F238E27FC236}">
-                <a16:creationId xmlns:a16="http://schemas.microsoft.com/office/drawing/2014/main" id="{0E4399A9-75CF-785D-538A-F6C4973182A4}"/>
-              </a:ext>
-            </a:extLst>
-          </p:cNvPr>
-          <p:cNvCxnSpPr>
-            <a:cxnSpLocks/>
-            <a:stCxn id="97" idx="0"/>
-            <a:endCxn id="323" idx="2"/>
-          </p:cNvCxnSpPr>
-          <p:nvPr/>
-        </p:nvCxnSpPr>
-        <p:spPr>
-          <a:xfrm flipH="1" flipV="1">
-            <a:off x="7927797" y="5894102"/>
-            <a:ext cx="8050" cy="193460"/>
-          </a:xfrm>
-          <a:prstGeom prst="line">
-            <a:avLst/>
-          </a:prstGeom>
-          <a:ln w="19050">
-            <a:solidFill>
-              <a:schemeClr val="tx1"/>
-            </a:solidFill>
-            <a:headEnd type="triangle" w="lg" len="lg"/>
-            <a:tailEnd type="none"/>
-          </a:ln>
-        </p:spPr>
-        <p:style>
-          <a:lnRef idx="1">
-            <a:schemeClr val="accent1"/>
-          </a:lnRef>
-          <a:fillRef idx="0">
-            <a:schemeClr val="accent1"/>
-          </a:fillRef>
-          <a:effectRef idx="0">
-            <a:schemeClr val="accent1"/>
-          </a:effectRef>
-          <a:fontRef idx="minor">
-            <a:schemeClr val="tx1"/>
-          </a:fontRef>
-        </p:style>
-      </p:cxnSp>
-      <p:sp>
-        <p:nvSpPr>
-          <p:cNvPr id="244" name="Gleichschenkliges Dreieck 243">
-            <a:extLst>
-              <a:ext uri="{FF2B5EF4-FFF2-40B4-BE49-F238E27FC236}">
-                <a16:creationId xmlns:a16="http://schemas.microsoft.com/office/drawing/2014/main" id="{F84C55B3-0196-D2A0-655F-2DCBD5FD3DEF}"/>
-              </a:ext>
-            </a:extLst>
-          </p:cNvPr>
-          <p:cNvSpPr/>
+      <p:sp>
+        <p:nvSpPr>
+          <p:cNvPr id="388" name="Textfeld 387">
+            <a:extLst>
+              <a:ext uri="{FF2B5EF4-FFF2-40B4-BE49-F238E27FC236}">
+                <a16:creationId xmlns:a16="http://schemas.microsoft.com/office/drawing/2014/main" id="{4C7B7B16-F1E4-4F70-CB34-1FA452702C7D}"/>
+              </a:ext>
+            </a:extLst>
+          </p:cNvPr>
+          <p:cNvSpPr txBox="1"/>
           <p:nvPr/>
         </p:nvSpPr>
         <p:spPr>
           <a:xfrm>
-            <a:off x="5826000" y="6296583"/>
-            <a:ext cx="386648" cy="413201"/>
-          </a:xfrm>
-          <a:prstGeom prst="triangle">
-            <a:avLst/>
-          </a:prstGeom>
-          <a:noFill/>
-          <a:ln>
-            <a:noFill/>
-          </a:ln>
-        </p:spPr>
-        <p:style>
-          <a:lnRef idx="2">
-            <a:schemeClr val="accent1">
-              <a:shade val="15000"/>
-            </a:schemeClr>
-          </a:lnRef>
-          <a:fillRef idx="1">
-            <a:schemeClr val="accent1"/>
-          </a:fillRef>
-          <a:effectRef idx="0">
-            <a:schemeClr val="accent1"/>
-          </a:effectRef>
-          <a:fontRef idx="minor">
-            <a:schemeClr val="lt1"/>
-          </a:fontRef>
-        </p:style>
-        <p:txBody>
-          <a:bodyPr rtlCol="0" anchor="ctr"/>
-          <a:lstStyle/>
-          <a:p>
-            <a:pPr algn="ctr"/>
-            <a:endParaRPr lang="de-DE">
-              <a:latin typeface="Arial" panose="020B0604020202020204" pitchFamily="34" charset="0"/>
-              <a:cs typeface="Arial" panose="020B0604020202020204" pitchFamily="34" charset="0"/>
-            </a:endParaRPr>
-          </a:p>
-        </p:txBody>
-      </p:sp>
-      <p:sp>
-        <p:nvSpPr>
-          <p:cNvPr id="245" name="Gleichschenkliges Dreieck 244">
-            <a:extLst>
-              <a:ext uri="{FF2B5EF4-FFF2-40B4-BE49-F238E27FC236}">
-                <a16:creationId xmlns:a16="http://schemas.microsoft.com/office/drawing/2014/main" id="{7586F484-4179-E803-180A-4E7074C841D8}"/>
-              </a:ext>
-            </a:extLst>
-          </p:cNvPr>
-          <p:cNvSpPr/>
-          <p:nvPr/>
-        </p:nvSpPr>
-        <p:spPr>
-          <a:xfrm>
-            <a:off x="7928739" y="6297744"/>
-            <a:ext cx="386648" cy="413201"/>
-          </a:xfrm>
-          <a:prstGeom prst="triangle">
-            <a:avLst/>
-          </a:prstGeom>
-          <a:noFill/>
-          <a:ln>
-            <a:noFill/>
-          </a:ln>
-        </p:spPr>
-        <p:style>
-          <a:lnRef idx="2">
-            <a:schemeClr val="accent1">
-              <a:shade val="15000"/>
-            </a:schemeClr>
-          </a:lnRef>
-          <a:fillRef idx="1">
-            <a:schemeClr val="accent1"/>
-          </a:fillRef>
-          <a:effectRef idx="0">
-            <a:schemeClr val="accent1"/>
-          </a:effectRef>
-          <a:fontRef idx="minor">
-            <a:schemeClr val="lt1"/>
-          </a:fontRef>
-        </p:style>
-        <p:txBody>
-          <a:bodyPr rtlCol="0" anchor="ctr"/>
-          <a:lstStyle/>
-          <a:p>
-            <a:pPr algn="ctr"/>
-            <a:endParaRPr lang="de-DE">
-              <a:latin typeface="Arial" panose="020B0604020202020204" pitchFamily="34" charset="0"/>
-              <a:cs typeface="Arial" panose="020B0604020202020204" pitchFamily="34" charset="0"/>
-            </a:endParaRPr>
-          </a:p>
-        </p:txBody>
-      </p:sp>
-      <p:sp>
-        <p:nvSpPr>
-          <p:cNvPr id="246" name="Gleichschenkliges Dreieck 245">
-            <a:extLst>
-              <a:ext uri="{FF2B5EF4-FFF2-40B4-BE49-F238E27FC236}">
-                <a16:creationId xmlns:a16="http://schemas.microsoft.com/office/drawing/2014/main" id="{C6C81B00-B3D5-0C6A-9F64-BC3671518CAE}"/>
-              </a:ext>
-            </a:extLst>
-          </p:cNvPr>
-          <p:cNvSpPr/>
-          <p:nvPr/>
-        </p:nvSpPr>
-        <p:spPr>
-          <a:xfrm>
-            <a:off x="5820108" y="2300685"/>
-            <a:ext cx="386648" cy="413201"/>
-          </a:xfrm>
-          <a:prstGeom prst="triangle">
-            <a:avLst/>
-          </a:prstGeom>
-          <a:noFill/>
-          <a:ln>
-            <a:noFill/>
-          </a:ln>
-        </p:spPr>
-        <p:style>
-          <a:lnRef idx="2">
-            <a:schemeClr val="accent1">
-              <a:shade val="15000"/>
-            </a:schemeClr>
-          </a:lnRef>
-          <a:fillRef idx="1">
-            <a:schemeClr val="accent1"/>
-          </a:fillRef>
-          <a:effectRef idx="0">
-            <a:schemeClr val="accent1"/>
-          </a:effectRef>
-          <a:fontRef idx="minor">
-            <a:schemeClr val="lt1"/>
-          </a:fontRef>
-        </p:style>
-        <p:txBody>
-          <a:bodyPr rtlCol="0" anchor="ctr"/>
-          <a:lstStyle/>
-          <a:p>
-            <a:pPr algn="ctr"/>
-            <a:endParaRPr lang="de-DE">
-              <a:latin typeface="Arial" panose="020B0604020202020204" pitchFamily="34" charset="0"/>
-              <a:cs typeface="Arial" panose="020B0604020202020204" pitchFamily="34" charset="0"/>
-            </a:endParaRPr>
-          </a:p>
-        </p:txBody>
-      </p:sp>
-      <p:cxnSp>
-        <p:nvCxnSpPr>
-          <p:cNvPr id="247" name="Gerader Verbinder 246">
-            <a:extLst>
-              <a:ext uri="{FF2B5EF4-FFF2-40B4-BE49-F238E27FC236}">
-                <a16:creationId xmlns:a16="http://schemas.microsoft.com/office/drawing/2014/main" id="{2FC2A658-6106-8A8C-0D78-FEFC1158EA06}"/>
-              </a:ext>
-            </a:extLst>
-          </p:cNvPr>
-          <p:cNvCxnSpPr>
-            <a:cxnSpLocks/>
-            <a:stCxn id="244" idx="4"/>
-            <a:endCxn id="246" idx="4"/>
-          </p:cNvCxnSpPr>
-          <p:nvPr/>
-        </p:nvCxnSpPr>
-        <p:spPr>
-          <a:xfrm flipH="1" flipV="1">
-            <a:off x="6206756" y="2713886"/>
-            <a:ext cx="5892" cy="3995898"/>
-          </a:xfrm>
-          <a:prstGeom prst="line">
-            <a:avLst/>
-          </a:prstGeom>
-          <a:ln w="19050">
-            <a:solidFill>
-              <a:schemeClr val="tx1"/>
-            </a:solidFill>
-          </a:ln>
-        </p:spPr>
-        <p:style>
-          <a:lnRef idx="1">
-            <a:schemeClr val="accent1"/>
-          </a:lnRef>
-          <a:fillRef idx="0">
-            <a:schemeClr val="accent1"/>
-          </a:fillRef>
-          <a:effectRef idx="0">
-            <a:schemeClr val="accent1"/>
-          </a:effectRef>
-          <a:fontRef idx="minor">
-            <a:schemeClr val="tx1"/>
-          </a:fontRef>
-        </p:style>
-      </p:cxnSp>
-      <p:cxnSp>
-        <p:nvCxnSpPr>
-          <p:cNvPr id="250" name="Gerader Verbinder 249">
-            <a:extLst>
-              <a:ext uri="{FF2B5EF4-FFF2-40B4-BE49-F238E27FC236}">
-                <a16:creationId xmlns:a16="http://schemas.microsoft.com/office/drawing/2014/main" id="{8BE6BD59-ECC2-EFD5-82EE-97DBF4332DBB}"/>
-              </a:ext>
-            </a:extLst>
-          </p:cNvPr>
-          <p:cNvCxnSpPr>
-            <a:cxnSpLocks/>
-            <a:endCxn id="244" idx="4"/>
-          </p:cNvCxnSpPr>
-          <p:nvPr/>
-        </p:nvCxnSpPr>
-        <p:spPr>
-          <a:xfrm flipH="1">
-            <a:off x="6212648" y="6707770"/>
-            <a:ext cx="1716091" cy="2014"/>
-          </a:xfrm>
-          <a:prstGeom prst="line">
-            <a:avLst/>
-          </a:prstGeom>
-          <a:ln w="19050">
-            <a:solidFill>
-              <a:schemeClr val="tx1"/>
-            </a:solidFill>
-          </a:ln>
-        </p:spPr>
-        <p:style>
-          <a:lnRef idx="1">
-            <a:schemeClr val="accent1"/>
-          </a:lnRef>
-          <a:fillRef idx="0">
-            <a:schemeClr val="accent1"/>
-          </a:fillRef>
-          <a:effectRef idx="0">
-            <a:schemeClr val="accent1"/>
-          </a:effectRef>
-          <a:fontRef idx="minor">
-            <a:schemeClr val="tx1"/>
-          </a:fontRef>
-        </p:style>
-      </p:cxnSp>
-      <p:cxnSp>
-        <p:nvCxnSpPr>
-          <p:cNvPr id="254" name="Gerader Verbinder 253">
-            <a:extLst>
-              <a:ext uri="{FF2B5EF4-FFF2-40B4-BE49-F238E27FC236}">
-                <a16:creationId xmlns:a16="http://schemas.microsoft.com/office/drawing/2014/main" id="{E6460B87-50EB-A9D7-957C-EC269C585E42}"/>
-              </a:ext>
-            </a:extLst>
-          </p:cNvPr>
-          <p:cNvCxnSpPr>
-            <a:cxnSpLocks/>
-            <a:stCxn id="245" idx="2"/>
-            <a:endCxn id="97" idx="2"/>
-          </p:cNvCxnSpPr>
-          <p:nvPr/>
-        </p:nvCxnSpPr>
-        <p:spPr>
-          <a:xfrm flipV="1">
-            <a:off x="7928739" y="6500763"/>
-            <a:ext cx="7108" cy="210182"/>
-          </a:xfrm>
-          <a:prstGeom prst="line">
-            <a:avLst/>
-          </a:prstGeom>
-          <a:ln w="19050">
-            <a:solidFill>
-              <a:schemeClr val="tx1"/>
-            </a:solidFill>
-          </a:ln>
-        </p:spPr>
-        <p:style>
-          <a:lnRef idx="1">
-            <a:schemeClr val="accent1"/>
-          </a:lnRef>
-          <a:fillRef idx="0">
-            <a:schemeClr val="accent1"/>
-          </a:fillRef>
-          <a:effectRef idx="0">
-            <a:schemeClr val="accent1"/>
-          </a:effectRef>
-          <a:fontRef idx="minor">
-            <a:schemeClr val="tx1"/>
-          </a:fontRef>
-        </p:style>
-      </p:cxnSp>
-      <p:cxnSp>
-        <p:nvCxnSpPr>
-          <p:cNvPr id="257" name="Gerader Verbinder 256">
-            <a:extLst>
-              <a:ext uri="{FF2B5EF4-FFF2-40B4-BE49-F238E27FC236}">
-                <a16:creationId xmlns:a16="http://schemas.microsoft.com/office/drawing/2014/main" id="{18CF113C-83E8-3002-C042-32B92FD7F2CC}"/>
-              </a:ext>
-            </a:extLst>
-          </p:cNvPr>
-          <p:cNvCxnSpPr>
-            <a:cxnSpLocks/>
-            <a:endCxn id="246" idx="4"/>
-          </p:cNvCxnSpPr>
-          <p:nvPr/>
-        </p:nvCxnSpPr>
-        <p:spPr>
-          <a:xfrm flipH="1">
-            <a:off x="6206756" y="2713886"/>
-            <a:ext cx="3166189" cy="0"/>
-          </a:xfrm>
-          <a:prstGeom prst="line">
-            <a:avLst/>
-          </a:prstGeom>
-          <a:ln w="19050">
-            <a:solidFill>
-              <a:schemeClr val="tx1"/>
-            </a:solidFill>
-            <a:headEnd type="triangle" w="lg" len="lg"/>
-            <a:tailEnd type="none"/>
-          </a:ln>
-        </p:spPr>
-        <p:style>
-          <a:lnRef idx="1">
-            <a:schemeClr val="accent1"/>
-          </a:lnRef>
-          <a:fillRef idx="0">
-            <a:schemeClr val="accent1"/>
-          </a:fillRef>
-          <a:effectRef idx="0">
-            <a:schemeClr val="accent1"/>
-          </a:effectRef>
-          <a:fontRef idx="minor">
-            <a:schemeClr val="tx1"/>
-          </a:fontRef>
-        </p:style>
-      </p:cxnSp>
-      <p:sp>
-        <p:nvSpPr>
-          <p:cNvPr id="260" name="Gleichschenkliges Dreieck 259">
-            <a:extLst>
-              <a:ext uri="{FF2B5EF4-FFF2-40B4-BE49-F238E27FC236}">
-                <a16:creationId xmlns:a16="http://schemas.microsoft.com/office/drawing/2014/main" id="{08E2D7DF-0F19-FEB4-88D3-B3FF0C2D6391}"/>
-              </a:ext>
-            </a:extLst>
-          </p:cNvPr>
-          <p:cNvSpPr/>
-          <p:nvPr/>
-        </p:nvSpPr>
-        <p:spPr>
-          <a:xfrm>
-            <a:off x="10512432" y="4793099"/>
-            <a:ext cx="386648" cy="413201"/>
-          </a:xfrm>
-          <a:prstGeom prst="triangle">
-            <a:avLst/>
-          </a:prstGeom>
-          <a:noFill/>
-          <a:ln>
-            <a:noFill/>
-          </a:ln>
-        </p:spPr>
-        <p:style>
-          <a:lnRef idx="2">
-            <a:schemeClr val="accent1">
-              <a:shade val="15000"/>
-            </a:schemeClr>
-          </a:lnRef>
-          <a:fillRef idx="1">
-            <a:schemeClr val="accent1"/>
-          </a:fillRef>
-          <a:effectRef idx="0">
-            <a:schemeClr val="accent1"/>
-          </a:effectRef>
-          <a:fontRef idx="minor">
-            <a:schemeClr val="lt1"/>
-          </a:fontRef>
-        </p:style>
-        <p:txBody>
-          <a:bodyPr rtlCol="0" anchor="ctr"/>
-          <a:lstStyle/>
-          <a:p>
-            <a:pPr algn="ctr"/>
-            <a:endParaRPr lang="de-DE">
-              <a:latin typeface="Arial" panose="020B0604020202020204" pitchFamily="34" charset="0"/>
-              <a:cs typeface="Arial" panose="020B0604020202020204" pitchFamily="34" charset="0"/>
-            </a:endParaRPr>
-          </a:p>
-        </p:txBody>
-      </p:sp>
-      <p:sp>
-        <p:nvSpPr>
-          <p:cNvPr id="261" name="Gleichschenkliges Dreieck 260">
-            <a:extLst>
-              <a:ext uri="{FF2B5EF4-FFF2-40B4-BE49-F238E27FC236}">
-                <a16:creationId xmlns:a16="http://schemas.microsoft.com/office/drawing/2014/main" id="{E13736FA-D239-007D-15BC-A1EC48727B9F}"/>
-              </a:ext>
-            </a:extLst>
-          </p:cNvPr>
-          <p:cNvSpPr/>
-          <p:nvPr/>
-        </p:nvSpPr>
-        <p:spPr>
-          <a:xfrm>
-            <a:off x="11894980" y="4443139"/>
-            <a:ext cx="386648" cy="413201"/>
-          </a:xfrm>
-          <a:prstGeom prst="triangle">
-            <a:avLst/>
-          </a:prstGeom>
-          <a:noFill/>
-          <a:ln>
-            <a:noFill/>
-          </a:ln>
-        </p:spPr>
-        <p:style>
-          <a:lnRef idx="2">
-            <a:schemeClr val="accent1">
-              <a:shade val="15000"/>
-            </a:schemeClr>
-          </a:lnRef>
-          <a:fillRef idx="1">
-            <a:schemeClr val="accent1"/>
-          </a:fillRef>
-          <a:effectRef idx="0">
-            <a:schemeClr val="accent1"/>
-          </a:effectRef>
-          <a:fontRef idx="minor">
-            <a:schemeClr val="lt1"/>
-          </a:fontRef>
-        </p:style>
-        <p:txBody>
-          <a:bodyPr rtlCol="0" anchor="ctr"/>
-          <a:lstStyle/>
-          <a:p>
-            <a:pPr algn="ctr"/>
-            <a:endParaRPr lang="de-DE">
-              <a:latin typeface="Arial" panose="020B0604020202020204" pitchFamily="34" charset="0"/>
-              <a:cs typeface="Arial" panose="020B0604020202020204" pitchFamily="34" charset="0"/>
-            </a:endParaRPr>
-          </a:p>
-        </p:txBody>
-      </p:sp>
-      <p:sp>
-        <p:nvSpPr>
-          <p:cNvPr id="262" name="Gleichschenkliges Dreieck 261">
-            <a:extLst>
-              <a:ext uri="{FF2B5EF4-FFF2-40B4-BE49-F238E27FC236}">
-                <a16:creationId xmlns:a16="http://schemas.microsoft.com/office/drawing/2014/main" id="{C7D84C4C-2396-6DA8-E7CE-335D1B639321}"/>
-              </a:ext>
-            </a:extLst>
-          </p:cNvPr>
-          <p:cNvSpPr/>
-          <p:nvPr/>
-        </p:nvSpPr>
-        <p:spPr>
-          <a:xfrm>
-            <a:off x="11894980" y="809776"/>
-            <a:ext cx="386648" cy="413201"/>
-          </a:xfrm>
-          <a:prstGeom prst="triangle">
-            <a:avLst/>
-          </a:prstGeom>
-          <a:noFill/>
-          <a:ln>
-            <a:noFill/>
-          </a:ln>
-        </p:spPr>
-        <p:style>
-          <a:lnRef idx="2">
-            <a:schemeClr val="accent1">
-              <a:shade val="15000"/>
-            </a:schemeClr>
-          </a:lnRef>
-          <a:fillRef idx="1">
-            <a:schemeClr val="accent1"/>
-          </a:fillRef>
-          <a:effectRef idx="0">
-            <a:schemeClr val="accent1"/>
-          </a:effectRef>
-          <a:fontRef idx="minor">
-            <a:schemeClr val="lt1"/>
-          </a:fontRef>
-        </p:style>
-        <p:txBody>
-          <a:bodyPr rtlCol="0" anchor="ctr"/>
-          <a:lstStyle/>
-          <a:p>
-            <a:pPr algn="ctr"/>
-            <a:endParaRPr lang="de-DE">
-              <a:latin typeface="Arial" panose="020B0604020202020204" pitchFamily="34" charset="0"/>
-              <a:cs typeface="Arial" panose="020B0604020202020204" pitchFamily="34" charset="0"/>
-            </a:endParaRPr>
-          </a:p>
-        </p:txBody>
-      </p:sp>
-      <p:cxnSp>
-        <p:nvCxnSpPr>
-          <p:cNvPr id="263" name="Gerader Verbinder 262">
-            <a:extLst>
-              <a:ext uri="{FF2B5EF4-FFF2-40B4-BE49-F238E27FC236}">
-                <a16:creationId xmlns:a16="http://schemas.microsoft.com/office/drawing/2014/main" id="{0D13E881-F382-07DE-7133-6540B8D5D97A}"/>
-              </a:ext>
-            </a:extLst>
-          </p:cNvPr>
-          <p:cNvCxnSpPr>
-            <a:cxnSpLocks/>
-            <a:stCxn id="267" idx="2"/>
-            <a:endCxn id="262" idx="2"/>
-          </p:cNvCxnSpPr>
-          <p:nvPr/>
-        </p:nvCxnSpPr>
-        <p:spPr>
-          <a:xfrm flipV="1">
-            <a:off x="6096000" y="1222977"/>
-            <a:ext cx="5798980" cy="1630"/>
-          </a:xfrm>
-          <a:prstGeom prst="line">
-            <a:avLst/>
-          </a:prstGeom>
-          <a:ln w="19050">
-            <a:solidFill>
-              <a:schemeClr val="tx1"/>
-            </a:solidFill>
-            <a:headEnd type="triangle" w="lg" len="lg"/>
-            <a:tailEnd type="none"/>
-          </a:ln>
-        </p:spPr>
-        <p:style>
-          <a:lnRef idx="1">
-            <a:schemeClr val="accent1"/>
-          </a:lnRef>
-          <a:fillRef idx="0">
-            <a:schemeClr val="accent1"/>
-          </a:fillRef>
-          <a:effectRef idx="0">
-            <a:schemeClr val="accent1"/>
-          </a:effectRef>
-          <a:fontRef idx="minor">
-            <a:schemeClr val="tx1"/>
-          </a:fontRef>
-        </p:style>
-      </p:cxnSp>
-      <p:sp>
-        <p:nvSpPr>
-          <p:cNvPr id="267" name="Gleichschenkliges Dreieck 266">
-            <a:extLst>
-              <a:ext uri="{FF2B5EF4-FFF2-40B4-BE49-F238E27FC236}">
-                <a16:creationId xmlns:a16="http://schemas.microsoft.com/office/drawing/2014/main" id="{C319ADC5-9738-21BD-4C34-3C32A74CDE89}"/>
-              </a:ext>
-            </a:extLst>
-          </p:cNvPr>
-          <p:cNvSpPr/>
-          <p:nvPr/>
-        </p:nvSpPr>
-        <p:spPr>
-          <a:xfrm>
-            <a:off x="6096000" y="811406"/>
-            <a:ext cx="386648" cy="413201"/>
-          </a:xfrm>
-          <a:prstGeom prst="triangle">
-            <a:avLst/>
-          </a:prstGeom>
-          <a:noFill/>
-          <a:ln>
-            <a:noFill/>
-          </a:ln>
-        </p:spPr>
-        <p:style>
-          <a:lnRef idx="2">
-            <a:schemeClr val="accent1">
-              <a:shade val="15000"/>
-            </a:schemeClr>
-          </a:lnRef>
-          <a:fillRef idx="1">
-            <a:schemeClr val="accent1"/>
-          </a:fillRef>
-          <a:effectRef idx="0">
-            <a:schemeClr val="accent1"/>
-          </a:effectRef>
-          <a:fontRef idx="minor">
-            <a:schemeClr val="lt1"/>
-          </a:fontRef>
-        </p:style>
-        <p:txBody>
-          <a:bodyPr rtlCol="0" anchor="ctr"/>
-          <a:lstStyle/>
-          <a:p>
-            <a:pPr algn="ctr"/>
-            <a:endParaRPr lang="de-DE">
-              <a:latin typeface="Arial" panose="020B0604020202020204" pitchFamily="34" charset="0"/>
-              <a:cs typeface="Arial" panose="020B0604020202020204" pitchFamily="34" charset="0"/>
-            </a:endParaRPr>
-          </a:p>
-        </p:txBody>
-      </p:sp>
-      <p:cxnSp>
-        <p:nvCxnSpPr>
-          <p:cNvPr id="270" name="Gerader Verbinder 269">
-            <a:extLst>
-              <a:ext uri="{FF2B5EF4-FFF2-40B4-BE49-F238E27FC236}">
-                <a16:creationId xmlns:a16="http://schemas.microsoft.com/office/drawing/2014/main" id="{BC52D65F-8B8D-E64F-B6CF-AC8C45175670}"/>
-              </a:ext>
-            </a:extLst>
-          </p:cNvPr>
-          <p:cNvCxnSpPr>
-            <a:cxnSpLocks/>
-            <a:stCxn id="262" idx="2"/>
-          </p:cNvCxnSpPr>
-          <p:nvPr/>
-        </p:nvCxnSpPr>
-        <p:spPr>
-          <a:xfrm>
-            <a:off x="11894980" y="1222977"/>
-            <a:ext cx="0" cy="3983322"/>
-          </a:xfrm>
-          <a:prstGeom prst="line">
-            <a:avLst/>
-          </a:prstGeom>
-          <a:ln w="19050">
-            <a:solidFill>
-              <a:schemeClr val="tx1"/>
-            </a:solidFill>
-          </a:ln>
-        </p:spPr>
-        <p:style>
-          <a:lnRef idx="1">
-            <a:schemeClr val="accent1"/>
-          </a:lnRef>
-          <a:fillRef idx="0">
-            <a:schemeClr val="accent1"/>
-          </a:fillRef>
-          <a:effectRef idx="0">
-            <a:schemeClr val="accent1"/>
-          </a:effectRef>
-          <a:fontRef idx="minor">
-            <a:schemeClr val="tx1"/>
-          </a:fontRef>
-        </p:style>
-      </p:cxnSp>
-      <p:cxnSp>
-        <p:nvCxnSpPr>
-          <p:cNvPr id="273" name="Gerader Verbinder 272">
-            <a:extLst>
-              <a:ext uri="{FF2B5EF4-FFF2-40B4-BE49-F238E27FC236}">
-                <a16:creationId xmlns:a16="http://schemas.microsoft.com/office/drawing/2014/main" id="{FF30444D-4C4C-72D1-8B9F-B987796DDE8F}"/>
-              </a:ext>
-            </a:extLst>
-          </p:cNvPr>
-          <p:cNvCxnSpPr>
-            <a:cxnSpLocks/>
-            <a:endCxn id="260" idx="4"/>
-          </p:cNvCxnSpPr>
-          <p:nvPr/>
-        </p:nvCxnSpPr>
-        <p:spPr>
-          <a:xfrm flipH="1">
-            <a:off x="10899080" y="5206299"/>
-            <a:ext cx="995900" cy="1"/>
-          </a:xfrm>
-          <a:prstGeom prst="line">
-            <a:avLst/>
-          </a:prstGeom>
-          <a:ln w="19050">
-            <a:solidFill>
-              <a:schemeClr val="tx1"/>
-            </a:solidFill>
-          </a:ln>
-        </p:spPr>
-        <p:style>
-          <a:lnRef idx="1">
-            <a:schemeClr val="accent1"/>
-          </a:lnRef>
-          <a:fillRef idx="0">
-            <a:schemeClr val="accent1"/>
-          </a:fillRef>
-          <a:effectRef idx="0">
-            <a:schemeClr val="accent1"/>
-          </a:effectRef>
-          <a:fontRef idx="minor">
-            <a:schemeClr val="tx1"/>
-          </a:fontRef>
-        </p:style>
-      </p:cxnSp>
-      <p:cxnSp>
-        <p:nvCxnSpPr>
-          <p:cNvPr id="276" name="Gerader Verbinder 275">
-            <a:extLst>
-              <a:ext uri="{FF2B5EF4-FFF2-40B4-BE49-F238E27FC236}">
-                <a16:creationId xmlns:a16="http://schemas.microsoft.com/office/drawing/2014/main" id="{7109FABA-4B3E-D013-9911-F2332C02E3FB}"/>
-              </a:ext>
-            </a:extLst>
-          </p:cNvPr>
-          <p:cNvCxnSpPr>
-            <a:cxnSpLocks/>
-            <a:stCxn id="98" idx="2"/>
-            <a:endCxn id="260" idx="4"/>
-          </p:cNvCxnSpPr>
-          <p:nvPr/>
-        </p:nvCxnSpPr>
-        <p:spPr>
-          <a:xfrm>
-            <a:off x="10899080" y="4871134"/>
-            <a:ext cx="0" cy="335166"/>
-          </a:xfrm>
-          <a:prstGeom prst="line">
-            <a:avLst/>
-          </a:prstGeom>
-          <a:ln w="19050">
-            <a:solidFill>
-              <a:schemeClr val="tx1"/>
-            </a:solidFill>
-          </a:ln>
-        </p:spPr>
-        <p:style>
-          <a:lnRef idx="1">
-            <a:schemeClr val="accent1"/>
-          </a:lnRef>
-          <a:fillRef idx="0">
-            <a:schemeClr val="accent1"/>
-          </a:fillRef>
-          <a:effectRef idx="0">
-            <a:schemeClr val="accent1"/>
-          </a:effectRef>
-          <a:fontRef idx="minor">
-            <a:schemeClr val="tx1"/>
-          </a:fontRef>
-        </p:style>
-      </p:cxnSp>
-      <p:sp>
-        <p:nvSpPr>
-          <p:cNvPr id="279" name="Flussdiagramm: Verbinder 278">
-            <a:extLst>
-              <a:ext uri="{FF2B5EF4-FFF2-40B4-BE49-F238E27FC236}">
-                <a16:creationId xmlns:a16="http://schemas.microsoft.com/office/drawing/2014/main" id="{A36BFDE3-B129-6E7C-A369-D069A4C47D4B}"/>
-              </a:ext>
-            </a:extLst>
-          </p:cNvPr>
-          <p:cNvSpPr/>
-          <p:nvPr/>
-        </p:nvSpPr>
-        <p:spPr>
-          <a:xfrm>
-            <a:off x="472752" y="434961"/>
-            <a:ext cx="180000" cy="180000"/>
-          </a:xfrm>
-          <a:prstGeom prst="flowChartConnector">
-            <a:avLst/>
-          </a:prstGeom>
-          <a:solidFill>
-            <a:schemeClr val="tx1"/>
-          </a:solidFill>
-          <a:ln>
-            <a:noFill/>
-          </a:ln>
-        </p:spPr>
-        <p:style>
-          <a:lnRef idx="2">
-            <a:schemeClr val="accent1">
-              <a:shade val="15000"/>
-            </a:schemeClr>
-          </a:lnRef>
-          <a:fillRef idx="1">
-            <a:schemeClr val="accent1"/>
-          </a:fillRef>
-          <a:effectRef idx="0">
-            <a:schemeClr val="accent1"/>
-          </a:effectRef>
-          <a:fontRef idx="minor">
-            <a:schemeClr val="lt1"/>
-          </a:fontRef>
-        </p:style>
-        <p:txBody>
-          <a:bodyPr rtlCol="0" anchor="ctr"/>
-          <a:lstStyle/>
-          <a:p>
-            <a:pPr algn="ctr"/>
-            <a:endParaRPr lang="de-DE" dirty="0">
-              <a:latin typeface="Arial" panose="020B0604020202020204" pitchFamily="34" charset="0"/>
-              <a:cs typeface="Arial" panose="020B0604020202020204" pitchFamily="34" charset="0"/>
-            </a:endParaRPr>
-          </a:p>
-        </p:txBody>
-      </p:sp>
-      <p:cxnSp>
-        <p:nvCxnSpPr>
-          <p:cNvPr id="280" name="Gerader Verbinder 279">
-            <a:extLst>
-              <a:ext uri="{FF2B5EF4-FFF2-40B4-BE49-F238E27FC236}">
-                <a16:creationId xmlns:a16="http://schemas.microsoft.com/office/drawing/2014/main" id="{40789498-213E-8F22-9D4B-FB88475C8F0B}"/>
-              </a:ext>
-            </a:extLst>
-          </p:cNvPr>
-          <p:cNvCxnSpPr>
-            <a:cxnSpLocks/>
-            <a:stCxn id="89" idx="1"/>
-            <a:endCxn id="279" idx="6"/>
-          </p:cNvCxnSpPr>
-          <p:nvPr/>
-        </p:nvCxnSpPr>
-        <p:spPr>
-          <a:xfrm flipH="1" flipV="1">
-            <a:off x="652752" y="524961"/>
-            <a:ext cx="620992" cy="1"/>
-          </a:xfrm>
-          <a:prstGeom prst="line">
-            <a:avLst/>
-          </a:prstGeom>
-          <a:ln w="19050">
-            <a:solidFill>
-              <a:schemeClr val="tx1"/>
-            </a:solidFill>
-            <a:headEnd type="triangle" w="lg" len="lg"/>
-            <a:tailEnd type="none"/>
-          </a:ln>
-        </p:spPr>
-        <p:style>
-          <a:lnRef idx="1">
-            <a:schemeClr val="accent1"/>
-          </a:lnRef>
-          <a:fillRef idx="0">
-            <a:schemeClr val="accent1"/>
-          </a:fillRef>
-          <a:effectRef idx="0">
-            <a:schemeClr val="accent1"/>
-          </a:effectRef>
-          <a:fontRef idx="minor">
-            <a:schemeClr val="tx1"/>
-          </a:fontRef>
-        </p:style>
-      </p:cxnSp>
-      <p:sp>
-        <p:nvSpPr>
-          <p:cNvPr id="284" name="Textfeld 283">
-            <a:extLst>
-              <a:ext uri="{FF2B5EF4-FFF2-40B4-BE49-F238E27FC236}">
-                <a16:creationId xmlns:a16="http://schemas.microsoft.com/office/drawing/2014/main" id="{08613F79-F417-F07D-9152-785121B0ECCC}"/>
-              </a:ext>
-            </a:extLst>
-          </p:cNvPr>
-          <p:cNvSpPr txBox="1"/>
-          <p:nvPr/>
-        </p:nvSpPr>
-        <p:spPr>
-          <a:xfrm>
-            <a:off x="200313" y="79851"/>
-            <a:ext cx="724878" cy="400110"/>
+            <a:off x="6878039" y="4084427"/>
+            <a:ext cx="1428596" cy="369332"/>
           </a:xfrm>
           <a:prstGeom prst="rect">
             <a:avLst/>
@@ -11319,1090 +10366,15 @@
           <a:lstStyle/>
           <a:p>
             <a:r>
-              <a:rPr lang="de-DE" sz="2000" dirty="0">
+              <a:rPr lang="de-DE" dirty="0">
                 <a:latin typeface="Arial" panose="020B0604020202020204" pitchFamily="34" charset="0"/>
                 <a:cs typeface="Arial" panose="020B0604020202020204" pitchFamily="34" charset="0"/>
               </a:rPr>
-              <a:t>Start</a:t>
+              <a:t>!Empfangen</a:t>
             </a:r>
-            <a:endParaRPr lang="de-DE" dirty="0">
-              <a:latin typeface="Arial" panose="020B0604020202020204" pitchFamily="34" charset="0"/>
-              <a:cs typeface="Arial" panose="020B0604020202020204" pitchFamily="34" charset="0"/>
-            </a:endParaRPr>
-          </a:p>
-        </p:txBody>
-      </p:sp>
-      <p:sp>
-        <p:nvSpPr>
-          <p:cNvPr id="297" name="Rechteck: abgerundete Ecken 296">
-            <a:extLst>
-              <a:ext uri="{FF2B5EF4-FFF2-40B4-BE49-F238E27FC236}">
-                <a16:creationId xmlns:a16="http://schemas.microsoft.com/office/drawing/2014/main" id="{85684DD0-0DA9-2407-3589-2FB6F8BE05AA}"/>
-              </a:ext>
-            </a:extLst>
-          </p:cNvPr>
-          <p:cNvSpPr/>
-          <p:nvPr/>
-        </p:nvSpPr>
-        <p:spPr>
-          <a:xfrm>
-            <a:off x="892250" y="2971028"/>
-            <a:ext cx="1298222" cy="413201"/>
-          </a:xfrm>
-          <a:prstGeom prst="roundRect">
-            <a:avLst>
-              <a:gd name="adj" fmla="val 50000"/>
-            </a:avLst>
-          </a:prstGeom>
-          <a:noFill/>
-          <a:ln w="22225" cap="flat" cmpd="sng">
-            <a:solidFill>
-              <a:schemeClr val="tx1"/>
-            </a:solidFill>
-            <a:round/>
-            <a:extLst>
-              <a:ext uri="{C807C97D-BFC1-408E-A445-0C87EB9F89A2}">
-                <ask:lineSketchStyleProps xmlns:ask="http://schemas.microsoft.com/office/drawing/2018/sketchyshapes" sd="1219033472">
-                  <a:custGeom>
-                    <a:avLst/>
-                    <a:gdLst>
-                      <a:gd name="connsiteX0" fmla="*/ 0 w 1355075"/>
-                      <a:gd name="connsiteY0" fmla="*/ 248149 h 583894"/>
-                      <a:gd name="connsiteX1" fmla="*/ 248149 w 1355075"/>
-                      <a:gd name="connsiteY1" fmla="*/ 0 h 583894"/>
-                      <a:gd name="connsiteX2" fmla="*/ 694713 w 1355075"/>
-                      <a:gd name="connsiteY2" fmla="*/ 0 h 583894"/>
-                      <a:gd name="connsiteX3" fmla="*/ 1106926 w 1355075"/>
-                      <a:gd name="connsiteY3" fmla="*/ 0 h 583894"/>
-                      <a:gd name="connsiteX4" fmla="*/ 1355075 w 1355075"/>
-                      <a:gd name="connsiteY4" fmla="*/ 248149 h 583894"/>
-                      <a:gd name="connsiteX5" fmla="*/ 1355075 w 1355075"/>
-                      <a:gd name="connsiteY5" fmla="*/ 335745 h 583894"/>
-                      <a:gd name="connsiteX6" fmla="*/ 1106926 w 1355075"/>
-                      <a:gd name="connsiteY6" fmla="*/ 583894 h 583894"/>
-                      <a:gd name="connsiteX7" fmla="*/ 677538 w 1355075"/>
-                      <a:gd name="connsiteY7" fmla="*/ 583894 h 583894"/>
-                      <a:gd name="connsiteX8" fmla="*/ 248149 w 1355075"/>
-                      <a:gd name="connsiteY8" fmla="*/ 583894 h 583894"/>
-                      <a:gd name="connsiteX9" fmla="*/ 0 w 1355075"/>
-                      <a:gd name="connsiteY9" fmla="*/ 335745 h 583894"/>
-                      <a:gd name="connsiteX10" fmla="*/ 0 w 1355075"/>
-                      <a:gd name="connsiteY10" fmla="*/ 248149 h 583894"/>
-                    </a:gdLst>
-                    <a:ahLst/>
-                    <a:cxnLst>
-                      <a:cxn ang="0">
-                        <a:pos x="connsiteX0" y="connsiteY0"/>
-                      </a:cxn>
-                      <a:cxn ang="0">
-                        <a:pos x="connsiteX1" y="connsiteY1"/>
-                      </a:cxn>
-                      <a:cxn ang="0">
-                        <a:pos x="connsiteX2" y="connsiteY2"/>
-                      </a:cxn>
-                      <a:cxn ang="0">
-                        <a:pos x="connsiteX3" y="connsiteY3"/>
-                      </a:cxn>
-                      <a:cxn ang="0">
-                        <a:pos x="connsiteX4" y="connsiteY4"/>
-                      </a:cxn>
-                      <a:cxn ang="0">
-                        <a:pos x="connsiteX5" y="connsiteY5"/>
-                      </a:cxn>
-                      <a:cxn ang="0">
-                        <a:pos x="connsiteX6" y="connsiteY6"/>
-                      </a:cxn>
-                      <a:cxn ang="0">
-                        <a:pos x="connsiteX7" y="connsiteY7"/>
-                      </a:cxn>
-                      <a:cxn ang="0">
-                        <a:pos x="connsiteX8" y="connsiteY8"/>
-                      </a:cxn>
-                      <a:cxn ang="0">
-                        <a:pos x="connsiteX9" y="connsiteY9"/>
-                      </a:cxn>
-                      <a:cxn ang="0">
-                        <a:pos x="connsiteX10" y="connsiteY10"/>
-                      </a:cxn>
-                    </a:cxnLst>
-                    <a:rect l="l" t="t" r="r" b="b"/>
-                    <a:pathLst>
-                      <a:path w="1355075" h="583894" extrusionOk="0">
-                        <a:moveTo>
-                          <a:pt x="0" y="248149"/>
-                        </a:moveTo>
-                        <a:cubicBezTo>
-                          <a:pt x="-23929" y="96340"/>
-                          <a:pt x="86890" y="9086"/>
-                          <a:pt x="248149" y="0"/>
-                        </a:cubicBezTo>
-                        <a:cubicBezTo>
-                          <a:pt x="458709" y="4432"/>
-                          <a:pt x="588872" y="-13626"/>
-                          <a:pt x="694713" y="0"/>
-                        </a:cubicBezTo>
-                        <a:cubicBezTo>
-                          <a:pt x="800554" y="13626"/>
-                          <a:pt x="1012406" y="-17131"/>
-                          <a:pt x="1106926" y="0"/>
-                        </a:cubicBezTo>
-                        <a:cubicBezTo>
-                          <a:pt x="1223482" y="-11212"/>
-                          <a:pt x="1377162" y="121653"/>
-                          <a:pt x="1355075" y="248149"/>
-                        </a:cubicBezTo>
-                        <a:cubicBezTo>
-                          <a:pt x="1359100" y="282641"/>
-                          <a:pt x="1357292" y="303698"/>
-                          <a:pt x="1355075" y="335745"/>
-                        </a:cubicBezTo>
-                        <a:cubicBezTo>
-                          <a:pt x="1367325" y="452858"/>
-                          <a:pt x="1221152" y="603950"/>
-                          <a:pt x="1106926" y="583894"/>
-                        </a:cubicBezTo>
-                        <a:cubicBezTo>
-                          <a:pt x="934961" y="575834"/>
-                          <a:pt x="846022" y="576307"/>
-                          <a:pt x="677538" y="583894"/>
-                        </a:cubicBezTo>
-                        <a:cubicBezTo>
-                          <a:pt x="509054" y="591481"/>
-                          <a:pt x="412892" y="594666"/>
-                          <a:pt x="248149" y="583894"/>
-                        </a:cubicBezTo>
-                        <a:cubicBezTo>
-                          <a:pt x="93931" y="582912"/>
-                          <a:pt x="8571" y="449291"/>
-                          <a:pt x="0" y="335745"/>
-                        </a:cubicBezTo>
-                        <a:cubicBezTo>
-                          <a:pt x="-2535" y="314002"/>
-                          <a:pt x="2015" y="286057"/>
-                          <a:pt x="0" y="248149"/>
-                        </a:cubicBezTo>
-                        <a:close/>
-                      </a:path>
-                    </a:pathLst>
-                  </a:custGeom>
-                  <ask:type>
-                    <ask:lineSketchNone/>
-                  </ask:type>
-                </ask:lineSketchStyleProps>
-              </a:ext>
-            </a:extLst>
-          </a:ln>
-        </p:spPr>
-        <p:style>
-          <a:lnRef idx="2">
-            <a:schemeClr val="accent1">
-              <a:shade val="15000"/>
-            </a:schemeClr>
-          </a:lnRef>
-          <a:fillRef idx="1">
-            <a:schemeClr val="accent1"/>
-          </a:fillRef>
-          <a:effectRef idx="0">
-            <a:schemeClr val="accent1"/>
-          </a:effectRef>
-          <a:fontRef idx="minor">
-            <a:schemeClr val="lt1"/>
-          </a:fontRef>
-        </p:style>
-        <p:txBody>
-          <a:bodyPr rtlCol="0" anchor="ctr"/>
-          <a:lstStyle/>
-          <a:p>
-            <a:pPr algn="ctr"/>
-            <a:r>
-              <a:rPr lang="de-DE" sz="2000" dirty="0">
-                <a:solidFill>
-                  <a:schemeClr val="tx1"/>
-                </a:solidFill>
-                <a:latin typeface="Arial" panose="020B0604020202020204" pitchFamily="34" charset="0"/>
-                <a:cs typeface="Arial" panose="020B0604020202020204" pitchFamily="34" charset="0"/>
-              </a:rPr>
-              <a:t>6Hz</a:t>
-            </a:r>
-          </a:p>
-        </p:txBody>
-      </p:sp>
-      <p:cxnSp>
-        <p:nvCxnSpPr>
-          <p:cNvPr id="299" name="Gerader Verbinder 298">
-            <a:extLst>
-              <a:ext uri="{FF2B5EF4-FFF2-40B4-BE49-F238E27FC236}">
-                <a16:creationId xmlns:a16="http://schemas.microsoft.com/office/drawing/2014/main" id="{CC355B42-B4B7-09BD-538E-75220143A32C}"/>
-              </a:ext>
-            </a:extLst>
-          </p:cNvPr>
-          <p:cNvCxnSpPr>
-            <a:cxnSpLocks/>
-            <a:stCxn id="297" idx="0"/>
-            <a:endCxn id="90" idx="2"/>
-          </p:cNvCxnSpPr>
-          <p:nvPr/>
-        </p:nvCxnSpPr>
-        <p:spPr>
-          <a:xfrm flipV="1">
-            <a:off x="1541361" y="2573866"/>
-            <a:ext cx="2394" cy="397162"/>
-          </a:xfrm>
-          <a:prstGeom prst="line">
-            <a:avLst/>
-          </a:prstGeom>
-          <a:ln w="19050">
-            <a:solidFill>
-              <a:schemeClr val="tx1"/>
-            </a:solidFill>
-            <a:headEnd type="triangle" w="lg" len="lg"/>
-            <a:tailEnd type="none"/>
-          </a:ln>
-        </p:spPr>
-        <p:style>
-          <a:lnRef idx="1">
-            <a:schemeClr val="accent1"/>
-          </a:lnRef>
-          <a:fillRef idx="0">
-            <a:schemeClr val="accent1"/>
-          </a:fillRef>
-          <a:effectRef idx="0">
-            <a:schemeClr val="accent1"/>
-          </a:effectRef>
-          <a:fontRef idx="minor">
-            <a:schemeClr val="tx1"/>
-          </a:fontRef>
-        </p:style>
-      </p:cxnSp>
-      <p:sp>
-        <p:nvSpPr>
-          <p:cNvPr id="306" name="Rechteck: abgerundete Ecken 305">
-            <a:extLst>
-              <a:ext uri="{FF2B5EF4-FFF2-40B4-BE49-F238E27FC236}">
-                <a16:creationId xmlns:a16="http://schemas.microsoft.com/office/drawing/2014/main" id="{9D172AFC-53BE-3CF5-9691-E650C8729008}"/>
-              </a:ext>
-            </a:extLst>
-          </p:cNvPr>
-          <p:cNvSpPr/>
-          <p:nvPr/>
-        </p:nvSpPr>
-        <p:spPr>
-          <a:xfrm>
-            <a:off x="8747477" y="2924289"/>
-            <a:ext cx="1213555" cy="413201"/>
-          </a:xfrm>
-          <a:prstGeom prst="roundRect">
-            <a:avLst>
-              <a:gd name="adj" fmla="val 50000"/>
-            </a:avLst>
-          </a:prstGeom>
-          <a:noFill/>
-          <a:ln w="22225" cap="flat" cmpd="sng">
-            <a:solidFill>
-              <a:schemeClr val="tx1"/>
-            </a:solidFill>
-            <a:round/>
-            <a:extLst>
-              <a:ext uri="{C807C97D-BFC1-408E-A445-0C87EB9F89A2}">
-                <ask:lineSketchStyleProps xmlns:ask="http://schemas.microsoft.com/office/drawing/2018/sketchyshapes" sd="1219033472">
-                  <a:custGeom>
-                    <a:avLst/>
-                    <a:gdLst>
-                      <a:gd name="connsiteX0" fmla="*/ 0 w 1355075"/>
-                      <a:gd name="connsiteY0" fmla="*/ 248149 h 583894"/>
-                      <a:gd name="connsiteX1" fmla="*/ 248149 w 1355075"/>
-                      <a:gd name="connsiteY1" fmla="*/ 0 h 583894"/>
-                      <a:gd name="connsiteX2" fmla="*/ 694713 w 1355075"/>
-                      <a:gd name="connsiteY2" fmla="*/ 0 h 583894"/>
-                      <a:gd name="connsiteX3" fmla="*/ 1106926 w 1355075"/>
-                      <a:gd name="connsiteY3" fmla="*/ 0 h 583894"/>
-                      <a:gd name="connsiteX4" fmla="*/ 1355075 w 1355075"/>
-                      <a:gd name="connsiteY4" fmla="*/ 248149 h 583894"/>
-                      <a:gd name="connsiteX5" fmla="*/ 1355075 w 1355075"/>
-                      <a:gd name="connsiteY5" fmla="*/ 335745 h 583894"/>
-                      <a:gd name="connsiteX6" fmla="*/ 1106926 w 1355075"/>
-                      <a:gd name="connsiteY6" fmla="*/ 583894 h 583894"/>
-                      <a:gd name="connsiteX7" fmla="*/ 677538 w 1355075"/>
-                      <a:gd name="connsiteY7" fmla="*/ 583894 h 583894"/>
-                      <a:gd name="connsiteX8" fmla="*/ 248149 w 1355075"/>
-                      <a:gd name="connsiteY8" fmla="*/ 583894 h 583894"/>
-                      <a:gd name="connsiteX9" fmla="*/ 0 w 1355075"/>
-                      <a:gd name="connsiteY9" fmla="*/ 335745 h 583894"/>
-                      <a:gd name="connsiteX10" fmla="*/ 0 w 1355075"/>
-                      <a:gd name="connsiteY10" fmla="*/ 248149 h 583894"/>
-                    </a:gdLst>
-                    <a:ahLst/>
-                    <a:cxnLst>
-                      <a:cxn ang="0">
-                        <a:pos x="connsiteX0" y="connsiteY0"/>
-                      </a:cxn>
-                      <a:cxn ang="0">
-                        <a:pos x="connsiteX1" y="connsiteY1"/>
-                      </a:cxn>
-                      <a:cxn ang="0">
-                        <a:pos x="connsiteX2" y="connsiteY2"/>
-                      </a:cxn>
-                      <a:cxn ang="0">
-                        <a:pos x="connsiteX3" y="connsiteY3"/>
-                      </a:cxn>
-                      <a:cxn ang="0">
-                        <a:pos x="connsiteX4" y="connsiteY4"/>
-                      </a:cxn>
-                      <a:cxn ang="0">
-                        <a:pos x="connsiteX5" y="connsiteY5"/>
-                      </a:cxn>
-                      <a:cxn ang="0">
-                        <a:pos x="connsiteX6" y="connsiteY6"/>
-                      </a:cxn>
-                      <a:cxn ang="0">
-                        <a:pos x="connsiteX7" y="connsiteY7"/>
-                      </a:cxn>
-                      <a:cxn ang="0">
-                        <a:pos x="connsiteX8" y="connsiteY8"/>
-                      </a:cxn>
-                      <a:cxn ang="0">
-                        <a:pos x="connsiteX9" y="connsiteY9"/>
-                      </a:cxn>
-                      <a:cxn ang="0">
-                        <a:pos x="connsiteX10" y="connsiteY10"/>
-                      </a:cxn>
-                    </a:cxnLst>
-                    <a:rect l="l" t="t" r="r" b="b"/>
-                    <a:pathLst>
-                      <a:path w="1355075" h="583894" extrusionOk="0">
-                        <a:moveTo>
-                          <a:pt x="0" y="248149"/>
-                        </a:moveTo>
-                        <a:cubicBezTo>
-                          <a:pt x="-23929" y="96340"/>
-                          <a:pt x="86890" y="9086"/>
-                          <a:pt x="248149" y="0"/>
-                        </a:cubicBezTo>
-                        <a:cubicBezTo>
-                          <a:pt x="458709" y="4432"/>
-                          <a:pt x="588872" y="-13626"/>
-                          <a:pt x="694713" y="0"/>
-                        </a:cubicBezTo>
-                        <a:cubicBezTo>
-                          <a:pt x="800554" y="13626"/>
-                          <a:pt x="1012406" y="-17131"/>
-                          <a:pt x="1106926" y="0"/>
-                        </a:cubicBezTo>
-                        <a:cubicBezTo>
-                          <a:pt x="1223482" y="-11212"/>
-                          <a:pt x="1377162" y="121653"/>
-                          <a:pt x="1355075" y="248149"/>
-                        </a:cubicBezTo>
-                        <a:cubicBezTo>
-                          <a:pt x="1359100" y="282641"/>
-                          <a:pt x="1357292" y="303698"/>
-                          <a:pt x="1355075" y="335745"/>
-                        </a:cubicBezTo>
-                        <a:cubicBezTo>
-                          <a:pt x="1367325" y="452858"/>
-                          <a:pt x="1221152" y="603950"/>
-                          <a:pt x="1106926" y="583894"/>
-                        </a:cubicBezTo>
-                        <a:cubicBezTo>
-                          <a:pt x="934961" y="575834"/>
-                          <a:pt x="846022" y="576307"/>
-                          <a:pt x="677538" y="583894"/>
-                        </a:cubicBezTo>
-                        <a:cubicBezTo>
-                          <a:pt x="509054" y="591481"/>
-                          <a:pt x="412892" y="594666"/>
-                          <a:pt x="248149" y="583894"/>
-                        </a:cubicBezTo>
-                        <a:cubicBezTo>
-                          <a:pt x="93931" y="582912"/>
-                          <a:pt x="8571" y="449291"/>
-                          <a:pt x="0" y="335745"/>
-                        </a:cubicBezTo>
-                        <a:cubicBezTo>
-                          <a:pt x="-2535" y="314002"/>
-                          <a:pt x="2015" y="286057"/>
-                          <a:pt x="0" y="248149"/>
-                        </a:cubicBezTo>
-                        <a:close/>
-                      </a:path>
-                    </a:pathLst>
-                  </a:custGeom>
-                  <ask:type>
-                    <ask:lineSketchNone/>
-                  </ask:type>
-                </ask:lineSketchStyleProps>
-              </a:ext>
-            </a:extLst>
-          </a:ln>
-        </p:spPr>
-        <p:style>
-          <a:lnRef idx="2">
-            <a:schemeClr val="accent1">
-              <a:shade val="15000"/>
-            </a:schemeClr>
-          </a:lnRef>
-          <a:fillRef idx="1">
-            <a:schemeClr val="accent1"/>
-          </a:fillRef>
-          <a:effectRef idx="0">
-            <a:schemeClr val="accent1"/>
-          </a:effectRef>
-          <a:fontRef idx="minor">
-            <a:schemeClr val="lt1"/>
-          </a:fontRef>
-        </p:style>
-        <p:txBody>
-          <a:bodyPr rtlCol="0" anchor="ctr"/>
-          <a:lstStyle/>
-          <a:p>
-            <a:pPr algn="ctr"/>
-            <a:r>
-              <a:rPr lang="de-DE" sz="2000" dirty="0">
-                <a:solidFill>
-                  <a:schemeClr val="tx1"/>
-                </a:solidFill>
-                <a:latin typeface="Arial" panose="020B0604020202020204" pitchFamily="34" charset="0"/>
-                <a:cs typeface="Arial" panose="020B0604020202020204" pitchFamily="34" charset="0"/>
-              </a:rPr>
-              <a:t>12,5Hz</a:t>
-            </a:r>
-          </a:p>
-        </p:txBody>
-      </p:sp>
-      <p:cxnSp>
-        <p:nvCxnSpPr>
-          <p:cNvPr id="309" name="Gerader Verbinder 308">
-            <a:extLst>
-              <a:ext uri="{FF2B5EF4-FFF2-40B4-BE49-F238E27FC236}">
-                <a16:creationId xmlns:a16="http://schemas.microsoft.com/office/drawing/2014/main" id="{A28AC5DF-A838-D133-7D50-FFFEE7D8AB8A}"/>
-              </a:ext>
-            </a:extLst>
-          </p:cNvPr>
-          <p:cNvCxnSpPr>
-            <a:cxnSpLocks/>
-            <a:stCxn id="306" idx="0"/>
-            <a:endCxn id="94" idx="2"/>
-          </p:cNvCxnSpPr>
-          <p:nvPr/>
-        </p:nvCxnSpPr>
-        <p:spPr>
-          <a:xfrm flipV="1">
-            <a:off x="9354255" y="2573865"/>
-            <a:ext cx="2" cy="350424"/>
-          </a:xfrm>
-          <a:prstGeom prst="line">
-            <a:avLst/>
-          </a:prstGeom>
-          <a:ln w="19050">
-            <a:solidFill>
-              <a:schemeClr val="tx1"/>
-            </a:solidFill>
-            <a:headEnd type="triangle" w="lg" len="lg"/>
-            <a:tailEnd type="none"/>
-          </a:ln>
-        </p:spPr>
-        <p:style>
-          <a:lnRef idx="1">
-            <a:schemeClr val="accent1"/>
-          </a:lnRef>
-          <a:fillRef idx="0">
-            <a:schemeClr val="accent1"/>
-          </a:fillRef>
-          <a:effectRef idx="0">
-            <a:schemeClr val="accent1"/>
-          </a:effectRef>
-          <a:fontRef idx="minor">
-            <a:schemeClr val="tx1"/>
-          </a:fontRef>
-        </p:style>
-      </p:cxnSp>
-      <p:sp>
-        <p:nvSpPr>
-          <p:cNvPr id="318" name="Textfeld 317">
-            <a:extLst>
-              <a:ext uri="{FF2B5EF4-FFF2-40B4-BE49-F238E27FC236}">
-                <a16:creationId xmlns:a16="http://schemas.microsoft.com/office/drawing/2014/main" id="{9B5F305B-5A63-160D-71AB-144A1C03AD0A}"/>
-              </a:ext>
-            </a:extLst>
-          </p:cNvPr>
-          <p:cNvSpPr txBox="1"/>
-          <p:nvPr/>
-        </p:nvSpPr>
-        <p:spPr>
-          <a:xfrm>
-            <a:off x="7282204" y="4380573"/>
-            <a:ext cx="397866" cy="400110"/>
-          </a:xfrm>
-          <a:prstGeom prst="rect">
-            <a:avLst/>
-          </a:prstGeom>
-          <a:noFill/>
-        </p:spPr>
-        <p:txBody>
-          <a:bodyPr wrap="none" rtlCol="0">
-            <a:spAutoFit/>
-          </a:bodyPr>
-          <a:lstStyle/>
-          <a:p>
-            <a:r>
-              <a:rPr lang="de-DE" sz="2000" dirty="0">
-                <a:latin typeface="Arial" panose="020B0604020202020204" pitchFamily="34" charset="0"/>
-                <a:cs typeface="Arial" panose="020B0604020202020204" pitchFamily="34" charset="0"/>
-              </a:rPr>
-              <a:t>1.</a:t>
-            </a:r>
-            <a:endParaRPr lang="de-DE" dirty="0">
-              <a:latin typeface="Arial" panose="020B0604020202020204" pitchFamily="34" charset="0"/>
-              <a:cs typeface="Arial" panose="020B0604020202020204" pitchFamily="34" charset="0"/>
-            </a:endParaRPr>
-          </a:p>
-        </p:txBody>
-      </p:sp>
-      <p:sp>
-        <p:nvSpPr>
-          <p:cNvPr id="319" name="Textfeld 318">
-            <a:extLst>
-              <a:ext uri="{FF2B5EF4-FFF2-40B4-BE49-F238E27FC236}">
-                <a16:creationId xmlns:a16="http://schemas.microsoft.com/office/drawing/2014/main" id="{69C65CE3-A724-BC42-FD34-004AC65449F4}"/>
-              </a:ext>
-            </a:extLst>
-          </p:cNvPr>
-          <p:cNvSpPr txBox="1"/>
-          <p:nvPr/>
-        </p:nvSpPr>
-        <p:spPr>
-          <a:xfrm>
-            <a:off x="6746098" y="4817410"/>
-            <a:ext cx="468398" cy="400110"/>
-          </a:xfrm>
-          <a:prstGeom prst="rect">
-            <a:avLst/>
-          </a:prstGeom>
-          <a:noFill/>
-        </p:spPr>
-        <p:txBody>
-          <a:bodyPr wrap="none" rtlCol="0">
-            <a:spAutoFit/>
-          </a:bodyPr>
-          <a:lstStyle/>
-          <a:p>
-            <a:r>
-              <a:rPr lang="de-DE" sz="2000" dirty="0">
-                <a:latin typeface="Arial" panose="020B0604020202020204" pitchFamily="34" charset="0"/>
-                <a:cs typeface="Arial" panose="020B0604020202020204" pitchFamily="34" charset="0"/>
-              </a:rPr>
-              <a:t>!1.</a:t>
-            </a:r>
-            <a:endParaRPr lang="de-DE" dirty="0">
-              <a:latin typeface="Arial" panose="020B0604020202020204" pitchFamily="34" charset="0"/>
-              <a:cs typeface="Arial" panose="020B0604020202020204" pitchFamily="34" charset="0"/>
-            </a:endParaRPr>
-          </a:p>
-        </p:txBody>
-      </p:sp>
-      <p:sp>
-        <p:nvSpPr>
-          <p:cNvPr id="323" name="Rechteck: abgerundete Ecken 322">
-            <a:extLst>
-              <a:ext uri="{FF2B5EF4-FFF2-40B4-BE49-F238E27FC236}">
-                <a16:creationId xmlns:a16="http://schemas.microsoft.com/office/drawing/2014/main" id="{6E56FE49-792B-58AC-D004-A5766314A46C}"/>
-              </a:ext>
-            </a:extLst>
-          </p:cNvPr>
-          <p:cNvSpPr/>
-          <p:nvPr/>
-        </p:nvSpPr>
-        <p:spPr>
-          <a:xfrm>
-            <a:off x="6482648" y="5480901"/>
-            <a:ext cx="2890297" cy="413201"/>
-          </a:xfrm>
-          <a:prstGeom prst="roundRect">
-            <a:avLst>
-              <a:gd name="adj" fmla="val 50000"/>
-            </a:avLst>
-          </a:prstGeom>
-          <a:noFill/>
-          <a:ln w="22225" cap="flat" cmpd="sng">
-            <a:solidFill>
-              <a:schemeClr val="tx1"/>
-            </a:solidFill>
-            <a:round/>
-            <a:extLst>
-              <a:ext uri="{C807C97D-BFC1-408E-A445-0C87EB9F89A2}">
-                <ask:lineSketchStyleProps xmlns:ask="http://schemas.microsoft.com/office/drawing/2018/sketchyshapes" sd="1219033472">
-                  <a:custGeom>
-                    <a:avLst/>
-                    <a:gdLst>
-                      <a:gd name="connsiteX0" fmla="*/ 0 w 1355075"/>
-                      <a:gd name="connsiteY0" fmla="*/ 248149 h 583894"/>
-                      <a:gd name="connsiteX1" fmla="*/ 248149 w 1355075"/>
-                      <a:gd name="connsiteY1" fmla="*/ 0 h 583894"/>
-                      <a:gd name="connsiteX2" fmla="*/ 694713 w 1355075"/>
-                      <a:gd name="connsiteY2" fmla="*/ 0 h 583894"/>
-                      <a:gd name="connsiteX3" fmla="*/ 1106926 w 1355075"/>
-                      <a:gd name="connsiteY3" fmla="*/ 0 h 583894"/>
-                      <a:gd name="connsiteX4" fmla="*/ 1355075 w 1355075"/>
-                      <a:gd name="connsiteY4" fmla="*/ 248149 h 583894"/>
-                      <a:gd name="connsiteX5" fmla="*/ 1355075 w 1355075"/>
-                      <a:gd name="connsiteY5" fmla="*/ 335745 h 583894"/>
-                      <a:gd name="connsiteX6" fmla="*/ 1106926 w 1355075"/>
-                      <a:gd name="connsiteY6" fmla="*/ 583894 h 583894"/>
-                      <a:gd name="connsiteX7" fmla="*/ 677538 w 1355075"/>
-                      <a:gd name="connsiteY7" fmla="*/ 583894 h 583894"/>
-                      <a:gd name="connsiteX8" fmla="*/ 248149 w 1355075"/>
-                      <a:gd name="connsiteY8" fmla="*/ 583894 h 583894"/>
-                      <a:gd name="connsiteX9" fmla="*/ 0 w 1355075"/>
-                      <a:gd name="connsiteY9" fmla="*/ 335745 h 583894"/>
-                      <a:gd name="connsiteX10" fmla="*/ 0 w 1355075"/>
-                      <a:gd name="connsiteY10" fmla="*/ 248149 h 583894"/>
-                    </a:gdLst>
-                    <a:ahLst/>
-                    <a:cxnLst>
-                      <a:cxn ang="0">
-                        <a:pos x="connsiteX0" y="connsiteY0"/>
-                      </a:cxn>
-                      <a:cxn ang="0">
-                        <a:pos x="connsiteX1" y="connsiteY1"/>
-                      </a:cxn>
-                      <a:cxn ang="0">
-                        <a:pos x="connsiteX2" y="connsiteY2"/>
-                      </a:cxn>
-                      <a:cxn ang="0">
-                        <a:pos x="connsiteX3" y="connsiteY3"/>
-                      </a:cxn>
-                      <a:cxn ang="0">
-                        <a:pos x="connsiteX4" y="connsiteY4"/>
-                      </a:cxn>
-                      <a:cxn ang="0">
-                        <a:pos x="connsiteX5" y="connsiteY5"/>
-                      </a:cxn>
-                      <a:cxn ang="0">
-                        <a:pos x="connsiteX6" y="connsiteY6"/>
-                      </a:cxn>
-                      <a:cxn ang="0">
-                        <a:pos x="connsiteX7" y="connsiteY7"/>
-                      </a:cxn>
-                      <a:cxn ang="0">
-                        <a:pos x="connsiteX8" y="connsiteY8"/>
-                      </a:cxn>
-                      <a:cxn ang="0">
-                        <a:pos x="connsiteX9" y="connsiteY9"/>
-                      </a:cxn>
-                      <a:cxn ang="0">
-                        <a:pos x="connsiteX10" y="connsiteY10"/>
-                      </a:cxn>
-                    </a:cxnLst>
-                    <a:rect l="l" t="t" r="r" b="b"/>
-                    <a:pathLst>
-                      <a:path w="1355075" h="583894" extrusionOk="0">
-                        <a:moveTo>
-                          <a:pt x="0" y="248149"/>
-                        </a:moveTo>
-                        <a:cubicBezTo>
-                          <a:pt x="-23929" y="96340"/>
-                          <a:pt x="86890" y="9086"/>
-                          <a:pt x="248149" y="0"/>
-                        </a:cubicBezTo>
-                        <a:cubicBezTo>
-                          <a:pt x="458709" y="4432"/>
-                          <a:pt x="588872" y="-13626"/>
-                          <a:pt x="694713" y="0"/>
-                        </a:cubicBezTo>
-                        <a:cubicBezTo>
-                          <a:pt x="800554" y="13626"/>
-                          <a:pt x="1012406" y="-17131"/>
-                          <a:pt x="1106926" y="0"/>
-                        </a:cubicBezTo>
-                        <a:cubicBezTo>
-                          <a:pt x="1223482" y="-11212"/>
-                          <a:pt x="1377162" y="121653"/>
-                          <a:pt x="1355075" y="248149"/>
-                        </a:cubicBezTo>
-                        <a:cubicBezTo>
-                          <a:pt x="1359100" y="282641"/>
-                          <a:pt x="1357292" y="303698"/>
-                          <a:pt x="1355075" y="335745"/>
-                        </a:cubicBezTo>
-                        <a:cubicBezTo>
-                          <a:pt x="1367325" y="452858"/>
-                          <a:pt x="1221152" y="603950"/>
-                          <a:pt x="1106926" y="583894"/>
-                        </a:cubicBezTo>
-                        <a:cubicBezTo>
-                          <a:pt x="934961" y="575834"/>
-                          <a:pt x="846022" y="576307"/>
-                          <a:pt x="677538" y="583894"/>
-                        </a:cubicBezTo>
-                        <a:cubicBezTo>
-                          <a:pt x="509054" y="591481"/>
-                          <a:pt x="412892" y="594666"/>
-                          <a:pt x="248149" y="583894"/>
-                        </a:cubicBezTo>
-                        <a:cubicBezTo>
-                          <a:pt x="93931" y="582912"/>
-                          <a:pt x="8571" y="449291"/>
-                          <a:pt x="0" y="335745"/>
-                        </a:cubicBezTo>
-                        <a:cubicBezTo>
-                          <a:pt x="-2535" y="314002"/>
-                          <a:pt x="2015" y="286057"/>
-                          <a:pt x="0" y="248149"/>
-                        </a:cubicBezTo>
-                        <a:close/>
-                      </a:path>
-                    </a:pathLst>
-                  </a:custGeom>
-                  <ask:type>
-                    <ask:lineSketchNone/>
-                  </ask:type>
-                </ask:lineSketchStyleProps>
-              </a:ext>
-            </a:extLst>
-          </a:ln>
-        </p:spPr>
-        <p:style>
-          <a:lnRef idx="2">
-            <a:schemeClr val="accent1">
-              <a:shade val="15000"/>
-            </a:schemeClr>
-          </a:lnRef>
-          <a:fillRef idx="1">
-            <a:schemeClr val="accent1"/>
-          </a:fillRef>
-          <a:effectRef idx="0">
-            <a:schemeClr val="accent1"/>
-          </a:effectRef>
-          <a:fontRef idx="minor">
-            <a:schemeClr val="lt1"/>
-          </a:fontRef>
-        </p:style>
-        <p:txBody>
-          <a:bodyPr rtlCol="0" anchor="ctr"/>
-          <a:lstStyle/>
-          <a:p>
-            <a:pPr algn="ctr"/>
-            <a:r>
-              <a:rPr lang="de-DE" sz="2000" dirty="0">
-                <a:solidFill>
-                  <a:schemeClr val="tx1"/>
-                </a:solidFill>
-                <a:latin typeface="Arial" panose="020B0604020202020204" pitchFamily="34" charset="0"/>
-                <a:cs typeface="Arial" panose="020B0604020202020204" pitchFamily="34" charset="0"/>
-              </a:rPr>
-              <a:t>Status += Daten Bereit</a:t>
-            </a:r>
-          </a:p>
-        </p:txBody>
-      </p:sp>
-      <p:cxnSp>
-        <p:nvCxnSpPr>
-          <p:cNvPr id="327" name="Gerader Verbinder 326">
-            <a:extLst>
-              <a:ext uri="{FF2B5EF4-FFF2-40B4-BE49-F238E27FC236}">
-                <a16:creationId xmlns:a16="http://schemas.microsoft.com/office/drawing/2014/main" id="{2823C639-A2A6-0969-F5EE-B283D7F42F6F}"/>
-              </a:ext>
-            </a:extLst>
-          </p:cNvPr>
-          <p:cNvCxnSpPr>
-            <a:cxnSpLocks/>
-            <a:stCxn id="323" idx="0"/>
-          </p:cNvCxnSpPr>
-          <p:nvPr/>
-        </p:nvCxnSpPr>
-        <p:spPr>
-          <a:xfrm flipH="1" flipV="1">
-            <a:off x="7922389" y="5288119"/>
-            <a:ext cx="5408" cy="192782"/>
-          </a:xfrm>
-          <a:prstGeom prst="line">
-            <a:avLst/>
-          </a:prstGeom>
-          <a:ln w="19050">
-            <a:solidFill>
-              <a:schemeClr val="tx1"/>
-            </a:solidFill>
-            <a:headEnd type="triangle" w="lg" len="lg"/>
-            <a:tailEnd type="none"/>
-          </a:ln>
-        </p:spPr>
-        <p:style>
-          <a:lnRef idx="1">
-            <a:schemeClr val="accent1"/>
-          </a:lnRef>
-          <a:fillRef idx="0">
-            <a:schemeClr val="accent1"/>
-          </a:fillRef>
-          <a:effectRef idx="0">
-            <a:schemeClr val="accent1"/>
-          </a:effectRef>
-          <a:fontRef idx="minor">
-            <a:schemeClr val="tx1"/>
-          </a:fontRef>
-        </p:style>
-      </p:cxnSp>
-      <p:sp>
-        <p:nvSpPr>
-          <p:cNvPr id="2" name="Rechteck: abgerundete Ecken 1">
-            <a:extLst>
-              <a:ext uri="{FF2B5EF4-FFF2-40B4-BE49-F238E27FC236}">
-                <a16:creationId xmlns:a16="http://schemas.microsoft.com/office/drawing/2014/main" id="{8ECCDD8D-AE04-7C55-1F85-20FDBDDD22E2}"/>
-              </a:ext>
-            </a:extLst>
-          </p:cNvPr>
-          <p:cNvSpPr/>
-          <p:nvPr/>
-        </p:nvSpPr>
-        <p:spPr>
-          <a:xfrm>
-            <a:off x="5396089" y="704616"/>
-            <a:ext cx="1399822" cy="413201"/>
-          </a:xfrm>
-          <a:prstGeom prst="roundRect">
-            <a:avLst>
-              <a:gd name="adj" fmla="val 50000"/>
-            </a:avLst>
-          </a:prstGeom>
-          <a:noFill/>
-          <a:ln w="22225" cap="flat" cmpd="sng">
-            <a:solidFill>
-              <a:schemeClr val="tx1"/>
-            </a:solidFill>
-            <a:round/>
-            <a:extLst>
-              <a:ext uri="{C807C97D-BFC1-408E-A445-0C87EB9F89A2}">
-                <ask:lineSketchStyleProps xmlns:ask="http://schemas.microsoft.com/office/drawing/2018/sketchyshapes" sd="1219033472">
-                  <a:custGeom>
-                    <a:avLst/>
-                    <a:gdLst>
-                      <a:gd name="connsiteX0" fmla="*/ 0 w 1355075"/>
-                      <a:gd name="connsiteY0" fmla="*/ 248149 h 583894"/>
-                      <a:gd name="connsiteX1" fmla="*/ 248149 w 1355075"/>
-                      <a:gd name="connsiteY1" fmla="*/ 0 h 583894"/>
-                      <a:gd name="connsiteX2" fmla="*/ 694713 w 1355075"/>
-                      <a:gd name="connsiteY2" fmla="*/ 0 h 583894"/>
-                      <a:gd name="connsiteX3" fmla="*/ 1106926 w 1355075"/>
-                      <a:gd name="connsiteY3" fmla="*/ 0 h 583894"/>
-                      <a:gd name="connsiteX4" fmla="*/ 1355075 w 1355075"/>
-                      <a:gd name="connsiteY4" fmla="*/ 248149 h 583894"/>
-                      <a:gd name="connsiteX5" fmla="*/ 1355075 w 1355075"/>
-                      <a:gd name="connsiteY5" fmla="*/ 335745 h 583894"/>
-                      <a:gd name="connsiteX6" fmla="*/ 1106926 w 1355075"/>
-                      <a:gd name="connsiteY6" fmla="*/ 583894 h 583894"/>
-                      <a:gd name="connsiteX7" fmla="*/ 677538 w 1355075"/>
-                      <a:gd name="connsiteY7" fmla="*/ 583894 h 583894"/>
-                      <a:gd name="connsiteX8" fmla="*/ 248149 w 1355075"/>
-                      <a:gd name="connsiteY8" fmla="*/ 583894 h 583894"/>
-                      <a:gd name="connsiteX9" fmla="*/ 0 w 1355075"/>
-                      <a:gd name="connsiteY9" fmla="*/ 335745 h 583894"/>
-                      <a:gd name="connsiteX10" fmla="*/ 0 w 1355075"/>
-                      <a:gd name="connsiteY10" fmla="*/ 248149 h 583894"/>
-                    </a:gdLst>
-                    <a:ahLst/>
-                    <a:cxnLst>
-                      <a:cxn ang="0">
-                        <a:pos x="connsiteX0" y="connsiteY0"/>
-                      </a:cxn>
-                      <a:cxn ang="0">
-                        <a:pos x="connsiteX1" y="connsiteY1"/>
-                      </a:cxn>
-                      <a:cxn ang="0">
-                        <a:pos x="connsiteX2" y="connsiteY2"/>
-                      </a:cxn>
-                      <a:cxn ang="0">
-                        <a:pos x="connsiteX3" y="connsiteY3"/>
-                      </a:cxn>
-                      <a:cxn ang="0">
-                        <a:pos x="connsiteX4" y="connsiteY4"/>
-                      </a:cxn>
-                      <a:cxn ang="0">
-                        <a:pos x="connsiteX5" y="connsiteY5"/>
-                      </a:cxn>
-                      <a:cxn ang="0">
-                        <a:pos x="connsiteX6" y="connsiteY6"/>
-                      </a:cxn>
-                      <a:cxn ang="0">
-                        <a:pos x="connsiteX7" y="connsiteY7"/>
-                      </a:cxn>
-                      <a:cxn ang="0">
-                        <a:pos x="connsiteX8" y="connsiteY8"/>
-                      </a:cxn>
-                      <a:cxn ang="0">
-                        <a:pos x="connsiteX9" y="connsiteY9"/>
-                      </a:cxn>
-                      <a:cxn ang="0">
-                        <a:pos x="connsiteX10" y="connsiteY10"/>
-                      </a:cxn>
-                    </a:cxnLst>
-                    <a:rect l="l" t="t" r="r" b="b"/>
-                    <a:pathLst>
-                      <a:path w="1355075" h="583894" extrusionOk="0">
-                        <a:moveTo>
-                          <a:pt x="0" y="248149"/>
-                        </a:moveTo>
-                        <a:cubicBezTo>
-                          <a:pt x="-23929" y="96340"/>
-                          <a:pt x="86890" y="9086"/>
-                          <a:pt x="248149" y="0"/>
-                        </a:cubicBezTo>
-                        <a:cubicBezTo>
-                          <a:pt x="458709" y="4432"/>
-                          <a:pt x="588872" y="-13626"/>
-                          <a:pt x="694713" y="0"/>
-                        </a:cubicBezTo>
-                        <a:cubicBezTo>
-                          <a:pt x="800554" y="13626"/>
-                          <a:pt x="1012406" y="-17131"/>
-                          <a:pt x="1106926" y="0"/>
-                        </a:cubicBezTo>
-                        <a:cubicBezTo>
-                          <a:pt x="1223482" y="-11212"/>
-                          <a:pt x="1377162" y="121653"/>
-                          <a:pt x="1355075" y="248149"/>
-                        </a:cubicBezTo>
-                        <a:cubicBezTo>
-                          <a:pt x="1359100" y="282641"/>
-                          <a:pt x="1357292" y="303698"/>
-                          <a:pt x="1355075" y="335745"/>
-                        </a:cubicBezTo>
-                        <a:cubicBezTo>
-                          <a:pt x="1367325" y="452858"/>
-                          <a:pt x="1221152" y="603950"/>
-                          <a:pt x="1106926" y="583894"/>
-                        </a:cubicBezTo>
-                        <a:cubicBezTo>
-                          <a:pt x="934961" y="575834"/>
-                          <a:pt x="846022" y="576307"/>
-                          <a:pt x="677538" y="583894"/>
-                        </a:cubicBezTo>
-                        <a:cubicBezTo>
-                          <a:pt x="509054" y="591481"/>
-                          <a:pt x="412892" y="594666"/>
-                          <a:pt x="248149" y="583894"/>
-                        </a:cubicBezTo>
-                        <a:cubicBezTo>
-                          <a:pt x="93931" y="582912"/>
-                          <a:pt x="8571" y="449291"/>
-                          <a:pt x="0" y="335745"/>
-                        </a:cubicBezTo>
-                        <a:cubicBezTo>
-                          <a:pt x="-2535" y="314002"/>
-                          <a:pt x="2015" y="286057"/>
-                          <a:pt x="0" y="248149"/>
-                        </a:cubicBezTo>
-                        <a:close/>
-                      </a:path>
-                    </a:pathLst>
-                  </a:custGeom>
-                  <ask:type>
-                    <ask:lineSketchNone/>
-                  </ask:type>
-                </ask:lineSketchStyleProps>
-              </a:ext>
-            </a:extLst>
-          </a:ln>
-        </p:spPr>
-        <p:style>
-          <a:lnRef idx="2">
-            <a:schemeClr val="accent1">
-              <a:shade val="15000"/>
-            </a:schemeClr>
-          </a:lnRef>
-          <a:fillRef idx="1">
-            <a:schemeClr val="accent1"/>
-          </a:fillRef>
-          <a:effectRef idx="0">
-            <a:schemeClr val="accent1"/>
-          </a:effectRef>
-          <a:fontRef idx="minor">
-            <a:schemeClr val="lt1"/>
-          </a:fontRef>
-        </p:style>
-        <p:txBody>
-          <a:bodyPr rtlCol="0" anchor="ctr"/>
-          <a:lstStyle/>
-          <a:p>
-            <a:pPr algn="ctr"/>
-            <a:r>
-              <a:rPr lang="de-DE" sz="2000" dirty="0">
-                <a:solidFill>
-                  <a:schemeClr val="tx1"/>
-                </a:solidFill>
-                <a:latin typeface="Arial" panose="020B0604020202020204" pitchFamily="34" charset="0"/>
-                <a:cs typeface="Arial" panose="020B0604020202020204" pitchFamily="34" charset="0"/>
-              </a:rPr>
-              <a:t>„</a:t>
-            </a:r>
-            <a:r>
-              <a:rPr lang="de-DE" sz="2000" dirty="0" err="1">
-                <a:solidFill>
-                  <a:schemeClr val="tx1"/>
-                </a:solidFill>
-                <a:latin typeface="Arial" panose="020B0604020202020204" pitchFamily="34" charset="0"/>
-                <a:cs typeface="Arial" panose="020B0604020202020204" pitchFamily="34" charset="0"/>
-              </a:rPr>
-              <a:t>wakeup</a:t>
-            </a:r>
-            <a:r>
-              <a:rPr lang="de-DE" sz="2000" dirty="0">
-                <a:solidFill>
-                  <a:schemeClr val="tx1"/>
-                </a:solidFill>
-                <a:latin typeface="Arial" panose="020B0604020202020204" pitchFamily="34" charset="0"/>
-                <a:cs typeface="Arial" panose="020B0604020202020204" pitchFamily="34" charset="0"/>
-              </a:rPr>
-              <a:t>“</a:t>
-            </a:r>
-          </a:p>
-        </p:txBody>
-      </p:sp>
-      <p:cxnSp>
-        <p:nvCxnSpPr>
-          <p:cNvPr id="4" name="Gerader Verbinder 3">
-            <a:extLst>
-              <a:ext uri="{FF2B5EF4-FFF2-40B4-BE49-F238E27FC236}">
-                <a16:creationId xmlns:a16="http://schemas.microsoft.com/office/drawing/2014/main" id="{0B6CF424-A144-B744-3927-D6804BC15F1A}"/>
-              </a:ext>
-            </a:extLst>
-          </p:cNvPr>
-          <p:cNvCxnSpPr>
-            <a:cxnSpLocks/>
-            <a:stCxn id="99" idx="0"/>
-            <a:endCxn id="2" idx="2"/>
-          </p:cNvCxnSpPr>
-          <p:nvPr/>
-        </p:nvCxnSpPr>
-        <p:spPr>
-          <a:xfrm flipV="1">
-            <a:off x="6096000" y="1117817"/>
-            <a:ext cx="0" cy="502847"/>
-          </a:xfrm>
-          <a:prstGeom prst="line">
-            <a:avLst/>
-          </a:prstGeom>
-          <a:ln w="19050">
-            <a:solidFill>
-              <a:schemeClr val="tx1"/>
-            </a:solidFill>
-            <a:headEnd type="triangle" w="lg" len="lg"/>
-            <a:tailEnd type="none"/>
-          </a:ln>
-        </p:spPr>
-        <p:style>
-          <a:lnRef idx="1">
-            <a:schemeClr val="accent1"/>
-          </a:lnRef>
-          <a:fillRef idx="0">
-            <a:schemeClr val="accent1"/>
-          </a:fillRef>
-          <a:effectRef idx="0">
-            <a:schemeClr val="accent1"/>
-          </a:effectRef>
-          <a:fontRef idx="minor">
-            <a:schemeClr val="tx1"/>
-          </a:fontRef>
-        </p:style>
-      </p:cxnSp>
+          </a:p>
+        </p:txBody>
+      </p:sp>
     </p:spTree>
     <p:extLst>
       <p:ext uri="{BB962C8B-B14F-4D97-AF65-F5344CB8AC3E}">

--- a/Beleg/UML-IR_Remote.pptx
+++ b/Beleg/UML-IR_Remote.pptx
@@ -262,7 +262,7 @@
           <a:p>
             <a:fld id="{DCFA11AF-D567-4408-8BA5-866BEB2B0871}" type="datetimeFigureOut">
               <a:rPr lang="de-DE" smtClean="0"/>
-              <a:t>21.02.2024</a:t>
+              <a:t>26.02.2024</a:t>
             </a:fld>
             <a:endParaRPr lang="de-DE"/>
           </a:p>
@@ -460,7 +460,7 @@
           <a:p>
             <a:fld id="{DCFA11AF-D567-4408-8BA5-866BEB2B0871}" type="datetimeFigureOut">
               <a:rPr lang="de-DE" smtClean="0"/>
-              <a:t>21.02.2024</a:t>
+              <a:t>26.02.2024</a:t>
             </a:fld>
             <a:endParaRPr lang="de-DE"/>
           </a:p>
@@ -668,7 +668,7 @@
           <a:p>
             <a:fld id="{DCFA11AF-D567-4408-8BA5-866BEB2B0871}" type="datetimeFigureOut">
               <a:rPr lang="de-DE" smtClean="0"/>
-              <a:t>21.02.2024</a:t>
+              <a:t>26.02.2024</a:t>
             </a:fld>
             <a:endParaRPr lang="de-DE"/>
           </a:p>
@@ -866,7 +866,7 @@
           <a:p>
             <a:fld id="{DCFA11AF-D567-4408-8BA5-866BEB2B0871}" type="datetimeFigureOut">
               <a:rPr lang="de-DE" smtClean="0"/>
-              <a:t>21.02.2024</a:t>
+              <a:t>26.02.2024</a:t>
             </a:fld>
             <a:endParaRPr lang="de-DE"/>
           </a:p>
@@ -1141,7 +1141,7 @@
           <a:p>
             <a:fld id="{DCFA11AF-D567-4408-8BA5-866BEB2B0871}" type="datetimeFigureOut">
               <a:rPr lang="de-DE" smtClean="0"/>
-              <a:t>21.02.2024</a:t>
+              <a:t>26.02.2024</a:t>
             </a:fld>
             <a:endParaRPr lang="de-DE"/>
           </a:p>
@@ -1406,7 +1406,7 @@
           <a:p>
             <a:fld id="{DCFA11AF-D567-4408-8BA5-866BEB2B0871}" type="datetimeFigureOut">
               <a:rPr lang="de-DE" smtClean="0"/>
-              <a:t>21.02.2024</a:t>
+              <a:t>26.02.2024</a:t>
             </a:fld>
             <a:endParaRPr lang="de-DE"/>
           </a:p>
@@ -1818,7 +1818,7 @@
           <a:p>
             <a:fld id="{DCFA11AF-D567-4408-8BA5-866BEB2B0871}" type="datetimeFigureOut">
               <a:rPr lang="de-DE" smtClean="0"/>
-              <a:t>21.02.2024</a:t>
+              <a:t>26.02.2024</a:t>
             </a:fld>
             <a:endParaRPr lang="de-DE"/>
           </a:p>
@@ -1959,7 +1959,7 @@
           <a:p>
             <a:fld id="{DCFA11AF-D567-4408-8BA5-866BEB2B0871}" type="datetimeFigureOut">
               <a:rPr lang="de-DE" smtClean="0"/>
-              <a:t>21.02.2024</a:t>
+              <a:t>26.02.2024</a:t>
             </a:fld>
             <a:endParaRPr lang="de-DE"/>
           </a:p>
@@ -2072,7 +2072,7 @@
           <a:p>
             <a:fld id="{DCFA11AF-D567-4408-8BA5-866BEB2B0871}" type="datetimeFigureOut">
               <a:rPr lang="de-DE" smtClean="0"/>
-              <a:t>21.02.2024</a:t>
+              <a:t>26.02.2024</a:t>
             </a:fld>
             <a:endParaRPr lang="de-DE"/>
           </a:p>
@@ -2383,7 +2383,7 @@
           <a:p>
             <a:fld id="{DCFA11AF-D567-4408-8BA5-866BEB2B0871}" type="datetimeFigureOut">
               <a:rPr lang="de-DE" smtClean="0"/>
-              <a:t>21.02.2024</a:t>
+              <a:t>26.02.2024</a:t>
             </a:fld>
             <a:endParaRPr lang="de-DE"/>
           </a:p>
@@ -2671,7 +2671,7 @@
           <a:p>
             <a:fld id="{DCFA11AF-D567-4408-8BA5-866BEB2B0871}" type="datetimeFigureOut">
               <a:rPr lang="de-DE" smtClean="0"/>
-              <a:t>21.02.2024</a:t>
+              <a:t>26.02.2024</a:t>
             </a:fld>
             <a:endParaRPr lang="de-DE"/>
           </a:p>
@@ -2912,7 +2912,7 @@
           <a:p>
             <a:fld id="{DCFA11AF-D567-4408-8BA5-866BEB2B0871}" type="datetimeFigureOut">
               <a:rPr lang="de-DE" smtClean="0"/>
-              <a:t>21.02.2024</a:t>
+              <a:t>26.02.2024</a:t>
             </a:fld>
             <a:endParaRPr lang="de-DE"/>
           </a:p>
@@ -3546,7 +3546,7 @@
         </p:nvGrpSpPr>
         <p:grpSpPr>
           <a:xfrm>
-            <a:off x="3281901" y="5781893"/>
+            <a:off x="228690" y="4310936"/>
             <a:ext cx="2386062" cy="817510"/>
             <a:chOff x="4712295" y="2548166"/>
             <a:chExt cx="2386062" cy="817510"/>
@@ -3756,7 +3756,7 @@
         </p:nvGrpSpPr>
         <p:grpSpPr>
           <a:xfrm>
-            <a:off x="8649065" y="602893"/>
+            <a:off x="3936544" y="4154292"/>
             <a:ext cx="2542747" cy="2543630"/>
             <a:chOff x="3079582" y="173924"/>
             <a:chExt cx="1324415" cy="2442070"/>
@@ -4067,7 +4067,7 @@
         </p:nvGrpSpPr>
         <p:grpSpPr>
           <a:xfrm>
-            <a:off x="9640093" y="5091449"/>
+            <a:off x="246357" y="1100846"/>
             <a:ext cx="1915152" cy="1502186"/>
             <a:chOff x="537536" y="2626521"/>
             <a:chExt cx="1915152" cy="1502186"/>
@@ -4191,6 +4191,26 @@
                 </a:rPr>
                 <a:t>IRrecv</a:t>
               </a:r>
+              <a:r>
+                <a:rPr lang="de-DE" sz="2000" dirty="0">
+                  <a:solidFill>
+                    <a:schemeClr val="tx1"/>
+                  </a:solidFill>
+                  <a:latin typeface="Arial" panose="020B0604020202020204" pitchFamily="34" charset="0"/>
+                  <a:cs typeface="Arial" panose="020B0604020202020204" pitchFamily="34" charset="0"/>
+                </a:rPr>
+                <a:t>: IR-</a:t>
+              </a:r>
+              <a:r>
+                <a:rPr lang="de-DE" sz="2000" dirty="0" err="1">
+                  <a:solidFill>
+                    <a:schemeClr val="tx1"/>
+                  </a:solidFill>
+                  <a:latin typeface="Arial" panose="020B0604020202020204" pitchFamily="34" charset="0"/>
+                  <a:cs typeface="Arial" panose="020B0604020202020204" pitchFamily="34" charset="0"/>
+                </a:rPr>
+                <a:t>Lib</a:t>
+              </a:r>
               <a:endParaRPr lang="de-DE" sz="2000" dirty="0">
                 <a:solidFill>
                   <a:schemeClr val="tx1"/>
@@ -4209,6 +4229,26 @@
                   <a:cs typeface="Arial" panose="020B0604020202020204" pitchFamily="34" charset="0"/>
                 </a:rPr>
                 <a:t>IRsend</a:t>
+              </a:r>
+              <a:r>
+                <a:rPr lang="de-DE" sz="2000" dirty="0">
+                  <a:solidFill>
+                    <a:schemeClr val="tx1"/>
+                  </a:solidFill>
+                  <a:latin typeface="Arial" panose="020B0604020202020204" pitchFamily="34" charset="0"/>
+                  <a:cs typeface="Arial" panose="020B0604020202020204" pitchFamily="34" charset="0"/>
+                </a:rPr>
+                <a:t>: IR-</a:t>
+              </a:r>
+              <a:r>
+                <a:rPr lang="de-DE" sz="2000" dirty="0" err="1">
+                  <a:solidFill>
+                    <a:schemeClr val="tx1"/>
+                  </a:solidFill>
+                  <a:latin typeface="Arial" panose="020B0604020202020204" pitchFamily="34" charset="0"/>
+                  <a:cs typeface="Arial" panose="020B0604020202020204" pitchFamily="34" charset="0"/>
+                </a:rPr>
+                <a:t>Lib</a:t>
               </a:r>
               <a:endParaRPr lang="de-DE" sz="2000" dirty="0">
                 <a:solidFill>
@@ -4317,7 +4357,7 @@
         </p:nvGrpSpPr>
         <p:grpSpPr>
           <a:xfrm>
-            <a:off x="146359" y="1573151"/>
+            <a:off x="6282650" y="156633"/>
             <a:ext cx="2611545" cy="3711697"/>
             <a:chOff x="4993370" y="5174572"/>
             <a:chExt cx="2611545" cy="3134694"/>
@@ -4372,22 +4412,15 @@
             <a:p>
               <a:pPr algn="ctr"/>
               <a:r>
-                <a:rPr lang="de-DE" sz="2000" b="1" dirty="0" err="1">
+                <a:rPr lang="de-DE" sz="2000" b="1" dirty="0">
                   <a:solidFill>
                     <a:schemeClr val="tx1"/>
                   </a:solidFill>
                   <a:latin typeface="Arial" panose="020B0604020202020204" pitchFamily="34" charset="0"/>
                   <a:cs typeface="Arial" panose="020B0604020202020204" pitchFamily="34" charset="0"/>
                 </a:rPr>
-                <a:t>Base_system</a:t>
+                <a:t>Hauptsystem</a:t>
               </a:r>
-              <a:endParaRPr lang="de-DE" sz="2000" b="1" dirty="0">
-                <a:solidFill>
-                  <a:schemeClr val="tx1"/>
-                </a:solidFill>
-                <a:latin typeface="Arial" panose="020B0604020202020204" pitchFamily="34" charset="0"/>
-                <a:cs typeface="Arial" panose="020B0604020202020204" pitchFamily="34" charset="0"/>
-              </a:endParaRPr>
             </a:p>
           </p:txBody>
         </p:sp>
@@ -4682,8 +4715,8 @@
         </p:nvGrpSpPr>
         <p:grpSpPr>
           <a:xfrm>
-            <a:off x="4223607" y="360172"/>
-            <a:ext cx="2485062" cy="2581383"/>
+            <a:off x="7750665" y="3997123"/>
+            <a:ext cx="4089535" cy="2581383"/>
             <a:chOff x="9169401" y="2754394"/>
             <a:chExt cx="2485062" cy="2581383"/>
           </a:xfrm>
@@ -4806,13 +4839,16 @@
                 </a:rPr>
                 <a:t>Get_Entry</a:t>
               </a:r>
-              <a:endParaRPr lang="de-DE" sz="2000" dirty="0">
-                <a:solidFill>
-                  <a:schemeClr val="tx1"/>
-                </a:solidFill>
-                <a:latin typeface="Arial" panose="020B0604020202020204" pitchFamily="34" charset="0"/>
-                <a:cs typeface="Arial" panose="020B0604020202020204" pitchFamily="34" charset="0"/>
-              </a:endParaRPr>
+              <a:r>
+                <a:rPr lang="de-DE" sz="2000" dirty="0">
+                  <a:solidFill>
+                    <a:schemeClr val="tx1"/>
+                  </a:solidFill>
+                  <a:latin typeface="Arial" panose="020B0604020202020204" pitchFamily="34" charset="0"/>
+                  <a:cs typeface="Arial" panose="020B0604020202020204" pitchFamily="34" charset="0"/>
+                </a:rPr>
+                <a:t>()</a:t>
+              </a:r>
             </a:p>
             <a:p>
               <a:r>
@@ -4825,13 +4861,16 @@
                 </a:rPr>
                 <a:t>Manipulate_Entry</a:t>
               </a:r>
-              <a:endParaRPr lang="de-DE" sz="2000" dirty="0">
-                <a:solidFill>
-                  <a:schemeClr val="tx1"/>
-                </a:solidFill>
-                <a:latin typeface="Arial" panose="020B0604020202020204" pitchFamily="34" charset="0"/>
-                <a:cs typeface="Arial" panose="020B0604020202020204" pitchFamily="34" charset="0"/>
-              </a:endParaRPr>
+              <a:r>
+                <a:rPr lang="de-DE" sz="2000" dirty="0">
+                  <a:solidFill>
+                    <a:schemeClr val="tx1"/>
+                  </a:solidFill>
+                  <a:latin typeface="Arial" panose="020B0604020202020204" pitchFamily="34" charset="0"/>
+                  <a:cs typeface="Arial" panose="020B0604020202020204" pitchFamily="34" charset="0"/>
+                </a:rPr>
+                <a:t>()</a:t>
+              </a:r>
             </a:p>
             <a:p>
               <a:r>
@@ -4844,13 +4883,16 @@
                 </a:rPr>
                 <a:t>Check_Index</a:t>
               </a:r>
-              <a:endParaRPr lang="de-DE" sz="2000" dirty="0">
-                <a:solidFill>
-                  <a:schemeClr val="tx1"/>
-                </a:solidFill>
-                <a:latin typeface="Arial" panose="020B0604020202020204" pitchFamily="34" charset="0"/>
-                <a:cs typeface="Arial" panose="020B0604020202020204" pitchFamily="34" charset="0"/>
-              </a:endParaRPr>
+              <a:r>
+                <a:rPr lang="de-DE" sz="2000" dirty="0">
+                  <a:solidFill>
+                    <a:schemeClr val="tx1"/>
+                  </a:solidFill>
+                  <a:latin typeface="Arial" panose="020B0604020202020204" pitchFamily="34" charset="0"/>
+                  <a:cs typeface="Arial" panose="020B0604020202020204" pitchFamily="34" charset="0"/>
+                </a:rPr>
+                <a:t>()</a:t>
+              </a:r>
             </a:p>
           </p:txBody>
         </p:sp>
@@ -4911,13 +4953,36 @@
                 </a:rPr>
                 <a:t>Start_Menü</a:t>
               </a:r>
-              <a:endParaRPr lang="de-DE" sz="2000" dirty="0">
-                <a:solidFill>
-                  <a:schemeClr val="tx1"/>
-                </a:solidFill>
-                <a:latin typeface="Arial" panose="020B0604020202020204" pitchFamily="34" charset="0"/>
-                <a:cs typeface="Arial" panose="020B0604020202020204" pitchFamily="34" charset="0"/>
-              </a:endParaRPr>
+              <a:r>
+                <a:rPr lang="de-DE" sz="2000" dirty="0">
+                  <a:solidFill>
+                    <a:schemeClr val="tx1"/>
+                  </a:solidFill>
+                  <a:latin typeface="Arial" panose="020B0604020202020204" pitchFamily="34" charset="0"/>
+                  <a:cs typeface="Arial" panose="020B0604020202020204" pitchFamily="34" charset="0"/>
+                </a:rPr>
+                <a:t>: </a:t>
+              </a:r>
+              <a:r>
+                <a:rPr lang="de-DE" sz="2000" dirty="0" err="1">
+                  <a:solidFill>
+                    <a:schemeClr val="tx1"/>
+                  </a:solidFill>
+                  <a:latin typeface="Arial" panose="020B0604020202020204" pitchFamily="34" charset="0"/>
+                  <a:cs typeface="Arial" panose="020B0604020202020204" pitchFamily="34" charset="0"/>
+                </a:rPr>
+                <a:t>Menü_Eintrag</a:t>
+              </a:r>
+              <a:r>
+                <a:rPr lang="de-DE" sz="2000" dirty="0">
+                  <a:solidFill>
+                    <a:schemeClr val="tx1"/>
+                  </a:solidFill>
+                  <a:latin typeface="Arial" panose="020B0604020202020204" pitchFamily="34" charset="0"/>
+                  <a:cs typeface="Arial" panose="020B0604020202020204" pitchFamily="34" charset="0"/>
+                </a:rPr>
+                <a:t> []</a:t>
+              </a:r>
             </a:p>
             <a:p>
               <a:r>
@@ -4930,13 +4995,36 @@
                 </a:rPr>
                 <a:t>Send_Menü</a:t>
               </a:r>
-              <a:endParaRPr lang="de-DE" sz="2000" dirty="0">
-                <a:solidFill>
-                  <a:schemeClr val="tx1"/>
-                </a:solidFill>
-                <a:latin typeface="Arial" panose="020B0604020202020204" pitchFamily="34" charset="0"/>
-                <a:cs typeface="Arial" panose="020B0604020202020204" pitchFamily="34" charset="0"/>
-              </a:endParaRPr>
+              <a:r>
+                <a:rPr lang="de-DE" sz="2000" dirty="0">
+                  <a:solidFill>
+                    <a:schemeClr val="tx1"/>
+                  </a:solidFill>
+                  <a:latin typeface="Arial" panose="020B0604020202020204" pitchFamily="34" charset="0"/>
+                  <a:cs typeface="Arial" panose="020B0604020202020204" pitchFamily="34" charset="0"/>
+                </a:rPr>
+                <a:t>: </a:t>
+              </a:r>
+              <a:r>
+                <a:rPr lang="de-DE" sz="2000" dirty="0" err="1">
+                  <a:solidFill>
+                    <a:schemeClr val="tx1"/>
+                  </a:solidFill>
+                  <a:latin typeface="Arial" panose="020B0604020202020204" pitchFamily="34" charset="0"/>
+                  <a:cs typeface="Arial" panose="020B0604020202020204" pitchFamily="34" charset="0"/>
+                </a:rPr>
+                <a:t>Menü_Eintrag</a:t>
+              </a:r>
+              <a:r>
+                <a:rPr lang="de-DE" sz="2000" dirty="0">
+                  <a:solidFill>
+                    <a:schemeClr val="tx1"/>
+                  </a:solidFill>
+                  <a:latin typeface="Arial" panose="020B0604020202020204" pitchFamily="34" charset="0"/>
+                  <a:cs typeface="Arial" panose="020B0604020202020204" pitchFamily="34" charset="0"/>
+                </a:rPr>
+                <a:t> []</a:t>
+              </a:r>
             </a:p>
             <a:p>
               <a:r>
@@ -4949,13 +5037,36 @@
                 </a:rPr>
                 <a:t>Receive_Menü</a:t>
               </a:r>
-              <a:endParaRPr lang="de-DE" sz="2000" dirty="0">
-                <a:solidFill>
-                  <a:schemeClr val="tx1"/>
-                </a:solidFill>
-                <a:latin typeface="Arial" panose="020B0604020202020204" pitchFamily="34" charset="0"/>
-                <a:cs typeface="Arial" panose="020B0604020202020204" pitchFamily="34" charset="0"/>
-              </a:endParaRPr>
+              <a:r>
+                <a:rPr lang="de-DE" sz="2000" dirty="0">
+                  <a:solidFill>
+                    <a:schemeClr val="tx1"/>
+                  </a:solidFill>
+                  <a:latin typeface="Arial" panose="020B0604020202020204" pitchFamily="34" charset="0"/>
+                  <a:cs typeface="Arial" panose="020B0604020202020204" pitchFamily="34" charset="0"/>
+                </a:rPr>
+                <a:t>: </a:t>
+              </a:r>
+              <a:r>
+                <a:rPr lang="de-DE" sz="2000" dirty="0" err="1">
+                  <a:solidFill>
+                    <a:schemeClr val="tx1"/>
+                  </a:solidFill>
+                  <a:latin typeface="Arial" panose="020B0604020202020204" pitchFamily="34" charset="0"/>
+                  <a:cs typeface="Arial" panose="020B0604020202020204" pitchFamily="34" charset="0"/>
+                </a:rPr>
+                <a:t>Menü_Eintrag</a:t>
+              </a:r>
+              <a:r>
+                <a:rPr lang="de-DE" sz="2000" dirty="0">
+                  <a:solidFill>
+                    <a:schemeClr val="tx1"/>
+                  </a:solidFill>
+                  <a:latin typeface="Arial" panose="020B0604020202020204" pitchFamily="34" charset="0"/>
+                  <a:cs typeface="Arial" panose="020B0604020202020204" pitchFamily="34" charset="0"/>
+                </a:rPr>
+                <a:t> []</a:t>
+              </a:r>
             </a:p>
             <a:p>
               <a:r>
@@ -4968,13 +5079,36 @@
                 </a:rPr>
                 <a:t>Greetings_Menü</a:t>
               </a:r>
-              <a:endParaRPr lang="de-DE" sz="2000" dirty="0">
-                <a:solidFill>
-                  <a:schemeClr val="tx1"/>
-                </a:solidFill>
-                <a:latin typeface="Arial" panose="020B0604020202020204" pitchFamily="34" charset="0"/>
-                <a:cs typeface="Arial" panose="020B0604020202020204" pitchFamily="34" charset="0"/>
-              </a:endParaRPr>
+              <a:r>
+                <a:rPr lang="de-DE" sz="2000" dirty="0">
+                  <a:solidFill>
+                    <a:schemeClr val="tx1"/>
+                  </a:solidFill>
+                  <a:latin typeface="Arial" panose="020B0604020202020204" pitchFamily="34" charset="0"/>
+                  <a:cs typeface="Arial" panose="020B0604020202020204" pitchFamily="34" charset="0"/>
+                </a:rPr>
+                <a:t>: </a:t>
+              </a:r>
+              <a:r>
+                <a:rPr lang="de-DE" sz="2000" dirty="0" err="1">
+                  <a:solidFill>
+                    <a:schemeClr val="tx1"/>
+                  </a:solidFill>
+                  <a:latin typeface="Arial" panose="020B0604020202020204" pitchFamily="34" charset="0"/>
+                  <a:cs typeface="Arial" panose="020B0604020202020204" pitchFamily="34" charset="0"/>
+                </a:rPr>
+                <a:t>Menü_Eintrag</a:t>
+              </a:r>
+              <a:r>
+                <a:rPr lang="de-DE" sz="2000" dirty="0">
+                  <a:solidFill>
+                    <a:schemeClr val="tx1"/>
+                  </a:solidFill>
+                  <a:latin typeface="Arial" panose="020B0604020202020204" pitchFamily="34" charset="0"/>
+                  <a:cs typeface="Arial" panose="020B0604020202020204" pitchFamily="34" charset="0"/>
+                </a:rPr>
+                <a:t> []</a:t>
+              </a:r>
             </a:p>
           </p:txBody>
         </p:sp>
@@ -4993,10 +5127,10 @@
         </p:nvGrpSpPr>
         <p:grpSpPr>
           <a:xfrm>
-            <a:off x="6753865" y="5698254"/>
-            <a:ext cx="1800327" cy="890619"/>
+            <a:off x="228690" y="3009688"/>
+            <a:ext cx="1800327" cy="888238"/>
             <a:chOff x="7788005" y="215404"/>
-            <a:chExt cx="1381395" cy="890619"/>
+            <a:chExt cx="1381395" cy="888238"/>
           </a:xfrm>
         </p:grpSpPr>
         <p:sp>
@@ -5131,7 +5265,7 @@
           </p:nvSpPr>
           <p:spPr>
             <a:xfrm>
-              <a:off x="7788005" y="681083"/>
+              <a:off x="7788005" y="678702"/>
               <a:ext cx="1381395" cy="424940"/>
             </a:xfrm>
             <a:prstGeom prst="rect">
@@ -5178,53 +5312,6 @@
           </p:txBody>
         </p:sp>
       </p:grpSp>
-      <p:cxnSp>
-        <p:nvCxnSpPr>
-          <p:cNvPr id="40" name="Gerade Verbindung mit Pfeil 39">
-            <a:extLst>
-              <a:ext uri="{FF2B5EF4-FFF2-40B4-BE49-F238E27FC236}">
-                <a16:creationId xmlns:a16="http://schemas.microsoft.com/office/drawing/2014/main" id="{15C2988C-0A79-A84B-5F96-5510224D3DF9}"/>
-              </a:ext>
-            </a:extLst>
-          </p:cNvPr>
-          <p:cNvCxnSpPr>
-            <a:cxnSpLocks/>
-          </p:cNvCxnSpPr>
-          <p:nvPr/>
-        </p:nvCxnSpPr>
-        <p:spPr>
-          <a:xfrm>
-            <a:off x="2895959" y="797249"/>
-            <a:ext cx="854847" cy="0"/>
-          </a:xfrm>
-          <a:prstGeom prst="straightConnector1">
-            <a:avLst/>
-          </a:prstGeom>
-          <a:ln w="19050" cap="flat" cmpd="sng" algn="ctr">
-            <a:solidFill>
-              <a:schemeClr val="dk1"/>
-            </a:solidFill>
-            <a:prstDash val="solid"/>
-            <a:round/>
-            <a:headEnd type="none" w="med" len="med"/>
-            <a:tailEnd type="arrow" w="med" len="lg"/>
-          </a:ln>
-        </p:spPr>
-        <p:style>
-          <a:lnRef idx="0">
-            <a:scrgbClr r="0" g="0" b="0"/>
-          </a:lnRef>
-          <a:fillRef idx="0">
-            <a:scrgbClr r="0" g="0" b="0"/>
-          </a:fillRef>
-          <a:effectRef idx="0">
-            <a:scrgbClr r="0" g="0" b="0"/>
-          </a:effectRef>
-          <a:fontRef idx="minor">
-            <a:schemeClr val="tx1"/>
-          </a:fontRef>
-        </p:style>
-      </p:cxnSp>
       <p:sp>
         <p:nvSpPr>
           <p:cNvPr id="47" name="Gleichschenkliges Dreieck 46">
@@ -5277,65 +5364,6 @@
       </p:sp>
       <p:sp>
         <p:nvSpPr>
-          <p:cNvPr id="48" name="Gleichschenkliges Dreieck 47">
-            <a:extLst>
-              <a:ext uri="{FF2B5EF4-FFF2-40B4-BE49-F238E27FC236}">
-                <a16:creationId xmlns:a16="http://schemas.microsoft.com/office/drawing/2014/main" id="{D199B4D6-5712-4E16-B61B-EF0E6569AE75}"/>
-              </a:ext>
-            </a:extLst>
-          </p:cNvPr>
-          <p:cNvSpPr/>
-          <p:nvPr/>
-        </p:nvSpPr>
-        <p:spPr>
-          <a:xfrm>
-            <a:off x="3023202" y="16030"/>
-            <a:ext cx="371475" cy="312498"/>
-          </a:xfrm>
-          <a:prstGeom prst="triangle">
-            <a:avLst/>
-          </a:prstGeom>
-          <a:solidFill>
-            <a:schemeClr val="tx2">
-              <a:lumMod val="75000"/>
-              <a:lumOff val="25000"/>
-            </a:schemeClr>
-          </a:solidFill>
-          <a:ln>
-            <a:noFill/>
-          </a:ln>
-        </p:spPr>
-        <p:style>
-          <a:lnRef idx="2">
-            <a:schemeClr val="accent1">
-              <a:shade val="15000"/>
-            </a:schemeClr>
-          </a:lnRef>
-          <a:fillRef idx="1">
-            <a:schemeClr val="accent1"/>
-          </a:fillRef>
-          <a:effectRef idx="0">
-            <a:schemeClr val="accent1"/>
-          </a:effectRef>
-          <a:fontRef idx="minor">
-            <a:schemeClr val="lt1"/>
-          </a:fontRef>
-        </p:style>
-        <p:txBody>
-          <a:bodyPr rtlCol="0" anchor="ctr"/>
-          <a:lstStyle/>
-          <a:p>
-            <a:pPr algn="ctr"/>
-            <a:endParaRPr lang="de-DE">
-              <a:solidFill>
-                <a:srgbClr val="FF0000"/>
-              </a:solidFill>
-            </a:endParaRPr>
-          </a:p>
-        </p:txBody>
-      </p:sp>
-      <p:sp>
-        <p:nvSpPr>
           <p:cNvPr id="49" name="Gleichschenkliges Dreieck 48">
             <a:extLst>
               <a:ext uri="{FF2B5EF4-FFF2-40B4-BE49-F238E27FC236}">
@@ -5434,118 +5462,128 @@
           </a:p>
         </p:txBody>
       </p:sp>
+      <p:sp>
+        <p:nvSpPr>
+          <p:cNvPr id="37" name="Gleichschenkliges Dreieck 36">
+            <a:extLst>
+              <a:ext uri="{FF2B5EF4-FFF2-40B4-BE49-F238E27FC236}">
+                <a16:creationId xmlns:a16="http://schemas.microsoft.com/office/drawing/2014/main" id="{2DD60FC1-CC86-E205-44D9-E6EEE0B6B1F3}"/>
+              </a:ext>
+            </a:extLst>
+          </p:cNvPr>
+          <p:cNvSpPr/>
+          <p:nvPr/>
+        </p:nvSpPr>
+        <p:spPr>
+          <a:xfrm>
+            <a:off x="10411932" y="69022"/>
+            <a:ext cx="371475" cy="312498"/>
+          </a:xfrm>
+          <a:prstGeom prst="triangle">
+            <a:avLst/>
+          </a:prstGeom>
+          <a:noFill/>
+          <a:ln>
+            <a:noFill/>
+          </a:ln>
+        </p:spPr>
+        <p:style>
+          <a:lnRef idx="2">
+            <a:schemeClr val="accent1">
+              <a:shade val="15000"/>
+            </a:schemeClr>
+          </a:lnRef>
+          <a:fillRef idx="1">
+            <a:schemeClr val="accent1"/>
+          </a:fillRef>
+          <a:effectRef idx="0">
+            <a:schemeClr val="accent1"/>
+          </a:effectRef>
+          <a:fontRef idx="minor">
+            <a:schemeClr val="lt1"/>
+          </a:fontRef>
+        </p:style>
+        <p:txBody>
+          <a:bodyPr rtlCol="0" anchor="ctr"/>
+          <a:lstStyle/>
+          <a:p>
+            <a:pPr algn="ctr"/>
+            <a:endParaRPr lang="de-DE"/>
+          </a:p>
+        </p:txBody>
+      </p:sp>
+      <p:sp>
+        <p:nvSpPr>
+          <p:cNvPr id="45" name="Raute 44">
+            <a:extLst>
+              <a:ext uri="{FF2B5EF4-FFF2-40B4-BE49-F238E27FC236}">
+                <a16:creationId xmlns:a16="http://schemas.microsoft.com/office/drawing/2014/main" id="{486D54D7-1EB5-8537-039D-58312142C10C}"/>
+              </a:ext>
+            </a:extLst>
+          </p:cNvPr>
+          <p:cNvSpPr/>
+          <p:nvPr/>
+        </p:nvSpPr>
+        <p:spPr>
+          <a:xfrm rot="21114116">
+            <a:off x="5973884" y="756887"/>
+            <a:ext cx="274995" cy="111210"/>
+          </a:xfrm>
+          <a:prstGeom prst="diamond">
+            <a:avLst/>
+          </a:prstGeom>
+          <a:noFill/>
+          <a:ln>
+            <a:solidFill>
+              <a:schemeClr val="tx1"/>
+            </a:solidFill>
+          </a:ln>
+        </p:spPr>
+        <p:style>
+          <a:lnRef idx="2">
+            <a:schemeClr val="accent1">
+              <a:shade val="15000"/>
+            </a:schemeClr>
+          </a:lnRef>
+          <a:fillRef idx="1">
+            <a:schemeClr val="accent1"/>
+          </a:fillRef>
+          <a:effectRef idx="0">
+            <a:schemeClr val="accent1"/>
+          </a:effectRef>
+          <a:fontRef idx="minor">
+            <a:schemeClr val="lt1"/>
+          </a:fontRef>
+        </p:style>
+        <p:txBody>
+          <a:bodyPr rtlCol="0" anchor="ctr"/>
+          <a:lstStyle/>
+          <a:p>
+            <a:pPr algn="ctr"/>
+            <a:endParaRPr lang="de-DE"/>
+          </a:p>
+        </p:txBody>
+      </p:sp>
       <p:cxnSp>
         <p:nvCxnSpPr>
-          <p:cNvPr id="55" name="Gerade Verbindung mit Pfeil 54">
-            <a:extLst>
-              <a:ext uri="{FF2B5EF4-FFF2-40B4-BE49-F238E27FC236}">
-                <a16:creationId xmlns:a16="http://schemas.microsoft.com/office/drawing/2014/main" id="{BFBF4CCD-BEDD-6285-AC5D-D1582235E09F}"/>
+          <p:cNvPr id="46" name="Gerade Verbindung mit Pfeil 45">
+            <a:extLst>
+              <a:ext uri="{FF2B5EF4-FFF2-40B4-BE49-F238E27FC236}">
+                <a16:creationId xmlns:a16="http://schemas.microsoft.com/office/drawing/2014/main" id="{01D303AD-CF92-9C9E-67E6-364B107DB3EC}"/>
               </a:ext>
             </a:extLst>
           </p:cNvPr>
           <p:cNvCxnSpPr>
             <a:cxnSpLocks/>
+            <a:stCxn id="5" idx="3"/>
+            <a:endCxn id="45" idx="1"/>
           </p:cNvCxnSpPr>
           <p:nvPr/>
         </p:nvCxnSpPr>
         <p:spPr>
           <a:xfrm flipV="1">
-            <a:off x="2895959" y="1042750"/>
-            <a:ext cx="854847" cy="4886"/>
-          </a:xfrm>
-          <a:prstGeom prst="straightConnector1">
-            <a:avLst/>
-          </a:prstGeom>
-          <a:ln w="19050" cap="flat" cmpd="sng" algn="ctr">
-            <a:solidFill>
-              <a:schemeClr val="dk1"/>
-            </a:solidFill>
-            <a:prstDash val="dash"/>
-            <a:round/>
-            <a:headEnd type="none" w="med" len="med"/>
-            <a:tailEnd type="none" w="med" len="lg"/>
-          </a:ln>
-        </p:spPr>
-        <p:style>
-          <a:lnRef idx="0">
-            <a:scrgbClr r="0" g="0" b="0"/>
-          </a:lnRef>
-          <a:fillRef idx="0">
-            <a:scrgbClr r="0" g="0" b="0"/>
-          </a:fillRef>
-          <a:effectRef idx="0">
-            <a:scrgbClr r="0" g="0" b="0"/>
-          </a:effectRef>
-          <a:fontRef idx="minor">
-            <a:schemeClr val="tx1"/>
-          </a:fontRef>
-        </p:style>
-      </p:cxnSp>
-      <p:cxnSp>
-        <p:nvCxnSpPr>
-          <p:cNvPr id="62" name="Gerade Verbindung mit Pfeil 61">
-            <a:extLst>
-              <a:ext uri="{FF2B5EF4-FFF2-40B4-BE49-F238E27FC236}">
-                <a16:creationId xmlns:a16="http://schemas.microsoft.com/office/drawing/2014/main" id="{753E9498-F000-8BC7-81FF-6E15368A1DE7}"/>
-              </a:ext>
-            </a:extLst>
-          </p:cNvPr>
-          <p:cNvCxnSpPr>
-            <a:cxnSpLocks/>
-          </p:cNvCxnSpPr>
-          <p:nvPr/>
-        </p:nvCxnSpPr>
-        <p:spPr>
-          <a:xfrm>
-            <a:off x="2895959" y="1293136"/>
-            <a:ext cx="956146" cy="0"/>
-          </a:xfrm>
-          <a:prstGeom prst="straightConnector1">
-            <a:avLst/>
-          </a:prstGeom>
-          <a:ln w="19050" cap="flat" cmpd="sng" algn="ctr">
-            <a:solidFill>
-              <a:schemeClr val="dk1"/>
-            </a:solidFill>
-            <a:prstDash val="dash"/>
-            <a:round/>
-            <a:headEnd type="none" w="med" len="med"/>
-            <a:tailEnd type="arrow" w="med" len="lg"/>
-          </a:ln>
-        </p:spPr>
-        <p:style>
-          <a:lnRef idx="0">
-            <a:scrgbClr r="0" g="0" b="0"/>
-          </a:lnRef>
-          <a:fillRef idx="0">
-            <a:scrgbClr r="0" g="0" b="0"/>
-          </a:fillRef>
-          <a:effectRef idx="0">
-            <a:scrgbClr r="0" g="0" b="0"/>
-          </a:effectRef>
-          <a:fontRef idx="minor">
-            <a:schemeClr val="tx1"/>
-          </a:fontRef>
-        </p:style>
-      </p:cxnSp>
-      <p:cxnSp>
-        <p:nvCxnSpPr>
-          <p:cNvPr id="32" name="Gerade Verbindung mit Pfeil 31">
-            <a:extLst>
-              <a:ext uri="{FF2B5EF4-FFF2-40B4-BE49-F238E27FC236}">
-                <a16:creationId xmlns:a16="http://schemas.microsoft.com/office/drawing/2014/main" id="{E2EC257F-D783-562D-EAF9-172B3982A0DD}"/>
-              </a:ext>
-            </a:extLst>
-          </p:cNvPr>
-          <p:cNvCxnSpPr>
-            <a:cxnSpLocks/>
-          </p:cNvCxnSpPr>
-          <p:nvPr/>
-        </p:nvCxnSpPr>
-        <p:spPr>
-          <a:xfrm>
-            <a:off x="2895959" y="574028"/>
-            <a:ext cx="854847" cy="0"/>
+            <a:off x="2161509" y="831861"/>
+            <a:ext cx="3813746" cy="420194"/>
           </a:xfrm>
           <a:prstGeom prst="straightConnector1">
             <a:avLst/>
@@ -5577,10 +5615,10 @@
       </p:cxnSp>
       <p:sp>
         <p:nvSpPr>
-          <p:cNvPr id="37" name="Gleichschenkliges Dreieck 36">
-            <a:extLst>
-              <a:ext uri="{FF2B5EF4-FFF2-40B4-BE49-F238E27FC236}">
-                <a16:creationId xmlns:a16="http://schemas.microsoft.com/office/drawing/2014/main" id="{2DD60FC1-CC86-E205-44D9-E6EEE0B6B1F3}"/>
+          <p:cNvPr id="54" name="Raute 53">
+            <a:extLst>
+              <a:ext uri="{FF2B5EF4-FFF2-40B4-BE49-F238E27FC236}">
+                <a16:creationId xmlns:a16="http://schemas.microsoft.com/office/drawing/2014/main" id="{36B491E9-114F-282A-2515-0E2273AE345B}"/>
               </a:ext>
             </a:extLst>
           </p:cNvPr>
@@ -5588,16 +5626,18 @@
           <p:nvPr/>
         </p:nvSpPr>
         <p:spPr>
-          <a:xfrm>
-            <a:off x="10411932" y="69022"/>
-            <a:ext cx="371475" cy="312498"/>
-          </a:xfrm>
-          <a:prstGeom prst="triangle">
+          <a:xfrm rot="19770736">
+            <a:off x="6012109" y="900578"/>
+            <a:ext cx="274995" cy="111210"/>
+          </a:xfrm>
+          <a:prstGeom prst="diamond">
             <a:avLst/>
           </a:prstGeom>
           <a:noFill/>
           <a:ln>
-            <a:noFill/>
+            <a:solidFill>
+              <a:schemeClr val="tx1"/>
+            </a:solidFill>
           </a:ln>
         </p:spPr>
         <p:style>
@@ -5625,24 +5665,73 @@
           </a:p>
         </p:txBody>
       </p:sp>
-      <p:sp>
-        <p:nvSpPr>
-          <p:cNvPr id="63" name="Textfeld 62">
-            <a:extLst>
-              <a:ext uri="{FF2B5EF4-FFF2-40B4-BE49-F238E27FC236}">
-                <a16:creationId xmlns:a16="http://schemas.microsoft.com/office/drawing/2014/main" id="{CABD2C3C-16FC-FF1F-F36D-45F28F95D89F}"/>
-              </a:ext>
-            </a:extLst>
-          </p:cNvPr>
-          <p:cNvSpPr txBox="1"/>
+      <p:cxnSp>
+        <p:nvCxnSpPr>
+          <p:cNvPr id="56" name="Gerade Verbindung mit Pfeil 55">
+            <a:extLst>
+              <a:ext uri="{FF2B5EF4-FFF2-40B4-BE49-F238E27FC236}">
+                <a16:creationId xmlns:a16="http://schemas.microsoft.com/office/drawing/2014/main" id="{CB3BB993-7ED9-5989-1990-19D5D1F31BE2}"/>
+              </a:ext>
+            </a:extLst>
+          </p:cNvPr>
+          <p:cNvCxnSpPr>
+            <a:cxnSpLocks/>
+            <a:stCxn id="3" idx="3"/>
+            <a:endCxn id="54" idx="1"/>
+          </p:cNvCxnSpPr>
           <p:nvPr/>
-        </p:nvSpPr>
+        </p:nvCxnSpPr>
         <p:spPr>
-          <a:xfrm>
-            <a:off x="984415" y="981281"/>
-            <a:ext cx="1737003" cy="369332"/>
-          </a:xfrm>
-          <a:prstGeom prst="rect">
+          <a:xfrm flipV="1">
+            <a:off x="2029017" y="1025943"/>
+            <a:ext cx="4002103" cy="2139994"/>
+          </a:xfrm>
+          <a:prstGeom prst="straightConnector1">
+            <a:avLst/>
+          </a:prstGeom>
+          <a:ln w="19050" cap="flat" cmpd="sng" algn="ctr">
+            <a:solidFill>
+              <a:schemeClr val="dk1"/>
+            </a:solidFill>
+            <a:prstDash val="solid"/>
+            <a:round/>
+            <a:headEnd type="none" w="med" len="med"/>
+            <a:tailEnd type="none" w="med" len="lg"/>
+          </a:ln>
+        </p:spPr>
+        <p:style>
+          <a:lnRef idx="0">
+            <a:scrgbClr r="0" g="0" b="0"/>
+          </a:lnRef>
+          <a:fillRef idx="0">
+            <a:scrgbClr r="0" g="0" b="0"/>
+          </a:fillRef>
+          <a:effectRef idx="0">
+            <a:scrgbClr r="0" g="0" b="0"/>
+          </a:effectRef>
+          <a:fontRef idx="minor">
+            <a:schemeClr val="tx1"/>
+          </a:fontRef>
+        </p:style>
+      </p:cxnSp>
+      <p:sp>
+        <p:nvSpPr>
+          <p:cNvPr id="57" name="Raute 56">
+            <a:extLst>
+              <a:ext uri="{FF2B5EF4-FFF2-40B4-BE49-F238E27FC236}">
+                <a16:creationId xmlns:a16="http://schemas.microsoft.com/office/drawing/2014/main" id="{D4DE955F-7598-4825-F9F5-E7E0DF73AAD8}"/>
+              </a:ext>
+            </a:extLst>
+          </p:cNvPr>
+          <p:cNvSpPr/>
+          <p:nvPr/>
+        </p:nvSpPr>
+        <p:spPr>
+          <a:xfrm rot="19065828">
+            <a:off x="6015707" y="1065405"/>
+            <a:ext cx="274995" cy="111210"/>
+          </a:xfrm>
+          <a:prstGeom prst="diamond">
             <a:avLst/>
           </a:prstGeom>
           <a:noFill/>
@@ -5652,16 +5741,423 @@
             </a:solidFill>
           </a:ln>
         </p:spPr>
-        <p:txBody>
-          <a:bodyPr wrap="square" rtlCol="0">
-            <a:spAutoFit/>
-          </a:bodyPr>
+        <p:style>
+          <a:lnRef idx="2">
+            <a:schemeClr val="accent1">
+              <a:shade val="15000"/>
+            </a:schemeClr>
+          </a:lnRef>
+          <a:fillRef idx="1">
+            <a:schemeClr val="accent1"/>
+          </a:fillRef>
+          <a:effectRef idx="0">
+            <a:schemeClr val="accent1"/>
+          </a:effectRef>
+          <a:fontRef idx="minor">
+            <a:schemeClr val="lt1"/>
+          </a:fontRef>
+        </p:style>
+        <p:txBody>
+          <a:bodyPr rtlCol="0" anchor="ctr"/>
           <a:lstStyle/>
           <a:p>
-            <a:r>
-              <a:rPr lang="de-DE" dirty="0"/>
-              <a:t>Legende:</a:t>
-            </a:r>
+            <a:pPr algn="ctr"/>
+            <a:endParaRPr lang="de-DE"/>
+          </a:p>
+        </p:txBody>
+      </p:sp>
+      <p:cxnSp>
+        <p:nvCxnSpPr>
+          <p:cNvPr id="58" name="Gerade Verbindung mit Pfeil 57">
+            <a:extLst>
+              <a:ext uri="{FF2B5EF4-FFF2-40B4-BE49-F238E27FC236}">
+                <a16:creationId xmlns:a16="http://schemas.microsoft.com/office/drawing/2014/main" id="{002C31AA-0CFF-D6F7-B0E3-0CEFA2D3F0DF}"/>
+              </a:ext>
+            </a:extLst>
+          </p:cNvPr>
+          <p:cNvCxnSpPr>
+            <a:cxnSpLocks/>
+            <a:stCxn id="4" idx="3"/>
+            <a:endCxn id="57" idx="1"/>
+          </p:cNvCxnSpPr>
+          <p:nvPr/>
+        </p:nvCxnSpPr>
+        <p:spPr>
+          <a:xfrm flipV="1">
+            <a:off x="2614752" y="1213434"/>
+            <a:ext cx="3436652" cy="3248280"/>
+          </a:xfrm>
+          <a:prstGeom prst="straightConnector1">
+            <a:avLst/>
+          </a:prstGeom>
+          <a:ln w="19050" cap="flat" cmpd="sng" algn="ctr">
+            <a:solidFill>
+              <a:schemeClr val="dk1"/>
+            </a:solidFill>
+            <a:prstDash val="solid"/>
+            <a:round/>
+            <a:headEnd type="none" w="med" len="med"/>
+            <a:tailEnd type="none" w="med" len="lg"/>
+          </a:ln>
+        </p:spPr>
+        <p:style>
+          <a:lnRef idx="0">
+            <a:scrgbClr r="0" g="0" b="0"/>
+          </a:lnRef>
+          <a:fillRef idx="0">
+            <a:scrgbClr r="0" g="0" b="0"/>
+          </a:fillRef>
+          <a:effectRef idx="0">
+            <a:scrgbClr r="0" g="0" b="0"/>
+          </a:effectRef>
+          <a:fontRef idx="minor">
+            <a:schemeClr val="tx1"/>
+          </a:fontRef>
+        </p:style>
+      </p:cxnSp>
+      <p:cxnSp>
+        <p:nvCxnSpPr>
+          <p:cNvPr id="71" name="Gerade Verbindung mit Pfeil 70">
+            <a:extLst>
+              <a:ext uri="{FF2B5EF4-FFF2-40B4-BE49-F238E27FC236}">
+                <a16:creationId xmlns:a16="http://schemas.microsoft.com/office/drawing/2014/main" id="{41FAD59C-9CA3-5AFE-163E-16CA152AED88}"/>
+              </a:ext>
+            </a:extLst>
+          </p:cNvPr>
+          <p:cNvCxnSpPr>
+            <a:cxnSpLocks/>
+            <a:stCxn id="12" idx="3"/>
+            <a:endCxn id="2" idx="1"/>
+          </p:cNvCxnSpPr>
+          <p:nvPr/>
+        </p:nvCxnSpPr>
+        <p:spPr>
+          <a:xfrm>
+            <a:off x="2161509" y="1686912"/>
+            <a:ext cx="1775035" cy="2651730"/>
+          </a:xfrm>
+          <a:prstGeom prst="straightConnector1">
+            <a:avLst/>
+          </a:prstGeom>
+          <a:ln w="19050" cap="flat" cmpd="sng" algn="ctr">
+            <a:solidFill>
+              <a:schemeClr val="dk1"/>
+            </a:solidFill>
+            <a:prstDash val="solid"/>
+            <a:round/>
+            <a:headEnd type="none" w="med" len="med"/>
+            <a:tailEnd type="none" w="med" len="lg"/>
+          </a:ln>
+        </p:spPr>
+        <p:style>
+          <a:lnRef idx="0">
+            <a:scrgbClr r="0" g="0" b="0"/>
+          </a:lnRef>
+          <a:fillRef idx="0">
+            <a:scrgbClr r="0" g="0" b="0"/>
+          </a:fillRef>
+          <a:effectRef idx="0">
+            <a:scrgbClr r="0" g="0" b="0"/>
+          </a:effectRef>
+          <a:fontRef idx="minor">
+            <a:schemeClr val="tx1"/>
+          </a:fontRef>
+        </p:style>
+      </p:cxnSp>
+      <p:cxnSp>
+        <p:nvCxnSpPr>
+          <p:cNvPr id="74" name="Gerade Verbindung mit Pfeil 73">
+            <a:extLst>
+              <a:ext uri="{FF2B5EF4-FFF2-40B4-BE49-F238E27FC236}">
+                <a16:creationId xmlns:a16="http://schemas.microsoft.com/office/drawing/2014/main" id="{36A67BDC-126C-2122-CB1A-9BD5FA7D0023}"/>
+              </a:ext>
+            </a:extLst>
+          </p:cNvPr>
+          <p:cNvCxnSpPr>
+            <a:cxnSpLocks/>
+            <a:stCxn id="2" idx="1"/>
+            <a:endCxn id="18" idx="3"/>
+          </p:cNvCxnSpPr>
+          <p:nvPr/>
+        </p:nvCxnSpPr>
+        <p:spPr>
+          <a:xfrm flipH="1" flipV="1">
+            <a:off x="2029017" y="3398018"/>
+            <a:ext cx="1907527" cy="940624"/>
+          </a:xfrm>
+          <a:prstGeom prst="straightConnector1">
+            <a:avLst/>
+          </a:prstGeom>
+          <a:ln w="19050" cap="flat" cmpd="sng" algn="ctr">
+            <a:solidFill>
+              <a:schemeClr val="dk1"/>
+            </a:solidFill>
+            <a:prstDash val="solid"/>
+            <a:round/>
+            <a:headEnd type="none" w="med" len="med"/>
+            <a:tailEnd type="none" w="med" len="lg"/>
+          </a:ln>
+        </p:spPr>
+        <p:style>
+          <a:lnRef idx="0">
+            <a:scrgbClr r="0" g="0" b="0"/>
+          </a:lnRef>
+          <a:fillRef idx="0">
+            <a:scrgbClr r="0" g="0" b="0"/>
+          </a:fillRef>
+          <a:effectRef idx="0">
+            <a:scrgbClr r="0" g="0" b="0"/>
+          </a:effectRef>
+          <a:fontRef idx="minor">
+            <a:schemeClr val="tx1"/>
+          </a:fontRef>
+        </p:style>
+      </p:cxnSp>
+      <p:cxnSp>
+        <p:nvCxnSpPr>
+          <p:cNvPr id="77" name="Gerade Verbindung mit Pfeil 76">
+            <a:extLst>
+              <a:ext uri="{FF2B5EF4-FFF2-40B4-BE49-F238E27FC236}">
+                <a16:creationId xmlns:a16="http://schemas.microsoft.com/office/drawing/2014/main" id="{B0D52FFB-6EF7-4126-2D74-B42E7F85B5B2}"/>
+              </a:ext>
+            </a:extLst>
+          </p:cNvPr>
+          <p:cNvCxnSpPr>
+            <a:cxnSpLocks/>
+            <a:stCxn id="2" idx="1"/>
+            <a:endCxn id="8" idx="3"/>
+          </p:cNvCxnSpPr>
+          <p:nvPr/>
+        </p:nvCxnSpPr>
+        <p:spPr>
+          <a:xfrm flipH="1">
+            <a:off x="2614752" y="4338642"/>
+            <a:ext cx="1321792" cy="349683"/>
+          </a:xfrm>
+          <a:prstGeom prst="straightConnector1">
+            <a:avLst/>
+          </a:prstGeom>
+          <a:ln w="19050" cap="flat" cmpd="sng" algn="ctr">
+            <a:solidFill>
+              <a:schemeClr val="dk1"/>
+            </a:solidFill>
+            <a:prstDash val="solid"/>
+            <a:round/>
+            <a:headEnd type="none" w="med" len="med"/>
+            <a:tailEnd type="none" w="med" len="lg"/>
+          </a:ln>
+        </p:spPr>
+        <p:style>
+          <a:lnRef idx="0">
+            <a:scrgbClr r="0" g="0" b="0"/>
+          </a:lnRef>
+          <a:fillRef idx="0">
+            <a:scrgbClr r="0" g="0" b="0"/>
+          </a:fillRef>
+          <a:effectRef idx="0">
+            <a:scrgbClr r="0" g="0" b="0"/>
+          </a:effectRef>
+          <a:fontRef idx="minor">
+            <a:schemeClr val="tx1"/>
+          </a:fontRef>
+        </p:style>
+      </p:cxnSp>
+      <p:cxnSp>
+        <p:nvCxnSpPr>
+          <p:cNvPr id="80" name="Gerade Verbindung mit Pfeil 79">
+            <a:extLst>
+              <a:ext uri="{FF2B5EF4-FFF2-40B4-BE49-F238E27FC236}">
+                <a16:creationId xmlns:a16="http://schemas.microsoft.com/office/drawing/2014/main" id="{0602FAB8-0045-E296-A6FA-14142A0293DA}"/>
+              </a:ext>
+            </a:extLst>
+          </p:cNvPr>
+          <p:cNvCxnSpPr>
+            <a:cxnSpLocks/>
+            <a:stCxn id="15" idx="1"/>
+            <a:endCxn id="2" idx="0"/>
+          </p:cNvCxnSpPr>
+          <p:nvPr/>
+        </p:nvCxnSpPr>
+        <p:spPr>
+          <a:xfrm flipH="1">
+            <a:off x="5207918" y="1080502"/>
+            <a:ext cx="1074732" cy="3073790"/>
+          </a:xfrm>
+          <a:prstGeom prst="straightConnector1">
+            <a:avLst/>
+          </a:prstGeom>
+          <a:ln w="19050" cap="flat" cmpd="sng" algn="ctr">
+            <a:solidFill>
+              <a:schemeClr val="dk1"/>
+            </a:solidFill>
+            <a:prstDash val="solid"/>
+            <a:round/>
+            <a:headEnd type="none" w="med" len="med"/>
+            <a:tailEnd type="none" w="med" len="lg"/>
+          </a:ln>
+        </p:spPr>
+        <p:style>
+          <a:lnRef idx="0">
+            <a:scrgbClr r="0" g="0" b="0"/>
+          </a:lnRef>
+          <a:fillRef idx="0">
+            <a:scrgbClr r="0" g="0" b="0"/>
+          </a:fillRef>
+          <a:effectRef idx="0">
+            <a:scrgbClr r="0" g="0" b="0"/>
+          </a:effectRef>
+          <a:fontRef idx="minor">
+            <a:schemeClr val="tx1"/>
+          </a:fontRef>
+        </p:style>
+      </p:cxnSp>
+      <p:cxnSp>
+        <p:nvCxnSpPr>
+          <p:cNvPr id="83" name="Gerade Verbindung mit Pfeil 82">
+            <a:extLst>
+              <a:ext uri="{FF2B5EF4-FFF2-40B4-BE49-F238E27FC236}">
+                <a16:creationId xmlns:a16="http://schemas.microsoft.com/office/drawing/2014/main" id="{0B158D4F-CD27-A137-8247-4CB0C51F6A53}"/>
+              </a:ext>
+            </a:extLst>
+          </p:cNvPr>
+          <p:cNvCxnSpPr>
+            <a:cxnSpLocks/>
+            <a:stCxn id="6" idx="1"/>
+            <a:endCxn id="2" idx="3"/>
+          </p:cNvCxnSpPr>
+          <p:nvPr/>
+        </p:nvCxnSpPr>
+        <p:spPr>
+          <a:xfrm flipH="1">
+            <a:off x="6479291" y="4153372"/>
+            <a:ext cx="1271374" cy="185270"/>
+          </a:xfrm>
+          <a:prstGeom prst="straightConnector1">
+            <a:avLst/>
+          </a:prstGeom>
+          <a:ln w="19050" cap="flat" cmpd="sng" algn="ctr">
+            <a:solidFill>
+              <a:schemeClr val="dk1"/>
+            </a:solidFill>
+            <a:prstDash val="solid"/>
+            <a:round/>
+            <a:headEnd type="none" w="med" len="med"/>
+            <a:tailEnd type="none" w="med" len="lg"/>
+          </a:ln>
+        </p:spPr>
+        <p:style>
+          <a:lnRef idx="0">
+            <a:scrgbClr r="0" g="0" b="0"/>
+          </a:lnRef>
+          <a:fillRef idx="0">
+            <a:scrgbClr r="0" g="0" b="0"/>
+          </a:fillRef>
+          <a:effectRef idx="0">
+            <a:scrgbClr r="0" g="0" b="0"/>
+          </a:effectRef>
+          <a:fontRef idx="minor">
+            <a:schemeClr val="tx1"/>
+          </a:fontRef>
+        </p:style>
+      </p:cxnSp>
+      <p:cxnSp>
+        <p:nvCxnSpPr>
+          <p:cNvPr id="86" name="Gerade Verbindung mit Pfeil 85">
+            <a:extLst>
+              <a:ext uri="{FF2B5EF4-FFF2-40B4-BE49-F238E27FC236}">
+                <a16:creationId xmlns:a16="http://schemas.microsoft.com/office/drawing/2014/main" id="{AC7E8A4B-5455-2BD5-AE57-BA778A674663}"/>
+              </a:ext>
+            </a:extLst>
+          </p:cNvPr>
+          <p:cNvCxnSpPr>
+            <a:cxnSpLocks/>
+            <a:stCxn id="6" idx="0"/>
+            <a:endCxn id="90" idx="3"/>
+          </p:cNvCxnSpPr>
+          <p:nvPr/>
+        </p:nvCxnSpPr>
+        <p:spPr>
+          <a:xfrm flipH="1" flipV="1">
+            <a:off x="9026694" y="1151647"/>
+            <a:ext cx="768739" cy="2845476"/>
+          </a:xfrm>
+          <a:prstGeom prst="straightConnector1">
+            <a:avLst/>
+          </a:prstGeom>
+          <a:ln w="19050" cap="flat" cmpd="sng" algn="ctr">
+            <a:solidFill>
+              <a:schemeClr val="dk1"/>
+            </a:solidFill>
+            <a:prstDash val="solid"/>
+            <a:round/>
+            <a:headEnd type="none" w="med" len="med"/>
+            <a:tailEnd type="none" w="med" len="lg"/>
+          </a:ln>
+        </p:spPr>
+        <p:style>
+          <a:lnRef idx="0">
+            <a:scrgbClr r="0" g="0" b="0"/>
+          </a:lnRef>
+          <a:fillRef idx="0">
+            <a:scrgbClr r="0" g="0" b="0"/>
+          </a:fillRef>
+          <a:effectRef idx="0">
+            <a:scrgbClr r="0" g="0" b="0"/>
+          </a:effectRef>
+          <a:fontRef idx="minor">
+            <a:schemeClr val="tx1"/>
+          </a:fontRef>
+        </p:style>
+      </p:cxnSp>
+      <p:sp>
+        <p:nvSpPr>
+          <p:cNvPr id="90" name="Raute 89">
+            <a:extLst>
+              <a:ext uri="{FF2B5EF4-FFF2-40B4-BE49-F238E27FC236}">
+                <a16:creationId xmlns:a16="http://schemas.microsoft.com/office/drawing/2014/main" id="{B056E290-D111-8C2A-DA0A-15B3F0E39CC1}"/>
+              </a:ext>
+            </a:extLst>
+          </p:cNvPr>
+          <p:cNvSpPr/>
+          <p:nvPr/>
+        </p:nvSpPr>
+        <p:spPr>
+          <a:xfrm rot="3965816">
+            <a:off x="8833484" y="970337"/>
+            <a:ext cx="274995" cy="111210"/>
+          </a:xfrm>
+          <a:prstGeom prst="diamond">
+            <a:avLst/>
+          </a:prstGeom>
+          <a:noFill/>
+          <a:ln>
+            <a:solidFill>
+              <a:schemeClr val="tx1"/>
+            </a:solidFill>
+          </a:ln>
+        </p:spPr>
+        <p:style>
+          <a:lnRef idx="2">
+            <a:schemeClr val="accent1">
+              <a:shade val="15000"/>
+            </a:schemeClr>
+          </a:lnRef>
+          <a:fillRef idx="1">
+            <a:schemeClr val="accent1"/>
+          </a:fillRef>
+          <a:effectRef idx="0">
+            <a:schemeClr val="accent1"/>
+          </a:effectRef>
+          <a:fontRef idx="minor">
+            <a:schemeClr val="lt1"/>
+          </a:fontRef>
+        </p:style>
+        <p:txBody>
+          <a:bodyPr rtlCol="0" anchor="ctr"/>
+          <a:lstStyle/>
+          <a:p>
+            <a:pPr algn="ctr"/>
+            <a:endParaRPr lang="de-DE"/>
           </a:p>
         </p:txBody>
       </p:sp>
@@ -7481,7 +7977,7 @@
         </p:nvSpPr>
         <p:spPr>
           <a:xfrm>
-            <a:off x="2056827" y="3379602"/>
+            <a:off x="1294827" y="3379602"/>
             <a:ext cx="3031056" cy="413201"/>
           </a:xfrm>
           <a:prstGeom prst="roundRect">
@@ -7657,7 +8153,7 @@
                 <a:latin typeface="Arial" panose="020B0604020202020204" pitchFamily="34" charset="0"/>
                 <a:cs typeface="Arial" panose="020B0604020202020204" pitchFamily="34" charset="0"/>
               </a:rPr>
-              <a:t>Menüeintrag wechseln</a:t>
+              <a:t>Menütitel wechseln</a:t>
             </a:r>
           </a:p>
         </p:txBody>
@@ -8149,7 +8645,7 @@
         </p:nvSpPr>
         <p:spPr>
           <a:xfrm>
-            <a:off x="2060373" y="4903892"/>
+            <a:off x="1298373" y="4903892"/>
             <a:ext cx="3031056" cy="619407"/>
           </a:xfrm>
           <a:prstGeom prst="roundRect">
@@ -8858,8 +9354,8 @@
         </p:nvCxnSpPr>
         <p:spPr>
           <a:xfrm>
-            <a:off x="5087883" y="3586203"/>
-            <a:ext cx="2276064" cy="1477"/>
+            <a:off x="4325883" y="3586203"/>
+            <a:ext cx="3038064" cy="1477"/>
           </a:xfrm>
           <a:prstGeom prst="line">
             <a:avLst/>
@@ -9677,8 +10173,8 @@
         </p:nvCxnSpPr>
         <p:spPr>
           <a:xfrm>
-            <a:off x="5091429" y="5213596"/>
-            <a:ext cx="1461950" cy="1575"/>
+            <a:off x="4329429" y="5213596"/>
+            <a:ext cx="2223950" cy="1575"/>
           </a:xfrm>
           <a:prstGeom prst="line">
             <a:avLst/>
@@ -9724,7 +10220,7 @@
         </p:nvCxnSpPr>
         <p:spPr>
           <a:xfrm>
-            <a:off x="3572355" y="3792803"/>
+            <a:off x="2810355" y="3792803"/>
             <a:ext cx="3546" cy="1111089"/>
           </a:xfrm>
           <a:prstGeom prst="line">
@@ -9755,10 +10251,10 @@
       </p:cxnSp>
       <p:sp>
         <p:nvSpPr>
-          <p:cNvPr id="106" name="Gleichschenkliges Dreieck 105">
-            <a:extLst>
-              <a:ext uri="{FF2B5EF4-FFF2-40B4-BE49-F238E27FC236}">
-                <a16:creationId xmlns:a16="http://schemas.microsoft.com/office/drawing/2014/main" id="{BB51508D-910B-44E7-C8A9-D8CDC216B3CA}"/>
+          <p:cNvPr id="121" name="Gleichschenkliges Dreieck 120">
+            <a:extLst>
+              <a:ext uri="{FF2B5EF4-FFF2-40B4-BE49-F238E27FC236}">
+                <a16:creationId xmlns:a16="http://schemas.microsoft.com/office/drawing/2014/main" id="{4C7F3838-7432-E7A8-49F8-22C01FECF028}"/>
               </a:ext>
             </a:extLst>
           </p:cNvPr>
@@ -9767,7 +10263,7 @@
         </p:nvSpPr>
         <p:spPr>
           <a:xfrm>
-            <a:off x="944913" y="3164078"/>
+            <a:off x="943537" y="1142223"/>
             <a:ext cx="386648" cy="413201"/>
           </a:xfrm>
           <a:prstGeom prst="triangle">
@@ -9806,66 +10302,21 @@
           </a:p>
         </p:txBody>
       </p:sp>
-      <p:cxnSp>
-        <p:nvCxnSpPr>
-          <p:cNvPr id="115" name="Gerader Verbinder 114">
-            <a:extLst>
-              <a:ext uri="{FF2B5EF4-FFF2-40B4-BE49-F238E27FC236}">
-                <a16:creationId xmlns:a16="http://schemas.microsoft.com/office/drawing/2014/main" id="{E8EE4747-3DA0-4192-EFD9-B48EBDCBF49C}"/>
-              </a:ext>
-            </a:extLst>
-          </p:cNvPr>
-          <p:cNvCxnSpPr>
-            <a:cxnSpLocks/>
-            <a:stCxn id="106" idx="2"/>
-            <a:endCxn id="23" idx="1"/>
-          </p:cNvCxnSpPr>
+      <p:sp>
+        <p:nvSpPr>
+          <p:cNvPr id="125" name="Gleichschenkliges Dreieck 124">
+            <a:extLst>
+              <a:ext uri="{FF2B5EF4-FFF2-40B4-BE49-F238E27FC236}">
+                <a16:creationId xmlns:a16="http://schemas.microsoft.com/office/drawing/2014/main" id="{37A775E3-EDF7-9780-06F7-32B092C8E78A}"/>
+              </a:ext>
+            </a:extLst>
+          </p:cNvPr>
+          <p:cNvSpPr/>
           <p:nvPr/>
-        </p:nvCxnSpPr>
+        </p:nvSpPr>
         <p:spPr>
           <a:xfrm>
-            <a:off x="944913" y="3577279"/>
-            <a:ext cx="1111914" cy="8924"/>
-          </a:xfrm>
-          <a:prstGeom prst="line">
-            <a:avLst/>
-          </a:prstGeom>
-          <a:ln w="19050">
-            <a:solidFill>
-              <a:schemeClr val="tx1"/>
-            </a:solidFill>
-          </a:ln>
-        </p:spPr>
-        <p:style>
-          <a:lnRef idx="1">
-            <a:schemeClr val="accent1"/>
-          </a:lnRef>
-          <a:fillRef idx="0">
-            <a:schemeClr val="accent1"/>
-          </a:fillRef>
-          <a:effectRef idx="0">
-            <a:schemeClr val="accent1"/>
-          </a:effectRef>
-          <a:fontRef idx="minor">
-            <a:schemeClr val="tx1"/>
-          </a:fontRef>
-        </p:style>
-      </p:cxnSp>
-      <p:sp>
-        <p:nvSpPr>
-          <p:cNvPr id="121" name="Gleichschenkliges Dreieck 120">
-            <a:extLst>
-              <a:ext uri="{FF2B5EF4-FFF2-40B4-BE49-F238E27FC236}">
-                <a16:creationId xmlns:a16="http://schemas.microsoft.com/office/drawing/2014/main" id="{4C7F3838-7432-E7A8-49F8-22C01FECF028}"/>
-              </a:ext>
-            </a:extLst>
-          </p:cNvPr>
-          <p:cNvSpPr/>
-          <p:nvPr/>
-        </p:nvSpPr>
-        <p:spPr>
-          <a:xfrm>
-            <a:off x="943537" y="1142223"/>
+            <a:off x="148902" y="1153730"/>
             <a:ext cx="386648" cy="413201"/>
           </a:xfrm>
           <a:prstGeom prst="triangle">
@@ -9904,12 +10355,100 @@
           </a:p>
         </p:txBody>
       </p:sp>
-      <p:sp>
-        <p:nvSpPr>
-          <p:cNvPr id="125" name="Gleichschenkliges Dreieck 124">
-            <a:extLst>
-              <a:ext uri="{FF2B5EF4-FFF2-40B4-BE49-F238E27FC236}">
-                <a16:creationId xmlns:a16="http://schemas.microsoft.com/office/drawing/2014/main" id="{37A775E3-EDF7-9780-06F7-32B092C8E78A}"/>
+      <p:cxnSp>
+        <p:nvCxnSpPr>
+          <p:cNvPr id="322" name="Gerader Verbinder 321">
+            <a:extLst>
+              <a:ext uri="{FF2B5EF4-FFF2-40B4-BE49-F238E27FC236}">
+                <a16:creationId xmlns:a16="http://schemas.microsoft.com/office/drawing/2014/main" id="{AD95E441-CAA2-83EF-7335-7A09FA0FEC43}"/>
+              </a:ext>
+            </a:extLst>
+          </p:cNvPr>
+          <p:cNvCxnSpPr>
+            <a:cxnSpLocks/>
+            <a:stCxn id="326" idx="0"/>
+            <a:endCxn id="81" idx="4"/>
+          </p:cNvCxnSpPr>
+          <p:nvPr/>
+        </p:nvCxnSpPr>
+        <p:spPr>
+          <a:xfrm flipH="1" flipV="1">
+            <a:off x="950096" y="1153736"/>
+            <a:ext cx="820" cy="432906"/>
+          </a:xfrm>
+          <a:prstGeom prst="line">
+            <a:avLst/>
+          </a:prstGeom>
+          <a:ln w="19050">
+            <a:solidFill>
+              <a:schemeClr val="tx1"/>
+            </a:solidFill>
+          </a:ln>
+        </p:spPr>
+        <p:style>
+          <a:lnRef idx="1">
+            <a:schemeClr val="accent1"/>
+          </a:lnRef>
+          <a:fillRef idx="0">
+            <a:schemeClr val="accent1"/>
+          </a:fillRef>
+          <a:effectRef idx="0">
+            <a:schemeClr val="accent1"/>
+          </a:effectRef>
+          <a:fontRef idx="minor">
+            <a:schemeClr val="tx1"/>
+          </a:fontRef>
+        </p:style>
+      </p:cxnSp>
+      <p:cxnSp>
+        <p:nvCxnSpPr>
+          <p:cNvPr id="325" name="Gerader Verbinder 324">
+            <a:extLst>
+              <a:ext uri="{FF2B5EF4-FFF2-40B4-BE49-F238E27FC236}">
+                <a16:creationId xmlns:a16="http://schemas.microsoft.com/office/drawing/2014/main" id="{01D62E52-246B-01D5-6B22-A971A480402D}"/>
+              </a:ext>
+            </a:extLst>
+          </p:cNvPr>
+          <p:cNvCxnSpPr>
+            <a:cxnSpLocks/>
+          </p:cNvCxnSpPr>
+          <p:nvPr/>
+        </p:nvCxnSpPr>
+        <p:spPr>
+          <a:xfrm>
+            <a:off x="352425" y="1555424"/>
+            <a:ext cx="1173435" cy="0"/>
+          </a:xfrm>
+          <a:prstGeom prst="line">
+            <a:avLst/>
+          </a:prstGeom>
+          <a:ln w="38100" cmpd="sng">
+            <a:solidFill>
+              <a:schemeClr val="tx1"/>
+            </a:solidFill>
+          </a:ln>
+        </p:spPr>
+        <p:style>
+          <a:lnRef idx="1">
+            <a:schemeClr val="accent1"/>
+          </a:lnRef>
+          <a:fillRef idx="0">
+            <a:schemeClr val="accent1"/>
+          </a:fillRef>
+          <a:effectRef idx="0">
+            <a:schemeClr val="accent1"/>
+          </a:effectRef>
+          <a:fontRef idx="minor">
+            <a:schemeClr val="tx1"/>
+          </a:fontRef>
+        </p:style>
+      </p:cxnSp>
+      <p:sp>
+        <p:nvSpPr>
+          <p:cNvPr id="326" name="Gleichschenkliges Dreieck 325">
+            <a:extLst>
+              <a:ext uri="{FF2B5EF4-FFF2-40B4-BE49-F238E27FC236}">
+                <a16:creationId xmlns:a16="http://schemas.microsoft.com/office/drawing/2014/main" id="{E0F61A4D-9CA8-0FC2-871A-12916B5EA346}"/>
               </a:ext>
             </a:extLst>
           </p:cNvPr>
@@ -9918,7 +10457,7 @@
         </p:nvSpPr>
         <p:spPr>
           <a:xfrm>
-            <a:off x="148902" y="1153730"/>
+            <a:off x="757592" y="1586642"/>
             <a:ext cx="386648" cy="413201"/>
           </a:xfrm>
           <a:prstGeom prst="triangle">
@@ -9959,24 +10498,24 @@
       </p:sp>
       <p:cxnSp>
         <p:nvCxnSpPr>
-          <p:cNvPr id="322" name="Gerader Verbinder 321">
-            <a:extLst>
-              <a:ext uri="{FF2B5EF4-FFF2-40B4-BE49-F238E27FC236}">
-                <a16:creationId xmlns:a16="http://schemas.microsoft.com/office/drawing/2014/main" id="{AD95E441-CAA2-83EF-7335-7A09FA0FEC43}"/>
+          <p:cNvPr id="163" name="Gerader Verbinder 162">
+            <a:extLst>
+              <a:ext uri="{FF2B5EF4-FFF2-40B4-BE49-F238E27FC236}">
+                <a16:creationId xmlns:a16="http://schemas.microsoft.com/office/drawing/2014/main" id="{0BCC4C72-5CC3-37D3-F8D1-503AE586161A}"/>
               </a:ext>
             </a:extLst>
           </p:cNvPr>
           <p:cNvCxnSpPr>
             <a:cxnSpLocks/>
-            <a:stCxn id="326" idx="0"/>
-            <a:endCxn id="81" idx="4"/>
+            <a:stCxn id="165" idx="2"/>
+            <a:endCxn id="16" idx="1"/>
           </p:cNvCxnSpPr>
           <p:nvPr/>
         </p:nvCxnSpPr>
         <p:spPr>
-          <a:xfrm flipH="1" flipV="1">
-            <a:off x="950096" y="1153736"/>
-            <a:ext cx="820" cy="432906"/>
+          <a:xfrm>
+            <a:off x="1332886" y="2468438"/>
+            <a:ext cx="240704" cy="0"/>
           </a:xfrm>
           <a:prstGeom prst="line">
             <a:avLst/>
@@ -10002,64 +10541,21 @@
           </a:fontRef>
         </p:style>
       </p:cxnSp>
-      <p:cxnSp>
-        <p:nvCxnSpPr>
-          <p:cNvPr id="325" name="Gerader Verbinder 324">
-            <a:extLst>
-              <a:ext uri="{FF2B5EF4-FFF2-40B4-BE49-F238E27FC236}">
-                <a16:creationId xmlns:a16="http://schemas.microsoft.com/office/drawing/2014/main" id="{01D62E52-246B-01D5-6B22-A971A480402D}"/>
-              </a:ext>
-            </a:extLst>
-          </p:cNvPr>
-          <p:cNvCxnSpPr>
-            <a:cxnSpLocks/>
-          </p:cNvCxnSpPr>
+      <p:sp>
+        <p:nvSpPr>
+          <p:cNvPr id="165" name="Gleichschenkliges Dreieck 164">
+            <a:extLst>
+              <a:ext uri="{FF2B5EF4-FFF2-40B4-BE49-F238E27FC236}">
+                <a16:creationId xmlns:a16="http://schemas.microsoft.com/office/drawing/2014/main" id="{64A71830-C41A-E1D0-DDE2-520004B9FE8F}"/>
+              </a:ext>
+            </a:extLst>
+          </p:cNvPr>
+          <p:cNvSpPr/>
           <p:nvPr/>
-        </p:nvCxnSpPr>
+        </p:nvSpPr>
         <p:spPr>
           <a:xfrm>
-            <a:off x="352425" y="1555424"/>
-            <a:ext cx="1173435" cy="0"/>
-          </a:xfrm>
-          <a:prstGeom prst="line">
-            <a:avLst/>
-          </a:prstGeom>
-          <a:ln w="38100" cmpd="sng">
-            <a:solidFill>
-              <a:schemeClr val="tx1"/>
-            </a:solidFill>
-          </a:ln>
-        </p:spPr>
-        <p:style>
-          <a:lnRef idx="1">
-            <a:schemeClr val="accent1"/>
-          </a:lnRef>
-          <a:fillRef idx="0">
-            <a:schemeClr val="accent1"/>
-          </a:fillRef>
-          <a:effectRef idx="0">
-            <a:schemeClr val="accent1"/>
-          </a:effectRef>
-          <a:fontRef idx="minor">
-            <a:schemeClr val="tx1"/>
-          </a:fontRef>
-        </p:style>
-      </p:cxnSp>
-      <p:sp>
-        <p:nvSpPr>
-          <p:cNvPr id="326" name="Gleichschenkliges Dreieck 325">
-            <a:extLst>
-              <a:ext uri="{FF2B5EF4-FFF2-40B4-BE49-F238E27FC236}">
-                <a16:creationId xmlns:a16="http://schemas.microsoft.com/office/drawing/2014/main" id="{E0F61A4D-9CA8-0FC2-871A-12916B5EA346}"/>
-              </a:ext>
-            </a:extLst>
-          </p:cNvPr>
-          <p:cNvSpPr/>
-          <p:nvPr/>
-        </p:nvSpPr>
-        <p:spPr>
-          <a:xfrm>
-            <a:off x="757592" y="1586642"/>
+            <a:off x="1332886" y="2055237"/>
             <a:ext cx="386648" cy="413201"/>
           </a:xfrm>
           <a:prstGeom prst="triangle">
@@ -10100,104 +10596,6 @@
       </p:sp>
       <p:cxnSp>
         <p:nvCxnSpPr>
-          <p:cNvPr id="163" name="Gerader Verbinder 162">
-            <a:extLst>
-              <a:ext uri="{FF2B5EF4-FFF2-40B4-BE49-F238E27FC236}">
-                <a16:creationId xmlns:a16="http://schemas.microsoft.com/office/drawing/2014/main" id="{0BCC4C72-5CC3-37D3-F8D1-503AE586161A}"/>
-              </a:ext>
-            </a:extLst>
-          </p:cNvPr>
-          <p:cNvCxnSpPr>
-            <a:cxnSpLocks/>
-            <a:stCxn id="165" idx="2"/>
-            <a:endCxn id="16" idx="1"/>
-          </p:cNvCxnSpPr>
-          <p:nvPr/>
-        </p:nvCxnSpPr>
-        <p:spPr>
-          <a:xfrm flipV="1">
-            <a:off x="1332536" y="2468438"/>
-            <a:ext cx="241054" cy="1063"/>
-          </a:xfrm>
-          <a:prstGeom prst="line">
-            <a:avLst/>
-          </a:prstGeom>
-          <a:ln w="19050">
-            <a:solidFill>
-              <a:schemeClr val="tx1"/>
-            </a:solidFill>
-          </a:ln>
-        </p:spPr>
-        <p:style>
-          <a:lnRef idx="1">
-            <a:schemeClr val="accent1"/>
-          </a:lnRef>
-          <a:fillRef idx="0">
-            <a:schemeClr val="accent1"/>
-          </a:fillRef>
-          <a:effectRef idx="0">
-            <a:schemeClr val="accent1"/>
-          </a:effectRef>
-          <a:fontRef idx="minor">
-            <a:schemeClr val="tx1"/>
-          </a:fontRef>
-        </p:style>
-      </p:cxnSp>
-      <p:sp>
-        <p:nvSpPr>
-          <p:cNvPr id="165" name="Gleichschenkliges Dreieck 164">
-            <a:extLst>
-              <a:ext uri="{FF2B5EF4-FFF2-40B4-BE49-F238E27FC236}">
-                <a16:creationId xmlns:a16="http://schemas.microsoft.com/office/drawing/2014/main" id="{64A71830-C41A-E1D0-DDE2-520004B9FE8F}"/>
-              </a:ext>
-            </a:extLst>
-          </p:cNvPr>
-          <p:cNvSpPr/>
-          <p:nvPr/>
-        </p:nvSpPr>
-        <p:spPr>
-          <a:xfrm>
-            <a:off x="1332536" y="2056300"/>
-            <a:ext cx="386648" cy="413201"/>
-          </a:xfrm>
-          <a:prstGeom prst="triangle">
-            <a:avLst/>
-          </a:prstGeom>
-          <a:noFill/>
-          <a:ln>
-            <a:noFill/>
-          </a:ln>
-        </p:spPr>
-        <p:style>
-          <a:lnRef idx="2">
-            <a:schemeClr val="accent1">
-              <a:shade val="15000"/>
-            </a:schemeClr>
-          </a:lnRef>
-          <a:fillRef idx="1">
-            <a:schemeClr val="accent1"/>
-          </a:fillRef>
-          <a:effectRef idx="0">
-            <a:schemeClr val="accent1"/>
-          </a:effectRef>
-          <a:fontRef idx="minor">
-            <a:schemeClr val="lt1"/>
-          </a:fontRef>
-        </p:style>
-        <p:txBody>
-          <a:bodyPr rtlCol="0" anchor="ctr"/>
-          <a:lstStyle/>
-          <a:p>
-            <a:pPr algn="ctr"/>
-            <a:endParaRPr lang="de-DE">
-              <a:latin typeface="Arial" panose="020B0604020202020204" pitchFamily="34" charset="0"/>
-              <a:cs typeface="Arial" panose="020B0604020202020204" pitchFamily="34" charset="0"/>
-            </a:endParaRPr>
-          </a:p>
-        </p:txBody>
-      </p:sp>
-      <p:cxnSp>
-        <p:nvCxnSpPr>
           <p:cNvPr id="170" name="Gerader Verbinder 169">
             <a:extLst>
               <a:ext uri="{FF2B5EF4-FFF2-40B4-BE49-F238E27FC236}">
@@ -10254,15 +10652,15 @@
           </p:cNvPr>
           <p:cNvCxnSpPr>
             <a:cxnSpLocks/>
-            <a:stCxn id="121" idx="2"/>
-            <a:endCxn id="106" idx="2"/>
+            <a:stCxn id="16" idx="2"/>
+            <a:endCxn id="23" idx="0"/>
           </p:cNvCxnSpPr>
           <p:nvPr/>
         </p:nvCxnSpPr>
         <p:spPr>
           <a:xfrm>
-            <a:off x="943537" y="1555424"/>
-            <a:ext cx="1376" cy="2021855"/>
+            <a:off x="2806648" y="2675038"/>
+            <a:ext cx="3707" cy="704564"/>
           </a:xfrm>
           <a:prstGeom prst="line">
             <a:avLst/>
@@ -10309,7 +10707,7 @@
         <p:spPr>
           <a:xfrm>
             <a:off x="1330185" y="1555424"/>
-            <a:ext cx="2351" cy="914077"/>
+            <a:ext cx="2701" cy="913014"/>
           </a:xfrm>
           <a:prstGeom prst="line">
             <a:avLst/>
